--- a/presentation.pptx
+++ b/presentation.pptx
@@ -110,6 +110,11 @@
       </a:defRPr>
     </a:lvl9pPr>
   </p:defaultTextStyle>
+  <p:extLst>
+    <p:ext uri="{EFAFB233-063F-42B5-8137-9DF3F51BA10A}">
+      <p15:sldGuideLst xmlns:p15="http://schemas.microsoft.com/office/powerpoint/2012/main"/>
+    </p:ext>
+  </p:extLst>
 </p:presentation>
 </file>
 
@@ -2372,6 +2377,7 @@
         <cx:series layoutId="boxWhisker" uniqueId="{1F6D6822-A25E-41A1-B367-DB14C2C445B2}">
           <cx:tx>
             <cx:txData>
+              <cx:f/>
               <cx:v>2016</cx:v>
             </cx:txData>
           </cx:tx>
@@ -2394,6 +2400,7 @@
         <cx:series layoutId="boxWhisker" uniqueId="{3F94D807-669B-4A62-943D-DBFB6FA0507A}">
           <cx:tx>
             <cx:txData>
+              <cx:f/>
               <cx:v>2017</cx:v>
             </cx:txData>
           </cx:tx>
@@ -2416,6 +2423,7 @@
         <cx:series layoutId="boxWhisker" uniqueId="{C6721D98-D2E0-4A23-9B19-F6BFF65B962C}">
           <cx:tx>
             <cx:txData>
+              <cx:f/>
               <cx:v>2018</cx:v>
             </cx:txData>
           </cx:tx>
@@ -2437,6 +2445,7 @@
         <cx:series layoutId="boxWhisker" uniqueId="{7B3AC109-847E-40FA-81B2-5C37C670B634}">
           <cx:tx>
             <cx:txData>
+              <cx:f/>
               <cx:v>2019</cx:v>
             </cx:txData>
           </cx:tx>
@@ -7132,7 +7141,7 @@
           <a:p>
             <a:fld id="{9AB3A824-1A51-4B26-AD58-A6D8E14F6C04}" type="datetimeFigureOut">
               <a:rPr lang="en-US" dirty="0"/>
-              <a:t>7/17/2020</a:t>
+              <a:t>7/18/2020</a:t>
             </a:fld>
             <a:endParaRPr lang="en-US" dirty="0"/>
           </a:p>
@@ -7466,7 +7475,7 @@
           <a:p>
             <a:fld id="{D857E33E-8B18-4087-B112-809917729534}" type="datetimeFigureOut">
               <a:rPr lang="en-US" dirty="0"/>
-              <a:t>7/17/2020</a:t>
+              <a:t>7/18/2020</a:t>
             </a:fld>
             <a:endParaRPr lang="en-US" dirty="0"/>
           </a:p>
@@ -7768,7 +7777,7 @@
           <a:p>
             <a:fld id="{D3FFE419-2371-464F-8239-3959401C3561}" type="datetimeFigureOut">
               <a:rPr lang="en-US" dirty="0"/>
-              <a:t>7/17/2020</a:t>
+              <a:t>7/18/2020</a:t>
             </a:fld>
             <a:endParaRPr lang="en-US" dirty="0"/>
           </a:p>
@@ -8015,7 +8024,7 @@
           <a:p>
             <a:fld id="{97D162C4-EDD9-4389-A98B-B87ECEA2A816}" type="datetimeFigureOut">
               <a:rPr lang="en-US" dirty="0"/>
-              <a:t>7/17/2020</a:t>
+              <a:t>7/18/2020</a:t>
             </a:fld>
             <a:endParaRPr lang="en-US" dirty="0"/>
           </a:p>
@@ -8422,7 +8431,7 @@
           <a:p>
             <a:fld id="{3E5059C3-6A89-4494-99FF-5A4D6FFD50EB}" type="datetimeFigureOut">
               <a:rPr lang="en-US" dirty="0"/>
-              <a:t>7/17/2020</a:t>
+              <a:t>7/18/2020</a:t>
             </a:fld>
             <a:endParaRPr lang="en-US" dirty="0"/>
           </a:p>
@@ -8736,7 +8745,7 @@
           <a:p>
             <a:fld id="{CA954B2F-12DE-47F5-8894-472B206D2E1E}" type="datetimeFigureOut">
               <a:rPr lang="en-US" dirty="0"/>
-              <a:t>7/17/2020</a:t>
+              <a:t>7/18/2020</a:t>
             </a:fld>
             <a:endParaRPr lang="en-US" dirty="0"/>
           </a:p>
@@ -9280,7 +9289,7 @@
           <a:p>
             <a:fld id="{3F30E46F-7819-4ACF-B48B-48222C2ACC88}" type="datetimeFigureOut">
               <a:rPr lang="en-US" dirty="0"/>
-              <a:t>7/17/2020</a:t>
+              <a:t>7/18/2020</a:t>
             </a:fld>
             <a:endParaRPr lang="en-US" dirty="0"/>
           </a:p>
@@ -9475,7 +9484,7 @@
           <a:p>
             <a:fld id="{1FAF3416-4057-4DAA-829D-4CA07428D088}" type="datetimeFigureOut">
               <a:rPr lang="en-US" dirty="0"/>
-              <a:t>7/17/2020</a:t>
+              <a:t>7/18/2020</a:t>
             </a:fld>
             <a:endParaRPr lang="en-US" dirty="0"/>
           </a:p>
@@ -9688,7 +9697,7 @@
           <a:p>
             <a:fld id="{921D9284-D300-4297-87F7-E791DCC15DB1}" type="datetimeFigureOut">
               <a:rPr lang="en-US" dirty="0"/>
-              <a:t>7/17/2020</a:t>
+              <a:t>7/18/2020</a:t>
             </a:fld>
             <a:endParaRPr lang="en-US" dirty="0"/>
           </a:p>
@@ -10057,7 +10066,7 @@
           <a:p>
             <a:fld id="{37D525BB-DA17-4BA0-B3C8-3AC3ABC827E6}" type="datetimeFigureOut">
               <a:rPr lang="en-US" dirty="0"/>
-              <a:t>7/17/2020</a:t>
+              <a:t>7/18/2020</a:t>
             </a:fld>
             <a:endParaRPr lang="en-US" dirty="0"/>
           </a:p>
@@ -10460,7 +10469,7 @@
           <a:p>
             <a:fld id="{B16C4C9A-3960-41CF-A4E9-2A8FB932454B}" type="datetimeFigureOut">
               <a:rPr lang="en-US" dirty="0"/>
-              <a:t>7/17/2020</a:t>
+              <a:t>7/18/2020</a:t>
             </a:fld>
             <a:endParaRPr lang="en-US" dirty="0"/>
           </a:p>
@@ -10771,7 +10780,7 @@
           <a:p>
             <a:fld id="{3CBC1C18-307B-4F68-A007-B5B542270E8D}" type="datetimeFigureOut">
               <a:rPr lang="en-US" dirty="0"/>
-              <a:t>7/17/2020</a:t>
+              <a:t>7/18/2020</a:t>
             </a:fld>
             <a:endParaRPr lang="en-US" dirty="0"/>
           </a:p>
@@ -11495,7 +11504,7 @@
         </p:nvSpPr>
         <p:spPr>
           <a:xfrm>
-            <a:off x="4071234" y="5742167"/>
+            <a:off x="4674707" y="5499652"/>
             <a:ext cx="1447832" cy="307777"/>
           </a:xfrm>
           <a:prstGeom prst="rect">
@@ -11536,8 +11545,8 @@
         </p:nvSpPr>
         <p:spPr>
           <a:xfrm>
-            <a:off x="4228379" y="6049944"/>
-            <a:ext cx="5631029" cy="1015663"/>
+            <a:off x="4831852" y="5807429"/>
+            <a:ext cx="2914388" cy="1384995"/>
           </a:xfrm>
           <a:prstGeom prst="rect">
             <a:avLst/>
@@ -11553,8 +11562,8 @@
             <a:r>
               <a:rPr lang="en-US" sz="1200" dirty="0">
                 <a:solidFill>
-                  <a:schemeClr val="tx1">
-                    <a:lumMod val="85000"/>
+                  <a:schemeClr val="accent1">
+                    <a:lumMod val="75000"/>
                   </a:schemeClr>
                 </a:solidFill>
               </a:rPr>
@@ -11563,8 +11572,8 @@
             <a:r>
               <a:rPr lang="en-US" sz="1200" dirty="0" err="1">
                 <a:solidFill>
-                  <a:schemeClr val="tx1">
-                    <a:lumMod val="85000"/>
+                  <a:schemeClr val="accent1">
+                    <a:lumMod val="75000"/>
                   </a:schemeClr>
                 </a:solidFill>
               </a:rPr>
@@ -11573,18 +11582,42 @@
             <a:r>
               <a:rPr lang="en-US" sz="1200" dirty="0">
                 <a:solidFill>
-                  <a:schemeClr val="tx1">
-                    <a:lumMod val="85000"/>
+                  <a:schemeClr val="accent1">
+                    <a:lumMod val="75000"/>
                   </a:schemeClr>
                 </a:solidFill>
               </a:rPr>
-              <a:t>), MAX(‘sheet_name'!</a:t>
+              <a:t>)</a:t>
+            </a:r>
+            <a:r>
+              <a:rPr lang="en-US" sz="1200" dirty="0">
+                <a:solidFill>
+                  <a:schemeClr val="tx2">
+                    <a:lumMod val="90000"/>
+                  </a:schemeClr>
+                </a:solidFill>
+              </a:rPr>
+              <a:t>, </a:t>
+            </a:r>
+          </a:p>
+          <a:p>
+            <a:r>
+              <a:rPr lang="en-US" sz="1200" dirty="0">
+                <a:solidFill>
+                  <a:schemeClr val="accent1">
+                    <a:lumMod val="60000"/>
+                    <a:lumOff val="40000"/>
+                  </a:schemeClr>
+                </a:solidFill>
+              </a:rPr>
+              <a:t>MAX(‘sheet_name'!</a:t>
             </a:r>
             <a:r>
               <a:rPr lang="en-US" sz="1200" dirty="0" err="1">
                 <a:solidFill>
-                  <a:schemeClr val="tx1">
-                    <a:lumMod val="85000"/>
+                  <a:schemeClr val="accent1">
+                    <a:lumMod val="60000"/>
+                    <a:lumOff val="40000"/>
                   </a:schemeClr>
                 </a:solidFill>
               </a:rPr>
@@ -11593,18 +11626,20 @@
             <a:r>
               <a:rPr lang="en-US" sz="1200" dirty="0">
                 <a:solidFill>
-                  <a:schemeClr val="tx1">
-                    <a:lumMod val="85000"/>
+                  <a:schemeClr val="accent1">
+                    <a:lumMod val="60000"/>
+                    <a:lumOff val="40000"/>
                   </a:schemeClr>
                 </a:solidFill>
               </a:rPr>
-              <a:t>)</a:t>
+              <a:t>),</a:t>
             </a:r>
             <a:br>
               <a:rPr lang="en-US" sz="1200" dirty="0">
                 <a:solidFill>
-                  <a:schemeClr val="tx1">
-                    <a:lumMod val="85000"/>
+                  <a:schemeClr val="accent1">
+                    <a:lumMod val="20000"/>
+                    <a:lumOff val="80000"/>
                   </a:schemeClr>
                 </a:solidFill>
               </a:rPr>
@@ -11612,8 +11647,9 @@
             <a:r>
               <a:rPr lang="en-US" sz="1200" dirty="0">
                 <a:solidFill>
-                  <a:schemeClr val="tx1">
-                    <a:lumMod val="85000"/>
+                  <a:schemeClr val="accent1">
+                    <a:lumMod val="20000"/>
+                    <a:lumOff val="80000"/>
                   </a:schemeClr>
                 </a:solidFill>
               </a:rPr>
@@ -11622,8 +11658,9 @@
             <a:r>
               <a:rPr lang="en-US" sz="1200" dirty="0" err="1">
                 <a:solidFill>
-                  <a:schemeClr val="tx1">
-                    <a:lumMod val="85000"/>
+                  <a:schemeClr val="accent1">
+                    <a:lumMod val="20000"/>
+                    <a:lumOff val="80000"/>
                   </a:schemeClr>
                 </a:solidFill>
               </a:rPr>
@@ -11632,18 +11669,33 @@
             <a:r>
               <a:rPr lang="en-US" sz="1200" dirty="0">
                 <a:solidFill>
-                  <a:schemeClr val="tx1">
-                    <a:lumMod val="85000"/>
+                  <a:schemeClr val="accent1">
+                    <a:lumMod val="20000"/>
+                    <a:lumOff val="80000"/>
                   </a:schemeClr>
                 </a:solidFill>
               </a:rPr>
-              <a:t>), AVERAGE(‘sheet_name'!</a:t>
+              <a:t>), </a:t>
+            </a:r>
+          </a:p>
+          <a:p>
+            <a:r>
+              <a:rPr lang="en-US" sz="1200" dirty="0">
+                <a:solidFill>
+                  <a:schemeClr val="accent3">
+                    <a:lumMod val="20000"/>
+                    <a:lumOff val="80000"/>
+                  </a:schemeClr>
+                </a:solidFill>
+              </a:rPr>
+              <a:t>AVERAGE(‘sheet_name'!</a:t>
             </a:r>
             <a:r>
               <a:rPr lang="en-US" sz="1200" dirty="0" err="1">
                 <a:solidFill>
-                  <a:schemeClr val="tx1">
-                    <a:lumMod val="85000"/>
+                  <a:schemeClr val="accent3">
+                    <a:lumMod val="20000"/>
+                    <a:lumOff val="80000"/>
                   </a:schemeClr>
                 </a:solidFill>
               </a:rPr>
@@ -11652,8 +11704,9 @@
             <a:r>
               <a:rPr lang="en-US" sz="1200" dirty="0">
                 <a:solidFill>
-                  <a:schemeClr val="tx1">
-                    <a:lumMod val="85000"/>
+                  <a:schemeClr val="accent3">
+                    <a:lumMod val="20000"/>
+                    <a:lumOff val="80000"/>
                   </a:schemeClr>
                 </a:solidFill>
               </a:rPr>
@@ -13219,7 +13272,7 @@
         </p:xfrm>
         <a:graphic>
           <a:graphicData uri="http://schemas.openxmlformats.org/drawingml/2006/chart">
-            <c:chart xmlns:c="http://schemas.openxmlformats.org/drawingml/2006/chart" xmlns:r="http://schemas.openxmlformats.org/officeDocument/2006/relationships" r:id="rId3"/>
+            <c:chart xmlns:c="http://schemas.openxmlformats.org/drawingml/2006/chart" xmlns:r="http://schemas.openxmlformats.org/officeDocument/2006/relationships" r:id="rId2"/>
           </a:graphicData>
         </a:graphic>
       </p:graphicFrame>
@@ -13249,7 +13302,7 @@
         </p:xfrm>
         <a:graphic>
           <a:graphicData uri="http://schemas.openxmlformats.org/drawingml/2006/chart">
-            <c:chart xmlns:c="http://schemas.openxmlformats.org/drawingml/2006/chart" xmlns:r="http://schemas.openxmlformats.org/officeDocument/2006/relationships" r:id="rId4"/>
+            <c:chart xmlns:c="http://schemas.openxmlformats.org/drawingml/2006/chart" xmlns:r="http://schemas.openxmlformats.org/officeDocument/2006/relationships" r:id="rId3"/>
           </a:graphicData>
         </a:graphic>
       </p:graphicFrame>
@@ -13279,7 +13332,7 @@
         </p:xfrm>
         <a:graphic>
           <a:graphicData uri="http://schemas.openxmlformats.org/drawingml/2006/chart">
-            <c:chart xmlns:c="http://schemas.openxmlformats.org/drawingml/2006/chart" xmlns:r="http://schemas.openxmlformats.org/officeDocument/2006/relationships" r:id="rId5"/>
+            <c:chart xmlns:c="http://schemas.openxmlformats.org/drawingml/2006/chart" xmlns:r="http://schemas.openxmlformats.org/officeDocument/2006/relationships" r:id="rId4"/>
           </a:graphicData>
         </a:graphic>
       </p:graphicFrame>
@@ -13309,7 +13362,7 @@
         </p:xfrm>
         <a:graphic>
           <a:graphicData uri="http://schemas.openxmlformats.org/drawingml/2006/chart">
-            <c:chart xmlns:c="http://schemas.openxmlformats.org/drawingml/2006/chart" xmlns:r="http://schemas.openxmlformats.org/officeDocument/2006/relationships" r:id="rId6"/>
+            <c:chart xmlns:c="http://schemas.openxmlformats.org/drawingml/2006/chart" xmlns:r="http://schemas.openxmlformats.org/officeDocument/2006/relationships" r:id="rId5"/>
           </a:graphicData>
         </a:graphic>
       </p:graphicFrame>
@@ -13369,7 +13422,7 @@
         <p:spPr>
           <a:xfrm>
             <a:off x="2471183" y="6160264"/>
-            <a:ext cx="7285969" cy="461665"/>
+            <a:ext cx="3791423" cy="646331"/>
           </a:xfrm>
           <a:prstGeom prst="rect">
             <a:avLst/>
@@ -13385,8 +13438,9 @@
             <a:r>
               <a:rPr lang="en-US" sz="1200" dirty="0">
                 <a:solidFill>
-                  <a:schemeClr val="bg1">
-                    <a:lumMod val="50000"/>
+                  <a:schemeClr val="tx1">
+                    <a:lumMod val="85000"/>
+                    <a:lumOff val="15000"/>
                   </a:schemeClr>
                 </a:solidFill>
               </a:rPr>
@@ -13395,12 +13449,24 @@
             <a:r>
               <a:rPr lang="en-US" sz="1200" dirty="0" err="1">
                 <a:solidFill>
-                  <a:schemeClr val="bg1">
-                    <a:lumMod val="50000"/>
+                  <a:schemeClr val="tx1">
+                    <a:lumMod val="85000"/>
+                    <a:lumOff val="15000"/>
                   </a:schemeClr>
                 </a:solidFill>
               </a:rPr>
               <a:t>times_column</a:t>
+            </a:r>
+            <a:r>
+              <a:rPr lang="en-US" sz="1200" dirty="0">
+                <a:solidFill>
+                  <a:schemeClr val="tx1">
+                    <a:lumMod val="85000"/>
+                    <a:lumOff val="15000"/>
+                  </a:schemeClr>
+                </a:solidFill>
+              </a:rPr>
+              <a:t>,"&lt;04:29:20")</a:t>
             </a:r>
             <a:r>
               <a:rPr lang="en-US" sz="1200" dirty="0">
@@ -13410,13 +13476,27 @@
                   </a:schemeClr>
                 </a:solidFill>
               </a:rPr>
-              <a:t>,"&lt;04:29:20"), MAX(‘</a:t>
+              <a:t>, </a:t>
+            </a:r>
+          </a:p>
+          <a:p>
+            <a:r>
+              <a:rPr lang="en-US" sz="1200" dirty="0">
+                <a:solidFill>
+                  <a:schemeClr val="tx1">
+                    <a:lumMod val="65000"/>
+                    <a:lumOff val="35000"/>
+                  </a:schemeClr>
+                </a:solidFill>
+              </a:rPr>
+              <a:t>MAX(‘</a:t>
             </a:r>
             <a:r>
               <a:rPr lang="en-US" sz="1200" dirty="0" err="1">
                 <a:solidFill>
-                  <a:schemeClr val="bg1">
-                    <a:lumMod val="50000"/>
+                  <a:schemeClr val="tx1">
+                    <a:lumMod val="65000"/>
+                    <a:lumOff val="35000"/>
                   </a:schemeClr>
                 </a:solidFill>
               </a:rPr>
@@ -13425,8 +13505,9 @@
             <a:r>
               <a:rPr lang="en-US" sz="1200" dirty="0">
                 <a:solidFill>
-                  <a:schemeClr val="bg1">
-                    <a:lumMod val="50000"/>
+                  <a:schemeClr val="tx1">
+                    <a:lumMod val="65000"/>
+                    <a:lumOff val="35000"/>
                   </a:schemeClr>
                 </a:solidFill>
               </a:rPr>
@@ -13435,8 +13516,9 @@
             <a:r>
               <a:rPr lang="en-US" sz="1200" dirty="0" err="1">
                 <a:solidFill>
-                  <a:schemeClr val="bg1">
-                    <a:lumMod val="50000"/>
+                  <a:schemeClr val="tx1">
+                    <a:lumMod val="65000"/>
+                    <a:lumOff val="35000"/>
                   </a:schemeClr>
                 </a:solidFill>
               </a:rPr>
@@ -13445,8 +13527,9 @@
             <a:r>
               <a:rPr lang="en-US" sz="1200" dirty="0">
                 <a:solidFill>
-                  <a:schemeClr val="bg1">
-                    <a:lumMod val="50000"/>
+                  <a:schemeClr val="tx1">
+                    <a:lumMod val="65000"/>
+                    <a:lumOff val="35000"/>
                   </a:schemeClr>
                 </a:solidFill>
               </a:rPr>
@@ -13455,8 +13538,9 @@
             <a:r>
               <a:rPr lang="en-US" sz="1200" dirty="0" err="1">
                 <a:solidFill>
-                  <a:schemeClr val="bg1">
-                    <a:lumMod val="50000"/>
+                  <a:schemeClr val="tx1">
+                    <a:lumMod val="65000"/>
+                    <a:lumOff val="35000"/>
                   </a:schemeClr>
                 </a:solidFill>
               </a:rPr>
@@ -13465,8 +13549,9 @@
             <a:r>
               <a:rPr lang="en-US" sz="1200" dirty="0">
                 <a:solidFill>
-                  <a:schemeClr val="bg1">
-                    <a:lumMod val="50000"/>
+                  <a:schemeClr val="tx1">
+                    <a:lumMod val="65000"/>
+                    <a:lumOff val="35000"/>
                   </a:schemeClr>
                 </a:solidFill>
               </a:rPr>
@@ -13631,7 +13716,7 @@
         <p:spPr>
           <a:xfrm>
             <a:off x="4192938" y="6049944"/>
-            <a:ext cx="4972836" cy="461665"/>
+            <a:ext cx="4022704" cy="646331"/>
           </a:xfrm>
           <a:prstGeom prst="rect">
             <a:avLst/>
@@ -13647,8 +13732,8 @@
             <a:r>
               <a:rPr lang="en-US" sz="1200" dirty="0">
                 <a:solidFill>
-                  <a:schemeClr val="tx1">
-                    <a:lumMod val="85000"/>
+                  <a:schemeClr val="accent1">
+                    <a:lumMod val="75000"/>
                   </a:schemeClr>
                 </a:solidFill>
               </a:rPr>
@@ -13657,8 +13742,8 @@
             <a:r>
               <a:rPr lang="en-US" sz="1200" dirty="0" err="1">
                 <a:solidFill>
-                  <a:schemeClr val="tx1">
-                    <a:lumMod val="85000"/>
+                  <a:schemeClr val="accent1">
+                    <a:lumMod val="75000"/>
                   </a:schemeClr>
                 </a:solidFill>
               </a:rPr>
@@ -13667,18 +13752,32 @@
             <a:r>
               <a:rPr lang="en-US" sz="1200" dirty="0">
                 <a:solidFill>
-                  <a:schemeClr val="tx1">
-                    <a:lumMod val="85000"/>
+                  <a:schemeClr val="accent1">
+                    <a:lumMod val="75000"/>
                   </a:schemeClr>
                 </a:solidFill>
               </a:rPr>
-              <a:t>),MAX(‘</a:t>
+              <a:t>),</a:t>
+            </a:r>
+          </a:p>
+          <a:p>
+            <a:r>
+              <a:rPr lang="en-US" sz="1200" dirty="0">
+                <a:solidFill>
+                  <a:schemeClr val="accent1">
+                    <a:lumMod val="60000"/>
+                    <a:lumOff val="40000"/>
+                  </a:schemeClr>
+                </a:solidFill>
+              </a:rPr>
+              <a:t>MAX(‘</a:t>
             </a:r>
             <a:r>
               <a:rPr lang="en-US" sz="1200" dirty="0" err="1">
                 <a:solidFill>
-                  <a:schemeClr val="tx1">
-                    <a:lumMod val="85000"/>
+                  <a:schemeClr val="accent1">
+                    <a:lumMod val="60000"/>
+                    <a:lumOff val="40000"/>
                   </a:schemeClr>
                 </a:solidFill>
               </a:rPr>
@@ -13687,8 +13786,9 @@
             <a:r>
               <a:rPr lang="en-US" sz="1200" dirty="0">
                 <a:solidFill>
-                  <a:schemeClr val="tx1">
-                    <a:lumMod val="85000"/>
+                  <a:schemeClr val="accent1">
+                    <a:lumMod val="60000"/>
+                    <a:lumOff val="40000"/>
                   </a:schemeClr>
                 </a:solidFill>
               </a:rPr>
@@ -13697,8 +13797,9 @@
             <a:r>
               <a:rPr lang="en-US" sz="1200" dirty="0" err="1">
                 <a:solidFill>
-                  <a:schemeClr val="tx1">
-                    <a:lumMod val="85000"/>
+                  <a:schemeClr val="accent1">
+                    <a:lumMod val="60000"/>
+                    <a:lumOff val="40000"/>
                   </a:schemeClr>
                 </a:solidFill>
               </a:rPr>
@@ -13707,8 +13808,9 @@
             <a:r>
               <a:rPr lang="en-US" sz="1200" dirty="0">
                 <a:solidFill>
-                  <a:schemeClr val="tx1">
-                    <a:lumMod val="85000"/>
+                  <a:schemeClr val="accent1">
+                    <a:lumMod val="60000"/>
+                    <a:lumOff val="40000"/>
                   </a:schemeClr>
                 </a:solidFill>
               </a:rPr>
@@ -13719,8 +13821,9 @@
             <a:r>
               <a:rPr lang="en-US" sz="1200" dirty="0">
                 <a:solidFill>
-                  <a:schemeClr val="tx1">
-                    <a:lumMod val="85000"/>
+                  <a:schemeClr val="accent1">
+                    <a:lumMod val="20000"/>
+                    <a:lumOff val="80000"/>
                   </a:schemeClr>
                 </a:solidFill>
               </a:rPr>
@@ -13729,8 +13832,9 @@
             <a:r>
               <a:rPr lang="en-US" sz="1200" dirty="0" err="1">
                 <a:solidFill>
-                  <a:schemeClr val="tx1">
-                    <a:lumMod val="85000"/>
+                  <a:schemeClr val="accent1">
+                    <a:lumMod val="20000"/>
+                    <a:lumOff val="80000"/>
                   </a:schemeClr>
                 </a:solidFill>
               </a:rPr>
@@ -13739,8 +13843,9 @@
             <a:r>
               <a:rPr lang="en-US" sz="1200" dirty="0">
                 <a:solidFill>
-                  <a:schemeClr val="tx1">
-                    <a:lumMod val="85000"/>
+                  <a:schemeClr val="accent1">
+                    <a:lumMod val="20000"/>
+                    <a:lumOff val="80000"/>
                   </a:schemeClr>
                 </a:solidFill>
               </a:rPr>
@@ -13749,8 +13854,8 @@
           </a:p>
         </p:txBody>
       </p:sp>
-      <mc:AlternateContent xmlns:mc="http://schemas.openxmlformats.org/markup-compatibility/2006">
-        <mc:Choice xmlns:cx1="http://schemas.microsoft.com/office/drawing/2015/9/8/chartex" Requires="cx1">
+      <mc:AlternateContent xmlns:mc="http://schemas.openxmlformats.org/markup-compatibility/2006" xmlns:cx1="http://schemas.microsoft.com/office/drawing/2015/9/8/chartex">
+        <mc:Choice Requires="cx1">
           <p:graphicFrame>
             <p:nvGraphicFramePr>
               <p:cNvPr id="11" name="Content Placeholder 10">
@@ -13783,7 +13888,7 @@
             </a:graphic>
           </p:graphicFrame>
         </mc:Choice>
-        <mc:Fallback>
+        <mc:Fallback xmlns="">
           <p:pic>
             <p:nvPicPr>
               <p:cNvPr id="11" name="Content Placeholder 10">
@@ -14750,8 +14855,9 @@
             <a:r>
               <a:rPr lang="en-US" sz="1200" dirty="0">
                 <a:solidFill>
-                  <a:schemeClr val="bg1">
-                    <a:lumMod val="50000"/>
+                  <a:schemeClr val="tx1">
+                    <a:lumMod val="65000"/>
+                    <a:lumOff val="35000"/>
                   </a:schemeClr>
                 </a:solidFill>
               </a:rPr>
@@ -14760,53 +14866,23 @@
           </a:p>
           <a:p>
             <a:r>
-              <a:rPr lang="en-US" sz="1200" dirty="0">
-                <a:solidFill>
-                  <a:schemeClr val="bg1">
-                    <a:lumMod val="50000"/>
-                  </a:schemeClr>
-                </a:solidFill>
-              </a:rPr>
+              <a:rPr lang="en-US" sz="1200" dirty="0"/>
               <a:t>2</a:t>
             </a:r>
             <a:r>
-              <a:rPr lang="en-US" sz="1200" baseline="30000" dirty="0">
-                <a:solidFill>
-                  <a:schemeClr val="bg1">
-                    <a:lumMod val="50000"/>
-                  </a:schemeClr>
-                </a:solidFill>
-              </a:rPr>
+              <a:rPr lang="en-US" sz="1200" baseline="30000" dirty="0"/>
               <a:t>nd</a:t>
             </a:r>
             <a:r>
-              <a:rPr lang="en-US" sz="1200" dirty="0">
-                <a:solidFill>
-                  <a:schemeClr val="bg1">
-                    <a:lumMod val="50000"/>
-                  </a:schemeClr>
-                </a:solidFill>
-              </a:rPr>
+              <a:rPr lang="en-US" sz="1200" dirty="0"/>
               <a:t>_place_time – 1</a:t>
             </a:r>
             <a:r>
-              <a:rPr lang="en-US" sz="1200" baseline="30000" dirty="0">
-                <a:solidFill>
-                  <a:schemeClr val="bg1">
-                    <a:lumMod val="50000"/>
-                  </a:schemeClr>
-                </a:solidFill>
-              </a:rPr>
+              <a:rPr lang="en-US" sz="1200" baseline="30000" dirty="0"/>
               <a:t>st</a:t>
             </a:r>
             <a:r>
-              <a:rPr lang="en-US" sz="1200" dirty="0">
-                <a:solidFill>
-                  <a:schemeClr val="bg1">
-                    <a:lumMod val="50000"/>
-                  </a:schemeClr>
-                </a:solidFill>
-              </a:rPr>
+              <a:rPr lang="en-US" sz="1200" dirty="0"/>
               <a:t>_place_time</a:t>
             </a:r>
           </a:p>
@@ -22548,12 +22624,22 @@
             <a:r>
               <a:rPr lang="en-US" sz="1200" dirty="0">
                 <a:solidFill>
+                  <a:schemeClr val="accent1">
+                    <a:lumMod val="75000"/>
+                  </a:schemeClr>
+                </a:solidFill>
+              </a:rPr>
+              <a:t>FILTER('2016_full_marathon'!$D:$D,('2016_full_marathon'!$A:$A&lt;MIN('2016_full_marathon'!$A:$A)+3)*('2016_full_marathon'!$A:$A&lt;&gt;"")),</a:t>
+            </a:r>
+            <a:r>
+              <a:rPr lang="en-US" sz="1200" dirty="0">
+                <a:solidFill>
                   <a:schemeClr val="bg1">
                     <a:lumMod val="50000"/>
                   </a:schemeClr>
                 </a:solidFill>
               </a:rPr>
-              <a:t>FILTER('2016_full_marathon'!$D:$D,('2016_full_marathon'!$A:$A&lt;MIN('2016_full_marathon'!$A:$A)+3)*('2016_full_marathon'!$A:$A&lt;&gt;"")), </a:t>
+              <a:t> </a:t>
             </a:r>
             <a:br>
               <a:rPr lang="en-US" sz="1200" dirty="0">
@@ -22567,8 +22653,9 @@
             <a:r>
               <a:rPr lang="en-US" sz="1200" dirty="0">
                 <a:solidFill>
-                  <a:schemeClr val="bg1">
-                    <a:lumMod val="50000"/>
+                  <a:schemeClr val="accent1">
+                    <a:lumMod val="60000"/>
+                    <a:lumOff val="40000"/>
                   </a:schemeClr>
                 </a:solidFill>
               </a:rPr>
@@ -22586,8 +22673,9 @@
             <a:r>
               <a:rPr lang="en-US" sz="1200" dirty="0">
                 <a:solidFill>
-                  <a:schemeClr val="bg1">
-                    <a:lumMod val="50000"/>
+                  <a:schemeClr val="accent1">
+                    <a:lumMod val="20000"/>
+                    <a:lumOff val="80000"/>
                   </a:schemeClr>
                 </a:solidFill>
               </a:rPr>
@@ -22596,8 +22684,9 @@
             <a:r>
               <a:rPr lang="en-US" sz="1200" dirty="0" err="1">
                 <a:solidFill>
-                  <a:schemeClr val="bg1">
-                    <a:lumMod val="50000"/>
+                  <a:schemeClr val="accent1">
+                    <a:lumMod val="20000"/>
+                    <a:lumOff val="80000"/>
                   </a:schemeClr>
                 </a:solidFill>
               </a:rPr>
@@ -22606,8 +22695,9 @@
             <a:r>
               <a:rPr lang="en-US" sz="1200" dirty="0">
                 <a:solidFill>
-                  <a:schemeClr val="bg1">
-                    <a:lumMod val="50000"/>
+                  <a:schemeClr val="accent1">
+                    <a:lumMod val="20000"/>
+                    <a:lumOff val="80000"/>
                   </a:schemeClr>
                 </a:solidFill>
               </a:rPr>
@@ -22616,8 +22706,9 @@
             <a:r>
               <a:rPr lang="en-US" sz="1200" dirty="0" err="1">
                 <a:solidFill>
-                  <a:schemeClr val="bg1">
-                    <a:lumMod val="50000"/>
+                  <a:schemeClr val="accent1">
+                    <a:lumMod val="20000"/>
+                    <a:lumOff val="80000"/>
                   </a:schemeClr>
                 </a:solidFill>
               </a:rPr>
@@ -22626,8 +22717,9 @@
             <a:r>
               <a:rPr lang="en-US" sz="1200" dirty="0">
                 <a:solidFill>
-                  <a:schemeClr val="bg1">
-                    <a:lumMod val="50000"/>
+                  <a:schemeClr val="accent1">
+                    <a:lumMod val="20000"/>
+                    <a:lumOff val="80000"/>
                   </a:schemeClr>
                 </a:solidFill>
               </a:rPr>

--- a/presentation.pptx
+++ b/presentation.pptx
@@ -14827,7 +14827,7 @@
         <p:spPr>
           <a:xfrm>
             <a:off x="3131730" y="6161221"/>
-            <a:ext cx="8497839" cy="646331"/>
+            <a:ext cx="7485191" cy="646331"/>
           </a:xfrm>
           <a:prstGeom prst="rect">
             <a:avLst/>
@@ -14848,7 +14848,27 @@
                   </a:schemeClr>
                 </a:solidFill>
               </a:rPr>
-              <a:t>VLOOKUP(MIN('2016_full_marathon’!ID_column),'2016_full_marathon’!full_data_range, #_of_cell_in_range_to_return), </a:t>
+              <a:t>VLOOKUP(MIN(‘sheet_name’!</a:t>
+            </a:r>
+            <a:r>
+              <a:rPr lang="en-US" sz="1200" dirty="0" err="1">
+                <a:solidFill>
+                  <a:schemeClr val="bg1">
+                    <a:lumMod val="50000"/>
+                  </a:schemeClr>
+                </a:solidFill>
+              </a:rPr>
+              <a:t>ID_column</a:t>
+            </a:r>
+            <a:r>
+              <a:rPr lang="en-US" sz="1200" dirty="0">
+                <a:solidFill>
+                  <a:schemeClr val="bg1">
+                    <a:lumMod val="50000"/>
+                  </a:schemeClr>
+                </a:solidFill>
+              </a:rPr>
+              <a:t>),’sheet_name’!full_data_range, #_of_cell_in_range_to_return), </a:t>
             </a:r>
           </a:p>
           <a:p>
@@ -14861,7 +14881,7 @@
                   </a:schemeClr>
                 </a:solidFill>
               </a:rPr>
-              <a:t>VLOOKUP(MIN('2016_full_marathon'!ID_column)+1,'2016_full_marathon’!full_data_range , #_of_cell_in_range_to_return),</a:t>
+              <a:t>VLOOKUP(MIN(‘sheet_name'!ID_column)+1,’sheet_name’!full_data_range , #_of_cell_in_range_to_return),</a:t>
             </a:r>
           </a:p>
           <a:p>
@@ -15152,7 +15172,7 @@
             <p:ph idx="1"/>
             <p:extLst>
               <p:ext uri="{D42A27DB-BD31-4B8C-83A1-F6EECF244321}">
-                <p14:modId xmlns:p14="http://schemas.microsoft.com/office/powerpoint/2010/main" val="1286150539"/>
+                <p14:modId xmlns:p14="http://schemas.microsoft.com/office/powerpoint/2010/main" val="266219613"/>
               </p:ext>
             </p:extLst>
           </p:nvPr>
@@ -15427,11 +15447,14 @@
                       <a:noFill/>
                       <a:prstDash val="solid"/>
                     </a:lnT>
-                    <a:lnB w="38100" cap="flat" cmpd="sng" algn="ctr">
-                      <a:solidFill>
-                        <a:srgbClr val="FFFFFF"/>
-                      </a:solidFill>
-                      <a:prstDash val="solid"/>
+                    <a:lnB w="12700" cap="flat" cmpd="sng" algn="ctr">
+                      <a:solidFill>
+                        <a:schemeClr val="tx1"/>
+                      </a:solidFill>
+                      <a:prstDash val="solid"/>
+                      <a:round/>
+                      <a:headEnd type="none" w="med" len="med"/>
+                      <a:tailEnd type="none" w="med" len="med"/>
                     </a:lnB>
                     <a:solidFill>
                       <a:srgbClr val="636B68">
@@ -15481,11 +15504,14 @@
                       <a:noFill/>
                       <a:prstDash val="solid"/>
                     </a:lnT>
-                    <a:lnB w="38100" cap="flat" cmpd="sng" algn="ctr">
-                      <a:solidFill>
-                        <a:srgbClr val="FFFFFF"/>
-                      </a:solidFill>
-                      <a:prstDash val="solid"/>
+                    <a:lnB w="12700" cap="flat" cmpd="sng" algn="ctr">
+                      <a:solidFill>
+                        <a:schemeClr val="tx1"/>
+                      </a:solidFill>
+                      <a:prstDash val="solid"/>
+                      <a:round/>
+                      <a:headEnd type="none" w="med" len="med"/>
+                      <a:tailEnd type="none" w="med" len="med"/>
                     </a:lnB>
                     <a:solidFill>
                       <a:srgbClr val="636B68">
@@ -15526,11 +15552,14 @@
                       <a:noFill/>
                       <a:prstDash val="solid"/>
                     </a:lnT>
-                    <a:lnB w="38100" cap="flat" cmpd="sng" algn="ctr">
-                      <a:solidFill>
-                        <a:srgbClr val="FFFFFF"/>
-                      </a:solidFill>
-                      <a:prstDash val="solid"/>
+                    <a:lnB w="12700" cap="flat" cmpd="sng" algn="ctr">
+                      <a:solidFill>
+                        <a:schemeClr val="tx1"/>
+                      </a:solidFill>
+                      <a:prstDash val="solid"/>
+                      <a:round/>
+                      <a:headEnd type="none" w="med" len="med"/>
+                      <a:tailEnd type="none" w="med" len="med"/>
                     </a:lnB>
                     <a:solidFill>
                       <a:srgbClr val="636B68">
@@ -15580,9 +15609,9 @@
                       <a:noFill/>
                       <a:prstDash val="solid"/>
                     </a:lnT>
-                    <a:lnB w="38100" cap="flat" cmpd="sng" algn="ctr">
-                      <a:solidFill>
-                        <a:srgbClr val="FFFFFF"/>
+                    <a:lnB w="12700" cap="flat" cmpd="sng" algn="ctr">
+                      <a:solidFill>
+                        <a:schemeClr val="tx1"/>
                       </a:solidFill>
                       <a:prstDash val="solid"/>
                       <a:round/>
@@ -15637,9 +15666,9 @@
                       <a:noFill/>
                       <a:prstDash val="solid"/>
                     </a:lnT>
-                    <a:lnB w="38100" cap="flat" cmpd="sng" algn="ctr">
-                      <a:solidFill>
-                        <a:srgbClr val="FFFFFF"/>
+                    <a:lnB w="12700" cap="flat" cmpd="sng" algn="ctr">
+                      <a:solidFill>
+                        <a:schemeClr val="tx1"/>
                       </a:solidFill>
                       <a:prstDash val="solid"/>
                       <a:round/>
@@ -15694,9 +15723,9 @@
                       <a:noFill/>
                       <a:prstDash val="solid"/>
                     </a:lnT>
-                    <a:lnB w="38100" cap="flat" cmpd="sng" algn="ctr">
-                      <a:solidFill>
-                        <a:srgbClr val="FFFFFF"/>
+                    <a:lnB w="12700" cap="flat" cmpd="sng" algn="ctr">
+                      <a:solidFill>
+                        <a:schemeClr val="tx1"/>
                       </a:solidFill>
                       <a:prstDash val="solid"/>
                       <a:round/>
@@ -15749,9 +15778,9 @@
                       <a:noFill/>
                       <a:prstDash val="solid"/>
                     </a:lnT>
-                    <a:lnB w="38100" cap="flat" cmpd="sng" algn="ctr">
-                      <a:solidFill>
-                        <a:srgbClr val="FFFFFF"/>
+                    <a:lnB w="12700" cap="flat" cmpd="sng" algn="ctr">
+                      <a:solidFill>
+                        <a:schemeClr val="tx1"/>
                       </a:solidFill>
                       <a:prstDash val="solid"/>
                       <a:round/>
@@ -15946,11 +15975,14 @@
                       <a:headEnd type="none" w="med" len="med"/>
                       <a:tailEnd type="none" w="med" len="med"/>
                     </a:lnL>
-                    <a:lnR w="38100" cap="flat" cmpd="sng" algn="ctr">
-                      <a:solidFill>
-                        <a:srgbClr val="FFFFFF"/>
-                      </a:solidFill>
-                      <a:prstDash val="solid"/>
+                    <a:lnR w="12700" cap="flat" cmpd="sng" algn="ctr">
+                      <a:solidFill>
+                        <a:schemeClr val="tx1"/>
+                      </a:solidFill>
+                      <a:prstDash val="solid"/>
+                      <a:round/>
+                      <a:headEnd type="none" w="med" len="med"/>
+                      <a:tailEnd type="none" w="med" len="med"/>
                     </a:lnR>
                     <a:lnT w="38100" cap="flat" cmpd="sng" algn="ctr">
                       <a:solidFill>
@@ -16014,11 +16046,14 @@
                     </a:p>
                   </a:txBody>
                   <a:tcPr marL="98405" marR="59043" marT="59043" marB="59043" anchor="b">
-                    <a:lnL w="38100" cap="flat" cmpd="sng" algn="ctr">
-                      <a:solidFill>
-                        <a:srgbClr val="FFFFFF"/>
-                      </a:solidFill>
-                      <a:prstDash val="solid"/>
+                    <a:lnL w="12700" cap="flat" cmpd="sng" algn="ctr">
+                      <a:solidFill>
+                        <a:schemeClr val="tx1"/>
+                      </a:solidFill>
+                      <a:prstDash val="solid"/>
+                      <a:round/>
+                      <a:headEnd type="none" w="med" len="med"/>
+                      <a:tailEnd type="none" w="med" len="med"/>
                     </a:lnL>
                     <a:lnR w="38100" cap="flat" cmpd="sng" algn="ctr">
                       <a:solidFill>
@@ -16026,11 +16061,14 @@
                       </a:solidFill>
                       <a:prstDash val="solid"/>
                     </a:lnR>
-                    <a:lnT w="38100" cap="flat" cmpd="sng" algn="ctr">
-                      <a:solidFill>
-                        <a:srgbClr val="FFFFFF"/>
-                      </a:solidFill>
-                      <a:prstDash val="solid"/>
+                    <a:lnT w="12700" cap="flat" cmpd="sng" algn="ctr">
+                      <a:solidFill>
+                        <a:schemeClr val="tx1"/>
+                      </a:solidFill>
+                      <a:prstDash val="solid"/>
+                      <a:round/>
+                      <a:headEnd type="none" w="med" len="med"/>
+                      <a:tailEnd type="none" w="med" len="med"/>
                     </a:lnT>
                     <a:lnB w="38100" cap="flat" cmpd="sng" algn="ctr">
                       <a:solidFill>
@@ -16088,11 +16126,14 @@
                       </a:solidFill>
                       <a:prstDash val="solid"/>
                     </a:lnR>
-                    <a:lnT w="38100" cap="flat" cmpd="sng" algn="ctr">
-                      <a:solidFill>
-                        <a:srgbClr val="FFFFFF"/>
-                      </a:solidFill>
-                      <a:prstDash val="solid"/>
+                    <a:lnT w="12700" cap="flat" cmpd="sng" algn="ctr">
+                      <a:solidFill>
+                        <a:schemeClr val="tx1"/>
+                      </a:solidFill>
+                      <a:prstDash val="solid"/>
+                      <a:round/>
+                      <a:headEnd type="none" w="med" len="med"/>
+                      <a:tailEnd type="none" w="med" len="med"/>
                     </a:lnT>
                     <a:lnB w="38100" cap="flat" cmpd="sng" algn="ctr">
                       <a:solidFill>
@@ -16141,11 +16182,14 @@
                       <a:headEnd type="none" w="med" len="med"/>
                       <a:tailEnd type="none" w="med" len="med"/>
                     </a:lnR>
-                    <a:lnT w="38100" cap="flat" cmpd="sng" algn="ctr">
-                      <a:solidFill>
-                        <a:srgbClr val="FFFFFF"/>
-                      </a:solidFill>
-                      <a:prstDash val="solid"/>
+                    <a:lnT w="12700" cap="flat" cmpd="sng" algn="ctr">
+                      <a:solidFill>
+                        <a:schemeClr val="tx1"/>
+                      </a:solidFill>
+                      <a:prstDash val="solid"/>
+                      <a:round/>
+                      <a:headEnd type="none" w="med" len="med"/>
+                      <a:tailEnd type="none" w="med" len="med"/>
                     </a:lnT>
                     <a:lnB w="38100" cap="flat" cmpd="sng" algn="ctr">
                       <a:solidFill>
@@ -16191,11 +16235,14 @@
                       </a:solidFill>
                       <a:prstDash val="solid"/>
                     </a:lnR>
-                    <a:lnT w="38100" cap="flat" cmpd="sng" algn="ctr">
-                      <a:solidFill>
-                        <a:srgbClr val="FFFFFF"/>
-                      </a:solidFill>
-                      <a:prstDash val="solid"/>
+                    <a:lnT w="12700" cap="flat" cmpd="sng" algn="ctr">
+                      <a:solidFill>
+                        <a:schemeClr val="tx1"/>
+                      </a:solidFill>
+                      <a:prstDash val="solid"/>
+                      <a:round/>
+                      <a:headEnd type="none" w="med" len="med"/>
+                      <a:tailEnd type="none" w="med" len="med"/>
                     </a:lnT>
                     <a:lnB w="38100" cap="flat" cmpd="sng" algn="ctr">
                       <a:solidFill>
@@ -16241,11 +16288,14 @@
                       </a:solidFill>
                       <a:prstDash val="solid"/>
                     </a:lnR>
-                    <a:lnT w="38100" cap="flat" cmpd="sng" algn="ctr">
-                      <a:solidFill>
-                        <a:srgbClr val="FFFFFF"/>
-                      </a:solidFill>
-                      <a:prstDash val="solid"/>
+                    <a:lnT w="12700" cap="flat" cmpd="sng" algn="ctr">
+                      <a:solidFill>
+                        <a:schemeClr val="tx1"/>
+                      </a:solidFill>
+                      <a:prstDash val="solid"/>
+                      <a:round/>
+                      <a:headEnd type="none" w="med" len="med"/>
+                      <a:tailEnd type="none" w="med" len="med"/>
                     </a:lnT>
                     <a:lnB w="38100" cap="flat" cmpd="sng" algn="ctr">
                       <a:solidFill>
@@ -16291,11 +16341,14 @@
                       </a:solidFill>
                       <a:prstDash val="solid"/>
                     </a:lnR>
-                    <a:lnT w="38100" cap="flat" cmpd="sng" algn="ctr">
-                      <a:solidFill>
-                        <a:srgbClr val="FFFFFF"/>
-                      </a:solidFill>
-                      <a:prstDash val="solid"/>
+                    <a:lnT w="12700" cap="flat" cmpd="sng" algn="ctr">
+                      <a:solidFill>
+                        <a:schemeClr val="tx1"/>
+                      </a:solidFill>
+                      <a:prstDash val="solid"/>
+                      <a:round/>
+                      <a:headEnd type="none" w="med" len="med"/>
+                      <a:tailEnd type="none" w="med" len="med"/>
                     </a:lnT>
                     <a:lnB w="38100" cap="flat" cmpd="sng" algn="ctr">
                       <a:solidFill>
@@ -16335,15 +16388,23 @@
                       </a:solidFill>
                       <a:prstDash val="solid"/>
                     </a:lnL>
-                    <a:lnR w="38100" cap="flat" cmpd="sng" algn="ctr">
-                      <a:noFill/>
-                      <a:prstDash val="solid"/>
+                    <a:lnR w="12700" cap="flat" cmpd="sng" algn="ctr">
+                      <a:solidFill>
+                        <a:schemeClr val="tx1"/>
+                      </a:solidFill>
+                      <a:prstDash val="solid"/>
+                      <a:round/>
+                      <a:headEnd type="none" w="med" len="med"/>
+                      <a:tailEnd type="none" w="med" len="med"/>
                     </a:lnR>
-                    <a:lnT w="38100" cap="flat" cmpd="sng" algn="ctr">
-                      <a:solidFill>
-                        <a:srgbClr val="FFFFFF"/>
-                      </a:solidFill>
-                      <a:prstDash val="solid"/>
+                    <a:lnT w="12700" cap="flat" cmpd="sng" algn="ctr">
+                      <a:solidFill>
+                        <a:schemeClr val="tx1"/>
+                      </a:solidFill>
+                      <a:prstDash val="solid"/>
+                      <a:round/>
+                      <a:headEnd type="none" w="med" len="med"/>
+                      <a:tailEnd type="none" w="med" len="med"/>
                     </a:lnT>
                     <a:lnB w="38100" cap="flat" cmpd="sng" algn="ctr">
                       <a:solidFill>
@@ -16512,11 +16573,14 @@
                       <a:headEnd type="none" w="med" len="med"/>
                       <a:tailEnd type="none" w="med" len="med"/>
                     </a:lnL>
-                    <a:lnR w="38100" cap="flat" cmpd="sng" algn="ctr">
-                      <a:solidFill>
-                        <a:srgbClr val="FFFFFF"/>
-                      </a:solidFill>
-                      <a:prstDash val="solid"/>
+                    <a:lnR w="12700" cap="flat" cmpd="sng" algn="ctr">
+                      <a:solidFill>
+                        <a:schemeClr val="tx1"/>
+                      </a:solidFill>
+                      <a:prstDash val="solid"/>
+                      <a:round/>
+                      <a:headEnd type="none" w="med" len="med"/>
+                      <a:tailEnd type="none" w="med" len="med"/>
                     </a:lnR>
                     <a:lnT w="38100" cap="flat" cmpd="sng" algn="ctr">
                       <a:solidFill>
@@ -16568,11 +16632,14 @@
                     </a:p>
                   </a:txBody>
                   <a:tcPr marL="98405" marR="59043" marT="59043" marB="59043" anchor="b">
-                    <a:lnL w="38100" cap="flat" cmpd="sng" algn="ctr">
-                      <a:solidFill>
-                        <a:srgbClr val="FFFFFF"/>
-                      </a:solidFill>
-                      <a:prstDash val="solid"/>
+                    <a:lnL w="12700" cap="flat" cmpd="sng" algn="ctr">
+                      <a:solidFill>
+                        <a:schemeClr val="tx1"/>
+                      </a:solidFill>
+                      <a:prstDash val="solid"/>
+                      <a:round/>
+                      <a:headEnd type="none" w="med" len="med"/>
+                      <a:tailEnd type="none" w="med" len="med"/>
                     </a:lnL>
                     <a:lnR w="38100" cap="flat" cmpd="sng" algn="ctr">
                       <a:solidFill>
@@ -16895,9 +16962,14 @@
                       </a:solidFill>
                       <a:prstDash val="solid"/>
                     </a:lnL>
-                    <a:lnR w="12700" cmpd="sng">
-                      <a:noFill/>
-                      <a:prstDash val="solid"/>
+                    <a:lnR w="12700" cap="flat" cmpd="sng" algn="ctr">
+                      <a:solidFill>
+                        <a:schemeClr val="tx1"/>
+                      </a:solidFill>
+                      <a:prstDash val="solid"/>
+                      <a:round/>
+                      <a:headEnd type="none" w="med" len="med"/>
+                      <a:tailEnd type="none" w="med" len="med"/>
                     </a:lnR>
                     <a:lnT w="38100" cap="flat" cmpd="sng" algn="ctr">
                       <a:solidFill>
@@ -17075,11 +17147,14 @@
                       <a:headEnd type="none" w="med" len="med"/>
                       <a:tailEnd type="none" w="med" len="med"/>
                     </a:lnL>
-                    <a:lnR w="38100" cap="flat" cmpd="sng" algn="ctr">
-                      <a:solidFill>
-                        <a:srgbClr val="FFFFFF"/>
-                      </a:solidFill>
-                      <a:prstDash val="solid"/>
+                    <a:lnR w="12700" cap="flat" cmpd="sng" algn="ctr">
+                      <a:solidFill>
+                        <a:schemeClr val="tx1"/>
+                      </a:solidFill>
+                      <a:prstDash val="solid"/>
+                      <a:round/>
+                      <a:headEnd type="none" w="med" len="med"/>
+                      <a:tailEnd type="none" w="med" len="med"/>
                     </a:lnR>
                     <a:lnT w="38100" cap="flat" cmpd="sng" algn="ctr">
                       <a:solidFill>
@@ -17131,11 +17206,14 @@
                     </a:p>
                   </a:txBody>
                   <a:tcPr marL="98405" marR="59043" marT="59043" marB="59043" anchor="b">
-                    <a:lnL w="38100" cap="flat" cmpd="sng" algn="ctr">
-                      <a:solidFill>
-                        <a:srgbClr val="FFFFFF"/>
-                      </a:solidFill>
-                      <a:prstDash val="solid"/>
+                    <a:lnL w="12700" cap="flat" cmpd="sng" algn="ctr">
+                      <a:solidFill>
+                        <a:schemeClr val="tx1"/>
+                      </a:solidFill>
+                      <a:prstDash val="solid"/>
+                      <a:round/>
+                      <a:headEnd type="none" w="med" len="med"/>
+                      <a:tailEnd type="none" w="med" len="med"/>
                     </a:lnL>
                     <a:lnR w="38100" cap="flat" cmpd="sng" algn="ctr">
                       <a:solidFill>
@@ -17458,9 +17536,14 @@
                       </a:solidFill>
                       <a:prstDash val="solid"/>
                     </a:lnL>
-                    <a:lnR w="38100" cap="flat" cmpd="sng" algn="ctr">
-                      <a:noFill/>
-                      <a:prstDash val="solid"/>
+                    <a:lnR w="12700" cap="flat" cmpd="sng" algn="ctr">
+                      <a:solidFill>
+                        <a:schemeClr val="tx1"/>
+                      </a:solidFill>
+                      <a:prstDash val="solid"/>
+                      <a:round/>
+                      <a:headEnd type="none" w="med" len="med"/>
+                      <a:tailEnd type="none" w="med" len="med"/>
                     </a:lnR>
                     <a:lnT w="38100" cap="flat" cmpd="sng" algn="ctr">
                       <a:solidFill>
@@ -17662,11 +17745,14 @@
                       <a:headEnd type="none" w="med" len="med"/>
                       <a:tailEnd type="none" w="med" len="med"/>
                     </a:lnL>
-                    <a:lnR w="38100" cap="flat" cmpd="sng" algn="ctr">
-                      <a:solidFill>
-                        <a:srgbClr val="FFFFFF"/>
-                      </a:solidFill>
-                      <a:prstDash val="solid"/>
+                    <a:lnR w="12700" cap="flat" cmpd="sng" algn="ctr">
+                      <a:solidFill>
+                        <a:schemeClr val="tx1"/>
+                      </a:solidFill>
+                      <a:prstDash val="solid"/>
+                      <a:round/>
+                      <a:headEnd type="none" w="med" len="med"/>
+                      <a:tailEnd type="none" w="med" len="med"/>
                     </a:lnR>
                     <a:lnT w="38100" cap="flat" cmpd="sng" algn="ctr">
                       <a:solidFill>
@@ -17718,11 +17804,14 @@
                     </a:p>
                   </a:txBody>
                   <a:tcPr marL="98405" marR="59043" marT="59043" marB="59043" anchor="b">
-                    <a:lnL w="38100" cap="flat" cmpd="sng" algn="ctr">
-                      <a:solidFill>
-                        <a:srgbClr val="FFFFFF"/>
-                      </a:solidFill>
-                      <a:prstDash val="solid"/>
+                    <a:lnL w="12700" cap="flat" cmpd="sng" algn="ctr">
+                      <a:solidFill>
+                        <a:schemeClr val="tx1"/>
+                      </a:solidFill>
+                      <a:prstDash val="solid"/>
+                      <a:round/>
+                      <a:headEnd type="none" w="med" len="med"/>
+                      <a:tailEnd type="none" w="med" len="med"/>
                     </a:lnL>
                     <a:lnR w="38100" cap="flat" cmpd="sng" algn="ctr">
                       <a:solidFill>
@@ -18045,9 +18134,14 @@
                       </a:solidFill>
                       <a:prstDash val="solid"/>
                     </a:lnL>
-                    <a:lnR w="12700" cmpd="sng">
-                      <a:noFill/>
-                      <a:prstDash val="solid"/>
+                    <a:lnR w="12700" cap="flat" cmpd="sng" algn="ctr">
+                      <a:solidFill>
+                        <a:schemeClr val="tx1"/>
+                      </a:solidFill>
+                      <a:prstDash val="solid"/>
+                      <a:round/>
+                      <a:headEnd type="none" w="med" len="med"/>
+                      <a:tailEnd type="none" w="med" len="med"/>
                     </a:lnR>
                     <a:lnT w="38100" cap="flat" cmpd="sng" algn="ctr">
                       <a:solidFill>
@@ -18234,11 +18328,14 @@
                       <a:headEnd type="none" w="med" len="med"/>
                       <a:tailEnd type="none" w="med" len="med"/>
                     </a:lnL>
-                    <a:lnR w="38100" cap="flat" cmpd="sng" algn="ctr">
-                      <a:solidFill>
-                        <a:srgbClr val="FFFFFF"/>
-                      </a:solidFill>
-                      <a:prstDash val="solid"/>
+                    <a:lnR w="12700" cap="flat" cmpd="sng" algn="ctr">
+                      <a:solidFill>
+                        <a:schemeClr val="tx1"/>
+                      </a:solidFill>
+                      <a:prstDash val="solid"/>
+                      <a:round/>
+                      <a:headEnd type="none" w="med" len="med"/>
+                      <a:tailEnd type="none" w="med" len="med"/>
                     </a:lnR>
                     <a:lnT w="38100" cap="flat" cmpd="sng" algn="ctr">
                       <a:solidFill>
@@ -18290,11 +18387,14 @@
                     </a:p>
                   </a:txBody>
                   <a:tcPr marL="98405" marR="59043" marT="59043" marB="59043" anchor="b">
-                    <a:lnL w="38100" cap="flat" cmpd="sng" algn="ctr">
-                      <a:solidFill>
-                        <a:srgbClr val="FFFFFF"/>
-                      </a:solidFill>
-                      <a:prstDash val="solid"/>
+                    <a:lnL w="12700" cap="flat" cmpd="sng" algn="ctr">
+                      <a:solidFill>
+                        <a:schemeClr val="tx1"/>
+                      </a:solidFill>
+                      <a:prstDash val="solid"/>
+                      <a:round/>
+                      <a:headEnd type="none" w="med" len="med"/>
+                      <a:tailEnd type="none" w="med" len="med"/>
                     </a:lnL>
                     <a:lnR w="38100" cap="flat" cmpd="sng" algn="ctr">
                       <a:solidFill>
@@ -18617,9 +18717,14 @@
                       </a:solidFill>
                       <a:prstDash val="solid"/>
                     </a:lnL>
-                    <a:lnR w="38100" cap="flat" cmpd="sng" algn="ctr">
-                      <a:noFill/>
-                      <a:prstDash val="solid"/>
+                    <a:lnR w="12700" cap="flat" cmpd="sng" algn="ctr">
+                      <a:solidFill>
+                        <a:schemeClr val="tx1"/>
+                      </a:solidFill>
+                      <a:prstDash val="solid"/>
+                      <a:round/>
+                      <a:headEnd type="none" w="med" len="med"/>
+                      <a:tailEnd type="none" w="med" len="med"/>
                     </a:lnR>
                     <a:lnT w="38100" cap="flat" cmpd="sng" algn="ctr">
                       <a:solidFill>
@@ -18797,11 +18902,14 @@
                       <a:headEnd type="none" w="med" len="med"/>
                       <a:tailEnd type="none" w="med" len="med"/>
                     </a:lnL>
-                    <a:lnR w="38100" cap="flat" cmpd="sng" algn="ctr">
-                      <a:solidFill>
-                        <a:srgbClr val="FFFFFF"/>
-                      </a:solidFill>
-                      <a:prstDash val="solid"/>
+                    <a:lnR w="12700" cap="flat" cmpd="sng" algn="ctr">
+                      <a:solidFill>
+                        <a:schemeClr val="tx1"/>
+                      </a:solidFill>
+                      <a:prstDash val="solid"/>
+                      <a:round/>
+                      <a:headEnd type="none" w="med" len="med"/>
+                      <a:tailEnd type="none" w="med" len="med"/>
                     </a:lnR>
                     <a:lnT w="38100" cap="flat" cmpd="sng" algn="ctr">
                       <a:solidFill>
@@ -18865,11 +18973,14 @@
                     </a:p>
                   </a:txBody>
                   <a:tcPr marL="98405" marR="59043" marT="59043" marB="59043" anchor="b">
-                    <a:lnL w="38100" cap="flat" cmpd="sng" algn="ctr">
-                      <a:solidFill>
-                        <a:srgbClr val="FFFFFF"/>
-                      </a:solidFill>
-                      <a:prstDash val="solid"/>
+                    <a:lnL w="12700" cap="flat" cmpd="sng" algn="ctr">
+                      <a:solidFill>
+                        <a:schemeClr val="tx1"/>
+                      </a:solidFill>
+                      <a:prstDash val="solid"/>
+                      <a:round/>
+                      <a:headEnd type="none" w="med" len="med"/>
+                      <a:tailEnd type="none" w="med" len="med"/>
                     </a:lnL>
                     <a:lnR w="38100" cap="flat" cmpd="sng" algn="ctr">
                       <a:solidFill>
@@ -19192,9 +19303,14 @@
                       </a:solidFill>
                       <a:prstDash val="solid"/>
                     </a:lnL>
-                    <a:lnR w="12700" cmpd="sng">
-                      <a:noFill/>
-                      <a:prstDash val="solid"/>
+                    <a:lnR w="12700" cap="flat" cmpd="sng" algn="ctr">
+                      <a:solidFill>
+                        <a:schemeClr val="tx1"/>
+                      </a:solidFill>
+                      <a:prstDash val="solid"/>
+                      <a:round/>
+                      <a:headEnd type="none" w="med" len="med"/>
+                      <a:tailEnd type="none" w="med" len="med"/>
                     </a:lnR>
                     <a:lnT w="38100" cap="flat" cmpd="sng" algn="ctr">
                       <a:solidFill>
@@ -19396,11 +19512,14 @@
                       <a:headEnd type="none" w="med" len="med"/>
                       <a:tailEnd type="none" w="med" len="med"/>
                     </a:lnL>
-                    <a:lnR w="38100" cap="flat" cmpd="sng" algn="ctr">
-                      <a:solidFill>
-                        <a:srgbClr val="FFFFFF"/>
-                      </a:solidFill>
-                      <a:prstDash val="solid"/>
+                    <a:lnR w="12700" cap="flat" cmpd="sng" algn="ctr">
+                      <a:solidFill>
+                        <a:schemeClr val="tx1"/>
+                      </a:solidFill>
+                      <a:prstDash val="solid"/>
+                      <a:round/>
+                      <a:headEnd type="none" w="med" len="med"/>
+                      <a:tailEnd type="none" w="med" len="med"/>
                     </a:lnR>
                     <a:lnT w="38100" cap="flat" cmpd="sng" algn="ctr">
                       <a:solidFill>
@@ -19452,11 +19571,14 @@
                     </a:p>
                   </a:txBody>
                   <a:tcPr marL="98405" marR="59043" marT="59043" marB="59043" anchor="b">
-                    <a:lnL w="38100" cap="flat" cmpd="sng" algn="ctr">
-                      <a:solidFill>
-                        <a:srgbClr val="FFFFFF"/>
-                      </a:solidFill>
-                      <a:prstDash val="solid"/>
+                    <a:lnL w="12700" cap="flat" cmpd="sng" algn="ctr">
+                      <a:solidFill>
+                        <a:schemeClr val="tx1"/>
+                      </a:solidFill>
+                      <a:prstDash val="solid"/>
+                      <a:round/>
+                      <a:headEnd type="none" w="med" len="med"/>
+                      <a:tailEnd type="none" w="med" len="med"/>
                     </a:lnL>
                     <a:lnR w="38100" cap="flat" cmpd="sng" algn="ctr">
                       <a:solidFill>
@@ -19779,9 +19901,14 @@
                       </a:solidFill>
                       <a:prstDash val="solid"/>
                     </a:lnL>
-                    <a:lnR w="38100" cap="flat" cmpd="sng" algn="ctr">
-                      <a:noFill/>
-                      <a:prstDash val="solid"/>
+                    <a:lnR w="12700" cap="flat" cmpd="sng" algn="ctr">
+                      <a:solidFill>
+                        <a:schemeClr val="tx1"/>
+                      </a:solidFill>
+                      <a:prstDash val="solid"/>
+                      <a:round/>
+                      <a:headEnd type="none" w="med" len="med"/>
+                      <a:tailEnd type="none" w="med" len="med"/>
                     </a:lnR>
                     <a:lnT w="38100" cap="flat" cmpd="sng" algn="ctr">
                       <a:solidFill>
@@ -19968,11 +20095,14 @@
                       <a:headEnd type="none" w="med" len="med"/>
                       <a:tailEnd type="none" w="med" len="med"/>
                     </a:lnL>
-                    <a:lnR w="38100" cap="flat" cmpd="sng" algn="ctr">
-                      <a:solidFill>
-                        <a:srgbClr val="FFFFFF"/>
-                      </a:solidFill>
-                      <a:prstDash val="solid"/>
+                    <a:lnR w="12700" cap="flat" cmpd="sng" algn="ctr">
+                      <a:solidFill>
+                        <a:schemeClr val="tx1"/>
+                      </a:solidFill>
+                      <a:prstDash val="solid"/>
+                      <a:round/>
+                      <a:headEnd type="none" w="med" len="med"/>
+                      <a:tailEnd type="none" w="med" len="med"/>
                     </a:lnR>
                     <a:lnT w="38100" cap="flat" cmpd="sng" algn="ctr">
                       <a:solidFill>
@@ -20024,11 +20154,14 @@
                     </a:p>
                   </a:txBody>
                   <a:tcPr marL="98405" marR="59043" marT="59043" marB="59043" anchor="b">
-                    <a:lnL w="38100" cap="flat" cmpd="sng" algn="ctr">
-                      <a:solidFill>
-                        <a:srgbClr val="FFFFFF"/>
-                      </a:solidFill>
-                      <a:prstDash val="solid"/>
+                    <a:lnL w="12700" cap="flat" cmpd="sng" algn="ctr">
+                      <a:solidFill>
+                        <a:schemeClr val="tx1"/>
+                      </a:solidFill>
+                      <a:prstDash val="solid"/>
+                      <a:round/>
+                      <a:headEnd type="none" w="med" len="med"/>
+                      <a:tailEnd type="none" w="med" len="med"/>
                     </a:lnL>
                     <a:lnR w="38100" cap="flat" cmpd="sng" algn="ctr">
                       <a:solidFill>
@@ -20351,9 +20484,14 @@
                       </a:solidFill>
                       <a:prstDash val="solid"/>
                     </a:lnL>
-                    <a:lnR w="12700" cmpd="sng">
-                      <a:noFill/>
-                      <a:prstDash val="solid"/>
+                    <a:lnR w="12700" cap="flat" cmpd="sng" algn="ctr">
+                      <a:solidFill>
+                        <a:schemeClr val="tx1"/>
+                      </a:solidFill>
+                      <a:prstDash val="solid"/>
+                      <a:round/>
+                      <a:headEnd type="none" w="med" len="med"/>
+                      <a:tailEnd type="none" w="med" len="med"/>
                     </a:lnR>
                     <a:lnT w="38100" cap="flat" cmpd="sng" algn="ctr">
                       <a:solidFill>
@@ -20531,11 +20669,14 @@
                       <a:headEnd type="none" w="med" len="med"/>
                       <a:tailEnd type="none" w="med" len="med"/>
                     </a:lnL>
-                    <a:lnR w="38100" cap="flat" cmpd="sng" algn="ctr">
-                      <a:solidFill>
-                        <a:srgbClr val="FFFFFF"/>
-                      </a:solidFill>
-                      <a:prstDash val="solid"/>
+                    <a:lnR w="12700" cap="flat" cmpd="sng" algn="ctr">
+                      <a:solidFill>
+                        <a:schemeClr val="tx1"/>
+                      </a:solidFill>
+                      <a:prstDash val="solid"/>
+                      <a:round/>
+                      <a:headEnd type="none" w="med" len="med"/>
+                      <a:tailEnd type="none" w="med" len="med"/>
                     </a:lnR>
                     <a:lnT w="38100" cap="flat" cmpd="sng" algn="ctr">
                       <a:solidFill>
@@ -20587,11 +20728,14 @@
                     </a:p>
                   </a:txBody>
                   <a:tcPr marL="98405" marR="59043" marT="59043" marB="59043" anchor="b">
-                    <a:lnL w="38100" cap="flat" cmpd="sng" algn="ctr">
-                      <a:solidFill>
-                        <a:srgbClr val="FFFFFF"/>
-                      </a:solidFill>
-                      <a:prstDash val="solid"/>
+                    <a:lnL w="12700" cap="flat" cmpd="sng" algn="ctr">
+                      <a:solidFill>
+                        <a:schemeClr val="tx1"/>
+                      </a:solidFill>
+                      <a:prstDash val="solid"/>
+                      <a:round/>
+                      <a:headEnd type="none" w="med" len="med"/>
+                      <a:tailEnd type="none" w="med" len="med"/>
                     </a:lnL>
                     <a:lnR w="38100" cap="flat" cmpd="sng" algn="ctr">
                       <a:solidFill>
@@ -20605,11 +20749,14 @@
                       </a:solidFill>
                       <a:prstDash val="solid"/>
                     </a:lnT>
-                    <a:lnB w="38100" cap="flat" cmpd="sng" algn="ctr">
-                      <a:solidFill>
-                        <a:srgbClr val="FFFFFF"/>
-                      </a:solidFill>
-                      <a:prstDash val="solid"/>
+                    <a:lnB w="12700" cap="flat" cmpd="sng" algn="ctr">
+                      <a:solidFill>
+                        <a:schemeClr val="tx1"/>
+                      </a:solidFill>
+                      <a:prstDash val="solid"/>
+                      <a:round/>
+                      <a:headEnd type="none" w="med" len="med"/>
+                      <a:tailEnd type="none" w="med" len="med"/>
                     </a:lnB>
                     <a:solidFill>
                       <a:srgbClr val="878E8B">
@@ -20667,11 +20814,14 @@
                       </a:solidFill>
                       <a:prstDash val="solid"/>
                     </a:lnT>
-                    <a:lnB w="38100" cap="flat" cmpd="sng" algn="ctr">
-                      <a:solidFill>
-                        <a:srgbClr val="FFFFFF"/>
-                      </a:solidFill>
-                      <a:prstDash val="solid"/>
+                    <a:lnB w="12700" cap="flat" cmpd="sng" algn="ctr">
+                      <a:solidFill>
+                        <a:schemeClr val="tx1"/>
+                      </a:solidFill>
+                      <a:prstDash val="solid"/>
+                      <a:round/>
+                      <a:headEnd type="none" w="med" len="med"/>
+                      <a:tailEnd type="none" w="med" len="med"/>
                     </a:lnB>
                     <a:solidFill>
                       <a:srgbClr val="878E8B">
@@ -20720,11 +20870,14 @@
                       </a:solidFill>
                       <a:prstDash val="solid"/>
                     </a:lnT>
-                    <a:lnB w="38100" cap="flat" cmpd="sng" algn="ctr">
-                      <a:solidFill>
-                        <a:srgbClr val="FFFFFF"/>
-                      </a:solidFill>
-                      <a:prstDash val="solid"/>
+                    <a:lnB w="12700" cap="flat" cmpd="sng" algn="ctr">
+                      <a:solidFill>
+                        <a:schemeClr val="tx1"/>
+                      </a:solidFill>
+                      <a:prstDash val="solid"/>
+                      <a:round/>
+                      <a:headEnd type="none" w="med" len="med"/>
+                      <a:tailEnd type="none" w="med" len="med"/>
                     </a:lnB>
                     <a:solidFill>
                       <a:srgbClr val="878E8B">
@@ -20772,11 +20925,14 @@
                       </a:solidFill>
                       <a:prstDash val="solid"/>
                     </a:lnT>
-                    <a:lnB w="38100" cap="flat" cmpd="sng" algn="ctr">
-                      <a:solidFill>
-                        <a:srgbClr val="FFFFFF"/>
-                      </a:solidFill>
-                      <a:prstDash val="solid"/>
+                    <a:lnB w="12700" cap="flat" cmpd="sng" algn="ctr">
+                      <a:solidFill>
+                        <a:schemeClr val="tx1"/>
+                      </a:solidFill>
+                      <a:prstDash val="solid"/>
+                      <a:round/>
+                      <a:headEnd type="none" w="med" len="med"/>
+                      <a:tailEnd type="none" w="med" len="med"/>
                     </a:lnB>
                     <a:solidFill>
                       <a:srgbClr val="878E8B">
@@ -20824,11 +20980,14 @@
                       </a:solidFill>
                       <a:prstDash val="solid"/>
                     </a:lnT>
-                    <a:lnB w="38100" cap="flat" cmpd="sng" algn="ctr">
-                      <a:solidFill>
-                        <a:srgbClr val="FFFFFF"/>
-                      </a:solidFill>
-                      <a:prstDash val="solid"/>
+                    <a:lnB w="12700" cap="flat" cmpd="sng" algn="ctr">
+                      <a:solidFill>
+                        <a:schemeClr val="tx1"/>
+                      </a:solidFill>
+                      <a:prstDash val="solid"/>
+                      <a:round/>
+                      <a:headEnd type="none" w="med" len="med"/>
+                      <a:tailEnd type="none" w="med" len="med"/>
                     </a:lnB>
                     <a:solidFill>
                       <a:srgbClr val="878E8B">
@@ -20876,11 +21035,14 @@
                       </a:solidFill>
                       <a:prstDash val="solid"/>
                     </a:lnT>
-                    <a:lnB w="38100" cap="flat" cmpd="sng" algn="ctr">
-                      <a:solidFill>
-                        <a:srgbClr val="FFFFFF"/>
-                      </a:solidFill>
-                      <a:prstDash val="solid"/>
+                    <a:lnB w="12700" cap="flat" cmpd="sng" algn="ctr">
+                      <a:solidFill>
+                        <a:schemeClr val="tx1"/>
+                      </a:solidFill>
+                      <a:prstDash val="solid"/>
+                      <a:round/>
+                      <a:headEnd type="none" w="med" len="med"/>
+                      <a:tailEnd type="none" w="med" len="med"/>
                     </a:lnB>
                     <a:solidFill>
                       <a:srgbClr val="878E8B">
@@ -20914,9 +21076,14 @@
                       </a:solidFill>
                       <a:prstDash val="solid"/>
                     </a:lnL>
-                    <a:lnR w="38100" cap="flat" cmpd="sng" algn="ctr">
-                      <a:noFill/>
-                      <a:prstDash val="solid"/>
+                    <a:lnR w="12700" cap="flat" cmpd="sng" algn="ctr">
+                      <a:solidFill>
+                        <a:schemeClr val="tx1"/>
+                      </a:solidFill>
+                      <a:prstDash val="solid"/>
+                      <a:round/>
+                      <a:headEnd type="none" w="med" len="med"/>
+                      <a:tailEnd type="none" w="med" len="med"/>
                     </a:lnR>
                     <a:lnT w="38100" cap="flat" cmpd="sng" algn="ctr">
                       <a:solidFill>
@@ -20924,11 +21091,14 @@
                       </a:solidFill>
                       <a:prstDash val="solid"/>
                     </a:lnT>
-                    <a:lnB w="38100" cap="flat" cmpd="sng" algn="ctr">
-                      <a:solidFill>
-                        <a:srgbClr val="FFFFFF"/>
-                      </a:solidFill>
-                      <a:prstDash val="solid"/>
+                    <a:lnB w="12700" cap="flat" cmpd="sng" algn="ctr">
+                      <a:solidFill>
+                        <a:schemeClr val="tx1"/>
+                      </a:solidFill>
+                      <a:prstDash val="solid"/>
+                      <a:round/>
+                      <a:headEnd type="none" w="med" len="med"/>
+                      <a:tailEnd type="none" w="med" len="med"/>
                     </a:lnB>
                     <a:solidFill>
                       <a:srgbClr val="878E8B">
@@ -21174,11 +21344,14 @@
                       </a:solidFill>
                       <a:prstDash val="solid"/>
                     </a:lnR>
-                    <a:lnT w="38100" cap="flat" cmpd="sng" algn="ctr">
-                      <a:solidFill>
-                        <a:srgbClr val="FFFFFF"/>
-                      </a:solidFill>
-                      <a:prstDash val="solid"/>
+                    <a:lnT w="12700" cap="flat" cmpd="sng" algn="ctr">
+                      <a:solidFill>
+                        <a:schemeClr val="tx1"/>
+                      </a:solidFill>
+                      <a:prstDash val="solid"/>
+                      <a:round/>
+                      <a:headEnd type="none" w="med" len="med"/>
+                      <a:tailEnd type="none" w="med" len="med"/>
                     </a:lnT>
                     <a:lnB w="38100" cap="flat" cmpd="sng" algn="ctr">
                       <a:solidFill>
@@ -21224,11 +21397,14 @@
                       </a:solidFill>
                       <a:prstDash val="solid"/>
                     </a:lnR>
-                    <a:lnT w="38100" cap="flat" cmpd="sng" algn="ctr">
-                      <a:solidFill>
-                        <a:srgbClr val="FFFFFF"/>
-                      </a:solidFill>
-                      <a:prstDash val="solid"/>
+                    <a:lnT w="12700" cap="flat" cmpd="sng" algn="ctr">
+                      <a:solidFill>
+                        <a:schemeClr val="tx1"/>
+                      </a:solidFill>
+                      <a:prstDash val="solid"/>
+                      <a:round/>
+                      <a:headEnd type="none" w="med" len="med"/>
+                      <a:tailEnd type="none" w="med" len="med"/>
                     </a:lnT>
                     <a:lnB w="38100" cap="flat" cmpd="sng" algn="ctr">
                       <a:solidFill>
@@ -21274,11 +21450,14 @@
                       </a:solidFill>
                       <a:prstDash val="solid"/>
                     </a:lnR>
-                    <a:lnT w="38100" cap="flat" cmpd="sng" algn="ctr">
-                      <a:solidFill>
-                        <a:srgbClr val="FFFFFF"/>
-                      </a:solidFill>
-                      <a:prstDash val="solid"/>
+                    <a:lnT w="12700" cap="flat" cmpd="sng" algn="ctr">
+                      <a:solidFill>
+                        <a:schemeClr val="tx1"/>
+                      </a:solidFill>
+                      <a:prstDash val="solid"/>
+                      <a:round/>
+                      <a:headEnd type="none" w="med" len="med"/>
+                      <a:tailEnd type="none" w="med" len="med"/>
                     </a:lnT>
                     <a:lnB w="38100" cap="flat" cmpd="sng" algn="ctr">
                       <a:solidFill>
@@ -21324,9 +21503,9 @@
                       </a:solidFill>
                       <a:prstDash val="solid"/>
                     </a:lnR>
-                    <a:lnT w="38100" cap="flat" cmpd="sng" algn="ctr">
-                      <a:solidFill>
-                        <a:srgbClr val="FFFFFF"/>
+                    <a:lnT w="12700" cap="flat" cmpd="sng" algn="ctr">
+                      <a:solidFill>
+                        <a:schemeClr val="tx1"/>
                       </a:solidFill>
                       <a:prstDash val="solid"/>
                       <a:round/>
@@ -21377,9 +21556,9 @@
                       </a:solidFill>
                       <a:prstDash val="solid"/>
                     </a:lnR>
-                    <a:lnT w="38100" cap="flat" cmpd="sng" algn="ctr">
-                      <a:solidFill>
-                        <a:srgbClr val="FFFFFF"/>
+                    <a:lnT w="12700" cap="flat" cmpd="sng" algn="ctr">
+                      <a:solidFill>
+                        <a:schemeClr val="tx1"/>
                       </a:solidFill>
                       <a:prstDash val="solid"/>
                       <a:round/>
@@ -21430,9 +21609,9 @@
                       </a:solidFill>
                       <a:prstDash val="solid"/>
                     </a:lnR>
-                    <a:lnT w="38100" cap="flat" cmpd="sng" algn="ctr">
-                      <a:solidFill>
-                        <a:srgbClr val="FFFFFF"/>
+                    <a:lnT w="12700" cap="flat" cmpd="sng" algn="ctr">
+                      <a:solidFill>
+                        <a:schemeClr val="tx1"/>
                       </a:solidFill>
                       <a:prstDash val="solid"/>
                       <a:round/>
@@ -21481,9 +21660,9 @@
                       <a:noFill/>
                       <a:prstDash val="solid"/>
                     </a:lnR>
-                    <a:lnT w="38100" cap="flat" cmpd="sng" algn="ctr">
-                      <a:solidFill>
-                        <a:srgbClr val="FFFFFF"/>
+                    <a:lnT w="12700" cap="flat" cmpd="sng" algn="ctr">
+                      <a:solidFill>
+                        <a:schemeClr val="tx1"/>
                       </a:solidFill>
                       <a:prstDash val="solid"/>
                       <a:round/>
@@ -21688,7 +21867,7 @@
                     <a:lstStyle/>
                     <a:p>
                       <a:pPr algn="l" fontAlgn="b"/>
-                      <a:endParaRPr lang="en-US" sz="1200" b="0" i="0" u="none" strike="noStrike">
+                      <a:endParaRPr lang="en-US" sz="1200" b="0" i="0" u="none" strike="noStrike" dirty="0">
                         <a:solidFill>
                           <a:schemeClr val="tx1">
                             <a:lumMod val="85000"/>
@@ -22607,8 +22786,8 @@
         </p:nvSpPr>
         <p:spPr>
           <a:xfrm>
-            <a:off x="363039" y="5008522"/>
-            <a:ext cx="4150964" cy="1384995"/>
+            <a:off x="363038" y="5008522"/>
+            <a:ext cx="4214143" cy="1384995"/>
           </a:xfrm>
           <a:prstGeom prst="rect">
             <a:avLst/>
@@ -22629,7 +22808,87 @@
                   </a:schemeClr>
                 </a:solidFill>
               </a:rPr>
-              <a:t>FILTER('2016_full_marathon'!$D:$D,('2016_full_marathon'!$A:$A&lt;MIN('2016_full_marathon'!$A:$A)+3)*('2016_full_marathon'!$A:$A&lt;&gt;"")),</a:t>
+              <a:t>FILTER(‘sheet_name’!</a:t>
+            </a:r>
+            <a:r>
+              <a:rPr lang="en-US" sz="1200" dirty="0" err="1">
+                <a:solidFill>
+                  <a:schemeClr val="accent1">
+                    <a:lumMod val="75000"/>
+                  </a:schemeClr>
+                </a:solidFill>
+              </a:rPr>
+              <a:t>name_range</a:t>
+            </a:r>
+            <a:r>
+              <a:rPr lang="en-US" sz="1200" dirty="0">
+                <a:solidFill>
+                  <a:schemeClr val="accent1">
+                    <a:lumMod val="75000"/>
+                  </a:schemeClr>
+                </a:solidFill>
+              </a:rPr>
+              <a:t>,('sheet_name’!</a:t>
+            </a:r>
+            <a:r>
+              <a:rPr lang="en-US" sz="1200" dirty="0" err="1">
+                <a:solidFill>
+                  <a:schemeClr val="accent1">
+                    <a:lumMod val="75000"/>
+                  </a:schemeClr>
+                </a:solidFill>
+              </a:rPr>
+              <a:t>ID_range</a:t>
+            </a:r>
+            <a:r>
+              <a:rPr lang="en-US" sz="1200" dirty="0">
+                <a:solidFill>
+                  <a:schemeClr val="accent1">
+                    <a:lumMod val="75000"/>
+                  </a:schemeClr>
+                </a:solidFill>
+              </a:rPr>
+              <a:t>&lt;MIN(‘sheet_name’!</a:t>
+            </a:r>
+            <a:r>
+              <a:rPr lang="en-US" sz="1200" dirty="0" err="1">
+                <a:solidFill>
+                  <a:schemeClr val="accent1">
+                    <a:lumMod val="75000"/>
+                  </a:schemeClr>
+                </a:solidFill>
+              </a:rPr>
+              <a:t>ID_range</a:t>
+            </a:r>
+            <a:r>
+              <a:rPr lang="en-US" sz="1200" dirty="0">
+                <a:solidFill>
+                  <a:schemeClr val="accent1">
+                    <a:lumMod val="75000"/>
+                  </a:schemeClr>
+                </a:solidFill>
+              </a:rPr>
+              <a:t>)+3)*(‘sheet_name’!</a:t>
+            </a:r>
+            <a:r>
+              <a:rPr lang="en-US" sz="1200" dirty="0" err="1">
+                <a:solidFill>
+                  <a:schemeClr val="accent1">
+                    <a:lumMod val="75000"/>
+                  </a:schemeClr>
+                </a:solidFill>
+              </a:rPr>
+              <a:t>ID_range</a:t>
+            </a:r>
+            <a:r>
+              <a:rPr lang="en-US" sz="1200" dirty="0">
+                <a:solidFill>
+                  <a:schemeClr val="accent1">
+                    <a:lumMod val="75000"/>
+                  </a:schemeClr>
+                </a:solidFill>
+              </a:rPr>
+              <a:t>&lt;&gt;"")),</a:t>
             </a:r>
             <a:r>
               <a:rPr lang="en-US" sz="1200" dirty="0">

--- a/presentation.pptx
+++ b/presentation.pptx
@@ -2224,6 +2224,8 @@
         <c:axId val="1120140568"/>
         <c:scaling>
           <c:orientation val="minMax"/>
+          <c:max val="1.2499920000000001E-2"/>
+          <c:min val="0"/>
         </c:scaling>
         <c:delete val="0"/>
         <c:axPos val="l"/>
@@ -2275,6 +2277,8 @@
         <c:crossAx val="1120140240"/>
         <c:crosses val="autoZero"/>
         <c:crossBetween val="between"/>
+        <c:majorUnit val="1.3888800000000003E-3"/>
+        <c:minorUnit val="3.4722200000000006E-4"/>
       </c:valAx>
       <c:spPr>
         <a:noFill/>
@@ -13380,7 +13384,7 @@
         </p:nvSpPr>
         <p:spPr>
           <a:xfrm>
-            <a:off x="2209800" y="5852487"/>
+            <a:off x="2209801" y="5757398"/>
             <a:ext cx="1447832" cy="307777"/>
           </a:xfrm>
           <a:prstGeom prst="rect">
@@ -13421,7 +13425,7 @@
         </p:nvSpPr>
         <p:spPr>
           <a:xfrm>
-            <a:off x="2471183" y="6160264"/>
+            <a:off x="2471184" y="6065175"/>
             <a:ext cx="3791423" cy="646331"/>
           </a:xfrm>
           <a:prstGeom prst="rect">
@@ -13650,12 +13654,14 @@
         </p:nvSpPr>
         <p:spPr/>
         <p:txBody>
-          <a:bodyPr/>
+          <a:bodyPr>
+            <a:normAutofit/>
+          </a:bodyPr>
           <a:lstStyle/>
           <a:p>
             <a:r>
-              <a:rPr lang="en-US" dirty="0"/>
-              <a:t>Quartile Finish Times</a:t>
+              <a:rPr lang="en-US" sz="3600" dirty="0"/>
+              <a:t>Quartile Full Marathon Finish Times</a:t>
             </a:r>
           </a:p>
         </p:txBody>
@@ -13854,8 +13860,8 @@
           </a:p>
         </p:txBody>
       </p:sp>
-      <mc:AlternateContent xmlns:mc="http://schemas.openxmlformats.org/markup-compatibility/2006" xmlns:cx1="http://schemas.microsoft.com/office/drawing/2015/9/8/chartex">
-        <mc:Choice Requires="cx1">
+      <mc:AlternateContent xmlns:mc="http://schemas.openxmlformats.org/markup-compatibility/2006">
+        <mc:Choice xmlns:cx1="http://schemas.microsoft.com/office/drawing/2015/9/8/chartex" Requires="cx1">
           <p:graphicFrame>
             <p:nvGraphicFramePr>
               <p:cNvPr id="11" name="Content Placeholder 10">
@@ -13872,13 +13878,13 @@
                 <p:ph idx="1"/>
                 <p:extLst>
                   <p:ext uri="{D42A27DB-BD31-4B8C-83A1-F6EECF244321}">
-                    <p14:modId xmlns:p14="http://schemas.microsoft.com/office/powerpoint/2010/main" val="1764298490"/>
+                    <p14:modId xmlns:p14="http://schemas.microsoft.com/office/powerpoint/2010/main" val="2126265131"/>
                   </p:ext>
                 </p:extLst>
               </p:nvPr>
             </p:nvGraphicFramePr>
             <p:xfrm>
-              <a:off x="2378252" y="1430337"/>
+              <a:off x="2000056" y="1430337"/>
               <a:ext cx="8191887" cy="3997325"/>
             </p:xfrm>
             <a:graphic>
@@ -13888,7 +13894,7 @@
             </a:graphic>
           </p:graphicFrame>
         </mc:Choice>
-        <mc:Fallback xmlns="">
+        <mc:Fallback>
           <p:pic>
             <p:nvPicPr>
               <p:cNvPr id="11" name="Content Placeholder 10">
@@ -13911,7 +13917,7 @@
             </p:blipFill>
             <p:spPr>
               <a:xfrm>
-                <a:off x="2378252" y="1430337"/>
+                <a:off x="2000056" y="1430337"/>
                 <a:ext cx="8191887" cy="3997325"/>
               </a:xfrm>
               <a:prstGeom prst="rect">
@@ -14785,7 +14791,7 @@
         </p:nvSpPr>
         <p:spPr>
           <a:xfrm>
-            <a:off x="2870347" y="5853444"/>
+            <a:off x="2870347" y="5761111"/>
             <a:ext cx="1447832" cy="307777"/>
           </a:xfrm>
           <a:prstGeom prst="rect">
@@ -14826,7 +14832,7 @@
         </p:nvSpPr>
         <p:spPr>
           <a:xfrm>
-            <a:off x="3131730" y="6161221"/>
+            <a:off x="3131730" y="6068888"/>
             <a:ext cx="7485191" cy="646331"/>
           </a:xfrm>
           <a:prstGeom prst="rect">
@@ -15091,7 +15097,7 @@
           <a:p>
             <a:pPr algn="l"/>
             <a:r>
-              <a:rPr lang="en-US" dirty="0">
+              <a:rPr lang="en-US" sz="3600" dirty="0">
                 <a:solidFill>
                   <a:schemeClr val="bg1"/>
                 </a:solidFill>
@@ -15172,7 +15178,7 @@
             <p:ph idx="1"/>
             <p:extLst>
               <p:ext uri="{D42A27DB-BD31-4B8C-83A1-F6EECF244321}">
-                <p14:modId xmlns:p14="http://schemas.microsoft.com/office/powerpoint/2010/main" val="266219613"/>
+                <p14:modId xmlns:p14="http://schemas.microsoft.com/office/powerpoint/2010/main" val="2152166562"/>
               </p:ext>
             </p:extLst>
           </p:nvPr>
@@ -15335,11 +15341,14 @@
                       </a:solidFill>
                       <a:prstDash val="solid"/>
                     </a:lnL>
-                    <a:lnR w="38100" cap="flat" cmpd="sng" algn="ctr">
-                      <a:solidFill>
-                        <a:srgbClr val="FFFFFF"/>
-                      </a:solidFill>
-                      <a:prstDash val="solid"/>
+                    <a:lnR w="12700" cap="flat" cmpd="sng" algn="ctr">
+                      <a:solidFill>
+                        <a:schemeClr val="tx1"/>
+                      </a:solidFill>
+                      <a:prstDash val="solid"/>
+                      <a:round/>
+                      <a:headEnd type="none" w="med" len="med"/>
+                      <a:tailEnd type="none" w="med" len="med"/>
                     </a:lnR>
                     <a:lnT w="38100" cap="flat" cmpd="sng" algn="ctr">
                       <a:noFill/>
@@ -15367,7 +15376,7 @@
                     <a:lstStyle/>
                     <a:p>
                       <a:pPr algn="l" fontAlgn="b"/>
-                      <a:endParaRPr lang="en-US" sz="1200" b="1" i="0" u="none" strike="noStrike">
+                      <a:endParaRPr lang="en-US" sz="1200" b="1" i="0" u="none" strike="noStrike" dirty="0">
                         <a:solidFill>
                           <a:srgbClr val="FFFFFF"/>
                         </a:solidFill>
@@ -15377,17 +15386,23 @@
                     </a:p>
                   </a:txBody>
                   <a:tcPr marL="98405" marR="59043" marT="59043" marB="59043" anchor="b">
-                    <a:lnL w="38100" cap="flat" cmpd="sng" algn="ctr">
-                      <a:solidFill>
-                        <a:srgbClr val="FFFFFF"/>
-                      </a:solidFill>
-                      <a:prstDash val="solid"/>
+                    <a:lnL w="12700" cap="flat" cmpd="sng" algn="ctr">
+                      <a:solidFill>
+                        <a:schemeClr val="tx1"/>
+                      </a:solidFill>
+                      <a:prstDash val="solid"/>
+                      <a:round/>
+                      <a:headEnd type="none" w="med" len="med"/>
+                      <a:tailEnd type="none" w="med" len="med"/>
                     </a:lnL>
-                    <a:lnR w="38100" cap="flat" cmpd="sng" algn="ctr">
-                      <a:solidFill>
-                        <a:srgbClr val="FFFFFF"/>
-                      </a:solidFill>
-                      <a:prstDash val="solid"/>
+                    <a:lnR w="12700" cap="flat" cmpd="sng" algn="ctr">
+                      <a:solidFill>
+                        <a:schemeClr val="tx1"/>
+                      </a:solidFill>
+                      <a:prstDash val="solid"/>
+                      <a:round/>
+                      <a:headEnd type="none" w="med" len="med"/>
+                      <a:tailEnd type="none" w="med" len="med"/>
                     </a:lnR>
                     <a:lnT w="38100" cap="flat" cmpd="sng" algn="ctr">
                       <a:noFill/>
@@ -15400,9 +15415,9 @@
                       <a:prstDash val="solid"/>
                     </a:lnB>
                     <a:solidFill>
-                      <a:srgbClr val="636B68">
-                        <a:alpha val="69804"/>
-                      </a:srgbClr>
+                      <a:schemeClr val="bg2">
+                        <a:lumMod val="10000"/>
+                      </a:schemeClr>
                     </a:solidFill>
                   </a:tcPr>
                 </a:tc>
@@ -15431,11 +15446,14 @@
                     </a:p>
                   </a:txBody>
                   <a:tcPr marL="98405" marR="59043" marT="59043" marB="59043" anchor="b">
-                    <a:lnL w="38100" cap="flat" cmpd="sng" algn="ctr">
-                      <a:solidFill>
-                        <a:srgbClr val="FFFFFF"/>
-                      </a:solidFill>
-                      <a:prstDash val="solid"/>
+                    <a:lnL w="12700" cap="flat" cmpd="sng" algn="ctr">
+                      <a:solidFill>
+                        <a:schemeClr val="tx1"/>
+                      </a:solidFill>
+                      <a:prstDash val="solid"/>
+                      <a:round/>
+                      <a:headEnd type="none" w="med" len="med"/>
+                      <a:tailEnd type="none" w="med" len="med"/>
                     </a:lnL>
                     <a:lnR w="38100" cap="flat" cmpd="sng" algn="ctr">
                       <a:solidFill>
@@ -15953,6 +15971,1844 @@
                     <a:lstStyle/>
                     <a:p>
                       <a:pPr algn="l" fontAlgn="b"/>
+                      <a:endParaRPr lang="en-US" sz="1200" b="0" i="0" u="none" strike="noStrike" dirty="0">
+                        <a:solidFill>
+                          <a:schemeClr val="tx1">
+                            <a:lumMod val="85000"/>
+                            <a:lumOff val="15000"/>
+                          </a:schemeClr>
+                        </a:solidFill>
+                        <a:effectLst/>
+                        <a:latin typeface="Calibri" panose="020F0502020204030204" pitchFamily="34" charset="0"/>
+                      </a:endParaRPr>
+                    </a:p>
+                  </a:txBody>
+                  <a:tcPr marL="98405" marR="59043" marT="59043" marB="59043" anchor="b">
+                    <a:lnL w="12700" cap="flat" cmpd="sng" algn="ctr">
+                      <a:solidFill>
+                        <a:schemeClr val="tx1"/>
+                      </a:solidFill>
+                      <a:prstDash val="solid"/>
+                      <a:round/>
+                      <a:headEnd type="none" w="med" len="med"/>
+                      <a:tailEnd type="none" w="med" len="med"/>
+                    </a:lnL>
+                    <a:lnR w="12700" cap="flat" cmpd="sng" algn="ctr">
+                      <a:solidFill>
+                        <a:schemeClr val="tx1"/>
+                      </a:solidFill>
+                      <a:prstDash val="solid"/>
+                      <a:round/>
+                      <a:headEnd type="none" w="med" len="med"/>
+                      <a:tailEnd type="none" w="med" len="med"/>
+                    </a:lnR>
+                    <a:lnT w="38100" cap="flat" cmpd="sng" algn="ctr">
+                      <a:solidFill>
+                        <a:srgbClr val="FFFFFF"/>
+                      </a:solidFill>
+                      <a:prstDash val="solid"/>
+                    </a:lnT>
+                    <a:lnB w="38100" cap="flat" cmpd="sng" algn="ctr">
+                      <a:solidFill>
+                        <a:srgbClr val="FFFFFF"/>
+                      </a:solidFill>
+                      <a:prstDash val="solid"/>
+                    </a:lnB>
+                    <a:solidFill>
+                      <a:schemeClr val="bg2">
+                        <a:lumMod val="10000"/>
+                      </a:schemeClr>
+                    </a:solidFill>
+                  </a:tcPr>
+                </a:tc>
+                <a:tc>
+                  <a:txBody>
+                    <a:bodyPr/>
+                    <a:lstStyle/>
+                    <a:p>
+                      <a:pPr algn="l" fontAlgn="b"/>
+                      <a:r>
+                        <a:rPr lang="en-US" sz="1200" u="none" strike="noStrike" dirty="0">
+                          <a:solidFill>
+                            <a:schemeClr val="tx1">
+                              <a:lumMod val="85000"/>
+                              <a:lumOff val="15000"/>
+                            </a:schemeClr>
+                          </a:solidFill>
+                          <a:effectLst/>
+                        </a:rPr>
+                        <a:t>Scott </a:t>
+                      </a:r>
+                      <a:r>
+                        <a:rPr lang="en-US" sz="1200" u="none" strike="noStrike" dirty="0" err="1">
+                          <a:solidFill>
+                            <a:schemeClr val="tx1">
+                              <a:lumMod val="85000"/>
+                              <a:lumOff val="15000"/>
+                            </a:schemeClr>
+                          </a:solidFill>
+                          <a:effectLst/>
+                        </a:rPr>
+                        <a:t>Wietecha</a:t>
+                      </a:r>
+                      <a:endParaRPr lang="en-US" sz="1200" b="0" i="0" u="none" strike="noStrike" dirty="0">
+                        <a:solidFill>
+                          <a:schemeClr val="tx1">
+                            <a:lumMod val="85000"/>
+                            <a:lumOff val="15000"/>
+                          </a:schemeClr>
+                        </a:solidFill>
+                        <a:effectLst/>
+                        <a:latin typeface="Calibri" panose="020F0502020204030204" pitchFamily="34" charset="0"/>
+                      </a:endParaRPr>
+                    </a:p>
+                  </a:txBody>
+                  <a:tcPr marL="98405" marR="59043" marT="59043" marB="59043" anchor="b">
+                    <a:lnL w="12700" cap="flat" cmpd="sng" algn="ctr">
+                      <a:solidFill>
+                        <a:schemeClr val="tx1"/>
+                      </a:solidFill>
+                      <a:prstDash val="solid"/>
+                      <a:round/>
+                      <a:headEnd type="none" w="med" len="med"/>
+                      <a:tailEnd type="none" w="med" len="med"/>
+                    </a:lnL>
+                    <a:lnR w="38100" cap="flat" cmpd="sng" algn="ctr">
+                      <a:solidFill>
+                        <a:srgbClr val="FFFFFF"/>
+                      </a:solidFill>
+                      <a:prstDash val="solid"/>
+                    </a:lnR>
+                    <a:lnT w="12700" cap="flat" cmpd="sng" algn="ctr">
+                      <a:solidFill>
+                        <a:schemeClr val="tx1"/>
+                      </a:solidFill>
+                      <a:prstDash val="solid"/>
+                      <a:round/>
+                      <a:headEnd type="none" w="med" len="med"/>
+                      <a:tailEnd type="none" w="med" len="med"/>
+                    </a:lnT>
+                    <a:lnB w="38100" cap="flat" cmpd="sng" algn="ctr">
+                      <a:solidFill>
+                        <a:srgbClr val="FFFFFF"/>
+                      </a:solidFill>
+                      <a:prstDash val="solid"/>
+                    </a:lnB>
+                    <a:solidFill>
+                      <a:srgbClr val="878E8B">
+                        <a:alpha val="14902"/>
+                      </a:srgbClr>
+                    </a:solidFill>
+                  </a:tcPr>
+                </a:tc>
+                <a:tc>
+                  <a:txBody>
+                    <a:bodyPr/>
+                    <a:lstStyle/>
+                    <a:p>
+                      <a:pPr algn="ctr" fontAlgn="b"/>
+                      <a:r>
+                        <a:rPr lang="en-US" sz="1200" u="none" strike="noStrike" dirty="0">
+                          <a:solidFill>
+                            <a:schemeClr val="tx1">
+                              <a:lumMod val="85000"/>
+                              <a:lumOff val="15000"/>
+                            </a:schemeClr>
+                          </a:solidFill>
+                          <a:effectLst/>
+                        </a:rPr>
+                        <a:t>4</a:t>
+                      </a:r>
+                      <a:endParaRPr lang="en-US" sz="1200" b="0" i="0" u="none" strike="noStrike" dirty="0">
+                        <a:solidFill>
+                          <a:schemeClr val="tx1">
+                            <a:lumMod val="85000"/>
+                            <a:lumOff val="15000"/>
+                          </a:schemeClr>
+                        </a:solidFill>
+                        <a:effectLst/>
+                        <a:latin typeface="Calibri" panose="020F0502020204030204" pitchFamily="34" charset="0"/>
+                      </a:endParaRPr>
+                    </a:p>
+                  </a:txBody>
+                  <a:tcPr marL="98405" marR="59043" marT="59043" marB="59043" anchor="b">
+                    <a:lnL w="38100" cap="flat" cmpd="sng" algn="ctr">
+                      <a:solidFill>
+                        <a:srgbClr val="FFFFFF"/>
+                      </a:solidFill>
+                      <a:prstDash val="solid"/>
+                    </a:lnL>
+                    <a:lnR w="38100" cap="flat" cmpd="sng" algn="ctr">
+                      <a:solidFill>
+                        <a:srgbClr val="FFFFFF"/>
+                      </a:solidFill>
+                      <a:prstDash val="solid"/>
+                    </a:lnR>
+                    <a:lnT w="12700" cap="flat" cmpd="sng" algn="ctr">
+                      <a:solidFill>
+                        <a:schemeClr val="tx1"/>
+                      </a:solidFill>
+                      <a:prstDash val="solid"/>
+                      <a:round/>
+                      <a:headEnd type="none" w="med" len="med"/>
+                      <a:tailEnd type="none" w="med" len="med"/>
+                    </a:lnT>
+                    <a:lnB w="38100" cap="flat" cmpd="sng" algn="ctr">
+                      <a:solidFill>
+                        <a:srgbClr val="FFFFFF"/>
+                      </a:solidFill>
+                      <a:prstDash val="solid"/>
+                    </a:lnB>
+                    <a:solidFill>
+                      <a:srgbClr val="878E8B">
+                        <a:alpha val="14902"/>
+                      </a:srgbClr>
+                    </a:solidFill>
+                  </a:tcPr>
+                </a:tc>
+                <a:tc>
+                  <a:txBody>
+                    <a:bodyPr/>
+                    <a:lstStyle/>
+                    <a:p>
+                      <a:pPr algn="l" fontAlgn="b"/>
+                      <a:endParaRPr lang="en-US" sz="1200" b="0" i="0" u="none" strike="noStrike">
+                        <a:solidFill>
+                          <a:schemeClr val="tx1">
+                            <a:lumMod val="85000"/>
+                            <a:lumOff val="15000"/>
+                          </a:schemeClr>
+                        </a:solidFill>
+                        <a:effectLst/>
+                        <a:latin typeface="Calibri" panose="020F0502020204030204" pitchFamily="34" charset="0"/>
+                      </a:endParaRPr>
+                    </a:p>
+                  </a:txBody>
+                  <a:tcPr marL="98405" marR="59043" marT="59043" marB="59043" anchor="b">
+                    <a:lnL w="38100" cap="flat" cmpd="sng" algn="ctr">
+                      <a:solidFill>
+                        <a:srgbClr val="FFFFFF"/>
+                      </a:solidFill>
+                      <a:prstDash val="solid"/>
+                    </a:lnL>
+                    <a:lnR w="38100" cap="flat" cmpd="sng" algn="ctr">
+                      <a:solidFill>
+                        <a:srgbClr val="FFFFFF"/>
+                      </a:solidFill>
+                      <a:prstDash val="solid"/>
+                      <a:round/>
+                      <a:headEnd type="none" w="med" len="med"/>
+                      <a:tailEnd type="none" w="med" len="med"/>
+                    </a:lnR>
+                    <a:lnT w="12700" cap="flat" cmpd="sng" algn="ctr">
+                      <a:solidFill>
+                        <a:schemeClr val="tx1"/>
+                      </a:solidFill>
+                      <a:prstDash val="solid"/>
+                      <a:round/>
+                      <a:headEnd type="none" w="med" len="med"/>
+                      <a:tailEnd type="none" w="med" len="med"/>
+                    </a:lnT>
+                    <a:lnB w="38100" cap="flat" cmpd="sng" algn="ctr">
+                      <a:solidFill>
+                        <a:srgbClr val="FFFFFF"/>
+                      </a:solidFill>
+                      <a:prstDash val="solid"/>
+                    </a:lnB>
+                    <a:solidFill>
+                      <a:srgbClr val="878E8B">
+                        <a:alpha val="14902"/>
+                      </a:srgbClr>
+                    </a:solidFill>
+                  </a:tcPr>
+                </a:tc>
+                <a:tc>
+                  <a:txBody>
+                    <a:bodyPr/>
+                    <a:lstStyle/>
+                    <a:p>
+                      <a:pPr algn="ctr" fontAlgn="b"/>
+                      <a:r>
+                        <a:rPr lang="en-US" sz="1200" b="0" i="0" u="none" strike="noStrike" dirty="0">
+                          <a:solidFill>
+                            <a:srgbClr val="000000"/>
+                          </a:solidFill>
+                          <a:effectLst/>
+                          <a:latin typeface="+mn-lt"/>
+                        </a:rPr>
+                        <a:t>2:25:42</a:t>
+                      </a:r>
+                    </a:p>
+                  </a:txBody>
+                  <a:tcPr marL="9525" marR="9525" marT="9525" marB="0" anchor="b">
+                    <a:lnL w="38100" cap="flat" cmpd="sng" algn="ctr">
+                      <a:solidFill>
+                        <a:srgbClr val="FFFFFF"/>
+                      </a:solidFill>
+                      <a:prstDash val="solid"/>
+                    </a:lnL>
+                    <a:lnR w="38100" cap="flat" cmpd="sng" algn="ctr">
+                      <a:solidFill>
+                        <a:srgbClr val="FFFFFF"/>
+                      </a:solidFill>
+                      <a:prstDash val="solid"/>
+                    </a:lnR>
+                    <a:lnT w="12700" cap="flat" cmpd="sng" algn="ctr">
+                      <a:solidFill>
+                        <a:schemeClr val="tx1"/>
+                      </a:solidFill>
+                      <a:prstDash val="solid"/>
+                      <a:round/>
+                      <a:headEnd type="none" w="med" len="med"/>
+                      <a:tailEnd type="none" w="med" len="med"/>
+                    </a:lnT>
+                    <a:lnB w="38100" cap="flat" cmpd="sng" algn="ctr">
+                      <a:solidFill>
+                        <a:srgbClr val="FFFFFF"/>
+                      </a:solidFill>
+                      <a:prstDash val="solid"/>
+                    </a:lnB>
+                    <a:solidFill>
+                      <a:srgbClr val="878E8B">
+                        <a:alpha val="14902"/>
+                      </a:srgbClr>
+                    </a:solidFill>
+                  </a:tcPr>
+                </a:tc>
+                <a:tc>
+                  <a:txBody>
+                    <a:bodyPr/>
+                    <a:lstStyle/>
+                    <a:p>
+                      <a:pPr algn="ctr" fontAlgn="b"/>
+                      <a:r>
+                        <a:rPr lang="en-US" sz="1200" b="0" i="0" u="none" strike="noStrike" dirty="0">
+                          <a:solidFill>
+                            <a:srgbClr val="000000"/>
+                          </a:solidFill>
+                          <a:effectLst/>
+                          <a:latin typeface="+mn-lt"/>
+                        </a:rPr>
+                        <a:t>2:40:25</a:t>
+                      </a:r>
+                    </a:p>
+                  </a:txBody>
+                  <a:tcPr marL="9525" marR="9525" marT="9525" marB="0" anchor="b">
+                    <a:lnL w="38100" cap="flat" cmpd="sng" algn="ctr">
+                      <a:solidFill>
+                        <a:srgbClr val="FFFFFF"/>
+                      </a:solidFill>
+                      <a:prstDash val="solid"/>
+                    </a:lnL>
+                    <a:lnR w="38100" cap="flat" cmpd="sng" algn="ctr">
+                      <a:solidFill>
+                        <a:srgbClr val="FFFFFF"/>
+                      </a:solidFill>
+                      <a:prstDash val="solid"/>
+                    </a:lnR>
+                    <a:lnT w="12700" cap="flat" cmpd="sng" algn="ctr">
+                      <a:solidFill>
+                        <a:schemeClr val="tx1"/>
+                      </a:solidFill>
+                      <a:prstDash val="solid"/>
+                      <a:round/>
+                      <a:headEnd type="none" w="med" len="med"/>
+                      <a:tailEnd type="none" w="med" len="med"/>
+                    </a:lnT>
+                    <a:lnB w="38100" cap="flat" cmpd="sng" algn="ctr">
+                      <a:solidFill>
+                        <a:srgbClr val="FFFFFF"/>
+                      </a:solidFill>
+                      <a:prstDash val="solid"/>
+                    </a:lnB>
+                    <a:solidFill>
+                      <a:srgbClr val="878E8B">
+                        <a:alpha val="14902"/>
+                      </a:srgbClr>
+                    </a:solidFill>
+                  </a:tcPr>
+                </a:tc>
+                <a:tc>
+                  <a:txBody>
+                    <a:bodyPr/>
+                    <a:lstStyle/>
+                    <a:p>
+                      <a:pPr algn="ctr" fontAlgn="b"/>
+                      <a:r>
+                        <a:rPr lang="en-US" sz="1200" b="0" i="0" u="none" strike="noStrike" dirty="0">
+                          <a:solidFill>
+                            <a:srgbClr val="000000"/>
+                          </a:solidFill>
+                          <a:effectLst/>
+                          <a:latin typeface="+mn-lt"/>
+                        </a:rPr>
+                        <a:t>2:28:16</a:t>
+                      </a:r>
+                    </a:p>
+                  </a:txBody>
+                  <a:tcPr marL="9525" marR="9525" marT="9525" marB="0" anchor="b">
+                    <a:lnL w="38100" cap="flat" cmpd="sng" algn="ctr">
+                      <a:solidFill>
+                        <a:srgbClr val="FFFFFF"/>
+                      </a:solidFill>
+                      <a:prstDash val="solid"/>
+                    </a:lnL>
+                    <a:lnR w="38100" cap="flat" cmpd="sng" algn="ctr">
+                      <a:solidFill>
+                        <a:srgbClr val="FFFFFF"/>
+                      </a:solidFill>
+                      <a:prstDash val="solid"/>
+                    </a:lnR>
+                    <a:lnT w="12700" cap="flat" cmpd="sng" algn="ctr">
+                      <a:solidFill>
+                        <a:schemeClr val="tx1"/>
+                      </a:solidFill>
+                      <a:prstDash val="solid"/>
+                      <a:round/>
+                      <a:headEnd type="none" w="med" len="med"/>
+                      <a:tailEnd type="none" w="med" len="med"/>
+                    </a:lnT>
+                    <a:lnB w="38100" cap="flat" cmpd="sng" algn="ctr">
+                      <a:solidFill>
+                        <a:srgbClr val="FFFFFF"/>
+                      </a:solidFill>
+                      <a:prstDash val="solid"/>
+                    </a:lnB>
+                    <a:solidFill>
+                      <a:srgbClr val="878E8B">
+                        <a:alpha val="14902"/>
+                      </a:srgbClr>
+                    </a:solidFill>
+                  </a:tcPr>
+                </a:tc>
+                <a:tc>
+                  <a:txBody>
+                    <a:bodyPr/>
+                    <a:lstStyle/>
+                    <a:p>
+                      <a:pPr algn="ctr" fontAlgn="b"/>
+                      <a:r>
+                        <a:rPr lang="en-US" sz="1200" b="0" i="0" u="none" strike="noStrike" dirty="0">
+                          <a:solidFill>
+                            <a:srgbClr val="000000"/>
+                          </a:solidFill>
+                          <a:effectLst/>
+                          <a:latin typeface="+mn-lt"/>
+                        </a:rPr>
+                        <a:t>2:34:59</a:t>
+                      </a:r>
+                    </a:p>
+                  </a:txBody>
+                  <a:tcPr marL="9525" marR="9525" marT="9525" marB="0" anchor="b">
+                    <a:lnL w="38100" cap="flat" cmpd="sng" algn="ctr">
+                      <a:solidFill>
+                        <a:srgbClr val="FFFFFF"/>
+                      </a:solidFill>
+                      <a:prstDash val="solid"/>
+                    </a:lnL>
+                    <a:lnR w="12700" cap="flat" cmpd="sng" algn="ctr">
+                      <a:solidFill>
+                        <a:schemeClr val="tx1"/>
+                      </a:solidFill>
+                      <a:prstDash val="solid"/>
+                      <a:round/>
+                      <a:headEnd type="none" w="med" len="med"/>
+                      <a:tailEnd type="none" w="med" len="med"/>
+                    </a:lnR>
+                    <a:lnT w="12700" cap="flat" cmpd="sng" algn="ctr">
+                      <a:solidFill>
+                        <a:schemeClr val="tx1"/>
+                      </a:solidFill>
+                      <a:prstDash val="solid"/>
+                      <a:round/>
+                      <a:headEnd type="none" w="med" len="med"/>
+                      <a:tailEnd type="none" w="med" len="med"/>
+                    </a:lnT>
+                    <a:lnB w="38100" cap="flat" cmpd="sng" algn="ctr">
+                      <a:solidFill>
+                        <a:srgbClr val="FFFFFF"/>
+                      </a:solidFill>
+                      <a:prstDash val="solid"/>
+                    </a:lnB>
+                    <a:solidFill>
+                      <a:srgbClr val="878E8B">
+                        <a:alpha val="14902"/>
+                      </a:srgbClr>
+                    </a:solidFill>
+                  </a:tcPr>
+                </a:tc>
+                <a:extLst>
+                  <a:ext uri="{0D108BD9-81ED-4DB2-BD59-A6C34878D82A}">
+                    <a16:rowId xmlns:a16="http://schemas.microsoft.com/office/drawing/2014/main" val="2668983897"/>
+                  </a:ext>
+                </a:extLst>
+              </a:tr>
+              <a:tr h="513309">
+                <a:tc>
+                  <a:txBody>
+                    <a:bodyPr/>
+                    <a:lstStyle/>
+                    <a:p>
+                      <a:pPr algn="l" fontAlgn="b"/>
+                      <a:endParaRPr lang="en-US" sz="1200" b="1" i="0" u="none" strike="noStrike">
+                        <a:solidFill>
+                          <a:schemeClr val="tx1">
+                            <a:lumMod val="85000"/>
+                            <a:lumOff val="15000"/>
+                          </a:schemeClr>
+                        </a:solidFill>
+                        <a:effectLst/>
+                        <a:latin typeface="Calibri" panose="020F0502020204030204" pitchFamily="34" charset="0"/>
+                      </a:endParaRPr>
+                    </a:p>
+                  </a:txBody>
+                  <a:tcPr marL="98405" marR="59043" marT="59043" marB="59043" anchor="b">
+                    <a:lnL w="12700" cmpd="sng">
+                      <a:noFill/>
+                      <a:prstDash val="solid"/>
+                    </a:lnL>
+                    <a:lnR w="12700" cap="flat" cmpd="sng" algn="ctr">
+                      <a:solidFill>
+                        <a:schemeClr val="tx1"/>
+                      </a:solidFill>
+                      <a:prstDash val="solid"/>
+                      <a:round/>
+                      <a:headEnd type="none" w="med" len="med"/>
+                      <a:tailEnd type="none" w="med" len="med"/>
+                    </a:lnR>
+                    <a:lnT w="38100" cap="flat" cmpd="sng" algn="ctr">
+                      <a:solidFill>
+                        <a:srgbClr val="FFFFFF"/>
+                      </a:solidFill>
+                      <a:prstDash val="solid"/>
+                    </a:lnT>
+                    <a:lnB w="38100" cap="flat" cmpd="sng" algn="ctr">
+                      <a:solidFill>
+                        <a:srgbClr val="FFFFFF"/>
+                      </a:solidFill>
+                      <a:prstDash val="solid"/>
+                    </a:lnB>
+                    <a:solidFill>
+                      <a:srgbClr val="878E8B">
+                        <a:alpha val="30196"/>
+                      </a:srgbClr>
+                    </a:solidFill>
+                  </a:tcPr>
+                </a:tc>
+                <a:tc>
+                  <a:txBody>
+                    <a:bodyPr/>
+                    <a:lstStyle/>
+                    <a:p>
+                      <a:pPr algn="l" fontAlgn="b"/>
+                      <a:r>
+                        <a:rPr lang="en-US" sz="1200" u="none" strike="noStrike" dirty="0">
+                          <a:solidFill>
+                            <a:schemeClr val="tx1">
+                              <a:lumMod val="85000"/>
+                              <a:lumOff val="15000"/>
+                            </a:schemeClr>
+                          </a:solidFill>
+                          <a:effectLst/>
+                        </a:rPr>
+                        <a:t>Brian Shelton</a:t>
+                      </a:r>
+                      <a:endParaRPr lang="en-US" sz="1200" b="0" i="0" u="none" strike="noStrike" dirty="0">
+                        <a:solidFill>
+                          <a:schemeClr val="tx1">
+                            <a:lumMod val="85000"/>
+                            <a:lumOff val="15000"/>
+                          </a:schemeClr>
+                        </a:solidFill>
+                        <a:effectLst/>
+                        <a:latin typeface="Calibri" panose="020F0502020204030204" pitchFamily="34" charset="0"/>
+                      </a:endParaRPr>
+                    </a:p>
+                  </a:txBody>
+                  <a:tcPr marL="98405" marR="59043" marT="59043" marB="59043" anchor="b">
+                    <a:lnL w="12700" cap="flat" cmpd="sng" algn="ctr">
+                      <a:solidFill>
+                        <a:schemeClr val="tx1"/>
+                      </a:solidFill>
+                      <a:prstDash val="solid"/>
+                      <a:round/>
+                      <a:headEnd type="none" w="med" len="med"/>
+                      <a:tailEnd type="none" w="med" len="med"/>
+                    </a:lnL>
+                    <a:lnR w="12700" cap="flat" cmpd="sng" algn="ctr">
+                      <a:solidFill>
+                        <a:schemeClr val="tx1"/>
+                      </a:solidFill>
+                      <a:prstDash val="solid"/>
+                      <a:round/>
+                      <a:headEnd type="none" w="med" len="med"/>
+                      <a:tailEnd type="none" w="med" len="med"/>
+                    </a:lnR>
+                    <a:lnT w="38100" cap="flat" cmpd="sng" algn="ctr">
+                      <a:solidFill>
+                        <a:srgbClr val="FFFFFF"/>
+                      </a:solidFill>
+                      <a:prstDash val="solid"/>
+                    </a:lnT>
+                    <a:lnB w="38100" cap="flat" cmpd="sng" algn="ctr">
+                      <a:solidFill>
+                        <a:srgbClr val="FFFFFF"/>
+                      </a:solidFill>
+                      <a:prstDash val="solid"/>
+                    </a:lnB>
+                    <a:solidFill>
+                      <a:srgbClr val="878E8B">
+                        <a:alpha val="30196"/>
+                      </a:srgbClr>
+                    </a:solidFill>
+                  </a:tcPr>
+                </a:tc>
+                <a:tc>
+                  <a:txBody>
+                    <a:bodyPr/>
+                    <a:lstStyle/>
+                    <a:p>
+                      <a:pPr algn="l" fontAlgn="b"/>
+                      <a:endParaRPr lang="en-US" sz="1200" b="0" i="0" u="none" strike="noStrike" dirty="0">
+                        <a:solidFill>
+                          <a:schemeClr val="tx1">
+                            <a:lumMod val="85000"/>
+                            <a:lumOff val="15000"/>
+                          </a:schemeClr>
+                        </a:solidFill>
+                        <a:effectLst/>
+                        <a:latin typeface="Calibri" panose="020F0502020204030204" pitchFamily="34" charset="0"/>
+                      </a:endParaRPr>
+                    </a:p>
+                  </a:txBody>
+                  <a:tcPr marL="98405" marR="59043" marT="59043" marB="59043" anchor="b">
+                    <a:lnL w="12700" cap="flat" cmpd="sng" algn="ctr">
+                      <a:solidFill>
+                        <a:schemeClr val="tx1"/>
+                      </a:solidFill>
+                      <a:prstDash val="solid"/>
+                      <a:round/>
+                      <a:headEnd type="none" w="med" len="med"/>
+                      <a:tailEnd type="none" w="med" len="med"/>
+                    </a:lnL>
+                    <a:lnR w="12700" cap="flat" cmpd="sng" algn="ctr">
+                      <a:solidFill>
+                        <a:schemeClr val="tx1"/>
+                      </a:solidFill>
+                      <a:prstDash val="solid"/>
+                      <a:round/>
+                      <a:headEnd type="none" w="med" len="med"/>
+                      <a:tailEnd type="none" w="med" len="med"/>
+                    </a:lnR>
+                    <a:lnT w="38100" cap="flat" cmpd="sng" algn="ctr">
+                      <a:solidFill>
+                        <a:srgbClr val="FFFFFF"/>
+                      </a:solidFill>
+                      <a:prstDash val="solid"/>
+                    </a:lnT>
+                    <a:lnB w="38100" cap="flat" cmpd="sng" algn="ctr">
+                      <a:solidFill>
+                        <a:srgbClr val="FFFFFF"/>
+                      </a:solidFill>
+                      <a:prstDash val="solid"/>
+                    </a:lnB>
+                    <a:solidFill>
+                      <a:schemeClr val="bg2">
+                        <a:lumMod val="10000"/>
+                      </a:schemeClr>
+                    </a:solidFill>
+                  </a:tcPr>
+                </a:tc>
+                <a:tc>
+                  <a:txBody>
+                    <a:bodyPr/>
+                    <a:lstStyle/>
+                    <a:p>
+                      <a:pPr algn="l" fontAlgn="b"/>
+                      <a:r>
+                        <a:rPr lang="en-US" sz="1200" u="none" strike="noStrike" dirty="0">
+                          <a:solidFill>
+                            <a:schemeClr val="tx1">
+                              <a:lumMod val="85000"/>
+                              <a:lumOff val="15000"/>
+                            </a:schemeClr>
+                          </a:solidFill>
+                          <a:effectLst/>
+                        </a:rPr>
+                        <a:t>Brian Shelton</a:t>
+                      </a:r>
+                      <a:endParaRPr lang="en-US" sz="1200" b="0" i="0" u="none" strike="noStrike" dirty="0">
+                        <a:solidFill>
+                          <a:schemeClr val="tx1">
+                            <a:lumMod val="85000"/>
+                            <a:lumOff val="15000"/>
+                          </a:schemeClr>
+                        </a:solidFill>
+                        <a:effectLst/>
+                        <a:latin typeface="Calibri" panose="020F0502020204030204" pitchFamily="34" charset="0"/>
+                      </a:endParaRPr>
+                    </a:p>
+                  </a:txBody>
+                  <a:tcPr marL="98405" marR="59043" marT="59043" marB="59043" anchor="b">
+                    <a:lnL w="12700" cap="flat" cmpd="sng" algn="ctr">
+                      <a:solidFill>
+                        <a:schemeClr val="tx1"/>
+                      </a:solidFill>
+                      <a:prstDash val="solid"/>
+                      <a:round/>
+                      <a:headEnd type="none" w="med" len="med"/>
+                      <a:tailEnd type="none" w="med" len="med"/>
+                    </a:lnL>
+                    <a:lnR w="38100" cap="flat" cmpd="sng" algn="ctr">
+                      <a:solidFill>
+                        <a:srgbClr val="FFFFFF"/>
+                      </a:solidFill>
+                      <a:prstDash val="solid"/>
+                    </a:lnR>
+                    <a:lnT w="38100" cap="flat" cmpd="sng" algn="ctr">
+                      <a:solidFill>
+                        <a:srgbClr val="FFFFFF"/>
+                      </a:solidFill>
+                      <a:prstDash val="solid"/>
+                    </a:lnT>
+                    <a:lnB w="38100" cap="flat" cmpd="sng" algn="ctr">
+                      <a:solidFill>
+                        <a:srgbClr val="FFFFFF"/>
+                      </a:solidFill>
+                      <a:prstDash val="solid"/>
+                    </a:lnB>
+                    <a:solidFill>
+                      <a:srgbClr val="878E8B">
+                        <a:alpha val="30196"/>
+                      </a:srgbClr>
+                    </a:solidFill>
+                  </a:tcPr>
+                </a:tc>
+                <a:tc>
+                  <a:txBody>
+                    <a:bodyPr/>
+                    <a:lstStyle/>
+                    <a:p>
+                      <a:pPr algn="ctr" fontAlgn="b"/>
+                      <a:r>
+                        <a:rPr lang="en-US" sz="1200" u="none" strike="noStrike" dirty="0">
+                          <a:solidFill>
+                            <a:schemeClr val="tx1">
+                              <a:lumMod val="85000"/>
+                              <a:lumOff val="15000"/>
+                            </a:schemeClr>
+                          </a:solidFill>
+                          <a:effectLst/>
+                        </a:rPr>
+                        <a:t>1</a:t>
+                      </a:r>
+                      <a:endParaRPr lang="en-US" sz="1200" b="0" i="0" u="none" strike="noStrike" dirty="0">
+                        <a:solidFill>
+                          <a:schemeClr val="tx1">
+                            <a:lumMod val="85000"/>
+                            <a:lumOff val="15000"/>
+                          </a:schemeClr>
+                        </a:solidFill>
+                        <a:effectLst/>
+                        <a:latin typeface="Calibri" panose="020F0502020204030204" pitchFamily="34" charset="0"/>
+                      </a:endParaRPr>
+                    </a:p>
+                  </a:txBody>
+                  <a:tcPr marL="98405" marR="59043" marT="59043" marB="59043" anchor="b">
+                    <a:lnL w="38100" cap="flat" cmpd="sng" algn="ctr">
+                      <a:solidFill>
+                        <a:srgbClr val="FFFFFF"/>
+                      </a:solidFill>
+                      <a:prstDash val="solid"/>
+                    </a:lnL>
+                    <a:lnR w="38100" cap="flat" cmpd="sng" algn="ctr">
+                      <a:solidFill>
+                        <a:srgbClr val="FFFFFF"/>
+                      </a:solidFill>
+                      <a:prstDash val="solid"/>
+                    </a:lnR>
+                    <a:lnT w="38100" cap="flat" cmpd="sng" algn="ctr">
+                      <a:solidFill>
+                        <a:srgbClr val="FFFFFF"/>
+                      </a:solidFill>
+                      <a:prstDash val="solid"/>
+                    </a:lnT>
+                    <a:lnB w="38100" cap="flat" cmpd="sng" algn="ctr">
+                      <a:solidFill>
+                        <a:srgbClr val="FFFFFF"/>
+                      </a:solidFill>
+                      <a:prstDash val="solid"/>
+                    </a:lnB>
+                    <a:solidFill>
+                      <a:srgbClr val="878E8B">
+                        <a:alpha val="30196"/>
+                      </a:srgbClr>
+                    </a:solidFill>
+                  </a:tcPr>
+                </a:tc>
+                <a:tc>
+                  <a:txBody>
+                    <a:bodyPr/>
+                    <a:lstStyle/>
+                    <a:p>
+                      <a:pPr algn="l" fontAlgn="b"/>
+                      <a:endParaRPr lang="en-US" sz="1200" b="0" i="0" u="none" strike="noStrike">
+                        <a:solidFill>
+                          <a:schemeClr val="tx1">
+                            <a:lumMod val="85000"/>
+                            <a:lumOff val="15000"/>
+                          </a:schemeClr>
+                        </a:solidFill>
+                        <a:effectLst/>
+                        <a:latin typeface="Calibri" panose="020F0502020204030204" pitchFamily="34" charset="0"/>
+                      </a:endParaRPr>
+                    </a:p>
+                  </a:txBody>
+                  <a:tcPr marL="98405" marR="59043" marT="59043" marB="59043" anchor="b">
+                    <a:lnL w="38100" cap="flat" cmpd="sng" algn="ctr">
+                      <a:solidFill>
+                        <a:srgbClr val="FFFFFF"/>
+                      </a:solidFill>
+                      <a:prstDash val="solid"/>
+                    </a:lnL>
+                    <a:lnR w="38100" cap="flat" cmpd="sng" algn="ctr">
+                      <a:solidFill>
+                        <a:srgbClr val="FFFFFF"/>
+                      </a:solidFill>
+                      <a:prstDash val="solid"/>
+                      <a:round/>
+                      <a:headEnd type="none" w="med" len="med"/>
+                      <a:tailEnd type="none" w="med" len="med"/>
+                    </a:lnR>
+                    <a:lnT w="38100" cap="flat" cmpd="sng" algn="ctr">
+                      <a:solidFill>
+                        <a:srgbClr val="FFFFFF"/>
+                      </a:solidFill>
+                      <a:prstDash val="solid"/>
+                    </a:lnT>
+                    <a:lnB w="38100" cap="flat" cmpd="sng" algn="ctr">
+                      <a:solidFill>
+                        <a:srgbClr val="FFFFFF"/>
+                      </a:solidFill>
+                      <a:prstDash val="solid"/>
+                    </a:lnB>
+                    <a:solidFill>
+                      <a:srgbClr val="878E8B">
+                        <a:alpha val="30196"/>
+                      </a:srgbClr>
+                    </a:solidFill>
+                  </a:tcPr>
+                </a:tc>
+                <a:tc>
+                  <a:txBody>
+                    <a:bodyPr/>
+                    <a:lstStyle/>
+                    <a:p>
+                      <a:pPr algn="ctr" fontAlgn="b"/>
+                      <a:r>
+                        <a:rPr lang="en-US" sz="1200" b="0" i="0" u="none" strike="noStrike" dirty="0">
+                          <a:solidFill>
+                            <a:srgbClr val="000000"/>
+                          </a:solidFill>
+                          <a:effectLst/>
+                          <a:latin typeface="+mn-lt"/>
+                        </a:rPr>
+                        <a:t>2:34:43</a:t>
+                      </a:r>
+                    </a:p>
+                  </a:txBody>
+                  <a:tcPr marL="9525" marR="9525" marT="9525" marB="0" anchor="b">
+                    <a:lnL w="38100" cap="flat" cmpd="sng" algn="ctr">
+                      <a:solidFill>
+                        <a:srgbClr val="FFFFFF"/>
+                      </a:solidFill>
+                      <a:prstDash val="solid"/>
+                    </a:lnL>
+                    <a:lnR w="38100" cap="flat" cmpd="sng" algn="ctr">
+                      <a:solidFill>
+                        <a:srgbClr val="FFFFFF"/>
+                      </a:solidFill>
+                      <a:prstDash val="solid"/>
+                    </a:lnR>
+                    <a:lnT w="38100" cap="flat" cmpd="sng" algn="ctr">
+                      <a:solidFill>
+                        <a:srgbClr val="FFFFFF"/>
+                      </a:solidFill>
+                      <a:prstDash val="solid"/>
+                    </a:lnT>
+                    <a:lnB w="38100" cap="flat" cmpd="sng" algn="ctr">
+                      <a:solidFill>
+                        <a:srgbClr val="FFFFFF"/>
+                      </a:solidFill>
+                      <a:prstDash val="solid"/>
+                    </a:lnB>
+                    <a:solidFill>
+                      <a:srgbClr val="878E8B">
+                        <a:alpha val="30196"/>
+                      </a:srgbClr>
+                    </a:solidFill>
+                  </a:tcPr>
+                </a:tc>
+                <a:tc>
+                  <a:txBody>
+                    <a:bodyPr/>
+                    <a:lstStyle/>
+                    <a:p>
+                      <a:pPr algn="l" fontAlgn="b"/>
+                      <a:r>
+                        <a:rPr lang="en-US" sz="1200" b="0" i="0" u="none" strike="noStrike" dirty="0">
+                          <a:solidFill>
+                            <a:schemeClr val="accent6">
+                              <a:lumMod val="75000"/>
+                            </a:schemeClr>
+                          </a:solidFill>
+                          <a:effectLst/>
+                          <a:latin typeface="+mn-lt"/>
+                        </a:rPr>
+                        <a:t>DNP</a:t>
+                      </a:r>
+                    </a:p>
+                  </a:txBody>
+                  <a:tcPr marL="9525" marR="9525" marT="9525" marB="0" anchor="b">
+                    <a:lnL w="38100" cap="flat" cmpd="sng" algn="ctr">
+                      <a:solidFill>
+                        <a:srgbClr val="FFFFFF"/>
+                      </a:solidFill>
+                      <a:prstDash val="solid"/>
+                    </a:lnL>
+                    <a:lnR w="38100" cap="flat" cmpd="sng" algn="ctr">
+                      <a:solidFill>
+                        <a:srgbClr val="FFFFFF"/>
+                      </a:solidFill>
+                      <a:prstDash val="solid"/>
+                    </a:lnR>
+                    <a:lnT w="38100" cap="flat" cmpd="sng" algn="ctr">
+                      <a:solidFill>
+                        <a:srgbClr val="FFFFFF"/>
+                      </a:solidFill>
+                      <a:prstDash val="solid"/>
+                    </a:lnT>
+                    <a:lnB w="38100" cap="flat" cmpd="sng" algn="ctr">
+                      <a:solidFill>
+                        <a:srgbClr val="FFFFFF"/>
+                      </a:solidFill>
+                      <a:prstDash val="solid"/>
+                    </a:lnB>
+                    <a:solidFill>
+                      <a:srgbClr val="878E8B">
+                        <a:alpha val="30196"/>
+                      </a:srgbClr>
+                    </a:solidFill>
+                  </a:tcPr>
+                </a:tc>
+                <a:tc>
+                  <a:txBody>
+                    <a:bodyPr/>
+                    <a:lstStyle/>
+                    <a:p>
+                      <a:pPr algn="l" fontAlgn="b"/>
+                      <a:r>
+                        <a:rPr lang="en-US" sz="1200" b="0" i="0" u="none" strike="noStrike" dirty="0">
+                          <a:solidFill>
+                            <a:schemeClr val="accent6">
+                              <a:lumMod val="75000"/>
+                            </a:schemeClr>
+                          </a:solidFill>
+                          <a:effectLst/>
+                          <a:latin typeface="+mn-lt"/>
+                        </a:rPr>
+                        <a:t>DNP</a:t>
+                      </a:r>
+                    </a:p>
+                  </a:txBody>
+                  <a:tcPr marL="9525" marR="9525" marT="9525" marB="0" anchor="b">
+                    <a:lnL w="38100" cap="flat" cmpd="sng" algn="ctr">
+                      <a:solidFill>
+                        <a:srgbClr val="FFFFFF"/>
+                      </a:solidFill>
+                      <a:prstDash val="solid"/>
+                    </a:lnL>
+                    <a:lnR w="38100" cap="flat" cmpd="sng" algn="ctr">
+                      <a:solidFill>
+                        <a:srgbClr val="FFFFFF"/>
+                      </a:solidFill>
+                      <a:prstDash val="solid"/>
+                    </a:lnR>
+                    <a:lnT w="38100" cap="flat" cmpd="sng" algn="ctr">
+                      <a:solidFill>
+                        <a:srgbClr val="FFFFFF"/>
+                      </a:solidFill>
+                      <a:prstDash val="solid"/>
+                    </a:lnT>
+                    <a:lnB w="38100" cap="flat" cmpd="sng" algn="ctr">
+                      <a:solidFill>
+                        <a:srgbClr val="FFFFFF"/>
+                      </a:solidFill>
+                      <a:prstDash val="solid"/>
+                    </a:lnB>
+                    <a:solidFill>
+                      <a:srgbClr val="878E8B">
+                        <a:alpha val="30196"/>
+                      </a:srgbClr>
+                    </a:solidFill>
+                  </a:tcPr>
+                </a:tc>
+                <a:tc>
+                  <a:txBody>
+                    <a:bodyPr/>
+                    <a:lstStyle/>
+                    <a:p>
+                      <a:pPr algn="l" fontAlgn="b"/>
+                      <a:r>
+                        <a:rPr lang="en-US" sz="1200" b="0" i="0" u="none" strike="noStrike" dirty="0">
+                          <a:solidFill>
+                            <a:schemeClr val="accent6">
+                              <a:lumMod val="75000"/>
+                            </a:schemeClr>
+                          </a:solidFill>
+                          <a:effectLst/>
+                          <a:latin typeface="+mn-lt"/>
+                        </a:rPr>
+                        <a:t>DNP</a:t>
+                      </a:r>
+                    </a:p>
+                  </a:txBody>
+                  <a:tcPr marL="9525" marR="9525" marT="9525" marB="0" anchor="b">
+                    <a:lnL w="38100" cap="flat" cmpd="sng" algn="ctr">
+                      <a:solidFill>
+                        <a:srgbClr val="FFFFFF"/>
+                      </a:solidFill>
+                      <a:prstDash val="solid"/>
+                    </a:lnL>
+                    <a:lnR w="12700" cap="flat" cmpd="sng" algn="ctr">
+                      <a:solidFill>
+                        <a:schemeClr val="tx1"/>
+                      </a:solidFill>
+                      <a:prstDash val="solid"/>
+                      <a:round/>
+                      <a:headEnd type="none" w="med" len="med"/>
+                      <a:tailEnd type="none" w="med" len="med"/>
+                    </a:lnR>
+                    <a:lnT w="38100" cap="flat" cmpd="sng" algn="ctr">
+                      <a:solidFill>
+                        <a:srgbClr val="FFFFFF"/>
+                      </a:solidFill>
+                      <a:prstDash val="solid"/>
+                    </a:lnT>
+                    <a:lnB w="38100" cap="flat" cmpd="sng" algn="ctr">
+                      <a:solidFill>
+                        <a:srgbClr val="FFFFFF"/>
+                      </a:solidFill>
+                      <a:prstDash val="solid"/>
+                    </a:lnB>
+                    <a:solidFill>
+                      <a:srgbClr val="878E8B">
+                        <a:alpha val="30196"/>
+                      </a:srgbClr>
+                    </a:solidFill>
+                  </a:tcPr>
+                </a:tc>
+                <a:extLst>
+                  <a:ext uri="{0D108BD9-81ED-4DB2-BD59-A6C34878D82A}">
+                    <a16:rowId xmlns:a16="http://schemas.microsoft.com/office/drawing/2014/main" val="1727572274"/>
+                  </a:ext>
+                </a:extLst>
+              </a:tr>
+              <a:tr h="513309">
+                <a:tc>
+                  <a:txBody>
+                    <a:bodyPr/>
+                    <a:lstStyle/>
+                    <a:p>
+                      <a:pPr algn="l" fontAlgn="b"/>
+                      <a:endParaRPr lang="en-US" sz="1200" b="1" i="0" u="none" strike="noStrike">
+                        <a:solidFill>
+                          <a:schemeClr val="tx1">
+                            <a:lumMod val="85000"/>
+                            <a:lumOff val="15000"/>
+                          </a:schemeClr>
+                        </a:solidFill>
+                        <a:effectLst/>
+                        <a:latin typeface="Calibri" panose="020F0502020204030204" pitchFamily="34" charset="0"/>
+                      </a:endParaRPr>
+                    </a:p>
+                  </a:txBody>
+                  <a:tcPr marL="98405" marR="59043" marT="59043" marB="59043" anchor="b">
+                    <a:lnL w="38100" cap="flat" cmpd="sng" algn="ctr">
+                      <a:noFill/>
+                      <a:prstDash val="solid"/>
+                    </a:lnL>
+                    <a:lnR w="12700" cap="flat" cmpd="sng" algn="ctr">
+                      <a:solidFill>
+                        <a:schemeClr val="tx1"/>
+                      </a:solidFill>
+                      <a:prstDash val="solid"/>
+                      <a:round/>
+                      <a:headEnd type="none" w="med" len="med"/>
+                      <a:tailEnd type="none" w="med" len="med"/>
+                    </a:lnR>
+                    <a:lnT w="38100" cap="flat" cmpd="sng" algn="ctr">
+                      <a:solidFill>
+                        <a:srgbClr val="FFFFFF"/>
+                      </a:solidFill>
+                      <a:prstDash val="solid"/>
+                    </a:lnT>
+                    <a:lnB w="38100" cap="flat" cmpd="sng" algn="ctr">
+                      <a:solidFill>
+                        <a:srgbClr val="FFFFFF"/>
+                      </a:solidFill>
+                      <a:prstDash val="solid"/>
+                    </a:lnB>
+                    <a:solidFill>
+                      <a:srgbClr val="878E8B">
+                        <a:alpha val="14902"/>
+                      </a:srgbClr>
+                    </a:solidFill>
+                  </a:tcPr>
+                </a:tc>
+                <a:tc>
+                  <a:txBody>
+                    <a:bodyPr/>
+                    <a:lstStyle/>
+                    <a:p>
+                      <a:pPr algn="l" fontAlgn="b"/>
+                      <a:r>
+                        <a:rPr lang="en-US" sz="1200" u="none" strike="noStrike" dirty="0">
+                          <a:solidFill>
+                            <a:schemeClr val="tx1">
+                              <a:lumMod val="85000"/>
+                              <a:lumOff val="15000"/>
+                            </a:schemeClr>
+                          </a:solidFill>
+                          <a:effectLst/>
+                        </a:rPr>
+                        <a:t>Christopher Capps</a:t>
+                      </a:r>
+                      <a:endParaRPr lang="en-US" sz="1200" b="0" i="0" u="none" strike="noStrike" dirty="0">
+                        <a:solidFill>
+                          <a:schemeClr val="tx1">
+                            <a:lumMod val="85000"/>
+                            <a:lumOff val="15000"/>
+                          </a:schemeClr>
+                        </a:solidFill>
+                        <a:effectLst/>
+                        <a:latin typeface="Calibri" panose="020F0502020204030204" pitchFamily="34" charset="0"/>
+                      </a:endParaRPr>
+                    </a:p>
+                  </a:txBody>
+                  <a:tcPr marL="98405" marR="59043" marT="59043" marB="59043" anchor="b">
+                    <a:lnL w="12700" cap="flat" cmpd="sng" algn="ctr">
+                      <a:solidFill>
+                        <a:schemeClr val="tx1"/>
+                      </a:solidFill>
+                      <a:prstDash val="solid"/>
+                      <a:round/>
+                      <a:headEnd type="none" w="med" len="med"/>
+                      <a:tailEnd type="none" w="med" len="med"/>
+                    </a:lnL>
+                    <a:lnR w="12700" cap="flat" cmpd="sng" algn="ctr">
+                      <a:solidFill>
+                        <a:schemeClr val="tx1"/>
+                      </a:solidFill>
+                      <a:prstDash val="solid"/>
+                      <a:round/>
+                      <a:headEnd type="none" w="med" len="med"/>
+                      <a:tailEnd type="none" w="med" len="med"/>
+                    </a:lnR>
+                    <a:lnT w="38100" cap="flat" cmpd="sng" algn="ctr">
+                      <a:solidFill>
+                        <a:srgbClr val="FFFFFF"/>
+                      </a:solidFill>
+                      <a:prstDash val="solid"/>
+                    </a:lnT>
+                    <a:lnB w="12700" cap="flat" cmpd="sng" algn="ctr">
+                      <a:solidFill>
+                        <a:schemeClr val="tx1"/>
+                      </a:solidFill>
+                      <a:prstDash val="solid"/>
+                      <a:round/>
+                      <a:headEnd type="none" w="med" len="med"/>
+                      <a:tailEnd type="none" w="med" len="med"/>
+                    </a:lnB>
+                    <a:solidFill>
+                      <a:srgbClr val="878E8B">
+                        <a:alpha val="14902"/>
+                      </a:srgbClr>
+                    </a:solidFill>
+                  </a:tcPr>
+                </a:tc>
+                <a:tc>
+                  <a:txBody>
+                    <a:bodyPr/>
+                    <a:lstStyle/>
+                    <a:p>
+                      <a:pPr algn="l" fontAlgn="b"/>
+                      <a:endParaRPr lang="en-US" sz="1200" b="0" i="0" u="none" strike="noStrike" dirty="0">
+                        <a:solidFill>
+                          <a:schemeClr val="tx1">
+                            <a:lumMod val="85000"/>
+                            <a:lumOff val="15000"/>
+                          </a:schemeClr>
+                        </a:solidFill>
+                        <a:effectLst/>
+                        <a:latin typeface="Calibri" panose="020F0502020204030204" pitchFamily="34" charset="0"/>
+                      </a:endParaRPr>
+                    </a:p>
+                  </a:txBody>
+                  <a:tcPr marL="98405" marR="59043" marT="59043" marB="59043" anchor="b">
+                    <a:lnL w="12700" cap="flat" cmpd="sng" algn="ctr">
+                      <a:solidFill>
+                        <a:schemeClr val="tx1"/>
+                      </a:solidFill>
+                      <a:prstDash val="solid"/>
+                      <a:round/>
+                      <a:headEnd type="none" w="med" len="med"/>
+                      <a:tailEnd type="none" w="med" len="med"/>
+                    </a:lnL>
+                    <a:lnR w="12700" cap="flat" cmpd="sng" algn="ctr">
+                      <a:solidFill>
+                        <a:schemeClr val="tx1"/>
+                      </a:solidFill>
+                      <a:prstDash val="solid"/>
+                      <a:round/>
+                      <a:headEnd type="none" w="med" len="med"/>
+                      <a:tailEnd type="none" w="med" len="med"/>
+                    </a:lnR>
+                    <a:lnT w="38100" cap="flat" cmpd="sng" algn="ctr">
+                      <a:solidFill>
+                        <a:srgbClr val="FFFFFF"/>
+                      </a:solidFill>
+                      <a:prstDash val="solid"/>
+                    </a:lnT>
+                    <a:lnB w="38100" cap="flat" cmpd="sng" algn="ctr">
+                      <a:solidFill>
+                        <a:srgbClr val="FFFFFF"/>
+                      </a:solidFill>
+                      <a:prstDash val="solid"/>
+                    </a:lnB>
+                    <a:solidFill>
+                      <a:schemeClr val="bg2">
+                        <a:lumMod val="10000"/>
+                      </a:schemeClr>
+                    </a:solidFill>
+                  </a:tcPr>
+                </a:tc>
+                <a:tc>
+                  <a:txBody>
+                    <a:bodyPr/>
+                    <a:lstStyle/>
+                    <a:p>
+                      <a:pPr algn="l" fontAlgn="b"/>
+                      <a:r>
+                        <a:rPr lang="en-US" sz="1200" u="none" strike="noStrike" dirty="0">
+                          <a:solidFill>
+                            <a:schemeClr val="tx1">
+                              <a:lumMod val="85000"/>
+                              <a:lumOff val="15000"/>
+                            </a:schemeClr>
+                          </a:solidFill>
+                          <a:effectLst/>
+                        </a:rPr>
+                        <a:t>Christopher Capps</a:t>
+                      </a:r>
+                      <a:endParaRPr lang="en-US" sz="1200" b="0" i="0" u="none" strike="noStrike" dirty="0">
+                        <a:solidFill>
+                          <a:schemeClr val="tx1">
+                            <a:lumMod val="85000"/>
+                            <a:lumOff val="15000"/>
+                          </a:schemeClr>
+                        </a:solidFill>
+                        <a:effectLst/>
+                        <a:latin typeface="Calibri" panose="020F0502020204030204" pitchFamily="34" charset="0"/>
+                      </a:endParaRPr>
+                    </a:p>
+                  </a:txBody>
+                  <a:tcPr marL="98405" marR="59043" marT="59043" marB="59043" anchor="b">
+                    <a:lnL w="12700" cap="flat" cmpd="sng" algn="ctr">
+                      <a:solidFill>
+                        <a:schemeClr val="tx1"/>
+                      </a:solidFill>
+                      <a:prstDash val="solid"/>
+                      <a:round/>
+                      <a:headEnd type="none" w="med" len="med"/>
+                      <a:tailEnd type="none" w="med" len="med"/>
+                    </a:lnL>
+                    <a:lnR w="38100" cap="flat" cmpd="sng" algn="ctr">
+                      <a:solidFill>
+                        <a:srgbClr val="FFFFFF"/>
+                      </a:solidFill>
+                      <a:prstDash val="solid"/>
+                    </a:lnR>
+                    <a:lnT w="38100" cap="flat" cmpd="sng" algn="ctr">
+                      <a:solidFill>
+                        <a:srgbClr val="FFFFFF"/>
+                      </a:solidFill>
+                      <a:prstDash val="solid"/>
+                    </a:lnT>
+                    <a:lnB w="38100" cap="flat" cmpd="sng" algn="ctr">
+                      <a:solidFill>
+                        <a:srgbClr val="FFFFFF"/>
+                      </a:solidFill>
+                      <a:prstDash val="solid"/>
+                    </a:lnB>
+                    <a:solidFill>
+                      <a:srgbClr val="878E8B">
+                        <a:alpha val="14902"/>
+                      </a:srgbClr>
+                    </a:solidFill>
+                  </a:tcPr>
+                </a:tc>
+                <a:tc>
+                  <a:txBody>
+                    <a:bodyPr/>
+                    <a:lstStyle/>
+                    <a:p>
+                      <a:pPr algn="ctr" fontAlgn="b"/>
+                      <a:r>
+                        <a:rPr lang="en-US" sz="1200" u="none" strike="noStrike" dirty="0">
+                          <a:solidFill>
+                            <a:schemeClr val="tx1">
+                              <a:lumMod val="85000"/>
+                              <a:lumOff val="15000"/>
+                            </a:schemeClr>
+                          </a:solidFill>
+                          <a:effectLst/>
+                        </a:rPr>
+                        <a:t>1</a:t>
+                      </a:r>
+                      <a:endParaRPr lang="en-US" sz="1200" b="0" i="0" u="none" strike="noStrike" dirty="0">
+                        <a:solidFill>
+                          <a:schemeClr val="tx1">
+                            <a:lumMod val="85000"/>
+                            <a:lumOff val="15000"/>
+                          </a:schemeClr>
+                        </a:solidFill>
+                        <a:effectLst/>
+                        <a:latin typeface="Calibri" panose="020F0502020204030204" pitchFamily="34" charset="0"/>
+                      </a:endParaRPr>
+                    </a:p>
+                  </a:txBody>
+                  <a:tcPr marL="98405" marR="59043" marT="59043" marB="59043" anchor="b">
+                    <a:lnL w="38100" cap="flat" cmpd="sng" algn="ctr">
+                      <a:solidFill>
+                        <a:srgbClr val="FFFFFF"/>
+                      </a:solidFill>
+                      <a:prstDash val="solid"/>
+                    </a:lnL>
+                    <a:lnR w="38100" cap="flat" cmpd="sng" algn="ctr">
+                      <a:solidFill>
+                        <a:srgbClr val="FFFFFF"/>
+                      </a:solidFill>
+                      <a:prstDash val="solid"/>
+                    </a:lnR>
+                    <a:lnT w="38100" cap="flat" cmpd="sng" algn="ctr">
+                      <a:solidFill>
+                        <a:srgbClr val="FFFFFF"/>
+                      </a:solidFill>
+                      <a:prstDash val="solid"/>
+                    </a:lnT>
+                    <a:lnB w="38100" cap="flat" cmpd="sng" algn="ctr">
+                      <a:solidFill>
+                        <a:srgbClr val="FFFFFF"/>
+                      </a:solidFill>
+                      <a:prstDash val="solid"/>
+                    </a:lnB>
+                    <a:solidFill>
+                      <a:srgbClr val="878E8B">
+                        <a:alpha val="14902"/>
+                      </a:srgbClr>
+                    </a:solidFill>
+                  </a:tcPr>
+                </a:tc>
+                <a:tc>
+                  <a:txBody>
+                    <a:bodyPr/>
+                    <a:lstStyle/>
+                    <a:p>
+                      <a:pPr algn="l" fontAlgn="b"/>
+                      <a:endParaRPr lang="en-US" sz="1200" b="0" i="0" u="none" strike="noStrike">
+                        <a:solidFill>
+                          <a:schemeClr val="tx1">
+                            <a:lumMod val="85000"/>
+                            <a:lumOff val="15000"/>
+                          </a:schemeClr>
+                        </a:solidFill>
+                        <a:effectLst/>
+                        <a:latin typeface="Calibri" panose="020F0502020204030204" pitchFamily="34" charset="0"/>
+                      </a:endParaRPr>
+                    </a:p>
+                  </a:txBody>
+                  <a:tcPr marL="98405" marR="59043" marT="59043" marB="59043" anchor="b">
+                    <a:lnL w="38100" cap="flat" cmpd="sng" algn="ctr">
+                      <a:solidFill>
+                        <a:srgbClr val="FFFFFF"/>
+                      </a:solidFill>
+                      <a:prstDash val="solid"/>
+                    </a:lnL>
+                    <a:lnR w="38100" cap="flat" cmpd="sng" algn="ctr">
+                      <a:solidFill>
+                        <a:srgbClr val="FFFFFF"/>
+                      </a:solidFill>
+                      <a:prstDash val="solid"/>
+                      <a:round/>
+                      <a:headEnd type="none" w="med" len="med"/>
+                      <a:tailEnd type="none" w="med" len="med"/>
+                    </a:lnR>
+                    <a:lnT w="38100" cap="flat" cmpd="sng" algn="ctr">
+                      <a:solidFill>
+                        <a:srgbClr val="FFFFFF"/>
+                      </a:solidFill>
+                      <a:prstDash val="solid"/>
+                    </a:lnT>
+                    <a:lnB w="38100" cap="flat" cmpd="sng" algn="ctr">
+                      <a:solidFill>
+                        <a:srgbClr val="FFFFFF"/>
+                      </a:solidFill>
+                      <a:prstDash val="solid"/>
+                    </a:lnB>
+                    <a:solidFill>
+                      <a:srgbClr val="878E8B">
+                        <a:alpha val="14902"/>
+                      </a:srgbClr>
+                    </a:solidFill>
+                  </a:tcPr>
+                </a:tc>
+                <a:tc>
+                  <a:txBody>
+                    <a:bodyPr/>
+                    <a:lstStyle/>
+                    <a:p>
+                      <a:pPr algn="ctr" fontAlgn="b"/>
+                      <a:r>
+                        <a:rPr lang="en-US" sz="1200" b="0" i="0" u="none" strike="noStrike" dirty="0">
+                          <a:solidFill>
+                            <a:srgbClr val="000000"/>
+                          </a:solidFill>
+                          <a:effectLst/>
+                          <a:latin typeface="+mn-lt"/>
+                        </a:rPr>
+                        <a:t>2:38:43</a:t>
+                      </a:r>
+                    </a:p>
+                  </a:txBody>
+                  <a:tcPr marL="9525" marR="9525" marT="9525" marB="0" anchor="b">
+                    <a:lnL w="38100" cap="flat" cmpd="sng" algn="ctr">
+                      <a:solidFill>
+                        <a:srgbClr val="FFFFFF"/>
+                      </a:solidFill>
+                      <a:prstDash val="solid"/>
+                    </a:lnL>
+                    <a:lnR w="38100" cap="flat" cmpd="sng" algn="ctr">
+                      <a:solidFill>
+                        <a:srgbClr val="FFFFFF"/>
+                      </a:solidFill>
+                      <a:prstDash val="solid"/>
+                    </a:lnR>
+                    <a:lnT w="38100" cap="flat" cmpd="sng" algn="ctr">
+                      <a:solidFill>
+                        <a:srgbClr val="FFFFFF"/>
+                      </a:solidFill>
+                      <a:prstDash val="solid"/>
+                    </a:lnT>
+                    <a:lnB w="38100" cap="flat" cmpd="sng" algn="ctr">
+                      <a:solidFill>
+                        <a:srgbClr val="FFFFFF"/>
+                      </a:solidFill>
+                      <a:prstDash val="solid"/>
+                    </a:lnB>
+                    <a:solidFill>
+                      <a:srgbClr val="878E8B">
+                        <a:alpha val="14902"/>
+                      </a:srgbClr>
+                    </a:solidFill>
+                  </a:tcPr>
+                </a:tc>
+                <a:tc>
+                  <a:txBody>
+                    <a:bodyPr/>
+                    <a:lstStyle/>
+                    <a:p>
+                      <a:pPr algn="l" fontAlgn="b"/>
+                      <a:r>
+                        <a:rPr lang="en-US" sz="1200" b="0" i="0" u="none" strike="noStrike" dirty="0">
+                          <a:solidFill>
+                            <a:schemeClr val="accent6">
+                              <a:lumMod val="75000"/>
+                            </a:schemeClr>
+                          </a:solidFill>
+                          <a:effectLst/>
+                          <a:latin typeface="+mn-lt"/>
+                        </a:rPr>
+                        <a:t>DNP</a:t>
+                      </a:r>
+                    </a:p>
+                  </a:txBody>
+                  <a:tcPr marL="9525" marR="9525" marT="9525" marB="0" anchor="b">
+                    <a:lnL w="38100" cap="flat" cmpd="sng" algn="ctr">
+                      <a:solidFill>
+                        <a:srgbClr val="FFFFFF"/>
+                      </a:solidFill>
+                      <a:prstDash val="solid"/>
+                    </a:lnL>
+                    <a:lnR w="38100" cap="flat" cmpd="sng" algn="ctr">
+                      <a:solidFill>
+                        <a:srgbClr val="FFFFFF"/>
+                      </a:solidFill>
+                      <a:prstDash val="solid"/>
+                    </a:lnR>
+                    <a:lnT w="38100" cap="flat" cmpd="sng" algn="ctr">
+                      <a:solidFill>
+                        <a:srgbClr val="FFFFFF"/>
+                      </a:solidFill>
+                      <a:prstDash val="solid"/>
+                    </a:lnT>
+                    <a:lnB w="38100" cap="flat" cmpd="sng" algn="ctr">
+                      <a:solidFill>
+                        <a:srgbClr val="FFFFFF"/>
+                      </a:solidFill>
+                      <a:prstDash val="solid"/>
+                    </a:lnB>
+                    <a:solidFill>
+                      <a:srgbClr val="878E8B">
+                        <a:alpha val="14902"/>
+                      </a:srgbClr>
+                    </a:solidFill>
+                  </a:tcPr>
+                </a:tc>
+                <a:tc>
+                  <a:txBody>
+                    <a:bodyPr/>
+                    <a:lstStyle/>
+                    <a:p>
+                      <a:pPr algn="l" fontAlgn="b"/>
+                      <a:r>
+                        <a:rPr lang="en-US" sz="1200" b="0" i="0" u="none" strike="noStrike" dirty="0">
+                          <a:solidFill>
+                            <a:schemeClr val="accent6">
+                              <a:lumMod val="75000"/>
+                            </a:schemeClr>
+                          </a:solidFill>
+                          <a:effectLst/>
+                          <a:latin typeface="+mn-lt"/>
+                        </a:rPr>
+                        <a:t>DNP</a:t>
+                      </a:r>
+                    </a:p>
+                  </a:txBody>
+                  <a:tcPr marL="9525" marR="9525" marT="9525" marB="0" anchor="b">
+                    <a:lnL w="38100" cap="flat" cmpd="sng" algn="ctr">
+                      <a:solidFill>
+                        <a:srgbClr val="FFFFFF"/>
+                      </a:solidFill>
+                      <a:prstDash val="solid"/>
+                    </a:lnL>
+                    <a:lnR w="38100" cap="flat" cmpd="sng" algn="ctr">
+                      <a:solidFill>
+                        <a:srgbClr val="FFFFFF"/>
+                      </a:solidFill>
+                      <a:prstDash val="solid"/>
+                    </a:lnR>
+                    <a:lnT w="38100" cap="flat" cmpd="sng" algn="ctr">
+                      <a:solidFill>
+                        <a:srgbClr val="FFFFFF"/>
+                      </a:solidFill>
+                      <a:prstDash val="solid"/>
+                    </a:lnT>
+                    <a:lnB w="38100" cap="flat" cmpd="sng" algn="ctr">
+                      <a:solidFill>
+                        <a:srgbClr val="FFFFFF"/>
+                      </a:solidFill>
+                      <a:prstDash val="solid"/>
+                    </a:lnB>
+                    <a:solidFill>
+                      <a:srgbClr val="878E8B">
+                        <a:alpha val="14902"/>
+                      </a:srgbClr>
+                    </a:solidFill>
+                  </a:tcPr>
+                </a:tc>
+                <a:tc>
+                  <a:txBody>
+                    <a:bodyPr/>
+                    <a:lstStyle/>
+                    <a:p>
+                      <a:pPr algn="l" fontAlgn="b"/>
+                      <a:r>
+                        <a:rPr lang="en-US" sz="1200" b="0" i="0" u="none" strike="noStrike" dirty="0">
+                          <a:solidFill>
+                            <a:schemeClr val="accent6">
+                              <a:lumMod val="75000"/>
+                            </a:schemeClr>
+                          </a:solidFill>
+                          <a:effectLst/>
+                          <a:latin typeface="+mn-lt"/>
+                        </a:rPr>
+                        <a:t>DNP</a:t>
+                      </a:r>
+                    </a:p>
+                  </a:txBody>
+                  <a:tcPr marL="9525" marR="9525" marT="9525" marB="0" anchor="b">
+                    <a:lnL w="38100" cap="flat" cmpd="sng" algn="ctr">
+                      <a:solidFill>
+                        <a:srgbClr val="FFFFFF"/>
+                      </a:solidFill>
+                      <a:prstDash val="solid"/>
+                    </a:lnL>
+                    <a:lnR w="12700" cap="flat" cmpd="sng" algn="ctr">
+                      <a:solidFill>
+                        <a:schemeClr val="tx1"/>
+                      </a:solidFill>
+                      <a:prstDash val="solid"/>
+                      <a:round/>
+                      <a:headEnd type="none" w="med" len="med"/>
+                      <a:tailEnd type="none" w="med" len="med"/>
+                    </a:lnR>
+                    <a:lnT w="38100" cap="flat" cmpd="sng" algn="ctr">
+                      <a:solidFill>
+                        <a:srgbClr val="FFFFFF"/>
+                      </a:solidFill>
+                      <a:prstDash val="solid"/>
+                    </a:lnT>
+                    <a:lnB w="38100" cap="flat" cmpd="sng" algn="ctr">
+                      <a:solidFill>
+                        <a:srgbClr val="FFFFFF"/>
+                      </a:solidFill>
+                      <a:prstDash val="solid"/>
+                    </a:lnB>
+                    <a:solidFill>
+                      <a:srgbClr val="878E8B">
+                        <a:alpha val="14902"/>
+                      </a:srgbClr>
+                    </a:solidFill>
+                  </a:tcPr>
+                </a:tc>
+                <a:extLst>
+                  <a:ext uri="{0D108BD9-81ED-4DB2-BD59-A6C34878D82A}">
+                    <a16:rowId xmlns:a16="http://schemas.microsoft.com/office/drawing/2014/main" val="1920395640"/>
+                  </a:ext>
+                </a:extLst>
+              </a:tr>
+              <a:tr h="513309">
+                <a:tc>
+                  <a:txBody>
+                    <a:bodyPr/>
+                    <a:lstStyle/>
+                    <a:p>
+                      <a:pPr algn="r" fontAlgn="b"/>
+                      <a:r>
+                        <a:rPr lang="en-US" sz="1200" b="1" u="none" strike="noStrike" dirty="0">
+                          <a:solidFill>
+                            <a:schemeClr val="tx1">
+                              <a:lumMod val="85000"/>
+                              <a:lumOff val="15000"/>
+                            </a:schemeClr>
+                          </a:solidFill>
+                          <a:effectLst/>
+                        </a:rPr>
+                        <a:t>2017</a:t>
+                      </a:r>
+                      <a:endParaRPr lang="en-US" sz="1200" b="1" i="0" u="none" strike="noStrike" dirty="0">
+                        <a:solidFill>
+                          <a:schemeClr val="tx1">
+                            <a:lumMod val="85000"/>
+                            <a:lumOff val="15000"/>
+                          </a:schemeClr>
+                        </a:solidFill>
+                        <a:effectLst/>
+                        <a:latin typeface="Calibri" panose="020F0502020204030204" pitchFamily="34" charset="0"/>
+                      </a:endParaRPr>
+                    </a:p>
+                  </a:txBody>
+                  <a:tcPr marL="98405" marR="59043" marT="59043" marB="59043" anchor="b">
+                    <a:lnL w="12700" cmpd="sng">
+                      <a:noFill/>
+                      <a:prstDash val="solid"/>
+                    </a:lnL>
+                    <a:lnR w="12700" cap="flat" cmpd="sng" algn="ctr">
+                      <a:solidFill>
+                        <a:schemeClr val="tx1"/>
+                      </a:solidFill>
+                      <a:prstDash val="solid"/>
+                      <a:round/>
+                      <a:headEnd type="none" w="med" len="med"/>
+                      <a:tailEnd type="none" w="med" len="med"/>
+                    </a:lnR>
+                    <a:lnT w="38100" cap="flat" cmpd="sng" algn="ctr">
+                      <a:solidFill>
+                        <a:srgbClr val="FFFFFF"/>
+                      </a:solidFill>
+                      <a:prstDash val="solid"/>
+                    </a:lnT>
+                    <a:lnB w="38100" cap="flat" cmpd="sng" algn="ctr">
+                      <a:solidFill>
+                        <a:srgbClr val="FFFFFF"/>
+                      </a:solidFill>
+                      <a:prstDash val="solid"/>
+                    </a:lnB>
+                    <a:solidFill>
+                      <a:srgbClr val="878E8B">
+                        <a:alpha val="30196"/>
+                      </a:srgbClr>
+                    </a:solidFill>
+                  </a:tcPr>
+                </a:tc>
+                <a:tc>
+                  <a:txBody>
+                    <a:bodyPr/>
+                    <a:lstStyle/>
+                    <a:p>
+                      <a:pPr algn="l" fontAlgn="b"/>
+                      <a:r>
+                        <a:rPr lang="en-US" sz="1200" u="none" strike="noStrike" dirty="0">
+                          <a:solidFill>
+                            <a:schemeClr val="tx1">
+                              <a:lumMod val="85000"/>
+                              <a:lumOff val="15000"/>
+                            </a:schemeClr>
+                          </a:solidFill>
+                          <a:effectLst/>
+                        </a:rPr>
+                        <a:t>Scott </a:t>
+                      </a:r>
+                      <a:r>
+                        <a:rPr lang="en-US" sz="1200" u="none" strike="noStrike" dirty="0" err="1">
+                          <a:solidFill>
+                            <a:schemeClr val="tx1">
+                              <a:lumMod val="85000"/>
+                              <a:lumOff val="15000"/>
+                            </a:schemeClr>
+                          </a:solidFill>
+                          <a:effectLst/>
+                        </a:rPr>
+                        <a:t>Wietecha</a:t>
+                      </a:r>
+                      <a:endParaRPr lang="en-US" sz="1200" b="0" i="0" u="none" strike="noStrike" dirty="0">
+                        <a:solidFill>
+                          <a:schemeClr val="tx1">
+                            <a:lumMod val="85000"/>
+                            <a:lumOff val="15000"/>
+                          </a:schemeClr>
+                        </a:solidFill>
+                        <a:effectLst/>
+                        <a:latin typeface="Calibri" panose="020F0502020204030204" pitchFamily="34" charset="0"/>
+                      </a:endParaRPr>
+                    </a:p>
+                  </a:txBody>
+                  <a:tcPr marL="98405" marR="59043" marT="59043" marB="59043" anchor="b">
+                    <a:lnL w="12700" cap="flat" cmpd="sng" algn="ctr">
+                      <a:solidFill>
+                        <a:schemeClr val="tx1"/>
+                      </a:solidFill>
+                      <a:prstDash val="solid"/>
+                      <a:round/>
+                      <a:headEnd type="none" w="med" len="med"/>
+                      <a:tailEnd type="none" w="med" len="med"/>
+                    </a:lnL>
+                    <a:lnR w="12700" cap="flat" cmpd="sng" algn="ctr">
+                      <a:solidFill>
+                        <a:schemeClr val="tx1"/>
+                      </a:solidFill>
+                      <a:prstDash val="solid"/>
+                      <a:round/>
+                      <a:headEnd type="none" w="med" len="med"/>
+                      <a:tailEnd type="none" w="med" len="med"/>
+                    </a:lnR>
+                    <a:lnT w="12700" cap="flat" cmpd="sng" algn="ctr">
+                      <a:solidFill>
+                        <a:schemeClr val="tx1"/>
+                      </a:solidFill>
+                      <a:prstDash val="solid"/>
+                      <a:round/>
+                      <a:headEnd type="none" w="med" len="med"/>
+                      <a:tailEnd type="none" w="med" len="med"/>
+                    </a:lnT>
+                    <a:lnB w="38100" cap="flat" cmpd="sng" algn="ctr">
+                      <a:solidFill>
+                        <a:srgbClr val="FFFFFF"/>
+                      </a:solidFill>
+                      <a:prstDash val="solid"/>
+                    </a:lnB>
+                    <a:solidFill>
+                      <a:srgbClr val="878E8B">
+                        <a:alpha val="30196"/>
+                      </a:srgbClr>
+                    </a:solidFill>
+                  </a:tcPr>
+                </a:tc>
+                <a:tc>
+                  <a:txBody>
+                    <a:bodyPr/>
+                    <a:lstStyle/>
+                    <a:p>
+                      <a:pPr algn="l" fontAlgn="b"/>
+                      <a:endParaRPr lang="en-US" sz="1200" b="0" i="0" u="none" strike="noStrike" dirty="0">
+                        <a:solidFill>
+                          <a:schemeClr val="tx1">
+                            <a:lumMod val="85000"/>
+                            <a:lumOff val="15000"/>
+                          </a:schemeClr>
+                        </a:solidFill>
+                        <a:effectLst/>
+                        <a:latin typeface="Calibri" panose="020F0502020204030204" pitchFamily="34" charset="0"/>
+                      </a:endParaRPr>
+                    </a:p>
+                  </a:txBody>
+                  <a:tcPr marL="98405" marR="59043" marT="59043" marB="59043" anchor="b">
+                    <a:lnL w="12700" cap="flat" cmpd="sng" algn="ctr">
+                      <a:solidFill>
+                        <a:schemeClr val="tx1"/>
+                      </a:solidFill>
+                      <a:prstDash val="solid"/>
+                      <a:round/>
+                      <a:headEnd type="none" w="med" len="med"/>
+                      <a:tailEnd type="none" w="med" len="med"/>
+                    </a:lnL>
+                    <a:lnR w="12700" cap="flat" cmpd="sng" algn="ctr">
+                      <a:solidFill>
+                        <a:schemeClr val="tx1"/>
+                      </a:solidFill>
+                      <a:prstDash val="solid"/>
+                      <a:round/>
+                      <a:headEnd type="none" w="med" len="med"/>
+                      <a:tailEnd type="none" w="med" len="med"/>
+                    </a:lnR>
+                    <a:lnT w="38100" cap="flat" cmpd="sng" algn="ctr">
+                      <a:solidFill>
+                        <a:srgbClr val="FFFFFF"/>
+                      </a:solidFill>
+                      <a:prstDash val="solid"/>
+                    </a:lnT>
+                    <a:lnB w="38100" cap="flat" cmpd="sng" algn="ctr">
+                      <a:solidFill>
+                        <a:srgbClr val="FFFFFF"/>
+                      </a:solidFill>
+                      <a:prstDash val="solid"/>
+                    </a:lnB>
+                    <a:solidFill>
+                      <a:schemeClr val="bg2">
+                        <a:lumMod val="10000"/>
+                      </a:schemeClr>
+                    </a:solidFill>
+                  </a:tcPr>
+                </a:tc>
+                <a:tc>
+                  <a:txBody>
+                    <a:bodyPr/>
+                    <a:lstStyle/>
+                    <a:p>
+                      <a:pPr algn="l" fontAlgn="b"/>
+                      <a:r>
+                        <a:rPr lang="en-US" sz="1200" u="none" strike="noStrike">
+                          <a:solidFill>
+                            <a:schemeClr val="tx1">
+                              <a:lumMod val="85000"/>
+                              <a:lumOff val="15000"/>
+                            </a:schemeClr>
+                          </a:solidFill>
+                          <a:effectLst/>
+                        </a:rPr>
+                        <a:t>Ryan Regnier</a:t>
+                      </a:r>
                       <a:endParaRPr lang="en-US" sz="1200" b="0" i="0" u="none" strike="noStrike">
                         <a:solidFill>
                           <a:schemeClr val="tx1">
@@ -15974,6 +17830,1566 @@
                       <a:round/>
                       <a:headEnd type="none" w="med" len="med"/>
                       <a:tailEnd type="none" w="med" len="med"/>
+                    </a:lnL>
+                    <a:lnR w="38100" cap="flat" cmpd="sng" algn="ctr">
+                      <a:solidFill>
+                        <a:srgbClr val="FFFFFF"/>
+                      </a:solidFill>
+                      <a:prstDash val="solid"/>
+                    </a:lnR>
+                    <a:lnT w="38100" cap="flat" cmpd="sng" algn="ctr">
+                      <a:solidFill>
+                        <a:srgbClr val="FFFFFF"/>
+                      </a:solidFill>
+                      <a:prstDash val="solid"/>
+                    </a:lnT>
+                    <a:lnB w="38100" cap="flat" cmpd="sng" algn="ctr">
+                      <a:solidFill>
+                        <a:srgbClr val="FFFFFF"/>
+                      </a:solidFill>
+                      <a:prstDash val="solid"/>
+                    </a:lnB>
+                    <a:solidFill>
+                      <a:srgbClr val="878E8B">
+                        <a:alpha val="30196"/>
+                      </a:srgbClr>
+                    </a:solidFill>
+                  </a:tcPr>
+                </a:tc>
+                <a:tc>
+                  <a:txBody>
+                    <a:bodyPr/>
+                    <a:lstStyle/>
+                    <a:p>
+                      <a:pPr algn="ctr" fontAlgn="b"/>
+                      <a:r>
+                        <a:rPr lang="en-US" sz="1200" u="none" strike="noStrike" dirty="0">
+                          <a:solidFill>
+                            <a:schemeClr val="tx1">
+                              <a:lumMod val="85000"/>
+                              <a:lumOff val="15000"/>
+                            </a:schemeClr>
+                          </a:solidFill>
+                          <a:effectLst/>
+                        </a:rPr>
+                        <a:t>1</a:t>
+                      </a:r>
+                      <a:endParaRPr lang="en-US" sz="1200" b="0" i="0" u="none" strike="noStrike" dirty="0">
+                        <a:solidFill>
+                          <a:schemeClr val="tx1">
+                            <a:lumMod val="85000"/>
+                            <a:lumOff val="15000"/>
+                          </a:schemeClr>
+                        </a:solidFill>
+                        <a:effectLst/>
+                        <a:latin typeface="Calibri" panose="020F0502020204030204" pitchFamily="34" charset="0"/>
+                      </a:endParaRPr>
+                    </a:p>
+                  </a:txBody>
+                  <a:tcPr marL="98405" marR="59043" marT="59043" marB="59043" anchor="b">
+                    <a:lnL w="38100" cap="flat" cmpd="sng" algn="ctr">
+                      <a:solidFill>
+                        <a:srgbClr val="FFFFFF"/>
+                      </a:solidFill>
+                      <a:prstDash val="solid"/>
+                    </a:lnL>
+                    <a:lnR w="38100" cap="flat" cmpd="sng" algn="ctr">
+                      <a:solidFill>
+                        <a:srgbClr val="FFFFFF"/>
+                      </a:solidFill>
+                      <a:prstDash val="solid"/>
+                    </a:lnR>
+                    <a:lnT w="38100" cap="flat" cmpd="sng" algn="ctr">
+                      <a:solidFill>
+                        <a:srgbClr val="FFFFFF"/>
+                      </a:solidFill>
+                      <a:prstDash val="solid"/>
+                    </a:lnT>
+                    <a:lnB w="38100" cap="flat" cmpd="sng" algn="ctr">
+                      <a:solidFill>
+                        <a:srgbClr val="FFFFFF"/>
+                      </a:solidFill>
+                      <a:prstDash val="solid"/>
+                    </a:lnB>
+                    <a:solidFill>
+                      <a:srgbClr val="878E8B">
+                        <a:alpha val="30196"/>
+                      </a:srgbClr>
+                    </a:solidFill>
+                  </a:tcPr>
+                </a:tc>
+                <a:tc>
+                  <a:txBody>
+                    <a:bodyPr/>
+                    <a:lstStyle/>
+                    <a:p>
+                      <a:pPr algn="l" fontAlgn="b"/>
+                      <a:endParaRPr lang="en-US" sz="1200" b="0" i="0" u="none" strike="noStrike">
+                        <a:solidFill>
+                          <a:schemeClr val="tx1">
+                            <a:lumMod val="85000"/>
+                            <a:lumOff val="15000"/>
+                          </a:schemeClr>
+                        </a:solidFill>
+                        <a:effectLst/>
+                        <a:latin typeface="Calibri" panose="020F0502020204030204" pitchFamily="34" charset="0"/>
+                      </a:endParaRPr>
+                    </a:p>
+                  </a:txBody>
+                  <a:tcPr marL="98405" marR="59043" marT="59043" marB="59043" anchor="b">
+                    <a:lnL w="38100" cap="flat" cmpd="sng" algn="ctr">
+                      <a:solidFill>
+                        <a:srgbClr val="FFFFFF"/>
+                      </a:solidFill>
+                      <a:prstDash val="solid"/>
+                    </a:lnL>
+                    <a:lnR w="38100" cap="flat" cmpd="sng" algn="ctr">
+                      <a:solidFill>
+                        <a:srgbClr val="FFFFFF"/>
+                      </a:solidFill>
+                      <a:prstDash val="solid"/>
+                      <a:round/>
+                      <a:headEnd type="none" w="med" len="med"/>
+                      <a:tailEnd type="none" w="med" len="med"/>
+                    </a:lnR>
+                    <a:lnT w="38100" cap="flat" cmpd="sng" algn="ctr">
+                      <a:solidFill>
+                        <a:srgbClr val="FFFFFF"/>
+                      </a:solidFill>
+                      <a:prstDash val="solid"/>
+                    </a:lnT>
+                    <a:lnB w="38100" cap="flat" cmpd="sng" algn="ctr">
+                      <a:solidFill>
+                        <a:srgbClr val="FFFFFF"/>
+                      </a:solidFill>
+                      <a:prstDash val="solid"/>
+                    </a:lnB>
+                    <a:solidFill>
+                      <a:srgbClr val="878E8B">
+                        <a:alpha val="30196"/>
+                      </a:srgbClr>
+                    </a:solidFill>
+                  </a:tcPr>
+                </a:tc>
+                <a:tc>
+                  <a:txBody>
+                    <a:bodyPr/>
+                    <a:lstStyle/>
+                    <a:p>
+                      <a:pPr algn="l" fontAlgn="b"/>
+                      <a:r>
+                        <a:rPr lang="en-US" sz="1200" b="0" i="0" u="none" strike="noStrike" dirty="0">
+                          <a:solidFill>
+                            <a:schemeClr val="accent6">
+                              <a:lumMod val="75000"/>
+                            </a:schemeClr>
+                          </a:solidFill>
+                          <a:effectLst/>
+                          <a:latin typeface="+mn-lt"/>
+                        </a:rPr>
+                        <a:t>DNP</a:t>
+                      </a:r>
+                    </a:p>
+                  </a:txBody>
+                  <a:tcPr marL="9525" marR="9525" marT="9525" marB="0" anchor="b">
+                    <a:lnL w="38100" cap="flat" cmpd="sng" algn="ctr">
+                      <a:solidFill>
+                        <a:srgbClr val="FFFFFF"/>
+                      </a:solidFill>
+                      <a:prstDash val="solid"/>
+                    </a:lnL>
+                    <a:lnR w="38100" cap="flat" cmpd="sng" algn="ctr">
+                      <a:solidFill>
+                        <a:srgbClr val="FFFFFF"/>
+                      </a:solidFill>
+                      <a:prstDash val="solid"/>
+                    </a:lnR>
+                    <a:lnT w="38100" cap="flat" cmpd="sng" algn="ctr">
+                      <a:solidFill>
+                        <a:srgbClr val="FFFFFF"/>
+                      </a:solidFill>
+                      <a:prstDash val="solid"/>
+                    </a:lnT>
+                    <a:lnB w="38100" cap="flat" cmpd="sng" algn="ctr">
+                      <a:solidFill>
+                        <a:srgbClr val="FFFFFF"/>
+                      </a:solidFill>
+                      <a:prstDash val="solid"/>
+                    </a:lnB>
+                    <a:solidFill>
+                      <a:srgbClr val="878E8B">
+                        <a:alpha val="30196"/>
+                      </a:srgbClr>
+                    </a:solidFill>
+                  </a:tcPr>
+                </a:tc>
+                <a:tc>
+                  <a:txBody>
+                    <a:bodyPr/>
+                    <a:lstStyle/>
+                    <a:p>
+                      <a:pPr algn="ctr" fontAlgn="b"/>
+                      <a:r>
+                        <a:rPr lang="en-US" sz="1200" b="0" i="0" u="none" strike="noStrike" dirty="0">
+                          <a:solidFill>
+                            <a:srgbClr val="000000"/>
+                          </a:solidFill>
+                          <a:effectLst/>
+                          <a:latin typeface="+mn-lt"/>
+                        </a:rPr>
+                        <a:t>2:56:28</a:t>
+                      </a:r>
+                    </a:p>
+                  </a:txBody>
+                  <a:tcPr marL="9525" marR="9525" marT="9525" marB="0" anchor="b">
+                    <a:lnL w="38100" cap="flat" cmpd="sng" algn="ctr">
+                      <a:solidFill>
+                        <a:srgbClr val="FFFFFF"/>
+                      </a:solidFill>
+                      <a:prstDash val="solid"/>
+                    </a:lnL>
+                    <a:lnR w="38100" cap="flat" cmpd="sng" algn="ctr">
+                      <a:solidFill>
+                        <a:srgbClr val="FFFFFF"/>
+                      </a:solidFill>
+                      <a:prstDash val="solid"/>
+                    </a:lnR>
+                    <a:lnT w="38100" cap="flat" cmpd="sng" algn="ctr">
+                      <a:solidFill>
+                        <a:srgbClr val="FFFFFF"/>
+                      </a:solidFill>
+                      <a:prstDash val="solid"/>
+                    </a:lnT>
+                    <a:lnB w="38100" cap="flat" cmpd="sng" algn="ctr">
+                      <a:solidFill>
+                        <a:srgbClr val="FFFFFF"/>
+                      </a:solidFill>
+                      <a:prstDash val="solid"/>
+                    </a:lnB>
+                    <a:solidFill>
+                      <a:srgbClr val="878E8B">
+                        <a:alpha val="30196"/>
+                      </a:srgbClr>
+                    </a:solidFill>
+                  </a:tcPr>
+                </a:tc>
+                <a:tc>
+                  <a:txBody>
+                    <a:bodyPr/>
+                    <a:lstStyle/>
+                    <a:p>
+                      <a:pPr algn="l" fontAlgn="b"/>
+                      <a:r>
+                        <a:rPr lang="en-US" sz="1200" b="0" i="0" u="none" strike="noStrike" dirty="0">
+                          <a:solidFill>
+                            <a:schemeClr val="accent6">
+                              <a:lumMod val="75000"/>
+                            </a:schemeClr>
+                          </a:solidFill>
+                          <a:effectLst/>
+                          <a:latin typeface="+mn-lt"/>
+                        </a:rPr>
+                        <a:t>DNP</a:t>
+                      </a:r>
+                    </a:p>
+                  </a:txBody>
+                  <a:tcPr marL="9525" marR="9525" marT="9525" marB="0" anchor="b">
+                    <a:lnL w="38100" cap="flat" cmpd="sng" algn="ctr">
+                      <a:solidFill>
+                        <a:srgbClr val="FFFFFF"/>
+                      </a:solidFill>
+                      <a:prstDash val="solid"/>
+                    </a:lnL>
+                    <a:lnR w="38100" cap="flat" cmpd="sng" algn="ctr">
+                      <a:solidFill>
+                        <a:srgbClr val="FFFFFF"/>
+                      </a:solidFill>
+                      <a:prstDash val="solid"/>
+                    </a:lnR>
+                    <a:lnT w="38100" cap="flat" cmpd="sng" algn="ctr">
+                      <a:solidFill>
+                        <a:srgbClr val="FFFFFF"/>
+                      </a:solidFill>
+                      <a:prstDash val="solid"/>
+                    </a:lnT>
+                    <a:lnB w="38100" cap="flat" cmpd="sng" algn="ctr">
+                      <a:solidFill>
+                        <a:srgbClr val="FFFFFF"/>
+                      </a:solidFill>
+                      <a:prstDash val="solid"/>
+                    </a:lnB>
+                    <a:solidFill>
+                      <a:srgbClr val="878E8B">
+                        <a:alpha val="30196"/>
+                      </a:srgbClr>
+                    </a:solidFill>
+                  </a:tcPr>
+                </a:tc>
+                <a:tc>
+                  <a:txBody>
+                    <a:bodyPr/>
+                    <a:lstStyle/>
+                    <a:p>
+                      <a:pPr algn="l" fontAlgn="b"/>
+                      <a:r>
+                        <a:rPr lang="en-US" sz="1200" b="0" i="0" u="none" strike="noStrike" dirty="0">
+                          <a:solidFill>
+                            <a:schemeClr val="accent6">
+                              <a:lumMod val="75000"/>
+                            </a:schemeClr>
+                          </a:solidFill>
+                          <a:effectLst/>
+                          <a:latin typeface="+mn-lt"/>
+                        </a:rPr>
+                        <a:t>DNP</a:t>
+                      </a:r>
+                    </a:p>
+                  </a:txBody>
+                  <a:tcPr marL="9525" marR="9525" marT="9525" marB="0" anchor="b">
+                    <a:lnL w="38100" cap="flat" cmpd="sng" algn="ctr">
+                      <a:solidFill>
+                        <a:srgbClr val="FFFFFF"/>
+                      </a:solidFill>
+                      <a:prstDash val="solid"/>
+                    </a:lnL>
+                    <a:lnR w="12700" cap="flat" cmpd="sng" algn="ctr">
+                      <a:solidFill>
+                        <a:schemeClr val="tx1"/>
+                      </a:solidFill>
+                      <a:prstDash val="solid"/>
+                      <a:round/>
+                      <a:headEnd type="none" w="med" len="med"/>
+                      <a:tailEnd type="none" w="med" len="med"/>
+                    </a:lnR>
+                    <a:lnT w="38100" cap="flat" cmpd="sng" algn="ctr">
+                      <a:solidFill>
+                        <a:srgbClr val="FFFFFF"/>
+                      </a:solidFill>
+                      <a:prstDash val="solid"/>
+                    </a:lnT>
+                    <a:lnB w="38100" cap="flat" cmpd="sng" algn="ctr">
+                      <a:solidFill>
+                        <a:srgbClr val="FFFFFF"/>
+                      </a:solidFill>
+                      <a:prstDash val="solid"/>
+                    </a:lnB>
+                    <a:solidFill>
+                      <a:srgbClr val="878E8B">
+                        <a:alpha val="30196"/>
+                      </a:srgbClr>
+                    </a:solidFill>
+                  </a:tcPr>
+                </a:tc>
+                <a:extLst>
+                  <a:ext uri="{0D108BD9-81ED-4DB2-BD59-A6C34878D82A}">
+                    <a16:rowId xmlns:a16="http://schemas.microsoft.com/office/drawing/2014/main" val="2832068802"/>
+                  </a:ext>
+                </a:extLst>
+              </a:tr>
+              <a:tr h="513309">
+                <a:tc>
+                  <a:txBody>
+                    <a:bodyPr/>
+                    <a:lstStyle/>
+                    <a:p>
+                      <a:pPr algn="l" fontAlgn="b"/>
+                      <a:endParaRPr lang="en-US" sz="1200" b="1" i="0" u="none" strike="noStrike">
+                        <a:solidFill>
+                          <a:schemeClr val="tx1">
+                            <a:lumMod val="85000"/>
+                            <a:lumOff val="15000"/>
+                          </a:schemeClr>
+                        </a:solidFill>
+                        <a:effectLst/>
+                        <a:latin typeface="Calibri" panose="020F0502020204030204" pitchFamily="34" charset="0"/>
+                      </a:endParaRPr>
+                    </a:p>
+                  </a:txBody>
+                  <a:tcPr marL="98405" marR="59043" marT="59043" marB="59043" anchor="b">
+                    <a:lnL w="38100" cap="flat" cmpd="sng" algn="ctr">
+                      <a:noFill/>
+                      <a:prstDash val="solid"/>
+                    </a:lnL>
+                    <a:lnR w="12700" cap="flat" cmpd="sng" algn="ctr">
+                      <a:solidFill>
+                        <a:schemeClr val="tx1"/>
+                      </a:solidFill>
+                      <a:prstDash val="solid"/>
+                      <a:round/>
+                      <a:headEnd type="none" w="med" len="med"/>
+                      <a:tailEnd type="none" w="med" len="med"/>
+                    </a:lnR>
+                    <a:lnT w="38100" cap="flat" cmpd="sng" algn="ctr">
+                      <a:solidFill>
+                        <a:srgbClr val="FFFFFF"/>
+                      </a:solidFill>
+                      <a:prstDash val="solid"/>
+                    </a:lnT>
+                    <a:lnB w="38100" cap="flat" cmpd="sng" algn="ctr">
+                      <a:solidFill>
+                        <a:srgbClr val="FFFFFF"/>
+                      </a:solidFill>
+                      <a:prstDash val="solid"/>
+                    </a:lnB>
+                    <a:solidFill>
+                      <a:srgbClr val="878E8B">
+                        <a:alpha val="14902"/>
+                      </a:srgbClr>
+                    </a:solidFill>
+                  </a:tcPr>
+                </a:tc>
+                <a:tc>
+                  <a:txBody>
+                    <a:bodyPr/>
+                    <a:lstStyle/>
+                    <a:p>
+                      <a:pPr algn="l" fontAlgn="b"/>
+                      <a:r>
+                        <a:rPr lang="en-US" sz="1200" u="none" strike="noStrike" dirty="0">
+                          <a:solidFill>
+                            <a:schemeClr val="tx1">
+                              <a:lumMod val="85000"/>
+                              <a:lumOff val="15000"/>
+                            </a:schemeClr>
+                          </a:solidFill>
+                          <a:effectLst/>
+                        </a:rPr>
+                        <a:t>Ryan </a:t>
+                      </a:r>
+                      <a:r>
+                        <a:rPr lang="en-US" sz="1200" u="none" strike="noStrike" dirty="0" err="1">
+                          <a:solidFill>
+                            <a:schemeClr val="tx1">
+                              <a:lumMod val="85000"/>
+                              <a:lumOff val="15000"/>
+                            </a:schemeClr>
+                          </a:solidFill>
+                          <a:effectLst/>
+                        </a:rPr>
+                        <a:t>Regnier</a:t>
+                      </a:r>
+                      <a:endParaRPr lang="en-US" sz="1200" b="0" i="0" u="none" strike="noStrike" dirty="0">
+                        <a:solidFill>
+                          <a:schemeClr val="tx1">
+                            <a:lumMod val="85000"/>
+                            <a:lumOff val="15000"/>
+                          </a:schemeClr>
+                        </a:solidFill>
+                        <a:effectLst/>
+                        <a:latin typeface="Calibri" panose="020F0502020204030204" pitchFamily="34" charset="0"/>
+                      </a:endParaRPr>
+                    </a:p>
+                  </a:txBody>
+                  <a:tcPr marL="98405" marR="59043" marT="59043" marB="59043" anchor="b">
+                    <a:lnL w="12700" cap="flat" cmpd="sng" algn="ctr">
+                      <a:solidFill>
+                        <a:schemeClr val="tx1"/>
+                      </a:solidFill>
+                      <a:prstDash val="solid"/>
+                      <a:round/>
+                      <a:headEnd type="none" w="med" len="med"/>
+                      <a:tailEnd type="none" w="med" len="med"/>
+                    </a:lnL>
+                    <a:lnR w="12700" cap="flat" cmpd="sng" algn="ctr">
+                      <a:solidFill>
+                        <a:schemeClr val="tx1"/>
+                      </a:solidFill>
+                      <a:prstDash val="solid"/>
+                      <a:round/>
+                      <a:headEnd type="none" w="med" len="med"/>
+                      <a:tailEnd type="none" w="med" len="med"/>
+                    </a:lnR>
+                    <a:lnT w="38100" cap="flat" cmpd="sng" algn="ctr">
+                      <a:solidFill>
+                        <a:srgbClr val="FFFFFF"/>
+                      </a:solidFill>
+                      <a:prstDash val="solid"/>
+                    </a:lnT>
+                    <a:lnB w="38100" cap="flat" cmpd="sng" algn="ctr">
+                      <a:solidFill>
+                        <a:srgbClr val="FFFFFF"/>
+                      </a:solidFill>
+                      <a:prstDash val="solid"/>
+                    </a:lnB>
+                    <a:solidFill>
+                      <a:srgbClr val="878E8B">
+                        <a:alpha val="14902"/>
+                      </a:srgbClr>
+                    </a:solidFill>
+                  </a:tcPr>
+                </a:tc>
+                <a:tc>
+                  <a:txBody>
+                    <a:bodyPr/>
+                    <a:lstStyle/>
+                    <a:p>
+                      <a:pPr algn="l" fontAlgn="b"/>
+                      <a:endParaRPr lang="en-US" sz="1200" b="0" i="0" u="none" strike="noStrike" dirty="0">
+                        <a:solidFill>
+                          <a:schemeClr val="tx1">
+                            <a:lumMod val="85000"/>
+                            <a:lumOff val="15000"/>
+                          </a:schemeClr>
+                        </a:solidFill>
+                        <a:effectLst/>
+                        <a:latin typeface="Calibri" panose="020F0502020204030204" pitchFamily="34" charset="0"/>
+                      </a:endParaRPr>
+                    </a:p>
+                  </a:txBody>
+                  <a:tcPr marL="98405" marR="59043" marT="59043" marB="59043" anchor="b">
+                    <a:lnL w="12700" cap="flat" cmpd="sng" algn="ctr">
+                      <a:solidFill>
+                        <a:schemeClr val="tx1"/>
+                      </a:solidFill>
+                      <a:prstDash val="solid"/>
+                      <a:round/>
+                      <a:headEnd type="none" w="med" len="med"/>
+                      <a:tailEnd type="none" w="med" len="med"/>
+                    </a:lnL>
+                    <a:lnR w="12700" cap="flat" cmpd="sng" algn="ctr">
+                      <a:solidFill>
+                        <a:schemeClr val="tx1"/>
+                      </a:solidFill>
+                      <a:prstDash val="solid"/>
+                      <a:round/>
+                      <a:headEnd type="none" w="med" len="med"/>
+                      <a:tailEnd type="none" w="med" len="med"/>
+                    </a:lnR>
+                    <a:lnT w="38100" cap="flat" cmpd="sng" algn="ctr">
+                      <a:solidFill>
+                        <a:srgbClr val="FFFFFF"/>
+                      </a:solidFill>
+                      <a:prstDash val="solid"/>
+                    </a:lnT>
+                    <a:lnB w="38100" cap="flat" cmpd="sng" algn="ctr">
+                      <a:solidFill>
+                        <a:srgbClr val="FFFFFF"/>
+                      </a:solidFill>
+                      <a:prstDash val="solid"/>
+                    </a:lnB>
+                    <a:solidFill>
+                      <a:schemeClr val="bg2">
+                        <a:lumMod val="10000"/>
+                      </a:schemeClr>
+                    </a:solidFill>
+                  </a:tcPr>
+                </a:tc>
+                <a:tc>
+                  <a:txBody>
+                    <a:bodyPr/>
+                    <a:lstStyle/>
+                    <a:p>
+                      <a:pPr algn="l" fontAlgn="b"/>
+                      <a:r>
+                        <a:rPr lang="en-US" sz="1200" u="none" strike="noStrike" dirty="0">
+                          <a:solidFill>
+                            <a:schemeClr val="tx1">
+                              <a:lumMod val="85000"/>
+                              <a:lumOff val="15000"/>
+                            </a:schemeClr>
+                          </a:solidFill>
+                          <a:effectLst/>
+                        </a:rPr>
+                        <a:t>Daniel Everett</a:t>
+                      </a:r>
+                      <a:endParaRPr lang="en-US" sz="1200" b="0" i="0" u="none" strike="noStrike" dirty="0">
+                        <a:solidFill>
+                          <a:schemeClr val="tx1">
+                            <a:lumMod val="85000"/>
+                            <a:lumOff val="15000"/>
+                          </a:schemeClr>
+                        </a:solidFill>
+                        <a:effectLst/>
+                        <a:latin typeface="Calibri" panose="020F0502020204030204" pitchFamily="34" charset="0"/>
+                      </a:endParaRPr>
+                    </a:p>
+                  </a:txBody>
+                  <a:tcPr marL="98405" marR="59043" marT="59043" marB="59043" anchor="b">
+                    <a:lnL w="12700" cap="flat" cmpd="sng" algn="ctr">
+                      <a:solidFill>
+                        <a:schemeClr val="tx1"/>
+                      </a:solidFill>
+                      <a:prstDash val="solid"/>
+                      <a:round/>
+                      <a:headEnd type="none" w="med" len="med"/>
+                      <a:tailEnd type="none" w="med" len="med"/>
+                    </a:lnL>
+                    <a:lnR w="38100" cap="flat" cmpd="sng" algn="ctr">
+                      <a:solidFill>
+                        <a:srgbClr val="FFFFFF"/>
+                      </a:solidFill>
+                      <a:prstDash val="solid"/>
+                    </a:lnR>
+                    <a:lnT w="38100" cap="flat" cmpd="sng" algn="ctr">
+                      <a:solidFill>
+                        <a:srgbClr val="FFFFFF"/>
+                      </a:solidFill>
+                      <a:prstDash val="solid"/>
+                    </a:lnT>
+                    <a:lnB w="38100" cap="flat" cmpd="sng" algn="ctr">
+                      <a:solidFill>
+                        <a:srgbClr val="FFFFFF"/>
+                      </a:solidFill>
+                      <a:prstDash val="solid"/>
+                    </a:lnB>
+                    <a:solidFill>
+                      <a:srgbClr val="878E8B">
+                        <a:alpha val="14902"/>
+                      </a:srgbClr>
+                    </a:solidFill>
+                  </a:tcPr>
+                </a:tc>
+                <a:tc>
+                  <a:txBody>
+                    <a:bodyPr/>
+                    <a:lstStyle/>
+                    <a:p>
+                      <a:pPr algn="ctr" fontAlgn="b"/>
+                      <a:r>
+                        <a:rPr lang="en-US" sz="1200" u="none" strike="noStrike" dirty="0">
+                          <a:solidFill>
+                            <a:schemeClr val="tx1">
+                              <a:lumMod val="85000"/>
+                              <a:lumOff val="15000"/>
+                            </a:schemeClr>
+                          </a:solidFill>
+                          <a:effectLst/>
+                        </a:rPr>
+                        <a:t>1</a:t>
+                      </a:r>
+                      <a:endParaRPr lang="en-US" sz="1200" b="0" i="0" u="none" strike="noStrike" dirty="0">
+                        <a:solidFill>
+                          <a:schemeClr val="tx1">
+                            <a:lumMod val="85000"/>
+                            <a:lumOff val="15000"/>
+                          </a:schemeClr>
+                        </a:solidFill>
+                        <a:effectLst/>
+                        <a:latin typeface="Calibri" panose="020F0502020204030204" pitchFamily="34" charset="0"/>
+                      </a:endParaRPr>
+                    </a:p>
+                  </a:txBody>
+                  <a:tcPr marL="98405" marR="59043" marT="59043" marB="59043" anchor="b">
+                    <a:lnL w="38100" cap="flat" cmpd="sng" algn="ctr">
+                      <a:solidFill>
+                        <a:srgbClr val="FFFFFF"/>
+                      </a:solidFill>
+                      <a:prstDash val="solid"/>
+                    </a:lnL>
+                    <a:lnR w="38100" cap="flat" cmpd="sng" algn="ctr">
+                      <a:solidFill>
+                        <a:srgbClr val="FFFFFF"/>
+                      </a:solidFill>
+                      <a:prstDash val="solid"/>
+                    </a:lnR>
+                    <a:lnT w="38100" cap="flat" cmpd="sng" algn="ctr">
+                      <a:solidFill>
+                        <a:srgbClr val="FFFFFF"/>
+                      </a:solidFill>
+                      <a:prstDash val="solid"/>
+                    </a:lnT>
+                    <a:lnB w="38100" cap="flat" cmpd="sng" algn="ctr">
+                      <a:solidFill>
+                        <a:srgbClr val="FFFFFF"/>
+                      </a:solidFill>
+                      <a:prstDash val="solid"/>
+                    </a:lnB>
+                    <a:solidFill>
+                      <a:srgbClr val="878E8B">
+                        <a:alpha val="14902"/>
+                      </a:srgbClr>
+                    </a:solidFill>
+                  </a:tcPr>
+                </a:tc>
+                <a:tc>
+                  <a:txBody>
+                    <a:bodyPr/>
+                    <a:lstStyle/>
+                    <a:p>
+                      <a:pPr algn="l" fontAlgn="b"/>
+                      <a:endParaRPr lang="en-US" sz="1200" b="0" i="0" u="none" strike="noStrike">
+                        <a:solidFill>
+                          <a:schemeClr val="tx1">
+                            <a:lumMod val="85000"/>
+                            <a:lumOff val="15000"/>
+                          </a:schemeClr>
+                        </a:solidFill>
+                        <a:effectLst/>
+                        <a:latin typeface="Calibri" panose="020F0502020204030204" pitchFamily="34" charset="0"/>
+                      </a:endParaRPr>
+                    </a:p>
+                  </a:txBody>
+                  <a:tcPr marL="98405" marR="59043" marT="59043" marB="59043" anchor="b">
+                    <a:lnL w="38100" cap="flat" cmpd="sng" algn="ctr">
+                      <a:solidFill>
+                        <a:srgbClr val="FFFFFF"/>
+                      </a:solidFill>
+                      <a:prstDash val="solid"/>
+                    </a:lnL>
+                    <a:lnR w="38100" cap="flat" cmpd="sng" algn="ctr">
+                      <a:solidFill>
+                        <a:srgbClr val="FFFFFF"/>
+                      </a:solidFill>
+                      <a:prstDash val="solid"/>
+                      <a:round/>
+                      <a:headEnd type="none" w="med" len="med"/>
+                      <a:tailEnd type="none" w="med" len="med"/>
+                    </a:lnR>
+                    <a:lnT w="38100" cap="flat" cmpd="sng" algn="ctr">
+                      <a:solidFill>
+                        <a:srgbClr val="FFFFFF"/>
+                      </a:solidFill>
+                      <a:prstDash val="solid"/>
+                    </a:lnT>
+                    <a:lnB w="38100" cap="flat" cmpd="sng" algn="ctr">
+                      <a:solidFill>
+                        <a:srgbClr val="FFFFFF"/>
+                      </a:solidFill>
+                      <a:prstDash val="solid"/>
+                    </a:lnB>
+                    <a:solidFill>
+                      <a:srgbClr val="878E8B">
+                        <a:alpha val="14902"/>
+                      </a:srgbClr>
+                    </a:solidFill>
+                  </a:tcPr>
+                </a:tc>
+                <a:tc>
+                  <a:txBody>
+                    <a:bodyPr/>
+                    <a:lstStyle/>
+                    <a:p>
+                      <a:pPr algn="l" fontAlgn="b"/>
+                      <a:r>
+                        <a:rPr lang="en-US" sz="1200" b="0" i="0" u="none" strike="noStrike" dirty="0">
+                          <a:solidFill>
+                            <a:schemeClr val="accent6">
+                              <a:lumMod val="75000"/>
+                            </a:schemeClr>
+                          </a:solidFill>
+                          <a:effectLst/>
+                          <a:latin typeface="+mn-lt"/>
+                        </a:rPr>
+                        <a:t>DNP</a:t>
+                      </a:r>
+                    </a:p>
+                  </a:txBody>
+                  <a:tcPr marL="9525" marR="9525" marT="9525" marB="0" anchor="b">
+                    <a:lnL w="38100" cap="flat" cmpd="sng" algn="ctr">
+                      <a:solidFill>
+                        <a:srgbClr val="FFFFFF"/>
+                      </a:solidFill>
+                      <a:prstDash val="solid"/>
+                    </a:lnL>
+                    <a:lnR w="38100" cap="flat" cmpd="sng" algn="ctr">
+                      <a:solidFill>
+                        <a:srgbClr val="FFFFFF"/>
+                      </a:solidFill>
+                      <a:prstDash val="solid"/>
+                    </a:lnR>
+                    <a:lnT w="38100" cap="flat" cmpd="sng" algn="ctr">
+                      <a:solidFill>
+                        <a:srgbClr val="FFFFFF"/>
+                      </a:solidFill>
+                      <a:prstDash val="solid"/>
+                    </a:lnT>
+                    <a:lnB w="38100" cap="flat" cmpd="sng" algn="ctr">
+                      <a:solidFill>
+                        <a:srgbClr val="FFFFFF"/>
+                      </a:solidFill>
+                      <a:prstDash val="solid"/>
+                    </a:lnB>
+                    <a:solidFill>
+                      <a:srgbClr val="878E8B">
+                        <a:alpha val="14902"/>
+                      </a:srgbClr>
+                    </a:solidFill>
+                  </a:tcPr>
+                </a:tc>
+                <a:tc>
+                  <a:txBody>
+                    <a:bodyPr/>
+                    <a:lstStyle/>
+                    <a:p>
+                      <a:pPr algn="ctr" fontAlgn="b"/>
+                      <a:r>
+                        <a:rPr lang="en-US" sz="1200" b="0" i="0" u="none" strike="noStrike" dirty="0">
+                          <a:solidFill>
+                            <a:srgbClr val="000000"/>
+                          </a:solidFill>
+                          <a:effectLst/>
+                          <a:latin typeface="+mn-lt"/>
+                        </a:rPr>
+                        <a:t>3:00:55</a:t>
+                      </a:r>
+                    </a:p>
+                  </a:txBody>
+                  <a:tcPr marL="9525" marR="9525" marT="9525" marB="0" anchor="b">
+                    <a:lnL w="38100" cap="flat" cmpd="sng" algn="ctr">
+                      <a:solidFill>
+                        <a:srgbClr val="FFFFFF"/>
+                      </a:solidFill>
+                      <a:prstDash val="solid"/>
+                    </a:lnL>
+                    <a:lnR w="38100" cap="flat" cmpd="sng" algn="ctr">
+                      <a:solidFill>
+                        <a:srgbClr val="FFFFFF"/>
+                      </a:solidFill>
+                      <a:prstDash val="solid"/>
+                    </a:lnR>
+                    <a:lnT w="38100" cap="flat" cmpd="sng" algn="ctr">
+                      <a:solidFill>
+                        <a:srgbClr val="FFFFFF"/>
+                      </a:solidFill>
+                      <a:prstDash val="solid"/>
+                    </a:lnT>
+                    <a:lnB w="38100" cap="flat" cmpd="sng" algn="ctr">
+                      <a:solidFill>
+                        <a:srgbClr val="FFFFFF"/>
+                      </a:solidFill>
+                      <a:prstDash val="solid"/>
+                    </a:lnB>
+                    <a:solidFill>
+                      <a:srgbClr val="878E8B">
+                        <a:alpha val="14902"/>
+                      </a:srgbClr>
+                    </a:solidFill>
+                  </a:tcPr>
+                </a:tc>
+                <a:tc>
+                  <a:txBody>
+                    <a:bodyPr/>
+                    <a:lstStyle/>
+                    <a:p>
+                      <a:pPr algn="l" fontAlgn="b"/>
+                      <a:r>
+                        <a:rPr lang="en-US" sz="1200" b="0" i="0" u="none" strike="noStrike" dirty="0">
+                          <a:solidFill>
+                            <a:schemeClr val="accent6">
+                              <a:lumMod val="75000"/>
+                            </a:schemeClr>
+                          </a:solidFill>
+                          <a:effectLst/>
+                          <a:latin typeface="+mn-lt"/>
+                        </a:rPr>
+                        <a:t>DNP</a:t>
+                      </a:r>
+                    </a:p>
+                  </a:txBody>
+                  <a:tcPr marL="9525" marR="9525" marT="9525" marB="0" anchor="b">
+                    <a:lnL w="38100" cap="flat" cmpd="sng" algn="ctr">
+                      <a:solidFill>
+                        <a:srgbClr val="FFFFFF"/>
+                      </a:solidFill>
+                      <a:prstDash val="solid"/>
+                    </a:lnL>
+                    <a:lnR w="38100" cap="flat" cmpd="sng" algn="ctr">
+                      <a:solidFill>
+                        <a:srgbClr val="FFFFFF"/>
+                      </a:solidFill>
+                      <a:prstDash val="solid"/>
+                    </a:lnR>
+                    <a:lnT w="38100" cap="flat" cmpd="sng" algn="ctr">
+                      <a:solidFill>
+                        <a:srgbClr val="FFFFFF"/>
+                      </a:solidFill>
+                      <a:prstDash val="solid"/>
+                    </a:lnT>
+                    <a:lnB w="38100" cap="flat" cmpd="sng" algn="ctr">
+                      <a:solidFill>
+                        <a:srgbClr val="FFFFFF"/>
+                      </a:solidFill>
+                      <a:prstDash val="solid"/>
+                    </a:lnB>
+                    <a:solidFill>
+                      <a:srgbClr val="878E8B">
+                        <a:alpha val="14902"/>
+                      </a:srgbClr>
+                    </a:solidFill>
+                  </a:tcPr>
+                </a:tc>
+                <a:tc>
+                  <a:txBody>
+                    <a:bodyPr/>
+                    <a:lstStyle/>
+                    <a:p>
+                      <a:pPr algn="l" fontAlgn="b"/>
+                      <a:r>
+                        <a:rPr lang="en-US" sz="1200" b="0" i="0" u="none" strike="noStrike" dirty="0">
+                          <a:solidFill>
+                            <a:schemeClr val="accent6">
+                              <a:lumMod val="75000"/>
+                            </a:schemeClr>
+                          </a:solidFill>
+                          <a:effectLst/>
+                          <a:latin typeface="+mn-lt"/>
+                        </a:rPr>
+                        <a:t>DNP</a:t>
+                      </a:r>
+                    </a:p>
+                  </a:txBody>
+                  <a:tcPr marL="9525" marR="9525" marT="9525" marB="0" anchor="b">
+                    <a:lnL w="38100" cap="flat" cmpd="sng" algn="ctr">
+                      <a:solidFill>
+                        <a:srgbClr val="FFFFFF"/>
+                      </a:solidFill>
+                      <a:prstDash val="solid"/>
+                    </a:lnL>
+                    <a:lnR w="12700" cap="flat" cmpd="sng" algn="ctr">
+                      <a:solidFill>
+                        <a:schemeClr val="tx1"/>
+                      </a:solidFill>
+                      <a:prstDash val="solid"/>
+                      <a:round/>
+                      <a:headEnd type="none" w="med" len="med"/>
+                      <a:tailEnd type="none" w="med" len="med"/>
+                    </a:lnR>
+                    <a:lnT w="38100" cap="flat" cmpd="sng" algn="ctr">
+                      <a:solidFill>
+                        <a:srgbClr val="FFFFFF"/>
+                      </a:solidFill>
+                      <a:prstDash val="solid"/>
+                    </a:lnT>
+                    <a:lnB w="38100" cap="flat" cmpd="sng" algn="ctr">
+                      <a:solidFill>
+                        <a:srgbClr val="FFFFFF"/>
+                      </a:solidFill>
+                      <a:prstDash val="solid"/>
+                    </a:lnB>
+                    <a:solidFill>
+                      <a:srgbClr val="878E8B">
+                        <a:alpha val="14902"/>
+                      </a:srgbClr>
+                    </a:solidFill>
+                  </a:tcPr>
+                </a:tc>
+                <a:extLst>
+                  <a:ext uri="{0D108BD9-81ED-4DB2-BD59-A6C34878D82A}">
+                    <a16:rowId xmlns:a16="http://schemas.microsoft.com/office/drawing/2014/main" val="3843772870"/>
+                  </a:ext>
+                </a:extLst>
+              </a:tr>
+              <a:tr h="513309">
+                <a:tc>
+                  <a:txBody>
+                    <a:bodyPr/>
+                    <a:lstStyle/>
+                    <a:p>
+                      <a:pPr algn="l" fontAlgn="b"/>
+                      <a:endParaRPr lang="en-US" sz="1200" b="1" i="0" u="none" strike="noStrike">
+                        <a:solidFill>
+                          <a:schemeClr val="tx1">
+                            <a:lumMod val="85000"/>
+                            <a:lumOff val="15000"/>
+                          </a:schemeClr>
+                        </a:solidFill>
+                        <a:effectLst/>
+                        <a:latin typeface="Calibri" panose="020F0502020204030204" pitchFamily="34" charset="0"/>
+                      </a:endParaRPr>
+                    </a:p>
+                  </a:txBody>
+                  <a:tcPr marL="98405" marR="59043" marT="59043" marB="59043" anchor="b">
+                    <a:lnL w="12700" cmpd="sng">
+                      <a:noFill/>
+                      <a:prstDash val="solid"/>
+                    </a:lnL>
+                    <a:lnR w="12700" cap="flat" cmpd="sng" algn="ctr">
+                      <a:solidFill>
+                        <a:schemeClr val="tx1"/>
+                      </a:solidFill>
+                      <a:prstDash val="solid"/>
+                      <a:round/>
+                      <a:headEnd type="none" w="med" len="med"/>
+                      <a:tailEnd type="none" w="med" len="med"/>
+                    </a:lnR>
+                    <a:lnT w="38100" cap="flat" cmpd="sng" algn="ctr">
+                      <a:solidFill>
+                        <a:srgbClr val="FFFFFF"/>
+                      </a:solidFill>
+                      <a:prstDash val="solid"/>
+                    </a:lnT>
+                    <a:lnB w="38100" cap="flat" cmpd="sng" algn="ctr">
+                      <a:solidFill>
+                        <a:srgbClr val="FFFFFF"/>
+                      </a:solidFill>
+                      <a:prstDash val="solid"/>
+                    </a:lnB>
+                    <a:solidFill>
+                      <a:srgbClr val="878E8B">
+                        <a:alpha val="30196"/>
+                      </a:srgbClr>
+                    </a:solidFill>
+                  </a:tcPr>
+                </a:tc>
+                <a:tc>
+                  <a:txBody>
+                    <a:bodyPr/>
+                    <a:lstStyle/>
+                    <a:p>
+                      <a:pPr algn="l" fontAlgn="b"/>
+                      <a:r>
+                        <a:rPr lang="en-US" sz="1200" u="none" strike="noStrike" dirty="0">
+                          <a:solidFill>
+                            <a:schemeClr val="tx1">
+                              <a:lumMod val="85000"/>
+                              <a:lumOff val="15000"/>
+                            </a:schemeClr>
+                          </a:solidFill>
+                          <a:effectLst/>
+                        </a:rPr>
+                        <a:t>Daniel Everett</a:t>
+                      </a:r>
+                      <a:endParaRPr lang="en-US" sz="1200" b="0" i="0" u="none" strike="noStrike" dirty="0">
+                        <a:solidFill>
+                          <a:schemeClr val="tx1">
+                            <a:lumMod val="85000"/>
+                            <a:lumOff val="15000"/>
+                          </a:schemeClr>
+                        </a:solidFill>
+                        <a:effectLst/>
+                        <a:latin typeface="Calibri" panose="020F0502020204030204" pitchFamily="34" charset="0"/>
+                      </a:endParaRPr>
+                    </a:p>
+                  </a:txBody>
+                  <a:tcPr marL="98405" marR="59043" marT="59043" marB="59043" anchor="b">
+                    <a:lnL w="12700" cap="flat" cmpd="sng" algn="ctr">
+                      <a:solidFill>
+                        <a:schemeClr val="tx1"/>
+                      </a:solidFill>
+                      <a:prstDash val="solid"/>
+                      <a:round/>
+                      <a:headEnd type="none" w="med" len="med"/>
+                      <a:tailEnd type="none" w="med" len="med"/>
+                    </a:lnL>
+                    <a:lnR w="12700" cap="flat" cmpd="sng" algn="ctr">
+                      <a:solidFill>
+                        <a:schemeClr val="tx1"/>
+                      </a:solidFill>
+                      <a:prstDash val="solid"/>
+                      <a:round/>
+                      <a:headEnd type="none" w="med" len="med"/>
+                      <a:tailEnd type="none" w="med" len="med"/>
+                    </a:lnR>
+                    <a:lnT w="38100" cap="flat" cmpd="sng" algn="ctr">
+                      <a:solidFill>
+                        <a:srgbClr val="FFFFFF"/>
+                      </a:solidFill>
+                      <a:prstDash val="solid"/>
+                    </a:lnT>
+                    <a:lnB w="12700" cap="flat" cmpd="sng" algn="ctr">
+                      <a:solidFill>
+                        <a:schemeClr val="tx1"/>
+                      </a:solidFill>
+                      <a:prstDash val="solid"/>
+                      <a:round/>
+                      <a:headEnd type="none" w="med" len="med"/>
+                      <a:tailEnd type="none" w="med" len="med"/>
+                    </a:lnB>
+                    <a:solidFill>
+                      <a:srgbClr val="878E8B">
+                        <a:alpha val="30196"/>
+                      </a:srgbClr>
+                    </a:solidFill>
+                  </a:tcPr>
+                </a:tc>
+                <a:tc>
+                  <a:txBody>
+                    <a:bodyPr/>
+                    <a:lstStyle/>
+                    <a:p>
+                      <a:pPr algn="l" fontAlgn="b"/>
+                      <a:endParaRPr lang="en-US" sz="1200" b="0" i="0" u="none" strike="noStrike" dirty="0">
+                        <a:solidFill>
+                          <a:schemeClr val="tx1">
+                            <a:lumMod val="85000"/>
+                            <a:lumOff val="15000"/>
+                          </a:schemeClr>
+                        </a:solidFill>
+                        <a:effectLst/>
+                        <a:latin typeface="Calibri" panose="020F0502020204030204" pitchFamily="34" charset="0"/>
+                      </a:endParaRPr>
+                    </a:p>
+                  </a:txBody>
+                  <a:tcPr marL="98405" marR="59043" marT="59043" marB="59043" anchor="b">
+                    <a:lnL w="12700" cap="flat" cmpd="sng" algn="ctr">
+                      <a:solidFill>
+                        <a:schemeClr val="tx1"/>
+                      </a:solidFill>
+                      <a:prstDash val="solid"/>
+                      <a:round/>
+                      <a:headEnd type="none" w="med" len="med"/>
+                      <a:tailEnd type="none" w="med" len="med"/>
+                    </a:lnL>
+                    <a:lnR w="12700" cap="flat" cmpd="sng" algn="ctr">
+                      <a:solidFill>
+                        <a:schemeClr val="tx1"/>
+                      </a:solidFill>
+                      <a:prstDash val="solid"/>
+                      <a:round/>
+                      <a:headEnd type="none" w="med" len="med"/>
+                      <a:tailEnd type="none" w="med" len="med"/>
+                    </a:lnR>
+                    <a:lnT w="38100" cap="flat" cmpd="sng" algn="ctr">
+                      <a:solidFill>
+                        <a:srgbClr val="FFFFFF"/>
+                      </a:solidFill>
+                      <a:prstDash val="solid"/>
+                    </a:lnT>
+                    <a:lnB w="38100" cap="flat" cmpd="sng" algn="ctr">
+                      <a:solidFill>
+                        <a:srgbClr val="FFFFFF"/>
+                      </a:solidFill>
+                      <a:prstDash val="solid"/>
+                    </a:lnB>
+                    <a:solidFill>
+                      <a:schemeClr val="bg2">
+                        <a:lumMod val="10000"/>
+                      </a:schemeClr>
+                    </a:solidFill>
+                  </a:tcPr>
+                </a:tc>
+                <a:tc>
+                  <a:txBody>
+                    <a:bodyPr/>
+                    <a:lstStyle/>
+                    <a:p>
+                      <a:pPr algn="l" fontAlgn="b"/>
+                      <a:r>
+                        <a:rPr lang="en-US" sz="1200" u="none" strike="noStrike" dirty="0" err="1">
+                          <a:solidFill>
+                            <a:schemeClr val="tx1">
+                              <a:lumMod val="85000"/>
+                              <a:lumOff val="15000"/>
+                            </a:schemeClr>
+                          </a:solidFill>
+                          <a:effectLst/>
+                        </a:rPr>
+                        <a:t>Garang</a:t>
+                      </a:r>
+                      <a:r>
+                        <a:rPr lang="en-US" sz="1200" u="none" strike="noStrike" dirty="0">
+                          <a:solidFill>
+                            <a:schemeClr val="tx1">
+                              <a:lumMod val="85000"/>
+                              <a:lumOff val="15000"/>
+                            </a:schemeClr>
+                          </a:solidFill>
+                          <a:effectLst/>
+                        </a:rPr>
+                        <a:t> Madut</a:t>
+                      </a:r>
+                      <a:endParaRPr lang="en-US" sz="1200" b="0" i="0" u="none" strike="noStrike" dirty="0">
+                        <a:solidFill>
+                          <a:schemeClr val="tx1">
+                            <a:lumMod val="85000"/>
+                            <a:lumOff val="15000"/>
+                          </a:schemeClr>
+                        </a:solidFill>
+                        <a:effectLst/>
+                        <a:latin typeface="Calibri" panose="020F0502020204030204" pitchFamily="34" charset="0"/>
+                      </a:endParaRPr>
+                    </a:p>
+                  </a:txBody>
+                  <a:tcPr marL="98405" marR="59043" marT="59043" marB="59043" anchor="b">
+                    <a:lnL w="12700" cap="flat" cmpd="sng" algn="ctr">
+                      <a:solidFill>
+                        <a:schemeClr val="tx1"/>
+                      </a:solidFill>
+                      <a:prstDash val="solid"/>
+                      <a:round/>
+                      <a:headEnd type="none" w="med" len="med"/>
+                      <a:tailEnd type="none" w="med" len="med"/>
+                    </a:lnL>
+                    <a:lnR w="38100" cap="flat" cmpd="sng" algn="ctr">
+                      <a:solidFill>
+                        <a:srgbClr val="FFFFFF"/>
+                      </a:solidFill>
+                      <a:prstDash val="solid"/>
+                    </a:lnR>
+                    <a:lnT w="38100" cap="flat" cmpd="sng" algn="ctr">
+                      <a:solidFill>
+                        <a:srgbClr val="FFFFFF"/>
+                      </a:solidFill>
+                      <a:prstDash val="solid"/>
+                    </a:lnT>
+                    <a:lnB w="38100" cap="flat" cmpd="sng" algn="ctr">
+                      <a:solidFill>
+                        <a:srgbClr val="FFFFFF"/>
+                      </a:solidFill>
+                      <a:prstDash val="solid"/>
+                    </a:lnB>
+                    <a:solidFill>
+                      <a:srgbClr val="878E8B">
+                        <a:alpha val="30196"/>
+                      </a:srgbClr>
+                    </a:solidFill>
+                  </a:tcPr>
+                </a:tc>
+                <a:tc>
+                  <a:txBody>
+                    <a:bodyPr/>
+                    <a:lstStyle/>
+                    <a:p>
+                      <a:pPr algn="ctr" fontAlgn="b"/>
+                      <a:r>
+                        <a:rPr lang="en-US" sz="1200" u="none" strike="noStrike" dirty="0">
+                          <a:solidFill>
+                            <a:schemeClr val="tx1">
+                              <a:lumMod val="85000"/>
+                              <a:lumOff val="15000"/>
+                            </a:schemeClr>
+                          </a:solidFill>
+                          <a:effectLst/>
+                        </a:rPr>
+                        <a:t>1</a:t>
+                      </a:r>
+                      <a:endParaRPr lang="en-US" sz="1200" b="0" i="0" u="none" strike="noStrike" dirty="0">
+                        <a:solidFill>
+                          <a:schemeClr val="tx1">
+                            <a:lumMod val="85000"/>
+                            <a:lumOff val="15000"/>
+                          </a:schemeClr>
+                        </a:solidFill>
+                        <a:effectLst/>
+                        <a:latin typeface="Calibri" panose="020F0502020204030204" pitchFamily="34" charset="0"/>
+                      </a:endParaRPr>
+                    </a:p>
+                  </a:txBody>
+                  <a:tcPr marL="98405" marR="59043" marT="59043" marB="59043" anchor="b">
+                    <a:lnL w="38100" cap="flat" cmpd="sng" algn="ctr">
+                      <a:solidFill>
+                        <a:srgbClr val="FFFFFF"/>
+                      </a:solidFill>
+                      <a:prstDash val="solid"/>
+                    </a:lnL>
+                    <a:lnR w="38100" cap="flat" cmpd="sng" algn="ctr">
+                      <a:solidFill>
+                        <a:srgbClr val="FFFFFF"/>
+                      </a:solidFill>
+                      <a:prstDash val="solid"/>
+                    </a:lnR>
+                    <a:lnT w="38100" cap="flat" cmpd="sng" algn="ctr">
+                      <a:solidFill>
+                        <a:srgbClr val="FFFFFF"/>
+                      </a:solidFill>
+                      <a:prstDash val="solid"/>
+                    </a:lnT>
+                    <a:lnB w="38100" cap="flat" cmpd="sng" algn="ctr">
+                      <a:solidFill>
+                        <a:srgbClr val="FFFFFF"/>
+                      </a:solidFill>
+                      <a:prstDash val="solid"/>
+                    </a:lnB>
+                    <a:solidFill>
+                      <a:srgbClr val="878E8B">
+                        <a:alpha val="30196"/>
+                      </a:srgbClr>
+                    </a:solidFill>
+                  </a:tcPr>
+                </a:tc>
+                <a:tc>
+                  <a:txBody>
+                    <a:bodyPr/>
+                    <a:lstStyle/>
+                    <a:p>
+                      <a:pPr algn="l" fontAlgn="b"/>
+                      <a:endParaRPr lang="en-US" sz="1200" b="0" i="0" u="none" strike="noStrike">
+                        <a:solidFill>
+                          <a:schemeClr val="tx1">
+                            <a:lumMod val="85000"/>
+                            <a:lumOff val="15000"/>
+                          </a:schemeClr>
+                        </a:solidFill>
+                        <a:effectLst/>
+                        <a:latin typeface="Calibri" panose="020F0502020204030204" pitchFamily="34" charset="0"/>
+                      </a:endParaRPr>
+                    </a:p>
+                  </a:txBody>
+                  <a:tcPr marL="98405" marR="59043" marT="59043" marB="59043" anchor="b">
+                    <a:lnL w="38100" cap="flat" cmpd="sng" algn="ctr">
+                      <a:solidFill>
+                        <a:srgbClr val="FFFFFF"/>
+                      </a:solidFill>
+                      <a:prstDash val="solid"/>
+                    </a:lnL>
+                    <a:lnR w="38100" cap="flat" cmpd="sng" algn="ctr">
+                      <a:solidFill>
+                        <a:srgbClr val="FFFFFF"/>
+                      </a:solidFill>
+                      <a:prstDash val="solid"/>
+                      <a:round/>
+                      <a:headEnd type="none" w="med" len="med"/>
+                      <a:tailEnd type="none" w="med" len="med"/>
+                    </a:lnR>
+                    <a:lnT w="38100" cap="flat" cmpd="sng" algn="ctr">
+                      <a:solidFill>
+                        <a:srgbClr val="FFFFFF"/>
+                      </a:solidFill>
+                      <a:prstDash val="solid"/>
+                    </a:lnT>
+                    <a:lnB w="38100" cap="flat" cmpd="sng" algn="ctr">
+                      <a:solidFill>
+                        <a:srgbClr val="FFFFFF"/>
+                      </a:solidFill>
+                      <a:prstDash val="solid"/>
+                    </a:lnB>
+                    <a:solidFill>
+                      <a:srgbClr val="878E8B">
+                        <a:alpha val="30196"/>
+                      </a:srgbClr>
+                    </a:solidFill>
+                  </a:tcPr>
+                </a:tc>
+                <a:tc>
+                  <a:txBody>
+                    <a:bodyPr/>
+                    <a:lstStyle/>
+                    <a:p>
+                      <a:pPr algn="l" fontAlgn="b"/>
+                      <a:r>
+                        <a:rPr lang="en-US" sz="1200" b="0" i="0" u="none" strike="noStrike" dirty="0">
+                          <a:solidFill>
+                            <a:schemeClr val="accent6">
+                              <a:lumMod val="75000"/>
+                            </a:schemeClr>
+                          </a:solidFill>
+                          <a:effectLst/>
+                          <a:latin typeface="+mn-lt"/>
+                        </a:rPr>
+                        <a:t>DNP</a:t>
+                      </a:r>
+                    </a:p>
+                  </a:txBody>
+                  <a:tcPr marL="9525" marR="9525" marT="9525" marB="0" anchor="b">
+                    <a:lnL w="38100" cap="flat" cmpd="sng" algn="ctr">
+                      <a:solidFill>
+                        <a:srgbClr val="FFFFFF"/>
+                      </a:solidFill>
+                      <a:prstDash val="solid"/>
+                    </a:lnL>
+                    <a:lnR w="38100" cap="flat" cmpd="sng" algn="ctr">
+                      <a:solidFill>
+                        <a:srgbClr val="FFFFFF"/>
+                      </a:solidFill>
+                      <a:prstDash val="solid"/>
+                    </a:lnR>
+                    <a:lnT w="38100" cap="flat" cmpd="sng" algn="ctr">
+                      <a:solidFill>
+                        <a:srgbClr val="FFFFFF"/>
+                      </a:solidFill>
+                      <a:prstDash val="solid"/>
+                    </a:lnT>
+                    <a:lnB w="38100" cap="flat" cmpd="sng" algn="ctr">
+                      <a:solidFill>
+                        <a:srgbClr val="FFFFFF"/>
+                      </a:solidFill>
+                      <a:prstDash val="solid"/>
+                    </a:lnB>
+                    <a:solidFill>
+                      <a:srgbClr val="878E8B">
+                        <a:alpha val="30196"/>
+                      </a:srgbClr>
+                    </a:solidFill>
+                  </a:tcPr>
+                </a:tc>
+                <a:tc>
+                  <a:txBody>
+                    <a:bodyPr/>
+                    <a:lstStyle/>
+                    <a:p>
+                      <a:pPr algn="l" fontAlgn="b"/>
+                      <a:r>
+                        <a:rPr lang="en-US" sz="1200" b="0" i="0" u="none" strike="noStrike" dirty="0">
+                          <a:solidFill>
+                            <a:schemeClr val="accent6">
+                              <a:lumMod val="75000"/>
+                            </a:schemeClr>
+                          </a:solidFill>
+                          <a:effectLst/>
+                          <a:latin typeface="+mn-lt"/>
+                        </a:rPr>
+                        <a:t>DNP</a:t>
+                      </a:r>
+                    </a:p>
+                  </a:txBody>
+                  <a:tcPr marL="9525" marR="9525" marT="9525" marB="0" anchor="b">
+                    <a:lnL w="38100" cap="flat" cmpd="sng" algn="ctr">
+                      <a:solidFill>
+                        <a:srgbClr val="FFFFFF"/>
+                      </a:solidFill>
+                      <a:prstDash val="solid"/>
+                    </a:lnL>
+                    <a:lnR w="38100" cap="flat" cmpd="sng" algn="ctr">
+                      <a:solidFill>
+                        <a:srgbClr val="FFFFFF"/>
+                      </a:solidFill>
+                      <a:prstDash val="solid"/>
+                    </a:lnR>
+                    <a:lnT w="38100" cap="flat" cmpd="sng" algn="ctr">
+                      <a:solidFill>
+                        <a:srgbClr val="FFFFFF"/>
+                      </a:solidFill>
+                      <a:prstDash val="solid"/>
+                    </a:lnT>
+                    <a:lnB w="38100" cap="flat" cmpd="sng" algn="ctr">
+                      <a:solidFill>
+                        <a:srgbClr val="FFFFFF"/>
+                      </a:solidFill>
+                      <a:prstDash val="solid"/>
+                    </a:lnB>
+                    <a:solidFill>
+                      <a:srgbClr val="878E8B">
+                        <a:alpha val="30196"/>
+                      </a:srgbClr>
+                    </a:solidFill>
+                  </a:tcPr>
+                </a:tc>
+                <a:tc>
+                  <a:txBody>
+                    <a:bodyPr/>
+                    <a:lstStyle/>
+                    <a:p>
+                      <a:pPr algn="ctr" fontAlgn="b"/>
+                      <a:r>
+                        <a:rPr lang="en-US" sz="1200" b="0" i="0" u="none" strike="noStrike" dirty="0">
+                          <a:solidFill>
+                            <a:srgbClr val="000000"/>
+                          </a:solidFill>
+                          <a:effectLst/>
+                          <a:latin typeface="+mn-lt"/>
+                        </a:rPr>
+                        <a:t>2:29:52</a:t>
+                      </a:r>
+                    </a:p>
+                  </a:txBody>
+                  <a:tcPr marL="9525" marR="9525" marT="9525" marB="0" anchor="b">
+                    <a:lnL w="38100" cap="flat" cmpd="sng" algn="ctr">
+                      <a:solidFill>
+                        <a:srgbClr val="FFFFFF"/>
+                      </a:solidFill>
+                      <a:prstDash val="solid"/>
+                    </a:lnL>
+                    <a:lnR w="38100" cap="flat" cmpd="sng" algn="ctr">
+                      <a:solidFill>
+                        <a:srgbClr val="FFFFFF"/>
+                      </a:solidFill>
+                      <a:prstDash val="solid"/>
+                    </a:lnR>
+                    <a:lnT w="38100" cap="flat" cmpd="sng" algn="ctr">
+                      <a:solidFill>
+                        <a:srgbClr val="FFFFFF"/>
+                      </a:solidFill>
+                      <a:prstDash val="solid"/>
+                    </a:lnT>
+                    <a:lnB w="38100" cap="flat" cmpd="sng" algn="ctr">
+                      <a:solidFill>
+                        <a:srgbClr val="FFFFFF"/>
+                      </a:solidFill>
+                      <a:prstDash val="solid"/>
+                    </a:lnB>
+                    <a:solidFill>
+                      <a:srgbClr val="878E8B">
+                        <a:alpha val="30196"/>
+                      </a:srgbClr>
+                    </a:solidFill>
+                  </a:tcPr>
+                </a:tc>
+                <a:tc>
+                  <a:txBody>
+                    <a:bodyPr/>
+                    <a:lstStyle/>
+                    <a:p>
+                      <a:pPr algn="l" fontAlgn="b"/>
+                      <a:r>
+                        <a:rPr lang="en-US" sz="1200" b="0" i="0" u="none" strike="noStrike" dirty="0">
+                          <a:solidFill>
+                            <a:schemeClr val="accent6">
+                              <a:lumMod val="75000"/>
+                            </a:schemeClr>
+                          </a:solidFill>
+                          <a:effectLst/>
+                          <a:latin typeface="+mn-lt"/>
+                        </a:rPr>
+                        <a:t>DNP</a:t>
+                      </a:r>
+                    </a:p>
+                  </a:txBody>
+                  <a:tcPr marL="9525" marR="9525" marT="9525" marB="0" anchor="b">
+                    <a:lnL w="38100" cap="flat" cmpd="sng" algn="ctr">
+                      <a:solidFill>
+                        <a:srgbClr val="FFFFFF"/>
+                      </a:solidFill>
+                      <a:prstDash val="solid"/>
+                    </a:lnL>
+                    <a:lnR w="12700" cap="flat" cmpd="sng" algn="ctr">
+                      <a:solidFill>
+                        <a:schemeClr val="tx1"/>
+                      </a:solidFill>
+                      <a:prstDash val="solid"/>
+                      <a:round/>
+                      <a:headEnd type="none" w="med" len="med"/>
+                      <a:tailEnd type="none" w="med" len="med"/>
+                    </a:lnR>
+                    <a:lnT w="38100" cap="flat" cmpd="sng" algn="ctr">
+                      <a:solidFill>
+                        <a:srgbClr val="FFFFFF"/>
+                      </a:solidFill>
+                      <a:prstDash val="solid"/>
+                    </a:lnT>
+                    <a:lnB w="38100" cap="flat" cmpd="sng" algn="ctr">
+                      <a:solidFill>
+                        <a:srgbClr val="FFFFFF"/>
+                      </a:solidFill>
+                      <a:prstDash val="solid"/>
+                    </a:lnB>
+                    <a:solidFill>
+                      <a:srgbClr val="878E8B">
+                        <a:alpha val="30196"/>
+                      </a:srgbClr>
+                    </a:solidFill>
+                  </a:tcPr>
+                </a:tc>
+                <a:extLst>
+                  <a:ext uri="{0D108BD9-81ED-4DB2-BD59-A6C34878D82A}">
+                    <a16:rowId xmlns:a16="http://schemas.microsoft.com/office/drawing/2014/main" val="1402192218"/>
+                  </a:ext>
+                </a:extLst>
+              </a:tr>
+              <a:tr h="513309">
+                <a:tc>
+                  <a:txBody>
+                    <a:bodyPr/>
+                    <a:lstStyle/>
+                    <a:p>
+                      <a:pPr algn="r" fontAlgn="b"/>
+                      <a:r>
+                        <a:rPr lang="en-US" sz="1200" b="1" u="none" strike="noStrike" dirty="0">
+                          <a:solidFill>
+                            <a:schemeClr val="tx1">
+                              <a:lumMod val="85000"/>
+                              <a:lumOff val="15000"/>
+                            </a:schemeClr>
+                          </a:solidFill>
+                          <a:effectLst/>
+                        </a:rPr>
+                        <a:t>2018</a:t>
+                      </a:r>
+                      <a:endParaRPr lang="en-US" sz="1200" b="1" i="0" u="none" strike="noStrike" dirty="0">
+                        <a:solidFill>
+                          <a:schemeClr val="tx1">
+                            <a:lumMod val="85000"/>
+                            <a:lumOff val="15000"/>
+                          </a:schemeClr>
+                        </a:solidFill>
+                        <a:effectLst/>
+                        <a:latin typeface="Calibri" panose="020F0502020204030204" pitchFamily="34" charset="0"/>
+                      </a:endParaRPr>
+                    </a:p>
+                  </a:txBody>
+                  <a:tcPr marL="98405" marR="59043" marT="59043" marB="59043" anchor="b">
+                    <a:lnL w="38100" cap="flat" cmpd="sng" algn="ctr">
+                      <a:noFill/>
+                      <a:prstDash val="solid"/>
                     </a:lnL>
                     <a:lnR w="12700" cap="flat" cmpd="sng" algn="ctr">
                       <a:solidFill>
@@ -16055,13 +19471,7 @@
                       <a:headEnd type="none" w="med" len="med"/>
                       <a:tailEnd type="none" w="med" len="med"/>
                     </a:lnL>
-                    <a:lnR w="38100" cap="flat" cmpd="sng" algn="ctr">
-                      <a:solidFill>
-                        <a:srgbClr val="FFFFFF"/>
-                      </a:solidFill>
-                      <a:prstDash val="solid"/>
-                    </a:lnR>
-                    <a:lnT w="12700" cap="flat" cmpd="sng" algn="ctr">
+                    <a:lnR w="12700" cap="flat" cmpd="sng" algn="ctr">
                       <a:solidFill>
                         <a:schemeClr val="tx1"/>
                       </a:solidFill>
@@ -16069,6 +19479,136 @@
                       <a:round/>
                       <a:headEnd type="none" w="med" len="med"/>
                       <a:tailEnd type="none" w="med" len="med"/>
+                    </a:lnR>
+                    <a:lnT w="12700" cap="flat" cmpd="sng" algn="ctr">
+                      <a:solidFill>
+                        <a:schemeClr val="tx1"/>
+                      </a:solidFill>
+                      <a:prstDash val="solid"/>
+                      <a:round/>
+                      <a:headEnd type="none" w="med" len="med"/>
+                      <a:tailEnd type="none" w="med" len="med"/>
+                    </a:lnT>
+                    <a:lnB w="38100" cap="flat" cmpd="sng" algn="ctr">
+                      <a:solidFill>
+                        <a:srgbClr val="FFFFFF"/>
+                      </a:solidFill>
+                      <a:prstDash val="solid"/>
+                    </a:lnB>
+                    <a:solidFill>
+                      <a:srgbClr val="878E8B">
+                        <a:alpha val="14902"/>
+                      </a:srgbClr>
+                    </a:solidFill>
+                  </a:tcPr>
+                </a:tc>
+                <a:tc>
+                  <a:txBody>
+                    <a:bodyPr/>
+                    <a:lstStyle/>
+                    <a:p>
+                      <a:pPr algn="l" fontAlgn="b"/>
+                      <a:endParaRPr lang="en-US" sz="1200" b="0" i="0" u="none" strike="noStrike" dirty="0">
+                        <a:solidFill>
+                          <a:schemeClr val="tx1">
+                            <a:lumMod val="85000"/>
+                            <a:lumOff val="15000"/>
+                          </a:schemeClr>
+                        </a:solidFill>
+                        <a:effectLst/>
+                        <a:latin typeface="Calibri" panose="020F0502020204030204" pitchFamily="34" charset="0"/>
+                      </a:endParaRPr>
+                    </a:p>
+                  </a:txBody>
+                  <a:tcPr marL="98405" marR="59043" marT="59043" marB="59043" anchor="b">
+                    <a:lnL w="12700" cap="flat" cmpd="sng" algn="ctr">
+                      <a:solidFill>
+                        <a:schemeClr val="tx1"/>
+                      </a:solidFill>
+                      <a:prstDash val="solid"/>
+                      <a:round/>
+                      <a:headEnd type="none" w="med" len="med"/>
+                      <a:tailEnd type="none" w="med" len="med"/>
+                    </a:lnL>
+                    <a:lnR w="12700" cap="flat" cmpd="sng" algn="ctr">
+                      <a:solidFill>
+                        <a:schemeClr val="tx1"/>
+                      </a:solidFill>
+                      <a:prstDash val="solid"/>
+                      <a:round/>
+                      <a:headEnd type="none" w="med" len="med"/>
+                      <a:tailEnd type="none" w="med" len="med"/>
+                    </a:lnR>
+                    <a:lnT w="38100" cap="flat" cmpd="sng" algn="ctr">
+                      <a:solidFill>
+                        <a:srgbClr val="FFFFFF"/>
+                      </a:solidFill>
+                      <a:prstDash val="solid"/>
+                    </a:lnT>
+                    <a:lnB w="38100" cap="flat" cmpd="sng" algn="ctr">
+                      <a:solidFill>
+                        <a:srgbClr val="FFFFFF"/>
+                      </a:solidFill>
+                      <a:prstDash val="solid"/>
+                    </a:lnB>
+                    <a:solidFill>
+                      <a:schemeClr val="bg2">
+                        <a:lumMod val="10000"/>
+                      </a:schemeClr>
+                    </a:solidFill>
+                  </a:tcPr>
+                </a:tc>
+                <a:tc>
+                  <a:txBody>
+                    <a:bodyPr/>
+                    <a:lstStyle/>
+                    <a:p>
+                      <a:pPr algn="l" fontAlgn="b"/>
+                      <a:r>
+                        <a:rPr lang="en-US" sz="1200" u="none" strike="noStrike" dirty="0">
+                          <a:solidFill>
+                            <a:schemeClr val="tx1">
+                              <a:lumMod val="85000"/>
+                              <a:lumOff val="15000"/>
+                            </a:schemeClr>
+                          </a:solidFill>
+                          <a:effectLst/>
+                        </a:rPr>
+                        <a:t>Kevin Fink</a:t>
+                      </a:r>
+                      <a:endParaRPr lang="en-US" sz="1200" b="0" i="0" u="none" strike="noStrike" dirty="0">
+                        <a:solidFill>
+                          <a:schemeClr val="tx1">
+                            <a:lumMod val="85000"/>
+                            <a:lumOff val="15000"/>
+                          </a:schemeClr>
+                        </a:solidFill>
+                        <a:effectLst/>
+                        <a:latin typeface="Calibri" panose="020F0502020204030204" pitchFamily="34" charset="0"/>
+                      </a:endParaRPr>
+                    </a:p>
+                  </a:txBody>
+                  <a:tcPr marL="98405" marR="59043" marT="59043" marB="59043" anchor="b">
+                    <a:lnL w="12700" cap="flat" cmpd="sng" algn="ctr">
+                      <a:solidFill>
+                        <a:schemeClr val="tx1"/>
+                      </a:solidFill>
+                      <a:prstDash val="solid"/>
+                      <a:round/>
+                      <a:headEnd type="none" w="med" len="med"/>
+                      <a:tailEnd type="none" w="med" len="med"/>
+                    </a:lnL>
+                    <a:lnR w="38100" cap="flat" cmpd="sng" algn="ctr">
+                      <a:solidFill>
+                        <a:srgbClr val="FFFFFF"/>
+                      </a:solidFill>
+                      <a:prstDash val="solid"/>
+                    </a:lnR>
+                    <a:lnT w="38100" cap="flat" cmpd="sng" algn="ctr">
+                      <a:solidFill>
+                        <a:srgbClr val="FFFFFF"/>
+                      </a:solidFill>
+                      <a:prstDash val="solid"/>
                     </a:lnT>
                     <a:lnB w="38100" cap="flat" cmpd="sng" algn="ctr">
                       <a:solidFill>
@@ -16099,7 +19639,7 @@
                           </a:solidFill>
                           <a:effectLst/>
                         </a:rPr>
-                        <a:t>4</a:t>
+                        <a:t>1</a:t>
                       </a:r>
                       <a:endParaRPr lang="en-US" sz="1200" b="0" i="0" u="none" strike="noStrike" dirty="0">
                         <a:solidFill>
@@ -16126,14 +19666,11 @@
                       </a:solidFill>
                       <a:prstDash val="solid"/>
                     </a:lnR>
-                    <a:lnT w="12700" cap="flat" cmpd="sng" algn="ctr">
-                      <a:solidFill>
-                        <a:schemeClr val="tx1"/>
-                      </a:solidFill>
-                      <a:prstDash val="solid"/>
-                      <a:round/>
-                      <a:headEnd type="none" w="med" len="med"/>
-                      <a:tailEnd type="none" w="med" len="med"/>
+                    <a:lnT w="38100" cap="flat" cmpd="sng" algn="ctr">
+                      <a:solidFill>
+                        <a:srgbClr val="FFFFFF"/>
+                      </a:solidFill>
+                      <a:prstDash val="solid"/>
                     </a:lnT>
                     <a:lnB w="38100" cap="flat" cmpd="sng" algn="ctr">
                       <a:solidFill>
@@ -16182,14 +19719,115 @@
                       <a:headEnd type="none" w="med" len="med"/>
                       <a:tailEnd type="none" w="med" len="med"/>
                     </a:lnR>
-                    <a:lnT w="12700" cap="flat" cmpd="sng" algn="ctr">
-                      <a:solidFill>
-                        <a:schemeClr val="tx1"/>
-                      </a:solidFill>
-                      <a:prstDash val="solid"/>
-                      <a:round/>
-                      <a:headEnd type="none" w="med" len="med"/>
-                      <a:tailEnd type="none" w="med" len="med"/>
+                    <a:lnT w="38100" cap="flat" cmpd="sng" algn="ctr">
+                      <a:solidFill>
+                        <a:srgbClr val="FFFFFF"/>
+                      </a:solidFill>
+                      <a:prstDash val="solid"/>
+                    </a:lnT>
+                    <a:lnB w="38100" cap="flat" cmpd="sng" algn="ctr">
+                      <a:solidFill>
+                        <a:srgbClr val="FFFFFF"/>
+                      </a:solidFill>
+                      <a:prstDash val="solid"/>
+                    </a:lnB>
+                    <a:solidFill>
+                      <a:srgbClr val="878E8B">
+                        <a:alpha val="14902"/>
+                      </a:srgbClr>
+                    </a:solidFill>
+                  </a:tcPr>
+                </a:tc>
+                <a:tc>
+                  <a:txBody>
+                    <a:bodyPr/>
+                    <a:lstStyle/>
+                    <a:p>
+                      <a:pPr algn="l" fontAlgn="b"/>
+                      <a:r>
+                        <a:rPr lang="en-US" sz="1200" b="0" i="0" u="none" strike="noStrike" dirty="0">
+                          <a:solidFill>
+                            <a:schemeClr val="accent6">
+                              <a:lumMod val="75000"/>
+                            </a:schemeClr>
+                          </a:solidFill>
+                          <a:effectLst/>
+                          <a:latin typeface="+mn-lt"/>
+                        </a:rPr>
+                        <a:t>DNP</a:t>
+                      </a:r>
+                    </a:p>
+                  </a:txBody>
+                  <a:tcPr marL="9525" marR="9525" marT="9525" marB="0" anchor="b">
+                    <a:lnL w="38100" cap="flat" cmpd="sng" algn="ctr">
+                      <a:solidFill>
+                        <a:srgbClr val="FFFFFF"/>
+                      </a:solidFill>
+                      <a:prstDash val="solid"/>
+                    </a:lnL>
+                    <a:lnR w="38100" cap="flat" cmpd="sng" algn="ctr">
+                      <a:solidFill>
+                        <a:srgbClr val="FFFFFF"/>
+                      </a:solidFill>
+                      <a:prstDash val="solid"/>
+                    </a:lnR>
+                    <a:lnT w="38100" cap="flat" cmpd="sng" algn="ctr">
+                      <a:solidFill>
+                        <a:srgbClr val="FFFFFF"/>
+                      </a:solidFill>
+                      <a:prstDash val="solid"/>
+                    </a:lnT>
+                    <a:lnB w="38100" cap="flat" cmpd="sng" algn="ctr">
+                      <a:solidFill>
+                        <a:srgbClr val="FFFFFF"/>
+                      </a:solidFill>
+                      <a:prstDash val="solid"/>
+                    </a:lnB>
+                    <a:solidFill>
+                      <a:srgbClr val="878E8B">
+                        <a:alpha val="14902"/>
+                      </a:srgbClr>
+                    </a:solidFill>
+                  </a:tcPr>
+                </a:tc>
+                <a:tc>
+                  <a:txBody>
+                    <a:bodyPr/>
+                    <a:lstStyle/>
+                    <a:p>
+                      <a:pPr algn="l" fontAlgn="b"/>
+                      <a:r>
+                        <a:rPr lang="en-US" sz="1200" b="0" i="0" u="none" strike="noStrike">
+                          <a:solidFill>
+                            <a:schemeClr val="accent6">
+                              <a:lumMod val="75000"/>
+                            </a:schemeClr>
+                          </a:solidFill>
+                          <a:effectLst/>
+                          <a:latin typeface="+mn-lt"/>
+                        </a:rPr>
+                        <a:t>DNP</a:t>
+                      </a:r>
+                    </a:p>
+                  </a:txBody>
+                  <a:tcPr marL="9525" marR="9525" marT="9525" marB="0" anchor="b">
+                    <a:lnL w="38100" cap="flat" cmpd="sng" algn="ctr">
+                      <a:solidFill>
+                        <a:srgbClr val="FFFFFF"/>
+                      </a:solidFill>
+                      <a:prstDash val="solid"/>
+                    </a:lnL>
+                    <a:lnR w="38100" cap="flat" cmpd="sng" algn="ctr">
+                      <a:solidFill>
+                        <a:srgbClr val="FFFFFF"/>
+                      </a:solidFill>
+                      <a:prstDash val="solid"/>
+                    </a:lnR>
+                    <a:lnT w="38100" cap="flat" cmpd="sng" algn="ctr">
+                      <a:solidFill>
+                        <a:srgbClr val="FFFFFF"/>
+                      </a:solidFill>
+                      <a:prstDash val="solid"/>
                     </a:lnT>
                     <a:lnB w="38100" cap="flat" cmpd="sng" algn="ctr">
                       <a:solidFill>
@@ -16218,7 +19856,7 @@
                           <a:effectLst/>
                           <a:latin typeface="+mn-lt"/>
                         </a:rPr>
-                        <a:t>2:25:42</a:t>
+                        <a:t>2:38:59</a:t>
                       </a:r>
                     </a:p>
                   </a:txBody>
@@ -16235,14 +19873,11 @@
                       </a:solidFill>
                       <a:prstDash val="solid"/>
                     </a:lnR>
-                    <a:lnT w="12700" cap="flat" cmpd="sng" algn="ctr">
-                      <a:solidFill>
-                        <a:schemeClr val="tx1"/>
-                      </a:solidFill>
-                      <a:prstDash val="solid"/>
-                      <a:round/>
-                      <a:headEnd type="none" w="med" len="med"/>
-                      <a:tailEnd type="none" w="med" len="med"/>
+                    <a:lnT w="38100" cap="flat" cmpd="sng" algn="ctr">
+                      <a:solidFill>
+                        <a:srgbClr val="FFFFFF"/>
+                      </a:solidFill>
+                      <a:prstDash val="solid"/>
                     </a:lnT>
                     <a:lnB w="38100" cap="flat" cmpd="sng" algn="ctr">
                       <a:solidFill>
@@ -16262,16 +19897,18 @@
                     <a:bodyPr/>
                     <a:lstStyle/>
                     <a:p>
-                      <a:pPr algn="ctr" fontAlgn="b"/>
+                      <a:pPr algn="l" fontAlgn="b"/>
                       <a:r>
                         <a:rPr lang="en-US" sz="1200" b="0" i="0" u="none" strike="noStrike" dirty="0">
                           <a:solidFill>
-                            <a:srgbClr val="000000"/>
+                            <a:schemeClr val="accent6">
+                              <a:lumMod val="75000"/>
+                            </a:schemeClr>
                           </a:solidFill>
                           <a:effectLst/>
                           <a:latin typeface="+mn-lt"/>
                         </a:rPr>
-                        <a:t>2:40:25</a:t>
+                        <a:t>DNP</a:t>
                       </a:r>
                     </a:p>
                   </a:txBody>
@@ -16282,112 +19919,6 @@
                       </a:solidFill>
                       <a:prstDash val="solid"/>
                     </a:lnL>
-                    <a:lnR w="38100" cap="flat" cmpd="sng" algn="ctr">
-                      <a:solidFill>
-                        <a:srgbClr val="FFFFFF"/>
-                      </a:solidFill>
-                      <a:prstDash val="solid"/>
-                    </a:lnR>
-                    <a:lnT w="12700" cap="flat" cmpd="sng" algn="ctr">
-                      <a:solidFill>
-                        <a:schemeClr val="tx1"/>
-                      </a:solidFill>
-                      <a:prstDash val="solid"/>
-                      <a:round/>
-                      <a:headEnd type="none" w="med" len="med"/>
-                      <a:tailEnd type="none" w="med" len="med"/>
-                    </a:lnT>
-                    <a:lnB w="38100" cap="flat" cmpd="sng" algn="ctr">
-                      <a:solidFill>
-                        <a:srgbClr val="FFFFFF"/>
-                      </a:solidFill>
-                      <a:prstDash val="solid"/>
-                    </a:lnB>
-                    <a:solidFill>
-                      <a:srgbClr val="878E8B">
-                        <a:alpha val="14902"/>
-                      </a:srgbClr>
-                    </a:solidFill>
-                  </a:tcPr>
-                </a:tc>
-                <a:tc>
-                  <a:txBody>
-                    <a:bodyPr/>
-                    <a:lstStyle/>
-                    <a:p>
-                      <a:pPr algn="ctr" fontAlgn="b"/>
-                      <a:r>
-                        <a:rPr lang="en-US" sz="1200" b="0" i="0" u="none" strike="noStrike" dirty="0">
-                          <a:solidFill>
-                            <a:srgbClr val="000000"/>
-                          </a:solidFill>
-                          <a:effectLst/>
-                          <a:latin typeface="+mn-lt"/>
-                        </a:rPr>
-                        <a:t>2:28:16</a:t>
-                      </a:r>
-                    </a:p>
-                  </a:txBody>
-                  <a:tcPr marL="9525" marR="9525" marT="9525" marB="0" anchor="b">
-                    <a:lnL w="38100" cap="flat" cmpd="sng" algn="ctr">
-                      <a:solidFill>
-                        <a:srgbClr val="FFFFFF"/>
-                      </a:solidFill>
-                      <a:prstDash val="solid"/>
-                    </a:lnL>
-                    <a:lnR w="38100" cap="flat" cmpd="sng" algn="ctr">
-                      <a:solidFill>
-                        <a:srgbClr val="FFFFFF"/>
-                      </a:solidFill>
-                      <a:prstDash val="solid"/>
-                    </a:lnR>
-                    <a:lnT w="12700" cap="flat" cmpd="sng" algn="ctr">
-                      <a:solidFill>
-                        <a:schemeClr val="tx1"/>
-                      </a:solidFill>
-                      <a:prstDash val="solid"/>
-                      <a:round/>
-                      <a:headEnd type="none" w="med" len="med"/>
-                      <a:tailEnd type="none" w="med" len="med"/>
-                    </a:lnT>
-                    <a:lnB w="38100" cap="flat" cmpd="sng" algn="ctr">
-                      <a:solidFill>
-                        <a:srgbClr val="FFFFFF"/>
-                      </a:solidFill>
-                      <a:prstDash val="solid"/>
-                    </a:lnB>
-                    <a:solidFill>
-                      <a:srgbClr val="878E8B">
-                        <a:alpha val="14902"/>
-                      </a:srgbClr>
-                    </a:solidFill>
-                  </a:tcPr>
-                </a:tc>
-                <a:tc>
-                  <a:txBody>
-                    <a:bodyPr/>
-                    <a:lstStyle/>
-                    <a:p>
-                      <a:pPr algn="ctr" fontAlgn="b"/>
-                      <a:r>
-                        <a:rPr lang="en-US" sz="1200" b="0" i="0" u="none" strike="noStrike" dirty="0">
-                          <a:solidFill>
-                            <a:srgbClr val="000000"/>
-                          </a:solidFill>
-                          <a:effectLst/>
-                          <a:latin typeface="+mn-lt"/>
-                        </a:rPr>
-                        <a:t>2:34:59</a:t>
-                      </a:r>
-                    </a:p>
-                  </a:txBody>
-                  <a:tcPr marL="9525" marR="9525" marT="9525" marB="0" anchor="b">
-                    <a:lnL w="38100" cap="flat" cmpd="sng" algn="ctr">
-                      <a:solidFill>
-                        <a:srgbClr val="FFFFFF"/>
-                      </a:solidFill>
-                      <a:prstDash val="solid"/>
-                    </a:lnL>
                     <a:lnR w="12700" cap="flat" cmpd="sng" algn="ctr">
                       <a:solidFill>
                         <a:schemeClr val="tx1"/>
@@ -16397,14 +19928,11 @@
                       <a:headEnd type="none" w="med" len="med"/>
                       <a:tailEnd type="none" w="med" len="med"/>
                     </a:lnR>
-                    <a:lnT w="12700" cap="flat" cmpd="sng" algn="ctr">
-                      <a:solidFill>
-                        <a:schemeClr val="tx1"/>
-                      </a:solidFill>
-                      <a:prstDash val="solid"/>
-                      <a:round/>
-                      <a:headEnd type="none" w="med" len="med"/>
-                      <a:tailEnd type="none" w="med" len="med"/>
+                    <a:lnT w="38100" cap="flat" cmpd="sng" algn="ctr">
+                      <a:solidFill>
+                        <a:srgbClr val="FFFFFF"/>
+                      </a:solidFill>
+                      <a:prstDash val="solid"/>
                     </a:lnT>
                     <a:lnB w="38100" cap="flat" cmpd="sng" algn="ctr">
                       <a:solidFill>
@@ -16421,7 +19949,7 @@
                 </a:tc>
                 <a:extLst>
                   <a:ext uri="{0D108BD9-81ED-4DB2-BD59-A6C34878D82A}">
-                    <a16:rowId xmlns:a16="http://schemas.microsoft.com/office/drawing/2014/main" val="2668983897"/>
+                    <a16:rowId xmlns:a16="http://schemas.microsoft.com/office/drawing/2014/main" val="3948448911"/>
                   </a:ext>
                 </a:extLst>
               </a:tr>
@@ -16484,6 +20012,18 @@
                     <a:p>
                       <a:pPr algn="l" fontAlgn="b"/>
                       <a:r>
+                        <a:rPr lang="en-US" sz="1200" u="none" strike="noStrike" dirty="0" err="1">
+                          <a:solidFill>
+                            <a:schemeClr val="tx1">
+                              <a:lumMod val="85000"/>
+                              <a:lumOff val="15000"/>
+                            </a:schemeClr>
+                          </a:solidFill>
+                          <a:effectLst/>
+                        </a:rPr>
+                        <a:t>Garang</a:t>
+                      </a:r>
+                      <a:r>
                         <a:rPr lang="en-US" sz="1200" u="none" strike="noStrike" dirty="0">
                           <a:solidFill>
                             <a:schemeClr val="tx1">
@@ -16493,7 +20033,7 @@
                           </a:solidFill>
                           <a:effectLst/>
                         </a:rPr>
-                        <a:t>Brian Shelton</a:t>
+                        <a:t> Madut</a:t>
                       </a:r>
                       <a:endParaRPr lang="en-US" sz="1200" b="0" i="0" u="none" strike="noStrike" dirty="0">
                         <a:solidFill>
@@ -16551,7 +20091,7 @@
                     <a:lstStyle/>
                     <a:p>
                       <a:pPr algn="l" fontAlgn="b"/>
-                      <a:endParaRPr lang="en-US" sz="1200" b="0" i="0" u="none" strike="noStrike">
+                      <a:endParaRPr lang="en-US" sz="1200" b="0" i="0" u="none" strike="noStrike" dirty="0">
                         <a:solidFill>
                           <a:schemeClr val="tx1">
                             <a:lumMod val="85000"/>
@@ -16595,9 +20135,9 @@
                       <a:prstDash val="solid"/>
                     </a:lnB>
                     <a:solidFill>
-                      <a:srgbClr val="878E8B">
-                        <a:alpha val="30196"/>
-                      </a:srgbClr>
+                      <a:schemeClr val="bg2">
+                        <a:lumMod val="10000"/>
+                      </a:schemeClr>
                     </a:solidFill>
                   </a:tcPr>
                 </a:tc>
@@ -16617,7 +20157,7 @@
                           </a:solidFill>
                           <a:effectLst/>
                         </a:rPr>
-                        <a:t>Brian Shelton</a:t>
+                        <a:t>Jordan Wilson</a:t>
                       </a:r>
                       <a:endParaRPr lang="en-US" sz="1200" b="0" i="0" u="none" strike="noStrike" dirty="0">
                         <a:solidFill>
@@ -16786,16 +20326,18 @@
                     <a:bodyPr/>
                     <a:lstStyle/>
                     <a:p>
-                      <a:pPr algn="ctr" fontAlgn="b"/>
+                      <a:pPr algn="l" fontAlgn="b"/>
                       <a:r>
                         <a:rPr lang="en-US" sz="1200" b="0" i="0" u="none" strike="noStrike" dirty="0">
                           <a:solidFill>
-                            <a:srgbClr val="000000"/>
+                            <a:schemeClr val="accent6">
+                              <a:lumMod val="75000"/>
+                            </a:schemeClr>
                           </a:solidFill>
                           <a:effectLst/>
                           <a:latin typeface="+mn-lt"/>
                         </a:rPr>
-                        <a:t>2:34:43</a:t>
+                        <a:t>DNP</a:t>
                       </a:r>
                     </a:p>
                   </a:txBody>
@@ -16940,18 +20482,16 @@
                     <a:bodyPr/>
                     <a:lstStyle/>
                     <a:p>
-                      <a:pPr algn="l" fontAlgn="b"/>
+                      <a:pPr algn="ctr" fontAlgn="b"/>
                       <a:r>
                         <a:rPr lang="en-US" sz="1200" b="0" i="0" u="none" strike="noStrike" dirty="0">
                           <a:solidFill>
-                            <a:schemeClr val="accent6">
-                              <a:lumMod val="75000"/>
-                            </a:schemeClr>
+                            <a:srgbClr val="000000"/>
                           </a:solidFill>
                           <a:effectLst/>
                           <a:latin typeface="+mn-lt"/>
                         </a:rPr>
-                        <a:t>DNP</a:t>
+                        <a:t>2:35:24</a:t>
                       </a:r>
                     </a:p>
                   </a:txBody>
@@ -16992,7 +20532,7 @@
                 </a:tc>
                 <a:extLst>
                   <a:ext uri="{0D108BD9-81ED-4DB2-BD59-A6C34878D82A}">
-                    <a16:rowId xmlns:a16="http://schemas.microsoft.com/office/drawing/2014/main" val="1727572274"/>
+                    <a16:rowId xmlns:a16="http://schemas.microsoft.com/office/drawing/2014/main" val="2373498349"/>
                   </a:ext>
                 </a:extLst>
               </a:tr>
@@ -17064,7 +20604,7 @@
                           </a:solidFill>
                           <a:effectLst/>
                         </a:rPr>
-                        <a:t>Christopher Capps</a:t>
+                        <a:t>Kevin Fink</a:t>
                       </a:r>
                       <a:endParaRPr lang="en-US" sz="1200" b="0" i="0" u="none" strike="noStrike" dirty="0">
                         <a:solidFill>
@@ -17125,6 +20665,74 @@
                     <a:lstStyle/>
                     <a:p>
                       <a:pPr algn="l" fontAlgn="b"/>
+                      <a:endParaRPr lang="en-US" sz="1200" b="0" i="0" u="none" strike="noStrike" dirty="0">
+                        <a:solidFill>
+                          <a:schemeClr val="tx1">
+                            <a:lumMod val="85000"/>
+                            <a:lumOff val="15000"/>
+                          </a:schemeClr>
+                        </a:solidFill>
+                        <a:effectLst/>
+                        <a:latin typeface="Calibri" panose="020F0502020204030204" pitchFamily="34" charset="0"/>
+                      </a:endParaRPr>
+                    </a:p>
+                  </a:txBody>
+                  <a:tcPr marL="98405" marR="59043" marT="59043" marB="59043" anchor="b">
+                    <a:lnL w="12700" cap="flat" cmpd="sng" algn="ctr">
+                      <a:solidFill>
+                        <a:schemeClr val="tx1"/>
+                      </a:solidFill>
+                      <a:prstDash val="solid"/>
+                      <a:round/>
+                      <a:headEnd type="none" w="med" len="med"/>
+                      <a:tailEnd type="none" w="med" len="med"/>
+                    </a:lnL>
+                    <a:lnR w="12700" cap="flat" cmpd="sng" algn="ctr">
+                      <a:solidFill>
+                        <a:schemeClr val="tx1"/>
+                      </a:solidFill>
+                      <a:prstDash val="solid"/>
+                      <a:round/>
+                      <a:headEnd type="none" w="med" len="med"/>
+                      <a:tailEnd type="none" w="med" len="med"/>
+                    </a:lnR>
+                    <a:lnT w="38100" cap="flat" cmpd="sng" algn="ctr">
+                      <a:solidFill>
+                        <a:srgbClr val="FFFFFF"/>
+                      </a:solidFill>
+                      <a:prstDash val="solid"/>
+                    </a:lnT>
+                    <a:lnB w="38100" cap="flat" cmpd="sng" algn="ctr">
+                      <a:solidFill>
+                        <a:srgbClr val="FFFFFF"/>
+                      </a:solidFill>
+                      <a:prstDash val="solid"/>
+                    </a:lnB>
+                    <a:solidFill>
+                      <a:schemeClr val="bg2">
+                        <a:lumMod val="10000"/>
+                      </a:schemeClr>
+                    </a:solidFill>
+                  </a:tcPr>
+                </a:tc>
+                <a:tc>
+                  <a:txBody>
+                    <a:bodyPr/>
+                    <a:lstStyle/>
+                    <a:p>
+                      <a:pPr algn="l" fontAlgn="b"/>
+                      <a:r>
+                        <a:rPr lang="en-US" sz="1200" u="none" strike="noStrike">
+                          <a:solidFill>
+                            <a:schemeClr val="tx1">
+                              <a:lumMod val="85000"/>
+                              <a:lumOff val="15000"/>
+                            </a:schemeClr>
+                          </a:solidFill>
+                          <a:effectLst/>
+                        </a:rPr>
+                        <a:t>Steelton Flynn</a:t>
+                      </a:r>
                       <a:endParaRPr lang="en-US" sz="1200" b="0" i="0" u="none" strike="noStrike">
                         <a:solidFill>
                           <a:schemeClr val="tx1">
@@ -17147,7 +20755,19 @@
                       <a:headEnd type="none" w="med" len="med"/>
                       <a:tailEnd type="none" w="med" len="med"/>
                     </a:lnL>
-                    <a:lnR w="12700" cap="flat" cmpd="sng" algn="ctr">
+                    <a:lnR w="38100" cap="flat" cmpd="sng" algn="ctr">
+                      <a:solidFill>
+                        <a:srgbClr val="FFFFFF"/>
+                      </a:solidFill>
+                      <a:prstDash val="solid"/>
+                    </a:lnR>
+                    <a:lnT w="38100" cap="flat" cmpd="sng" algn="ctr">
+                      <a:solidFill>
+                        <a:srgbClr val="FFFFFF"/>
+                      </a:solidFill>
+                      <a:prstDash val="solid"/>
+                    </a:lnT>
+                    <a:lnB w="12700" cap="flat" cmpd="sng" algn="ctr">
                       <a:solidFill>
                         <a:schemeClr val="tx1"/>
                       </a:solidFill>
@@ -17155,83 +20775,6 @@
                       <a:round/>
                       <a:headEnd type="none" w="med" len="med"/>
                       <a:tailEnd type="none" w="med" len="med"/>
-                    </a:lnR>
-                    <a:lnT w="38100" cap="flat" cmpd="sng" algn="ctr">
-                      <a:solidFill>
-                        <a:srgbClr val="FFFFFF"/>
-                      </a:solidFill>
-                      <a:prstDash val="solid"/>
-                    </a:lnT>
-                    <a:lnB w="38100" cap="flat" cmpd="sng" algn="ctr">
-                      <a:solidFill>
-                        <a:srgbClr val="FFFFFF"/>
-                      </a:solidFill>
-                      <a:prstDash val="solid"/>
-                    </a:lnB>
-                    <a:solidFill>
-                      <a:srgbClr val="878E8B">
-                        <a:alpha val="14902"/>
-                      </a:srgbClr>
-                    </a:solidFill>
-                  </a:tcPr>
-                </a:tc>
-                <a:tc>
-                  <a:txBody>
-                    <a:bodyPr/>
-                    <a:lstStyle/>
-                    <a:p>
-                      <a:pPr algn="l" fontAlgn="b"/>
-                      <a:r>
-                        <a:rPr lang="en-US" sz="1200" u="none" strike="noStrike" dirty="0">
-                          <a:solidFill>
-                            <a:schemeClr val="tx1">
-                              <a:lumMod val="85000"/>
-                              <a:lumOff val="15000"/>
-                            </a:schemeClr>
-                          </a:solidFill>
-                          <a:effectLst/>
-                        </a:rPr>
-                        <a:t>Christopher Capps</a:t>
-                      </a:r>
-                      <a:endParaRPr lang="en-US" sz="1200" b="0" i="0" u="none" strike="noStrike" dirty="0">
-                        <a:solidFill>
-                          <a:schemeClr val="tx1">
-                            <a:lumMod val="85000"/>
-                            <a:lumOff val="15000"/>
-                          </a:schemeClr>
-                        </a:solidFill>
-                        <a:effectLst/>
-                        <a:latin typeface="Calibri" panose="020F0502020204030204" pitchFamily="34" charset="0"/>
-                      </a:endParaRPr>
-                    </a:p>
-                  </a:txBody>
-                  <a:tcPr marL="98405" marR="59043" marT="59043" marB="59043" anchor="b">
-                    <a:lnL w="12700" cap="flat" cmpd="sng" algn="ctr">
-                      <a:solidFill>
-                        <a:schemeClr val="tx1"/>
-                      </a:solidFill>
-                      <a:prstDash val="solid"/>
-                      <a:round/>
-                      <a:headEnd type="none" w="med" len="med"/>
-                      <a:tailEnd type="none" w="med" len="med"/>
-                    </a:lnL>
-                    <a:lnR w="38100" cap="flat" cmpd="sng" algn="ctr">
-                      <a:solidFill>
-                        <a:srgbClr val="FFFFFF"/>
-                      </a:solidFill>
-                      <a:prstDash val="solid"/>
-                    </a:lnR>
-                    <a:lnT w="38100" cap="flat" cmpd="sng" algn="ctr">
-                      <a:solidFill>
-                        <a:srgbClr val="FFFFFF"/>
-                      </a:solidFill>
-                      <a:prstDash val="solid"/>
-                    </a:lnT>
-                    <a:lnB w="38100" cap="flat" cmpd="sng" algn="ctr">
-                      <a:solidFill>
-                        <a:srgbClr val="FFFFFF"/>
-                      </a:solidFill>
-                      <a:prstDash val="solid"/>
                     </a:lnB>
                     <a:solidFill>
                       <a:srgbClr val="878E8B">
@@ -17289,11 +20832,14 @@
                       </a:solidFill>
                       <a:prstDash val="solid"/>
                     </a:lnT>
-                    <a:lnB w="38100" cap="flat" cmpd="sng" algn="ctr">
-                      <a:solidFill>
-                        <a:srgbClr val="FFFFFF"/>
-                      </a:solidFill>
-                      <a:prstDash val="solid"/>
+                    <a:lnB w="12700" cap="flat" cmpd="sng" algn="ctr">
+                      <a:solidFill>
+                        <a:schemeClr val="tx1"/>
+                      </a:solidFill>
+                      <a:prstDash val="solid"/>
+                      <a:round/>
+                      <a:headEnd type="none" w="med" len="med"/>
+                      <a:tailEnd type="none" w="med" len="med"/>
                     </a:lnB>
                     <a:solidFill>
                       <a:srgbClr val="878E8B">
@@ -17308,7 +20854,7 @@
                     <a:lstStyle/>
                     <a:p>
                       <a:pPr algn="l" fontAlgn="b"/>
-                      <a:endParaRPr lang="en-US" sz="1200" b="0" i="0" u="none" strike="noStrike">
+                      <a:endParaRPr lang="en-US" sz="1200" b="0" i="0" u="none" strike="noStrike" dirty="0">
                         <a:solidFill>
                           <a:schemeClr val="tx1">
                             <a:lumMod val="85000"/>
@@ -17342,61 +20888,14 @@
                       </a:solidFill>
                       <a:prstDash val="solid"/>
                     </a:lnT>
-                    <a:lnB w="38100" cap="flat" cmpd="sng" algn="ctr">
-                      <a:solidFill>
-                        <a:srgbClr val="FFFFFF"/>
-                      </a:solidFill>
-                      <a:prstDash val="solid"/>
-                    </a:lnB>
-                    <a:solidFill>
-                      <a:srgbClr val="878E8B">
-                        <a:alpha val="14902"/>
-                      </a:srgbClr>
-                    </a:solidFill>
-                  </a:tcPr>
-                </a:tc>
-                <a:tc>
-                  <a:txBody>
-                    <a:bodyPr/>
-                    <a:lstStyle/>
-                    <a:p>
-                      <a:pPr algn="ctr" fontAlgn="b"/>
-                      <a:r>
-                        <a:rPr lang="en-US" sz="1200" b="0" i="0" u="none" strike="noStrike" dirty="0">
-                          <a:solidFill>
-                            <a:srgbClr val="000000"/>
-                          </a:solidFill>
-                          <a:effectLst/>
-                          <a:latin typeface="+mn-lt"/>
-                        </a:rPr>
-                        <a:t>2:38:43</a:t>
-                      </a:r>
-                    </a:p>
-                  </a:txBody>
-                  <a:tcPr marL="9525" marR="9525" marT="9525" marB="0" anchor="b">
-                    <a:lnL w="38100" cap="flat" cmpd="sng" algn="ctr">
-                      <a:solidFill>
-                        <a:srgbClr val="FFFFFF"/>
-                      </a:solidFill>
-                      <a:prstDash val="solid"/>
-                    </a:lnL>
-                    <a:lnR w="38100" cap="flat" cmpd="sng" algn="ctr">
-                      <a:solidFill>
-                        <a:srgbClr val="FFFFFF"/>
-                      </a:solidFill>
-                      <a:prstDash val="solid"/>
-                    </a:lnR>
-                    <a:lnT w="38100" cap="flat" cmpd="sng" algn="ctr">
-                      <a:solidFill>
-                        <a:srgbClr val="FFFFFF"/>
-                      </a:solidFill>
-                      <a:prstDash val="solid"/>
-                    </a:lnT>
-                    <a:lnB w="38100" cap="flat" cmpd="sng" algn="ctr">
-                      <a:solidFill>
-                        <a:srgbClr val="FFFFFF"/>
-                      </a:solidFill>
-                      <a:prstDash val="solid"/>
+                    <a:lnB w="12700" cap="flat" cmpd="sng" algn="ctr">
+                      <a:solidFill>
+                        <a:schemeClr val="tx1"/>
+                      </a:solidFill>
+                      <a:prstDash val="solid"/>
+                      <a:round/>
+                      <a:headEnd type="none" w="med" len="med"/>
+                      <a:tailEnd type="none" w="med" len="med"/>
                     </a:lnB>
                     <a:solidFill>
                       <a:srgbClr val="878E8B">
@@ -17444,11 +20943,14 @@
                       </a:solidFill>
                       <a:prstDash val="solid"/>
                     </a:lnT>
-                    <a:lnB w="38100" cap="flat" cmpd="sng" algn="ctr">
-                      <a:solidFill>
-                        <a:srgbClr val="FFFFFF"/>
-                      </a:solidFill>
-                      <a:prstDash val="solid"/>
+                    <a:lnB w="12700" cap="flat" cmpd="sng" algn="ctr">
+                      <a:solidFill>
+                        <a:schemeClr val="tx1"/>
+                      </a:solidFill>
+                      <a:prstDash val="solid"/>
+                      <a:round/>
+                      <a:headEnd type="none" w="med" len="med"/>
+                      <a:tailEnd type="none" w="med" len="med"/>
                     </a:lnB>
                     <a:solidFill>
                       <a:srgbClr val="878E8B">
@@ -17496,11 +20998,14 @@
                       </a:solidFill>
                       <a:prstDash val="solid"/>
                     </a:lnT>
-                    <a:lnB w="38100" cap="flat" cmpd="sng" algn="ctr">
-                      <a:solidFill>
-                        <a:srgbClr val="FFFFFF"/>
-                      </a:solidFill>
-                      <a:prstDash val="solid"/>
+                    <a:lnB w="12700" cap="flat" cmpd="sng" algn="ctr">
+                      <a:solidFill>
+                        <a:schemeClr val="tx1"/>
+                      </a:solidFill>
+                      <a:prstDash val="solid"/>
+                      <a:round/>
+                      <a:headEnd type="none" w="med" len="med"/>
+                      <a:tailEnd type="none" w="med" len="med"/>
                     </a:lnB>
                     <a:solidFill>
                       <a:srgbClr val="878E8B">
@@ -17536,6 +21041,59 @@
                       </a:solidFill>
                       <a:prstDash val="solid"/>
                     </a:lnL>
+                    <a:lnR w="38100" cap="flat" cmpd="sng" algn="ctr">
+                      <a:solidFill>
+                        <a:srgbClr val="FFFFFF"/>
+                      </a:solidFill>
+                      <a:prstDash val="solid"/>
+                    </a:lnR>
+                    <a:lnT w="38100" cap="flat" cmpd="sng" algn="ctr">
+                      <a:solidFill>
+                        <a:srgbClr val="FFFFFF"/>
+                      </a:solidFill>
+                      <a:prstDash val="solid"/>
+                    </a:lnT>
+                    <a:lnB w="12700" cap="flat" cmpd="sng" algn="ctr">
+                      <a:solidFill>
+                        <a:schemeClr val="tx1"/>
+                      </a:solidFill>
+                      <a:prstDash val="solid"/>
+                      <a:round/>
+                      <a:headEnd type="none" w="med" len="med"/>
+                      <a:tailEnd type="none" w="med" len="med"/>
+                    </a:lnB>
+                    <a:solidFill>
+                      <a:srgbClr val="878E8B">
+                        <a:alpha val="14902"/>
+                      </a:srgbClr>
+                    </a:solidFill>
+                  </a:tcPr>
+                </a:tc>
+                <a:tc>
+                  <a:txBody>
+                    <a:bodyPr/>
+                    <a:lstStyle/>
+                    <a:p>
+                      <a:pPr algn="ctr" fontAlgn="b"/>
+                      <a:r>
+                        <a:rPr lang="en-US" sz="1200" b="0" i="0" u="none" strike="noStrike" dirty="0">
+                          <a:solidFill>
+                            <a:srgbClr val="000000"/>
+                          </a:solidFill>
+                          <a:effectLst/>
+                          <a:latin typeface="+mn-lt"/>
+                        </a:rPr>
+                        <a:t>2:39:59</a:t>
+                      </a:r>
+                    </a:p>
+                  </a:txBody>
+                  <a:tcPr marL="9525" marR="9525" marT="9525" marB="0" anchor="b">
+                    <a:lnL w="38100" cap="flat" cmpd="sng" algn="ctr">
+                      <a:solidFill>
+                        <a:srgbClr val="FFFFFF"/>
+                      </a:solidFill>
+                      <a:prstDash val="solid"/>
+                    </a:lnL>
                     <a:lnR w="12700" cap="flat" cmpd="sng" algn="ctr">
                       <a:solidFill>
                         <a:schemeClr val="tx1"/>
@@ -17551,11 +21109,14 @@
                       </a:solidFill>
                       <a:prstDash val="solid"/>
                     </a:lnT>
-                    <a:lnB w="38100" cap="flat" cmpd="sng" algn="ctr">
-                      <a:solidFill>
-                        <a:srgbClr val="FFFFFF"/>
-                      </a:solidFill>
-                      <a:prstDash val="solid"/>
+                    <a:lnB w="12700" cap="flat" cmpd="sng" algn="ctr">
+                      <a:solidFill>
+                        <a:schemeClr val="tx1"/>
+                      </a:solidFill>
+                      <a:prstDash val="solid"/>
+                      <a:round/>
+                      <a:headEnd type="none" w="med" len="med"/>
+                      <a:tailEnd type="none" w="med" len="med"/>
                     </a:lnB>
                     <a:solidFill>
                       <a:srgbClr val="878E8B">
@@ -17566,7 +21127,7 @@
                 </a:tc>
                 <a:extLst>
                   <a:ext uri="{0D108BD9-81ED-4DB2-BD59-A6C34878D82A}">
-                    <a16:rowId xmlns:a16="http://schemas.microsoft.com/office/drawing/2014/main" val="1920395640"/>
+                    <a16:rowId xmlns:a16="http://schemas.microsoft.com/office/drawing/2014/main" val="88953798"/>
                   </a:ext>
                 </a:extLst>
               </a:tr>
@@ -17587,7 +21148,7 @@
                           </a:solidFill>
                           <a:effectLst/>
                         </a:rPr>
-                        <a:t>2017</a:t>
+                        <a:t>2019</a:t>
                       </a:r>
                       <a:endParaRPr lang="en-US" sz="1200" b="1" i="0" u="none" strike="noStrike" dirty="0">
                         <a:solidFill>
@@ -17767,1110 +21328,9 @@
                       <a:prstDash val="solid"/>
                     </a:lnB>
                     <a:solidFill>
-                      <a:srgbClr val="878E8B">
-                        <a:alpha val="30196"/>
-                      </a:srgbClr>
-                    </a:solidFill>
-                  </a:tcPr>
-                </a:tc>
-                <a:tc>
-                  <a:txBody>
-                    <a:bodyPr/>
-                    <a:lstStyle/>
-                    <a:p>
-                      <a:pPr algn="l" fontAlgn="b"/>
-                      <a:r>
-                        <a:rPr lang="en-US" sz="1200" u="none" strike="noStrike">
-                          <a:solidFill>
-                            <a:schemeClr val="tx1">
-                              <a:lumMod val="85000"/>
-                              <a:lumOff val="15000"/>
-                            </a:schemeClr>
-                          </a:solidFill>
-                          <a:effectLst/>
-                        </a:rPr>
-                        <a:t>Ryan Regnier</a:t>
-                      </a:r>
-                      <a:endParaRPr lang="en-US" sz="1200" b="0" i="0" u="none" strike="noStrike">
-                        <a:solidFill>
-                          <a:schemeClr val="tx1">
-                            <a:lumMod val="85000"/>
-                            <a:lumOff val="15000"/>
-                          </a:schemeClr>
-                        </a:solidFill>
-                        <a:effectLst/>
-                        <a:latin typeface="Calibri" panose="020F0502020204030204" pitchFamily="34" charset="0"/>
-                      </a:endParaRPr>
-                    </a:p>
-                  </a:txBody>
-                  <a:tcPr marL="98405" marR="59043" marT="59043" marB="59043" anchor="b">
-                    <a:lnL w="12700" cap="flat" cmpd="sng" algn="ctr">
-                      <a:solidFill>
-                        <a:schemeClr val="tx1"/>
-                      </a:solidFill>
-                      <a:prstDash val="solid"/>
-                      <a:round/>
-                      <a:headEnd type="none" w="med" len="med"/>
-                      <a:tailEnd type="none" w="med" len="med"/>
-                    </a:lnL>
-                    <a:lnR w="38100" cap="flat" cmpd="sng" algn="ctr">
-                      <a:solidFill>
-                        <a:srgbClr val="FFFFFF"/>
-                      </a:solidFill>
-                      <a:prstDash val="solid"/>
-                    </a:lnR>
-                    <a:lnT w="38100" cap="flat" cmpd="sng" algn="ctr">
-                      <a:solidFill>
-                        <a:srgbClr val="FFFFFF"/>
-                      </a:solidFill>
-                      <a:prstDash val="solid"/>
-                    </a:lnT>
-                    <a:lnB w="38100" cap="flat" cmpd="sng" algn="ctr">
-                      <a:solidFill>
-                        <a:srgbClr val="FFFFFF"/>
-                      </a:solidFill>
-                      <a:prstDash val="solid"/>
-                    </a:lnB>
-                    <a:solidFill>
-                      <a:srgbClr val="878E8B">
-                        <a:alpha val="30196"/>
-                      </a:srgbClr>
-                    </a:solidFill>
-                  </a:tcPr>
-                </a:tc>
-                <a:tc>
-                  <a:txBody>
-                    <a:bodyPr/>
-                    <a:lstStyle/>
-                    <a:p>
-                      <a:pPr algn="ctr" fontAlgn="b"/>
-                      <a:r>
-                        <a:rPr lang="en-US" sz="1200" u="none" strike="noStrike" dirty="0">
-                          <a:solidFill>
-                            <a:schemeClr val="tx1">
-                              <a:lumMod val="85000"/>
-                              <a:lumOff val="15000"/>
-                            </a:schemeClr>
-                          </a:solidFill>
-                          <a:effectLst/>
-                        </a:rPr>
-                        <a:t>1</a:t>
-                      </a:r>
-                      <a:endParaRPr lang="en-US" sz="1200" b="0" i="0" u="none" strike="noStrike" dirty="0">
-                        <a:solidFill>
-                          <a:schemeClr val="tx1">
-                            <a:lumMod val="85000"/>
-                            <a:lumOff val="15000"/>
-                          </a:schemeClr>
-                        </a:solidFill>
-                        <a:effectLst/>
-                        <a:latin typeface="Calibri" panose="020F0502020204030204" pitchFamily="34" charset="0"/>
-                      </a:endParaRPr>
-                    </a:p>
-                  </a:txBody>
-                  <a:tcPr marL="98405" marR="59043" marT="59043" marB="59043" anchor="b">
-                    <a:lnL w="38100" cap="flat" cmpd="sng" algn="ctr">
-                      <a:solidFill>
-                        <a:srgbClr val="FFFFFF"/>
-                      </a:solidFill>
-                      <a:prstDash val="solid"/>
-                    </a:lnL>
-                    <a:lnR w="38100" cap="flat" cmpd="sng" algn="ctr">
-                      <a:solidFill>
-                        <a:srgbClr val="FFFFFF"/>
-                      </a:solidFill>
-                      <a:prstDash val="solid"/>
-                    </a:lnR>
-                    <a:lnT w="38100" cap="flat" cmpd="sng" algn="ctr">
-                      <a:solidFill>
-                        <a:srgbClr val="FFFFFF"/>
-                      </a:solidFill>
-                      <a:prstDash val="solid"/>
-                    </a:lnT>
-                    <a:lnB w="38100" cap="flat" cmpd="sng" algn="ctr">
-                      <a:solidFill>
-                        <a:srgbClr val="FFFFFF"/>
-                      </a:solidFill>
-                      <a:prstDash val="solid"/>
-                    </a:lnB>
-                    <a:solidFill>
-                      <a:srgbClr val="878E8B">
-                        <a:alpha val="30196"/>
-                      </a:srgbClr>
-                    </a:solidFill>
-                  </a:tcPr>
-                </a:tc>
-                <a:tc>
-                  <a:txBody>
-                    <a:bodyPr/>
-                    <a:lstStyle/>
-                    <a:p>
-                      <a:pPr algn="l" fontAlgn="b"/>
-                      <a:endParaRPr lang="en-US" sz="1200" b="0" i="0" u="none" strike="noStrike">
-                        <a:solidFill>
-                          <a:schemeClr val="tx1">
-                            <a:lumMod val="85000"/>
-                            <a:lumOff val="15000"/>
-                          </a:schemeClr>
-                        </a:solidFill>
-                        <a:effectLst/>
-                        <a:latin typeface="Calibri" panose="020F0502020204030204" pitchFamily="34" charset="0"/>
-                      </a:endParaRPr>
-                    </a:p>
-                  </a:txBody>
-                  <a:tcPr marL="98405" marR="59043" marT="59043" marB="59043" anchor="b">
-                    <a:lnL w="38100" cap="flat" cmpd="sng" algn="ctr">
-                      <a:solidFill>
-                        <a:srgbClr val="FFFFFF"/>
-                      </a:solidFill>
-                      <a:prstDash val="solid"/>
-                    </a:lnL>
-                    <a:lnR w="38100" cap="flat" cmpd="sng" algn="ctr">
-                      <a:solidFill>
-                        <a:srgbClr val="FFFFFF"/>
-                      </a:solidFill>
-                      <a:prstDash val="solid"/>
-                      <a:round/>
-                      <a:headEnd type="none" w="med" len="med"/>
-                      <a:tailEnd type="none" w="med" len="med"/>
-                    </a:lnR>
-                    <a:lnT w="38100" cap="flat" cmpd="sng" algn="ctr">
-                      <a:solidFill>
-                        <a:srgbClr val="FFFFFF"/>
-                      </a:solidFill>
-                      <a:prstDash val="solid"/>
-                    </a:lnT>
-                    <a:lnB w="38100" cap="flat" cmpd="sng" algn="ctr">
-                      <a:solidFill>
-                        <a:srgbClr val="FFFFFF"/>
-                      </a:solidFill>
-                      <a:prstDash val="solid"/>
-                    </a:lnB>
-                    <a:solidFill>
-                      <a:srgbClr val="878E8B">
-                        <a:alpha val="30196"/>
-                      </a:srgbClr>
-                    </a:solidFill>
-                  </a:tcPr>
-                </a:tc>
-                <a:tc>
-                  <a:txBody>
-                    <a:bodyPr/>
-                    <a:lstStyle/>
-                    <a:p>
-                      <a:pPr algn="l" fontAlgn="b"/>
-                      <a:r>
-                        <a:rPr lang="en-US" sz="1200" b="0" i="0" u="none" strike="noStrike" dirty="0">
-                          <a:solidFill>
-                            <a:schemeClr val="accent6">
-                              <a:lumMod val="75000"/>
-                            </a:schemeClr>
-                          </a:solidFill>
-                          <a:effectLst/>
-                          <a:latin typeface="+mn-lt"/>
-                        </a:rPr>
-                        <a:t>DNP</a:t>
-                      </a:r>
-                    </a:p>
-                  </a:txBody>
-                  <a:tcPr marL="9525" marR="9525" marT="9525" marB="0" anchor="b">
-                    <a:lnL w="38100" cap="flat" cmpd="sng" algn="ctr">
-                      <a:solidFill>
-                        <a:srgbClr val="FFFFFF"/>
-                      </a:solidFill>
-                      <a:prstDash val="solid"/>
-                    </a:lnL>
-                    <a:lnR w="38100" cap="flat" cmpd="sng" algn="ctr">
-                      <a:solidFill>
-                        <a:srgbClr val="FFFFFF"/>
-                      </a:solidFill>
-                      <a:prstDash val="solid"/>
-                    </a:lnR>
-                    <a:lnT w="38100" cap="flat" cmpd="sng" algn="ctr">
-                      <a:solidFill>
-                        <a:srgbClr val="FFFFFF"/>
-                      </a:solidFill>
-                      <a:prstDash val="solid"/>
-                    </a:lnT>
-                    <a:lnB w="38100" cap="flat" cmpd="sng" algn="ctr">
-                      <a:solidFill>
-                        <a:srgbClr val="FFFFFF"/>
-                      </a:solidFill>
-                      <a:prstDash val="solid"/>
-                    </a:lnB>
-                    <a:solidFill>
-                      <a:srgbClr val="878E8B">
-                        <a:alpha val="30196"/>
-                      </a:srgbClr>
-                    </a:solidFill>
-                  </a:tcPr>
-                </a:tc>
-                <a:tc>
-                  <a:txBody>
-                    <a:bodyPr/>
-                    <a:lstStyle/>
-                    <a:p>
-                      <a:pPr algn="ctr" fontAlgn="b"/>
-                      <a:r>
-                        <a:rPr lang="en-US" sz="1200" b="0" i="0" u="none" strike="noStrike" dirty="0">
-                          <a:solidFill>
-                            <a:srgbClr val="000000"/>
-                          </a:solidFill>
-                          <a:effectLst/>
-                          <a:latin typeface="+mn-lt"/>
-                        </a:rPr>
-                        <a:t>2:56:28</a:t>
-                      </a:r>
-                    </a:p>
-                  </a:txBody>
-                  <a:tcPr marL="9525" marR="9525" marT="9525" marB="0" anchor="b">
-                    <a:lnL w="38100" cap="flat" cmpd="sng" algn="ctr">
-                      <a:solidFill>
-                        <a:srgbClr val="FFFFFF"/>
-                      </a:solidFill>
-                      <a:prstDash val="solid"/>
-                    </a:lnL>
-                    <a:lnR w="38100" cap="flat" cmpd="sng" algn="ctr">
-                      <a:solidFill>
-                        <a:srgbClr val="FFFFFF"/>
-                      </a:solidFill>
-                      <a:prstDash val="solid"/>
-                    </a:lnR>
-                    <a:lnT w="38100" cap="flat" cmpd="sng" algn="ctr">
-                      <a:solidFill>
-                        <a:srgbClr val="FFFFFF"/>
-                      </a:solidFill>
-                      <a:prstDash val="solid"/>
-                    </a:lnT>
-                    <a:lnB w="38100" cap="flat" cmpd="sng" algn="ctr">
-                      <a:solidFill>
-                        <a:srgbClr val="FFFFFF"/>
-                      </a:solidFill>
-                      <a:prstDash val="solid"/>
-                    </a:lnB>
-                    <a:solidFill>
-                      <a:srgbClr val="878E8B">
-                        <a:alpha val="30196"/>
-                      </a:srgbClr>
-                    </a:solidFill>
-                  </a:tcPr>
-                </a:tc>
-                <a:tc>
-                  <a:txBody>
-                    <a:bodyPr/>
-                    <a:lstStyle/>
-                    <a:p>
-                      <a:pPr algn="l" fontAlgn="b"/>
-                      <a:r>
-                        <a:rPr lang="en-US" sz="1200" b="0" i="0" u="none" strike="noStrike" dirty="0">
-                          <a:solidFill>
-                            <a:schemeClr val="accent6">
-                              <a:lumMod val="75000"/>
-                            </a:schemeClr>
-                          </a:solidFill>
-                          <a:effectLst/>
-                          <a:latin typeface="+mn-lt"/>
-                        </a:rPr>
-                        <a:t>DNP</a:t>
-                      </a:r>
-                    </a:p>
-                  </a:txBody>
-                  <a:tcPr marL="9525" marR="9525" marT="9525" marB="0" anchor="b">
-                    <a:lnL w="38100" cap="flat" cmpd="sng" algn="ctr">
-                      <a:solidFill>
-                        <a:srgbClr val="FFFFFF"/>
-                      </a:solidFill>
-                      <a:prstDash val="solid"/>
-                    </a:lnL>
-                    <a:lnR w="38100" cap="flat" cmpd="sng" algn="ctr">
-                      <a:solidFill>
-                        <a:srgbClr val="FFFFFF"/>
-                      </a:solidFill>
-                      <a:prstDash val="solid"/>
-                    </a:lnR>
-                    <a:lnT w="38100" cap="flat" cmpd="sng" algn="ctr">
-                      <a:solidFill>
-                        <a:srgbClr val="FFFFFF"/>
-                      </a:solidFill>
-                      <a:prstDash val="solid"/>
-                    </a:lnT>
-                    <a:lnB w="38100" cap="flat" cmpd="sng" algn="ctr">
-                      <a:solidFill>
-                        <a:srgbClr val="FFFFFF"/>
-                      </a:solidFill>
-                      <a:prstDash val="solid"/>
-                    </a:lnB>
-                    <a:solidFill>
-                      <a:srgbClr val="878E8B">
-                        <a:alpha val="30196"/>
-                      </a:srgbClr>
-                    </a:solidFill>
-                  </a:tcPr>
-                </a:tc>
-                <a:tc>
-                  <a:txBody>
-                    <a:bodyPr/>
-                    <a:lstStyle/>
-                    <a:p>
-                      <a:pPr algn="l" fontAlgn="b"/>
-                      <a:r>
-                        <a:rPr lang="en-US" sz="1200" b="0" i="0" u="none" strike="noStrike" dirty="0">
-                          <a:solidFill>
-                            <a:schemeClr val="accent6">
-                              <a:lumMod val="75000"/>
-                            </a:schemeClr>
-                          </a:solidFill>
-                          <a:effectLst/>
-                          <a:latin typeface="+mn-lt"/>
-                        </a:rPr>
-                        <a:t>DNP</a:t>
-                      </a:r>
-                    </a:p>
-                  </a:txBody>
-                  <a:tcPr marL="9525" marR="9525" marT="9525" marB="0" anchor="b">
-                    <a:lnL w="38100" cap="flat" cmpd="sng" algn="ctr">
-                      <a:solidFill>
-                        <a:srgbClr val="FFFFFF"/>
-                      </a:solidFill>
-                      <a:prstDash val="solid"/>
-                    </a:lnL>
-                    <a:lnR w="12700" cap="flat" cmpd="sng" algn="ctr">
-                      <a:solidFill>
-                        <a:schemeClr val="tx1"/>
-                      </a:solidFill>
-                      <a:prstDash val="solid"/>
-                      <a:round/>
-                      <a:headEnd type="none" w="med" len="med"/>
-                      <a:tailEnd type="none" w="med" len="med"/>
-                    </a:lnR>
-                    <a:lnT w="38100" cap="flat" cmpd="sng" algn="ctr">
-                      <a:solidFill>
-                        <a:srgbClr val="FFFFFF"/>
-                      </a:solidFill>
-                      <a:prstDash val="solid"/>
-                    </a:lnT>
-                    <a:lnB w="38100" cap="flat" cmpd="sng" algn="ctr">
-                      <a:solidFill>
-                        <a:srgbClr val="FFFFFF"/>
-                      </a:solidFill>
-                      <a:prstDash val="solid"/>
-                    </a:lnB>
-                    <a:solidFill>
-                      <a:srgbClr val="878E8B">
-                        <a:alpha val="30196"/>
-                      </a:srgbClr>
-                    </a:solidFill>
-                  </a:tcPr>
-                </a:tc>
-                <a:extLst>
-                  <a:ext uri="{0D108BD9-81ED-4DB2-BD59-A6C34878D82A}">
-                    <a16:rowId xmlns:a16="http://schemas.microsoft.com/office/drawing/2014/main" val="2832068802"/>
-                  </a:ext>
-                </a:extLst>
-              </a:tr>
-              <a:tr h="513309">
-                <a:tc>
-                  <a:txBody>
-                    <a:bodyPr/>
-                    <a:lstStyle/>
-                    <a:p>
-                      <a:pPr algn="l" fontAlgn="b"/>
-                      <a:endParaRPr lang="en-US" sz="1200" b="1" i="0" u="none" strike="noStrike">
-                        <a:solidFill>
-                          <a:schemeClr val="tx1">
-                            <a:lumMod val="85000"/>
-                            <a:lumOff val="15000"/>
-                          </a:schemeClr>
-                        </a:solidFill>
-                        <a:effectLst/>
-                        <a:latin typeface="Calibri" panose="020F0502020204030204" pitchFamily="34" charset="0"/>
-                      </a:endParaRPr>
-                    </a:p>
-                  </a:txBody>
-                  <a:tcPr marL="98405" marR="59043" marT="59043" marB="59043" anchor="b">
-                    <a:lnL w="38100" cap="flat" cmpd="sng" algn="ctr">
-                      <a:noFill/>
-                      <a:prstDash val="solid"/>
-                    </a:lnL>
-                    <a:lnR w="12700" cap="flat" cmpd="sng" algn="ctr">
-                      <a:solidFill>
-                        <a:schemeClr val="tx1"/>
-                      </a:solidFill>
-                      <a:prstDash val="solid"/>
-                      <a:round/>
-                      <a:headEnd type="none" w="med" len="med"/>
-                      <a:tailEnd type="none" w="med" len="med"/>
-                    </a:lnR>
-                    <a:lnT w="38100" cap="flat" cmpd="sng" algn="ctr">
-                      <a:solidFill>
-                        <a:srgbClr val="FFFFFF"/>
-                      </a:solidFill>
-                      <a:prstDash val="solid"/>
-                    </a:lnT>
-                    <a:lnB w="38100" cap="flat" cmpd="sng" algn="ctr">
-                      <a:solidFill>
-                        <a:srgbClr val="FFFFFF"/>
-                      </a:solidFill>
-                      <a:prstDash val="solid"/>
-                    </a:lnB>
-                    <a:solidFill>
-                      <a:srgbClr val="878E8B">
-                        <a:alpha val="14902"/>
-                      </a:srgbClr>
-                    </a:solidFill>
-                  </a:tcPr>
-                </a:tc>
-                <a:tc>
-                  <a:txBody>
-                    <a:bodyPr/>
-                    <a:lstStyle/>
-                    <a:p>
-                      <a:pPr algn="l" fontAlgn="b"/>
-                      <a:r>
-                        <a:rPr lang="en-US" sz="1200" u="none" strike="noStrike" dirty="0">
-                          <a:solidFill>
-                            <a:schemeClr val="tx1">
-                              <a:lumMod val="85000"/>
-                              <a:lumOff val="15000"/>
-                            </a:schemeClr>
-                          </a:solidFill>
-                          <a:effectLst/>
-                        </a:rPr>
-                        <a:t>Ryan </a:t>
-                      </a:r>
-                      <a:r>
-                        <a:rPr lang="en-US" sz="1200" u="none" strike="noStrike" dirty="0" err="1">
-                          <a:solidFill>
-                            <a:schemeClr val="tx1">
-                              <a:lumMod val="85000"/>
-                              <a:lumOff val="15000"/>
-                            </a:schemeClr>
-                          </a:solidFill>
-                          <a:effectLst/>
-                        </a:rPr>
-                        <a:t>Regnier</a:t>
-                      </a:r>
-                      <a:endParaRPr lang="en-US" sz="1200" b="0" i="0" u="none" strike="noStrike" dirty="0">
-                        <a:solidFill>
-                          <a:schemeClr val="tx1">
-                            <a:lumMod val="85000"/>
-                            <a:lumOff val="15000"/>
-                          </a:schemeClr>
-                        </a:solidFill>
-                        <a:effectLst/>
-                        <a:latin typeface="Calibri" panose="020F0502020204030204" pitchFamily="34" charset="0"/>
-                      </a:endParaRPr>
-                    </a:p>
-                  </a:txBody>
-                  <a:tcPr marL="98405" marR="59043" marT="59043" marB="59043" anchor="b">
-                    <a:lnL w="12700" cap="flat" cmpd="sng" algn="ctr">
-                      <a:solidFill>
-                        <a:schemeClr val="tx1"/>
-                      </a:solidFill>
-                      <a:prstDash val="solid"/>
-                      <a:round/>
-                      <a:headEnd type="none" w="med" len="med"/>
-                      <a:tailEnd type="none" w="med" len="med"/>
-                    </a:lnL>
-                    <a:lnR w="12700" cap="flat" cmpd="sng" algn="ctr">
-                      <a:solidFill>
-                        <a:schemeClr val="tx1"/>
-                      </a:solidFill>
-                      <a:prstDash val="solid"/>
-                      <a:round/>
-                      <a:headEnd type="none" w="med" len="med"/>
-                      <a:tailEnd type="none" w="med" len="med"/>
-                    </a:lnR>
-                    <a:lnT w="38100" cap="flat" cmpd="sng" algn="ctr">
-                      <a:solidFill>
-                        <a:srgbClr val="FFFFFF"/>
-                      </a:solidFill>
-                      <a:prstDash val="solid"/>
-                    </a:lnT>
-                    <a:lnB w="38100" cap="flat" cmpd="sng" algn="ctr">
-                      <a:solidFill>
-                        <a:srgbClr val="FFFFFF"/>
-                      </a:solidFill>
-                      <a:prstDash val="solid"/>
-                    </a:lnB>
-                    <a:solidFill>
-                      <a:srgbClr val="878E8B">
-                        <a:alpha val="14902"/>
-                      </a:srgbClr>
-                    </a:solidFill>
-                  </a:tcPr>
-                </a:tc>
-                <a:tc>
-                  <a:txBody>
-                    <a:bodyPr/>
-                    <a:lstStyle/>
-                    <a:p>
-                      <a:pPr algn="l" fontAlgn="b"/>
-                      <a:endParaRPr lang="en-US" sz="1200" b="0" i="0" u="none" strike="noStrike">
-                        <a:solidFill>
-                          <a:schemeClr val="tx1">
-                            <a:lumMod val="85000"/>
-                            <a:lumOff val="15000"/>
-                          </a:schemeClr>
-                        </a:solidFill>
-                        <a:effectLst/>
-                        <a:latin typeface="Calibri" panose="020F0502020204030204" pitchFamily="34" charset="0"/>
-                      </a:endParaRPr>
-                    </a:p>
-                  </a:txBody>
-                  <a:tcPr marL="98405" marR="59043" marT="59043" marB="59043" anchor="b">
-                    <a:lnL w="12700" cap="flat" cmpd="sng" algn="ctr">
-                      <a:solidFill>
-                        <a:schemeClr val="tx1"/>
-                      </a:solidFill>
-                      <a:prstDash val="solid"/>
-                      <a:round/>
-                      <a:headEnd type="none" w="med" len="med"/>
-                      <a:tailEnd type="none" w="med" len="med"/>
-                    </a:lnL>
-                    <a:lnR w="12700" cap="flat" cmpd="sng" algn="ctr">
-                      <a:solidFill>
-                        <a:schemeClr val="tx1"/>
-                      </a:solidFill>
-                      <a:prstDash val="solid"/>
-                      <a:round/>
-                      <a:headEnd type="none" w="med" len="med"/>
-                      <a:tailEnd type="none" w="med" len="med"/>
-                    </a:lnR>
-                    <a:lnT w="38100" cap="flat" cmpd="sng" algn="ctr">
-                      <a:solidFill>
-                        <a:srgbClr val="FFFFFF"/>
-                      </a:solidFill>
-                      <a:prstDash val="solid"/>
-                    </a:lnT>
-                    <a:lnB w="38100" cap="flat" cmpd="sng" algn="ctr">
-                      <a:solidFill>
-                        <a:srgbClr val="FFFFFF"/>
-                      </a:solidFill>
-                      <a:prstDash val="solid"/>
-                    </a:lnB>
-                    <a:solidFill>
-                      <a:srgbClr val="878E8B">
-                        <a:alpha val="14902"/>
-                      </a:srgbClr>
-                    </a:solidFill>
-                  </a:tcPr>
-                </a:tc>
-                <a:tc>
-                  <a:txBody>
-                    <a:bodyPr/>
-                    <a:lstStyle/>
-                    <a:p>
-                      <a:pPr algn="l" fontAlgn="b"/>
-                      <a:r>
-                        <a:rPr lang="en-US" sz="1200" u="none" strike="noStrike" dirty="0">
-                          <a:solidFill>
-                            <a:schemeClr val="tx1">
-                              <a:lumMod val="85000"/>
-                              <a:lumOff val="15000"/>
-                            </a:schemeClr>
-                          </a:solidFill>
-                          <a:effectLst/>
-                        </a:rPr>
-                        <a:t>Daniel Everett</a:t>
-                      </a:r>
-                      <a:endParaRPr lang="en-US" sz="1200" b="0" i="0" u="none" strike="noStrike" dirty="0">
-                        <a:solidFill>
-                          <a:schemeClr val="tx1">
-                            <a:lumMod val="85000"/>
-                            <a:lumOff val="15000"/>
-                          </a:schemeClr>
-                        </a:solidFill>
-                        <a:effectLst/>
-                        <a:latin typeface="Calibri" panose="020F0502020204030204" pitchFamily="34" charset="0"/>
-                      </a:endParaRPr>
-                    </a:p>
-                  </a:txBody>
-                  <a:tcPr marL="98405" marR="59043" marT="59043" marB="59043" anchor="b">
-                    <a:lnL w="12700" cap="flat" cmpd="sng" algn="ctr">
-                      <a:solidFill>
-                        <a:schemeClr val="tx1"/>
-                      </a:solidFill>
-                      <a:prstDash val="solid"/>
-                      <a:round/>
-                      <a:headEnd type="none" w="med" len="med"/>
-                      <a:tailEnd type="none" w="med" len="med"/>
-                    </a:lnL>
-                    <a:lnR w="38100" cap="flat" cmpd="sng" algn="ctr">
-                      <a:solidFill>
-                        <a:srgbClr val="FFFFFF"/>
-                      </a:solidFill>
-                      <a:prstDash val="solid"/>
-                    </a:lnR>
-                    <a:lnT w="38100" cap="flat" cmpd="sng" algn="ctr">
-                      <a:solidFill>
-                        <a:srgbClr val="FFFFFF"/>
-                      </a:solidFill>
-                      <a:prstDash val="solid"/>
-                    </a:lnT>
-                    <a:lnB w="38100" cap="flat" cmpd="sng" algn="ctr">
-                      <a:solidFill>
-                        <a:srgbClr val="FFFFFF"/>
-                      </a:solidFill>
-                      <a:prstDash val="solid"/>
-                    </a:lnB>
-                    <a:solidFill>
-                      <a:srgbClr val="878E8B">
-                        <a:alpha val="14902"/>
-                      </a:srgbClr>
-                    </a:solidFill>
-                  </a:tcPr>
-                </a:tc>
-                <a:tc>
-                  <a:txBody>
-                    <a:bodyPr/>
-                    <a:lstStyle/>
-                    <a:p>
-                      <a:pPr algn="ctr" fontAlgn="b"/>
-                      <a:r>
-                        <a:rPr lang="en-US" sz="1200" u="none" strike="noStrike" dirty="0">
-                          <a:solidFill>
-                            <a:schemeClr val="tx1">
-                              <a:lumMod val="85000"/>
-                              <a:lumOff val="15000"/>
-                            </a:schemeClr>
-                          </a:solidFill>
-                          <a:effectLst/>
-                        </a:rPr>
-                        <a:t>1</a:t>
-                      </a:r>
-                      <a:endParaRPr lang="en-US" sz="1200" b="0" i="0" u="none" strike="noStrike" dirty="0">
-                        <a:solidFill>
-                          <a:schemeClr val="tx1">
-                            <a:lumMod val="85000"/>
-                            <a:lumOff val="15000"/>
-                          </a:schemeClr>
-                        </a:solidFill>
-                        <a:effectLst/>
-                        <a:latin typeface="Calibri" panose="020F0502020204030204" pitchFamily="34" charset="0"/>
-                      </a:endParaRPr>
-                    </a:p>
-                  </a:txBody>
-                  <a:tcPr marL="98405" marR="59043" marT="59043" marB="59043" anchor="b">
-                    <a:lnL w="38100" cap="flat" cmpd="sng" algn="ctr">
-                      <a:solidFill>
-                        <a:srgbClr val="FFFFFF"/>
-                      </a:solidFill>
-                      <a:prstDash val="solid"/>
-                    </a:lnL>
-                    <a:lnR w="38100" cap="flat" cmpd="sng" algn="ctr">
-                      <a:solidFill>
-                        <a:srgbClr val="FFFFFF"/>
-                      </a:solidFill>
-                      <a:prstDash val="solid"/>
-                    </a:lnR>
-                    <a:lnT w="38100" cap="flat" cmpd="sng" algn="ctr">
-                      <a:solidFill>
-                        <a:srgbClr val="FFFFFF"/>
-                      </a:solidFill>
-                      <a:prstDash val="solid"/>
-                    </a:lnT>
-                    <a:lnB w="38100" cap="flat" cmpd="sng" algn="ctr">
-                      <a:solidFill>
-                        <a:srgbClr val="FFFFFF"/>
-                      </a:solidFill>
-                      <a:prstDash val="solid"/>
-                    </a:lnB>
-                    <a:solidFill>
-                      <a:srgbClr val="878E8B">
-                        <a:alpha val="14902"/>
-                      </a:srgbClr>
-                    </a:solidFill>
-                  </a:tcPr>
-                </a:tc>
-                <a:tc>
-                  <a:txBody>
-                    <a:bodyPr/>
-                    <a:lstStyle/>
-                    <a:p>
-                      <a:pPr algn="l" fontAlgn="b"/>
-                      <a:endParaRPr lang="en-US" sz="1200" b="0" i="0" u="none" strike="noStrike">
-                        <a:solidFill>
-                          <a:schemeClr val="tx1">
-                            <a:lumMod val="85000"/>
-                            <a:lumOff val="15000"/>
-                          </a:schemeClr>
-                        </a:solidFill>
-                        <a:effectLst/>
-                        <a:latin typeface="Calibri" panose="020F0502020204030204" pitchFamily="34" charset="0"/>
-                      </a:endParaRPr>
-                    </a:p>
-                  </a:txBody>
-                  <a:tcPr marL="98405" marR="59043" marT="59043" marB="59043" anchor="b">
-                    <a:lnL w="38100" cap="flat" cmpd="sng" algn="ctr">
-                      <a:solidFill>
-                        <a:srgbClr val="FFFFFF"/>
-                      </a:solidFill>
-                      <a:prstDash val="solid"/>
-                    </a:lnL>
-                    <a:lnR w="38100" cap="flat" cmpd="sng" algn="ctr">
-                      <a:solidFill>
-                        <a:srgbClr val="FFFFFF"/>
-                      </a:solidFill>
-                      <a:prstDash val="solid"/>
-                      <a:round/>
-                      <a:headEnd type="none" w="med" len="med"/>
-                      <a:tailEnd type="none" w="med" len="med"/>
-                    </a:lnR>
-                    <a:lnT w="38100" cap="flat" cmpd="sng" algn="ctr">
-                      <a:solidFill>
-                        <a:srgbClr val="FFFFFF"/>
-                      </a:solidFill>
-                      <a:prstDash val="solid"/>
-                    </a:lnT>
-                    <a:lnB w="38100" cap="flat" cmpd="sng" algn="ctr">
-                      <a:solidFill>
-                        <a:srgbClr val="FFFFFF"/>
-                      </a:solidFill>
-                      <a:prstDash val="solid"/>
-                    </a:lnB>
-                    <a:solidFill>
-                      <a:srgbClr val="878E8B">
-                        <a:alpha val="14902"/>
-                      </a:srgbClr>
-                    </a:solidFill>
-                  </a:tcPr>
-                </a:tc>
-                <a:tc>
-                  <a:txBody>
-                    <a:bodyPr/>
-                    <a:lstStyle/>
-                    <a:p>
-                      <a:pPr algn="l" fontAlgn="b"/>
-                      <a:r>
-                        <a:rPr lang="en-US" sz="1200" b="0" i="0" u="none" strike="noStrike" dirty="0">
-                          <a:solidFill>
-                            <a:schemeClr val="accent6">
-                              <a:lumMod val="75000"/>
-                            </a:schemeClr>
-                          </a:solidFill>
-                          <a:effectLst/>
-                          <a:latin typeface="+mn-lt"/>
-                        </a:rPr>
-                        <a:t>DNP</a:t>
-                      </a:r>
-                    </a:p>
-                  </a:txBody>
-                  <a:tcPr marL="9525" marR="9525" marT="9525" marB="0" anchor="b">
-                    <a:lnL w="38100" cap="flat" cmpd="sng" algn="ctr">
-                      <a:solidFill>
-                        <a:srgbClr val="FFFFFF"/>
-                      </a:solidFill>
-                      <a:prstDash val="solid"/>
-                    </a:lnL>
-                    <a:lnR w="38100" cap="flat" cmpd="sng" algn="ctr">
-                      <a:solidFill>
-                        <a:srgbClr val="FFFFFF"/>
-                      </a:solidFill>
-                      <a:prstDash val="solid"/>
-                    </a:lnR>
-                    <a:lnT w="38100" cap="flat" cmpd="sng" algn="ctr">
-                      <a:solidFill>
-                        <a:srgbClr val="FFFFFF"/>
-                      </a:solidFill>
-                      <a:prstDash val="solid"/>
-                    </a:lnT>
-                    <a:lnB w="38100" cap="flat" cmpd="sng" algn="ctr">
-                      <a:solidFill>
-                        <a:srgbClr val="FFFFFF"/>
-                      </a:solidFill>
-                      <a:prstDash val="solid"/>
-                    </a:lnB>
-                    <a:solidFill>
-                      <a:srgbClr val="878E8B">
-                        <a:alpha val="14902"/>
-                      </a:srgbClr>
-                    </a:solidFill>
-                  </a:tcPr>
-                </a:tc>
-                <a:tc>
-                  <a:txBody>
-                    <a:bodyPr/>
-                    <a:lstStyle/>
-                    <a:p>
-                      <a:pPr algn="ctr" fontAlgn="b"/>
-                      <a:r>
-                        <a:rPr lang="en-US" sz="1200" b="0" i="0" u="none" strike="noStrike" dirty="0">
-                          <a:solidFill>
-                            <a:srgbClr val="000000"/>
-                          </a:solidFill>
-                          <a:effectLst/>
-                          <a:latin typeface="+mn-lt"/>
-                        </a:rPr>
-                        <a:t>3:00:55</a:t>
-                      </a:r>
-                    </a:p>
-                  </a:txBody>
-                  <a:tcPr marL="9525" marR="9525" marT="9525" marB="0" anchor="b">
-                    <a:lnL w="38100" cap="flat" cmpd="sng" algn="ctr">
-                      <a:solidFill>
-                        <a:srgbClr val="FFFFFF"/>
-                      </a:solidFill>
-                      <a:prstDash val="solid"/>
-                    </a:lnL>
-                    <a:lnR w="38100" cap="flat" cmpd="sng" algn="ctr">
-                      <a:solidFill>
-                        <a:srgbClr val="FFFFFF"/>
-                      </a:solidFill>
-                      <a:prstDash val="solid"/>
-                    </a:lnR>
-                    <a:lnT w="38100" cap="flat" cmpd="sng" algn="ctr">
-                      <a:solidFill>
-                        <a:srgbClr val="FFFFFF"/>
-                      </a:solidFill>
-                      <a:prstDash val="solid"/>
-                    </a:lnT>
-                    <a:lnB w="38100" cap="flat" cmpd="sng" algn="ctr">
-                      <a:solidFill>
-                        <a:srgbClr val="FFFFFF"/>
-                      </a:solidFill>
-                      <a:prstDash val="solid"/>
-                    </a:lnB>
-                    <a:solidFill>
-                      <a:srgbClr val="878E8B">
-                        <a:alpha val="14902"/>
-                      </a:srgbClr>
-                    </a:solidFill>
-                  </a:tcPr>
-                </a:tc>
-                <a:tc>
-                  <a:txBody>
-                    <a:bodyPr/>
-                    <a:lstStyle/>
-                    <a:p>
-                      <a:pPr algn="l" fontAlgn="b"/>
-                      <a:r>
-                        <a:rPr lang="en-US" sz="1200" b="0" i="0" u="none" strike="noStrike" dirty="0">
-                          <a:solidFill>
-                            <a:schemeClr val="accent6">
-                              <a:lumMod val="75000"/>
-                            </a:schemeClr>
-                          </a:solidFill>
-                          <a:effectLst/>
-                          <a:latin typeface="+mn-lt"/>
-                        </a:rPr>
-                        <a:t>DNP</a:t>
-                      </a:r>
-                    </a:p>
-                  </a:txBody>
-                  <a:tcPr marL="9525" marR="9525" marT="9525" marB="0" anchor="b">
-                    <a:lnL w="38100" cap="flat" cmpd="sng" algn="ctr">
-                      <a:solidFill>
-                        <a:srgbClr val="FFFFFF"/>
-                      </a:solidFill>
-                      <a:prstDash val="solid"/>
-                    </a:lnL>
-                    <a:lnR w="38100" cap="flat" cmpd="sng" algn="ctr">
-                      <a:solidFill>
-                        <a:srgbClr val="FFFFFF"/>
-                      </a:solidFill>
-                      <a:prstDash val="solid"/>
-                    </a:lnR>
-                    <a:lnT w="38100" cap="flat" cmpd="sng" algn="ctr">
-                      <a:solidFill>
-                        <a:srgbClr val="FFFFFF"/>
-                      </a:solidFill>
-                      <a:prstDash val="solid"/>
-                    </a:lnT>
-                    <a:lnB w="38100" cap="flat" cmpd="sng" algn="ctr">
-                      <a:solidFill>
-                        <a:srgbClr val="FFFFFF"/>
-                      </a:solidFill>
-                      <a:prstDash val="solid"/>
-                    </a:lnB>
-                    <a:solidFill>
-                      <a:srgbClr val="878E8B">
-                        <a:alpha val="14902"/>
-                      </a:srgbClr>
-                    </a:solidFill>
-                  </a:tcPr>
-                </a:tc>
-                <a:tc>
-                  <a:txBody>
-                    <a:bodyPr/>
-                    <a:lstStyle/>
-                    <a:p>
-                      <a:pPr algn="l" fontAlgn="b"/>
-                      <a:r>
-                        <a:rPr lang="en-US" sz="1200" b="0" i="0" u="none" strike="noStrike" dirty="0">
-                          <a:solidFill>
-                            <a:schemeClr val="accent6">
-                              <a:lumMod val="75000"/>
-                            </a:schemeClr>
-                          </a:solidFill>
-                          <a:effectLst/>
-                          <a:latin typeface="+mn-lt"/>
-                        </a:rPr>
-                        <a:t>DNP</a:t>
-                      </a:r>
-                    </a:p>
-                  </a:txBody>
-                  <a:tcPr marL="9525" marR="9525" marT="9525" marB="0" anchor="b">
-                    <a:lnL w="38100" cap="flat" cmpd="sng" algn="ctr">
-                      <a:solidFill>
-                        <a:srgbClr val="FFFFFF"/>
-                      </a:solidFill>
-                      <a:prstDash val="solid"/>
-                    </a:lnL>
-                    <a:lnR w="12700" cap="flat" cmpd="sng" algn="ctr">
-                      <a:solidFill>
-                        <a:schemeClr val="tx1"/>
-                      </a:solidFill>
-                      <a:prstDash val="solid"/>
-                      <a:round/>
-                      <a:headEnd type="none" w="med" len="med"/>
-                      <a:tailEnd type="none" w="med" len="med"/>
-                    </a:lnR>
-                    <a:lnT w="38100" cap="flat" cmpd="sng" algn="ctr">
-                      <a:solidFill>
-                        <a:srgbClr val="FFFFFF"/>
-                      </a:solidFill>
-                      <a:prstDash val="solid"/>
-                    </a:lnT>
-                    <a:lnB w="38100" cap="flat" cmpd="sng" algn="ctr">
-                      <a:solidFill>
-                        <a:srgbClr val="FFFFFF"/>
-                      </a:solidFill>
-                      <a:prstDash val="solid"/>
-                    </a:lnB>
-                    <a:solidFill>
-                      <a:srgbClr val="878E8B">
-                        <a:alpha val="14902"/>
-                      </a:srgbClr>
-                    </a:solidFill>
-                  </a:tcPr>
-                </a:tc>
-                <a:extLst>
-                  <a:ext uri="{0D108BD9-81ED-4DB2-BD59-A6C34878D82A}">
-                    <a16:rowId xmlns:a16="http://schemas.microsoft.com/office/drawing/2014/main" val="3843772870"/>
-                  </a:ext>
-                </a:extLst>
-              </a:tr>
-              <a:tr h="513309">
-                <a:tc>
-                  <a:txBody>
-                    <a:bodyPr/>
-                    <a:lstStyle/>
-                    <a:p>
-                      <a:pPr algn="l" fontAlgn="b"/>
-                      <a:endParaRPr lang="en-US" sz="1200" b="1" i="0" u="none" strike="noStrike">
-                        <a:solidFill>
-                          <a:schemeClr val="tx1">
-                            <a:lumMod val="85000"/>
-                            <a:lumOff val="15000"/>
-                          </a:schemeClr>
-                        </a:solidFill>
-                        <a:effectLst/>
-                        <a:latin typeface="Calibri" panose="020F0502020204030204" pitchFamily="34" charset="0"/>
-                      </a:endParaRPr>
-                    </a:p>
-                  </a:txBody>
-                  <a:tcPr marL="98405" marR="59043" marT="59043" marB="59043" anchor="b">
-                    <a:lnL w="12700" cmpd="sng">
-                      <a:noFill/>
-                      <a:prstDash val="solid"/>
-                    </a:lnL>
-                    <a:lnR w="12700" cap="flat" cmpd="sng" algn="ctr">
-                      <a:solidFill>
-                        <a:schemeClr val="tx1"/>
-                      </a:solidFill>
-                      <a:prstDash val="solid"/>
-                      <a:round/>
-                      <a:headEnd type="none" w="med" len="med"/>
-                      <a:tailEnd type="none" w="med" len="med"/>
-                    </a:lnR>
-                    <a:lnT w="38100" cap="flat" cmpd="sng" algn="ctr">
-                      <a:solidFill>
-                        <a:srgbClr val="FFFFFF"/>
-                      </a:solidFill>
-                      <a:prstDash val="solid"/>
-                    </a:lnT>
-                    <a:lnB w="38100" cap="flat" cmpd="sng" algn="ctr">
-                      <a:solidFill>
-                        <a:srgbClr val="FFFFFF"/>
-                      </a:solidFill>
-                      <a:prstDash val="solid"/>
-                    </a:lnB>
-                    <a:solidFill>
-                      <a:srgbClr val="878E8B">
-                        <a:alpha val="30196"/>
-                      </a:srgbClr>
-                    </a:solidFill>
-                  </a:tcPr>
-                </a:tc>
-                <a:tc>
-                  <a:txBody>
-                    <a:bodyPr/>
-                    <a:lstStyle/>
-                    <a:p>
-                      <a:pPr algn="l" fontAlgn="b"/>
-                      <a:r>
-                        <a:rPr lang="en-US" sz="1200" u="none" strike="noStrike" dirty="0">
-                          <a:solidFill>
-                            <a:schemeClr val="tx1">
-                              <a:lumMod val="85000"/>
-                              <a:lumOff val="15000"/>
-                            </a:schemeClr>
-                          </a:solidFill>
-                          <a:effectLst/>
-                        </a:rPr>
-                        <a:t>Daniel Everett</a:t>
-                      </a:r>
-                      <a:endParaRPr lang="en-US" sz="1200" b="0" i="0" u="none" strike="noStrike" dirty="0">
-                        <a:solidFill>
-                          <a:schemeClr val="tx1">
-                            <a:lumMod val="85000"/>
-                            <a:lumOff val="15000"/>
-                          </a:schemeClr>
-                        </a:solidFill>
-                        <a:effectLst/>
-                        <a:latin typeface="Calibri" panose="020F0502020204030204" pitchFamily="34" charset="0"/>
-                      </a:endParaRPr>
-                    </a:p>
-                  </a:txBody>
-                  <a:tcPr marL="98405" marR="59043" marT="59043" marB="59043" anchor="b">
-                    <a:lnL w="12700" cap="flat" cmpd="sng" algn="ctr">
-                      <a:solidFill>
-                        <a:schemeClr val="tx1"/>
-                      </a:solidFill>
-                      <a:prstDash val="solid"/>
-                      <a:round/>
-                      <a:headEnd type="none" w="med" len="med"/>
-                      <a:tailEnd type="none" w="med" len="med"/>
-                    </a:lnL>
-                    <a:lnR w="12700" cap="flat" cmpd="sng" algn="ctr">
-                      <a:solidFill>
-                        <a:schemeClr val="tx1"/>
-                      </a:solidFill>
-                      <a:prstDash val="solid"/>
-                      <a:round/>
-                      <a:headEnd type="none" w="med" len="med"/>
-                      <a:tailEnd type="none" w="med" len="med"/>
-                    </a:lnR>
-                    <a:lnT w="38100" cap="flat" cmpd="sng" algn="ctr">
-                      <a:solidFill>
-                        <a:srgbClr val="FFFFFF"/>
-                      </a:solidFill>
-                      <a:prstDash val="solid"/>
-                    </a:lnT>
-                    <a:lnB w="12700" cap="flat" cmpd="sng" algn="ctr">
-                      <a:solidFill>
-                        <a:schemeClr val="tx1"/>
-                      </a:solidFill>
-                      <a:prstDash val="solid"/>
-                      <a:round/>
-                      <a:headEnd type="none" w="med" len="med"/>
-                      <a:tailEnd type="none" w="med" len="med"/>
-                    </a:lnB>
-                    <a:solidFill>
-                      <a:srgbClr val="878E8B">
-                        <a:alpha val="30196"/>
-                      </a:srgbClr>
+                      <a:schemeClr val="bg2">
+                        <a:lumMod val="10000"/>
+                      </a:schemeClr>
                     </a:solidFill>
                   </a:tcPr>
                 </a:tc>
@@ -18901,2442 +21361,6 @@
                       <a:round/>
                       <a:headEnd type="none" w="med" len="med"/>
                       <a:tailEnd type="none" w="med" len="med"/>
-                    </a:lnL>
-                    <a:lnR w="12700" cap="flat" cmpd="sng" algn="ctr">
-                      <a:solidFill>
-                        <a:schemeClr val="tx1"/>
-                      </a:solidFill>
-                      <a:prstDash val="solid"/>
-                      <a:round/>
-                      <a:headEnd type="none" w="med" len="med"/>
-                      <a:tailEnd type="none" w="med" len="med"/>
-                    </a:lnR>
-                    <a:lnT w="38100" cap="flat" cmpd="sng" algn="ctr">
-                      <a:solidFill>
-                        <a:srgbClr val="FFFFFF"/>
-                      </a:solidFill>
-                      <a:prstDash val="solid"/>
-                    </a:lnT>
-                    <a:lnB w="38100" cap="flat" cmpd="sng" algn="ctr">
-                      <a:solidFill>
-                        <a:srgbClr val="FFFFFF"/>
-                      </a:solidFill>
-                      <a:prstDash val="solid"/>
-                    </a:lnB>
-                    <a:solidFill>
-                      <a:srgbClr val="878E8B">
-                        <a:alpha val="30196"/>
-                      </a:srgbClr>
-                    </a:solidFill>
-                  </a:tcPr>
-                </a:tc>
-                <a:tc>
-                  <a:txBody>
-                    <a:bodyPr/>
-                    <a:lstStyle/>
-                    <a:p>
-                      <a:pPr algn="l" fontAlgn="b"/>
-                      <a:r>
-                        <a:rPr lang="en-US" sz="1200" u="none" strike="noStrike" dirty="0" err="1">
-                          <a:solidFill>
-                            <a:schemeClr val="tx1">
-                              <a:lumMod val="85000"/>
-                              <a:lumOff val="15000"/>
-                            </a:schemeClr>
-                          </a:solidFill>
-                          <a:effectLst/>
-                        </a:rPr>
-                        <a:t>Garang</a:t>
-                      </a:r>
-                      <a:r>
-                        <a:rPr lang="en-US" sz="1200" u="none" strike="noStrike" dirty="0">
-                          <a:solidFill>
-                            <a:schemeClr val="tx1">
-                              <a:lumMod val="85000"/>
-                              <a:lumOff val="15000"/>
-                            </a:schemeClr>
-                          </a:solidFill>
-                          <a:effectLst/>
-                        </a:rPr>
-                        <a:t> Madut</a:t>
-                      </a:r>
-                      <a:endParaRPr lang="en-US" sz="1200" b="0" i="0" u="none" strike="noStrike" dirty="0">
-                        <a:solidFill>
-                          <a:schemeClr val="tx1">
-                            <a:lumMod val="85000"/>
-                            <a:lumOff val="15000"/>
-                          </a:schemeClr>
-                        </a:solidFill>
-                        <a:effectLst/>
-                        <a:latin typeface="Calibri" panose="020F0502020204030204" pitchFamily="34" charset="0"/>
-                      </a:endParaRPr>
-                    </a:p>
-                  </a:txBody>
-                  <a:tcPr marL="98405" marR="59043" marT="59043" marB="59043" anchor="b">
-                    <a:lnL w="12700" cap="flat" cmpd="sng" algn="ctr">
-                      <a:solidFill>
-                        <a:schemeClr val="tx1"/>
-                      </a:solidFill>
-                      <a:prstDash val="solid"/>
-                      <a:round/>
-                      <a:headEnd type="none" w="med" len="med"/>
-                      <a:tailEnd type="none" w="med" len="med"/>
-                    </a:lnL>
-                    <a:lnR w="38100" cap="flat" cmpd="sng" algn="ctr">
-                      <a:solidFill>
-                        <a:srgbClr val="FFFFFF"/>
-                      </a:solidFill>
-                      <a:prstDash val="solid"/>
-                    </a:lnR>
-                    <a:lnT w="38100" cap="flat" cmpd="sng" algn="ctr">
-                      <a:solidFill>
-                        <a:srgbClr val="FFFFFF"/>
-                      </a:solidFill>
-                      <a:prstDash val="solid"/>
-                    </a:lnT>
-                    <a:lnB w="38100" cap="flat" cmpd="sng" algn="ctr">
-                      <a:solidFill>
-                        <a:srgbClr val="FFFFFF"/>
-                      </a:solidFill>
-                      <a:prstDash val="solid"/>
-                    </a:lnB>
-                    <a:solidFill>
-                      <a:srgbClr val="878E8B">
-                        <a:alpha val="30196"/>
-                      </a:srgbClr>
-                    </a:solidFill>
-                  </a:tcPr>
-                </a:tc>
-                <a:tc>
-                  <a:txBody>
-                    <a:bodyPr/>
-                    <a:lstStyle/>
-                    <a:p>
-                      <a:pPr algn="ctr" fontAlgn="b"/>
-                      <a:r>
-                        <a:rPr lang="en-US" sz="1200" u="none" strike="noStrike" dirty="0">
-                          <a:solidFill>
-                            <a:schemeClr val="tx1">
-                              <a:lumMod val="85000"/>
-                              <a:lumOff val="15000"/>
-                            </a:schemeClr>
-                          </a:solidFill>
-                          <a:effectLst/>
-                        </a:rPr>
-                        <a:t>1</a:t>
-                      </a:r>
-                      <a:endParaRPr lang="en-US" sz="1200" b="0" i="0" u="none" strike="noStrike" dirty="0">
-                        <a:solidFill>
-                          <a:schemeClr val="tx1">
-                            <a:lumMod val="85000"/>
-                            <a:lumOff val="15000"/>
-                          </a:schemeClr>
-                        </a:solidFill>
-                        <a:effectLst/>
-                        <a:latin typeface="Calibri" panose="020F0502020204030204" pitchFamily="34" charset="0"/>
-                      </a:endParaRPr>
-                    </a:p>
-                  </a:txBody>
-                  <a:tcPr marL="98405" marR="59043" marT="59043" marB="59043" anchor="b">
-                    <a:lnL w="38100" cap="flat" cmpd="sng" algn="ctr">
-                      <a:solidFill>
-                        <a:srgbClr val="FFFFFF"/>
-                      </a:solidFill>
-                      <a:prstDash val="solid"/>
-                    </a:lnL>
-                    <a:lnR w="38100" cap="flat" cmpd="sng" algn="ctr">
-                      <a:solidFill>
-                        <a:srgbClr val="FFFFFF"/>
-                      </a:solidFill>
-                      <a:prstDash val="solid"/>
-                    </a:lnR>
-                    <a:lnT w="38100" cap="flat" cmpd="sng" algn="ctr">
-                      <a:solidFill>
-                        <a:srgbClr val="FFFFFF"/>
-                      </a:solidFill>
-                      <a:prstDash val="solid"/>
-                    </a:lnT>
-                    <a:lnB w="38100" cap="flat" cmpd="sng" algn="ctr">
-                      <a:solidFill>
-                        <a:srgbClr val="FFFFFF"/>
-                      </a:solidFill>
-                      <a:prstDash val="solid"/>
-                    </a:lnB>
-                    <a:solidFill>
-                      <a:srgbClr val="878E8B">
-                        <a:alpha val="30196"/>
-                      </a:srgbClr>
-                    </a:solidFill>
-                  </a:tcPr>
-                </a:tc>
-                <a:tc>
-                  <a:txBody>
-                    <a:bodyPr/>
-                    <a:lstStyle/>
-                    <a:p>
-                      <a:pPr algn="l" fontAlgn="b"/>
-                      <a:endParaRPr lang="en-US" sz="1200" b="0" i="0" u="none" strike="noStrike">
-                        <a:solidFill>
-                          <a:schemeClr val="tx1">
-                            <a:lumMod val="85000"/>
-                            <a:lumOff val="15000"/>
-                          </a:schemeClr>
-                        </a:solidFill>
-                        <a:effectLst/>
-                        <a:latin typeface="Calibri" panose="020F0502020204030204" pitchFamily="34" charset="0"/>
-                      </a:endParaRPr>
-                    </a:p>
-                  </a:txBody>
-                  <a:tcPr marL="98405" marR="59043" marT="59043" marB="59043" anchor="b">
-                    <a:lnL w="38100" cap="flat" cmpd="sng" algn="ctr">
-                      <a:solidFill>
-                        <a:srgbClr val="FFFFFF"/>
-                      </a:solidFill>
-                      <a:prstDash val="solid"/>
-                    </a:lnL>
-                    <a:lnR w="38100" cap="flat" cmpd="sng" algn="ctr">
-                      <a:solidFill>
-                        <a:srgbClr val="FFFFFF"/>
-                      </a:solidFill>
-                      <a:prstDash val="solid"/>
-                      <a:round/>
-                      <a:headEnd type="none" w="med" len="med"/>
-                      <a:tailEnd type="none" w="med" len="med"/>
-                    </a:lnR>
-                    <a:lnT w="38100" cap="flat" cmpd="sng" algn="ctr">
-                      <a:solidFill>
-                        <a:srgbClr val="FFFFFF"/>
-                      </a:solidFill>
-                      <a:prstDash val="solid"/>
-                    </a:lnT>
-                    <a:lnB w="38100" cap="flat" cmpd="sng" algn="ctr">
-                      <a:solidFill>
-                        <a:srgbClr val="FFFFFF"/>
-                      </a:solidFill>
-                      <a:prstDash val="solid"/>
-                    </a:lnB>
-                    <a:solidFill>
-                      <a:srgbClr val="878E8B">
-                        <a:alpha val="30196"/>
-                      </a:srgbClr>
-                    </a:solidFill>
-                  </a:tcPr>
-                </a:tc>
-                <a:tc>
-                  <a:txBody>
-                    <a:bodyPr/>
-                    <a:lstStyle/>
-                    <a:p>
-                      <a:pPr algn="l" fontAlgn="b"/>
-                      <a:r>
-                        <a:rPr lang="en-US" sz="1200" b="0" i="0" u="none" strike="noStrike" dirty="0">
-                          <a:solidFill>
-                            <a:schemeClr val="accent6">
-                              <a:lumMod val="75000"/>
-                            </a:schemeClr>
-                          </a:solidFill>
-                          <a:effectLst/>
-                          <a:latin typeface="+mn-lt"/>
-                        </a:rPr>
-                        <a:t>DNP</a:t>
-                      </a:r>
-                    </a:p>
-                  </a:txBody>
-                  <a:tcPr marL="9525" marR="9525" marT="9525" marB="0" anchor="b">
-                    <a:lnL w="38100" cap="flat" cmpd="sng" algn="ctr">
-                      <a:solidFill>
-                        <a:srgbClr val="FFFFFF"/>
-                      </a:solidFill>
-                      <a:prstDash val="solid"/>
-                    </a:lnL>
-                    <a:lnR w="38100" cap="flat" cmpd="sng" algn="ctr">
-                      <a:solidFill>
-                        <a:srgbClr val="FFFFFF"/>
-                      </a:solidFill>
-                      <a:prstDash val="solid"/>
-                    </a:lnR>
-                    <a:lnT w="38100" cap="flat" cmpd="sng" algn="ctr">
-                      <a:solidFill>
-                        <a:srgbClr val="FFFFFF"/>
-                      </a:solidFill>
-                      <a:prstDash val="solid"/>
-                    </a:lnT>
-                    <a:lnB w="38100" cap="flat" cmpd="sng" algn="ctr">
-                      <a:solidFill>
-                        <a:srgbClr val="FFFFFF"/>
-                      </a:solidFill>
-                      <a:prstDash val="solid"/>
-                    </a:lnB>
-                    <a:solidFill>
-                      <a:srgbClr val="878E8B">
-                        <a:alpha val="30196"/>
-                      </a:srgbClr>
-                    </a:solidFill>
-                  </a:tcPr>
-                </a:tc>
-                <a:tc>
-                  <a:txBody>
-                    <a:bodyPr/>
-                    <a:lstStyle/>
-                    <a:p>
-                      <a:pPr algn="l" fontAlgn="b"/>
-                      <a:r>
-                        <a:rPr lang="en-US" sz="1200" b="0" i="0" u="none" strike="noStrike" dirty="0">
-                          <a:solidFill>
-                            <a:schemeClr val="accent6">
-                              <a:lumMod val="75000"/>
-                            </a:schemeClr>
-                          </a:solidFill>
-                          <a:effectLst/>
-                          <a:latin typeface="+mn-lt"/>
-                        </a:rPr>
-                        <a:t>DNP</a:t>
-                      </a:r>
-                    </a:p>
-                  </a:txBody>
-                  <a:tcPr marL="9525" marR="9525" marT="9525" marB="0" anchor="b">
-                    <a:lnL w="38100" cap="flat" cmpd="sng" algn="ctr">
-                      <a:solidFill>
-                        <a:srgbClr val="FFFFFF"/>
-                      </a:solidFill>
-                      <a:prstDash val="solid"/>
-                    </a:lnL>
-                    <a:lnR w="38100" cap="flat" cmpd="sng" algn="ctr">
-                      <a:solidFill>
-                        <a:srgbClr val="FFFFFF"/>
-                      </a:solidFill>
-                      <a:prstDash val="solid"/>
-                    </a:lnR>
-                    <a:lnT w="38100" cap="flat" cmpd="sng" algn="ctr">
-                      <a:solidFill>
-                        <a:srgbClr val="FFFFFF"/>
-                      </a:solidFill>
-                      <a:prstDash val="solid"/>
-                    </a:lnT>
-                    <a:lnB w="38100" cap="flat" cmpd="sng" algn="ctr">
-                      <a:solidFill>
-                        <a:srgbClr val="FFFFFF"/>
-                      </a:solidFill>
-                      <a:prstDash val="solid"/>
-                    </a:lnB>
-                    <a:solidFill>
-                      <a:srgbClr val="878E8B">
-                        <a:alpha val="30196"/>
-                      </a:srgbClr>
-                    </a:solidFill>
-                  </a:tcPr>
-                </a:tc>
-                <a:tc>
-                  <a:txBody>
-                    <a:bodyPr/>
-                    <a:lstStyle/>
-                    <a:p>
-                      <a:pPr algn="ctr" fontAlgn="b"/>
-                      <a:r>
-                        <a:rPr lang="en-US" sz="1200" b="0" i="0" u="none" strike="noStrike" dirty="0">
-                          <a:solidFill>
-                            <a:srgbClr val="000000"/>
-                          </a:solidFill>
-                          <a:effectLst/>
-                          <a:latin typeface="+mn-lt"/>
-                        </a:rPr>
-                        <a:t>2:29:52</a:t>
-                      </a:r>
-                    </a:p>
-                  </a:txBody>
-                  <a:tcPr marL="9525" marR="9525" marT="9525" marB="0" anchor="b">
-                    <a:lnL w="38100" cap="flat" cmpd="sng" algn="ctr">
-                      <a:solidFill>
-                        <a:srgbClr val="FFFFFF"/>
-                      </a:solidFill>
-                      <a:prstDash val="solid"/>
-                    </a:lnL>
-                    <a:lnR w="38100" cap="flat" cmpd="sng" algn="ctr">
-                      <a:solidFill>
-                        <a:srgbClr val="FFFFFF"/>
-                      </a:solidFill>
-                      <a:prstDash val="solid"/>
-                    </a:lnR>
-                    <a:lnT w="38100" cap="flat" cmpd="sng" algn="ctr">
-                      <a:solidFill>
-                        <a:srgbClr val="FFFFFF"/>
-                      </a:solidFill>
-                      <a:prstDash val="solid"/>
-                    </a:lnT>
-                    <a:lnB w="38100" cap="flat" cmpd="sng" algn="ctr">
-                      <a:solidFill>
-                        <a:srgbClr val="FFFFFF"/>
-                      </a:solidFill>
-                      <a:prstDash val="solid"/>
-                    </a:lnB>
-                    <a:solidFill>
-                      <a:srgbClr val="878E8B">
-                        <a:alpha val="30196"/>
-                      </a:srgbClr>
-                    </a:solidFill>
-                  </a:tcPr>
-                </a:tc>
-                <a:tc>
-                  <a:txBody>
-                    <a:bodyPr/>
-                    <a:lstStyle/>
-                    <a:p>
-                      <a:pPr algn="l" fontAlgn="b"/>
-                      <a:r>
-                        <a:rPr lang="en-US" sz="1200" b="0" i="0" u="none" strike="noStrike" dirty="0">
-                          <a:solidFill>
-                            <a:schemeClr val="accent6">
-                              <a:lumMod val="75000"/>
-                            </a:schemeClr>
-                          </a:solidFill>
-                          <a:effectLst/>
-                          <a:latin typeface="+mn-lt"/>
-                        </a:rPr>
-                        <a:t>DNP</a:t>
-                      </a:r>
-                    </a:p>
-                  </a:txBody>
-                  <a:tcPr marL="9525" marR="9525" marT="9525" marB="0" anchor="b">
-                    <a:lnL w="38100" cap="flat" cmpd="sng" algn="ctr">
-                      <a:solidFill>
-                        <a:srgbClr val="FFFFFF"/>
-                      </a:solidFill>
-                      <a:prstDash val="solid"/>
-                    </a:lnL>
-                    <a:lnR w="12700" cap="flat" cmpd="sng" algn="ctr">
-                      <a:solidFill>
-                        <a:schemeClr val="tx1"/>
-                      </a:solidFill>
-                      <a:prstDash val="solid"/>
-                      <a:round/>
-                      <a:headEnd type="none" w="med" len="med"/>
-                      <a:tailEnd type="none" w="med" len="med"/>
-                    </a:lnR>
-                    <a:lnT w="38100" cap="flat" cmpd="sng" algn="ctr">
-                      <a:solidFill>
-                        <a:srgbClr val="FFFFFF"/>
-                      </a:solidFill>
-                      <a:prstDash val="solid"/>
-                    </a:lnT>
-                    <a:lnB w="38100" cap="flat" cmpd="sng" algn="ctr">
-                      <a:solidFill>
-                        <a:srgbClr val="FFFFFF"/>
-                      </a:solidFill>
-                      <a:prstDash val="solid"/>
-                    </a:lnB>
-                    <a:solidFill>
-                      <a:srgbClr val="878E8B">
-                        <a:alpha val="30196"/>
-                      </a:srgbClr>
-                    </a:solidFill>
-                  </a:tcPr>
-                </a:tc>
-                <a:extLst>
-                  <a:ext uri="{0D108BD9-81ED-4DB2-BD59-A6C34878D82A}">
-                    <a16:rowId xmlns:a16="http://schemas.microsoft.com/office/drawing/2014/main" val="1402192218"/>
-                  </a:ext>
-                </a:extLst>
-              </a:tr>
-              <a:tr h="513309">
-                <a:tc>
-                  <a:txBody>
-                    <a:bodyPr/>
-                    <a:lstStyle/>
-                    <a:p>
-                      <a:pPr algn="r" fontAlgn="b"/>
-                      <a:r>
-                        <a:rPr lang="en-US" sz="1200" b="1" u="none" strike="noStrike" dirty="0">
-                          <a:solidFill>
-                            <a:schemeClr val="tx1">
-                              <a:lumMod val="85000"/>
-                              <a:lumOff val="15000"/>
-                            </a:schemeClr>
-                          </a:solidFill>
-                          <a:effectLst/>
-                        </a:rPr>
-                        <a:t>2018</a:t>
-                      </a:r>
-                      <a:endParaRPr lang="en-US" sz="1200" b="1" i="0" u="none" strike="noStrike" dirty="0">
-                        <a:solidFill>
-                          <a:schemeClr val="tx1">
-                            <a:lumMod val="85000"/>
-                            <a:lumOff val="15000"/>
-                          </a:schemeClr>
-                        </a:solidFill>
-                        <a:effectLst/>
-                        <a:latin typeface="Calibri" panose="020F0502020204030204" pitchFamily="34" charset="0"/>
-                      </a:endParaRPr>
-                    </a:p>
-                  </a:txBody>
-                  <a:tcPr marL="98405" marR="59043" marT="59043" marB="59043" anchor="b">
-                    <a:lnL w="38100" cap="flat" cmpd="sng" algn="ctr">
-                      <a:noFill/>
-                      <a:prstDash val="solid"/>
-                    </a:lnL>
-                    <a:lnR w="12700" cap="flat" cmpd="sng" algn="ctr">
-                      <a:solidFill>
-                        <a:schemeClr val="tx1"/>
-                      </a:solidFill>
-                      <a:prstDash val="solid"/>
-                      <a:round/>
-                      <a:headEnd type="none" w="med" len="med"/>
-                      <a:tailEnd type="none" w="med" len="med"/>
-                    </a:lnR>
-                    <a:lnT w="38100" cap="flat" cmpd="sng" algn="ctr">
-                      <a:solidFill>
-                        <a:srgbClr val="FFFFFF"/>
-                      </a:solidFill>
-                      <a:prstDash val="solid"/>
-                    </a:lnT>
-                    <a:lnB w="38100" cap="flat" cmpd="sng" algn="ctr">
-                      <a:solidFill>
-                        <a:srgbClr val="FFFFFF"/>
-                      </a:solidFill>
-                      <a:prstDash val="solid"/>
-                    </a:lnB>
-                    <a:solidFill>
-                      <a:srgbClr val="878E8B">
-                        <a:alpha val="14902"/>
-                      </a:srgbClr>
-                    </a:solidFill>
-                  </a:tcPr>
-                </a:tc>
-                <a:tc>
-                  <a:txBody>
-                    <a:bodyPr/>
-                    <a:lstStyle/>
-                    <a:p>
-                      <a:pPr algn="l" fontAlgn="b"/>
-                      <a:r>
-                        <a:rPr lang="en-US" sz="1200" u="none" strike="noStrike" dirty="0">
-                          <a:solidFill>
-                            <a:schemeClr val="tx1">
-                              <a:lumMod val="85000"/>
-                              <a:lumOff val="15000"/>
-                            </a:schemeClr>
-                          </a:solidFill>
-                          <a:effectLst/>
-                        </a:rPr>
-                        <a:t>Scott </a:t>
-                      </a:r>
-                      <a:r>
-                        <a:rPr lang="en-US" sz="1200" u="none" strike="noStrike" dirty="0" err="1">
-                          <a:solidFill>
-                            <a:schemeClr val="tx1">
-                              <a:lumMod val="85000"/>
-                              <a:lumOff val="15000"/>
-                            </a:schemeClr>
-                          </a:solidFill>
-                          <a:effectLst/>
-                        </a:rPr>
-                        <a:t>Wietecha</a:t>
-                      </a:r>
-                      <a:endParaRPr lang="en-US" sz="1200" b="0" i="0" u="none" strike="noStrike" dirty="0">
-                        <a:solidFill>
-                          <a:schemeClr val="tx1">
-                            <a:lumMod val="85000"/>
-                            <a:lumOff val="15000"/>
-                          </a:schemeClr>
-                        </a:solidFill>
-                        <a:effectLst/>
-                        <a:latin typeface="Calibri" panose="020F0502020204030204" pitchFamily="34" charset="0"/>
-                      </a:endParaRPr>
-                    </a:p>
-                  </a:txBody>
-                  <a:tcPr marL="98405" marR="59043" marT="59043" marB="59043" anchor="b">
-                    <a:lnL w="12700" cap="flat" cmpd="sng" algn="ctr">
-                      <a:solidFill>
-                        <a:schemeClr val="tx1"/>
-                      </a:solidFill>
-                      <a:prstDash val="solid"/>
-                      <a:round/>
-                      <a:headEnd type="none" w="med" len="med"/>
-                      <a:tailEnd type="none" w="med" len="med"/>
-                    </a:lnL>
-                    <a:lnR w="12700" cap="flat" cmpd="sng" algn="ctr">
-                      <a:solidFill>
-                        <a:schemeClr val="tx1"/>
-                      </a:solidFill>
-                      <a:prstDash val="solid"/>
-                      <a:round/>
-                      <a:headEnd type="none" w="med" len="med"/>
-                      <a:tailEnd type="none" w="med" len="med"/>
-                    </a:lnR>
-                    <a:lnT w="12700" cap="flat" cmpd="sng" algn="ctr">
-                      <a:solidFill>
-                        <a:schemeClr val="tx1"/>
-                      </a:solidFill>
-                      <a:prstDash val="solid"/>
-                      <a:round/>
-                      <a:headEnd type="none" w="med" len="med"/>
-                      <a:tailEnd type="none" w="med" len="med"/>
-                    </a:lnT>
-                    <a:lnB w="38100" cap="flat" cmpd="sng" algn="ctr">
-                      <a:solidFill>
-                        <a:srgbClr val="FFFFFF"/>
-                      </a:solidFill>
-                      <a:prstDash val="solid"/>
-                    </a:lnB>
-                    <a:solidFill>
-                      <a:srgbClr val="878E8B">
-                        <a:alpha val="14902"/>
-                      </a:srgbClr>
-                    </a:solidFill>
-                  </a:tcPr>
-                </a:tc>
-                <a:tc>
-                  <a:txBody>
-                    <a:bodyPr/>
-                    <a:lstStyle/>
-                    <a:p>
-                      <a:pPr algn="l" fontAlgn="b"/>
-                      <a:endParaRPr lang="en-US" sz="1200" b="0" i="0" u="none" strike="noStrike" dirty="0">
-                        <a:solidFill>
-                          <a:schemeClr val="tx1">
-                            <a:lumMod val="85000"/>
-                            <a:lumOff val="15000"/>
-                          </a:schemeClr>
-                        </a:solidFill>
-                        <a:effectLst/>
-                        <a:latin typeface="Calibri" panose="020F0502020204030204" pitchFamily="34" charset="0"/>
-                      </a:endParaRPr>
-                    </a:p>
-                  </a:txBody>
-                  <a:tcPr marL="98405" marR="59043" marT="59043" marB="59043" anchor="b">
-                    <a:lnL w="12700" cap="flat" cmpd="sng" algn="ctr">
-                      <a:solidFill>
-                        <a:schemeClr val="tx1"/>
-                      </a:solidFill>
-                      <a:prstDash val="solid"/>
-                      <a:round/>
-                      <a:headEnd type="none" w="med" len="med"/>
-                      <a:tailEnd type="none" w="med" len="med"/>
-                    </a:lnL>
-                    <a:lnR w="12700" cap="flat" cmpd="sng" algn="ctr">
-                      <a:solidFill>
-                        <a:schemeClr val="tx1"/>
-                      </a:solidFill>
-                      <a:prstDash val="solid"/>
-                      <a:round/>
-                      <a:headEnd type="none" w="med" len="med"/>
-                      <a:tailEnd type="none" w="med" len="med"/>
-                    </a:lnR>
-                    <a:lnT w="38100" cap="flat" cmpd="sng" algn="ctr">
-                      <a:solidFill>
-                        <a:srgbClr val="FFFFFF"/>
-                      </a:solidFill>
-                      <a:prstDash val="solid"/>
-                    </a:lnT>
-                    <a:lnB w="38100" cap="flat" cmpd="sng" algn="ctr">
-                      <a:solidFill>
-                        <a:srgbClr val="FFFFFF"/>
-                      </a:solidFill>
-                      <a:prstDash val="solid"/>
-                    </a:lnB>
-                    <a:solidFill>
-                      <a:srgbClr val="878E8B">
-                        <a:alpha val="14902"/>
-                      </a:srgbClr>
-                    </a:solidFill>
-                  </a:tcPr>
-                </a:tc>
-                <a:tc>
-                  <a:txBody>
-                    <a:bodyPr/>
-                    <a:lstStyle/>
-                    <a:p>
-                      <a:pPr algn="l" fontAlgn="b"/>
-                      <a:r>
-                        <a:rPr lang="en-US" sz="1200" u="none" strike="noStrike" dirty="0">
-                          <a:solidFill>
-                            <a:schemeClr val="tx1">
-                              <a:lumMod val="85000"/>
-                              <a:lumOff val="15000"/>
-                            </a:schemeClr>
-                          </a:solidFill>
-                          <a:effectLst/>
-                        </a:rPr>
-                        <a:t>Kevin Fink</a:t>
-                      </a:r>
-                      <a:endParaRPr lang="en-US" sz="1200" b="0" i="0" u="none" strike="noStrike" dirty="0">
-                        <a:solidFill>
-                          <a:schemeClr val="tx1">
-                            <a:lumMod val="85000"/>
-                            <a:lumOff val="15000"/>
-                          </a:schemeClr>
-                        </a:solidFill>
-                        <a:effectLst/>
-                        <a:latin typeface="Calibri" panose="020F0502020204030204" pitchFamily="34" charset="0"/>
-                      </a:endParaRPr>
-                    </a:p>
-                  </a:txBody>
-                  <a:tcPr marL="98405" marR="59043" marT="59043" marB="59043" anchor="b">
-                    <a:lnL w="12700" cap="flat" cmpd="sng" algn="ctr">
-                      <a:solidFill>
-                        <a:schemeClr val="tx1"/>
-                      </a:solidFill>
-                      <a:prstDash val="solid"/>
-                      <a:round/>
-                      <a:headEnd type="none" w="med" len="med"/>
-                      <a:tailEnd type="none" w="med" len="med"/>
-                    </a:lnL>
-                    <a:lnR w="38100" cap="flat" cmpd="sng" algn="ctr">
-                      <a:solidFill>
-                        <a:srgbClr val="FFFFFF"/>
-                      </a:solidFill>
-                      <a:prstDash val="solid"/>
-                    </a:lnR>
-                    <a:lnT w="38100" cap="flat" cmpd="sng" algn="ctr">
-                      <a:solidFill>
-                        <a:srgbClr val="FFFFFF"/>
-                      </a:solidFill>
-                      <a:prstDash val="solid"/>
-                    </a:lnT>
-                    <a:lnB w="38100" cap="flat" cmpd="sng" algn="ctr">
-                      <a:solidFill>
-                        <a:srgbClr val="FFFFFF"/>
-                      </a:solidFill>
-                      <a:prstDash val="solid"/>
-                    </a:lnB>
-                    <a:solidFill>
-                      <a:srgbClr val="878E8B">
-                        <a:alpha val="14902"/>
-                      </a:srgbClr>
-                    </a:solidFill>
-                  </a:tcPr>
-                </a:tc>
-                <a:tc>
-                  <a:txBody>
-                    <a:bodyPr/>
-                    <a:lstStyle/>
-                    <a:p>
-                      <a:pPr algn="ctr" fontAlgn="b"/>
-                      <a:r>
-                        <a:rPr lang="en-US" sz="1200" u="none" strike="noStrike" dirty="0">
-                          <a:solidFill>
-                            <a:schemeClr val="tx1">
-                              <a:lumMod val="85000"/>
-                              <a:lumOff val="15000"/>
-                            </a:schemeClr>
-                          </a:solidFill>
-                          <a:effectLst/>
-                        </a:rPr>
-                        <a:t>1</a:t>
-                      </a:r>
-                      <a:endParaRPr lang="en-US" sz="1200" b="0" i="0" u="none" strike="noStrike" dirty="0">
-                        <a:solidFill>
-                          <a:schemeClr val="tx1">
-                            <a:lumMod val="85000"/>
-                            <a:lumOff val="15000"/>
-                          </a:schemeClr>
-                        </a:solidFill>
-                        <a:effectLst/>
-                        <a:latin typeface="Calibri" panose="020F0502020204030204" pitchFamily="34" charset="0"/>
-                      </a:endParaRPr>
-                    </a:p>
-                  </a:txBody>
-                  <a:tcPr marL="98405" marR="59043" marT="59043" marB="59043" anchor="b">
-                    <a:lnL w="38100" cap="flat" cmpd="sng" algn="ctr">
-                      <a:solidFill>
-                        <a:srgbClr val="FFFFFF"/>
-                      </a:solidFill>
-                      <a:prstDash val="solid"/>
-                    </a:lnL>
-                    <a:lnR w="38100" cap="flat" cmpd="sng" algn="ctr">
-                      <a:solidFill>
-                        <a:srgbClr val="FFFFFF"/>
-                      </a:solidFill>
-                      <a:prstDash val="solid"/>
-                    </a:lnR>
-                    <a:lnT w="38100" cap="flat" cmpd="sng" algn="ctr">
-                      <a:solidFill>
-                        <a:srgbClr val="FFFFFF"/>
-                      </a:solidFill>
-                      <a:prstDash val="solid"/>
-                    </a:lnT>
-                    <a:lnB w="38100" cap="flat" cmpd="sng" algn="ctr">
-                      <a:solidFill>
-                        <a:srgbClr val="FFFFFF"/>
-                      </a:solidFill>
-                      <a:prstDash val="solid"/>
-                    </a:lnB>
-                    <a:solidFill>
-                      <a:srgbClr val="878E8B">
-                        <a:alpha val="14902"/>
-                      </a:srgbClr>
-                    </a:solidFill>
-                  </a:tcPr>
-                </a:tc>
-                <a:tc>
-                  <a:txBody>
-                    <a:bodyPr/>
-                    <a:lstStyle/>
-                    <a:p>
-                      <a:pPr algn="l" fontAlgn="b"/>
-                      <a:endParaRPr lang="en-US" sz="1200" b="0" i="0" u="none" strike="noStrike">
-                        <a:solidFill>
-                          <a:schemeClr val="tx1">
-                            <a:lumMod val="85000"/>
-                            <a:lumOff val="15000"/>
-                          </a:schemeClr>
-                        </a:solidFill>
-                        <a:effectLst/>
-                        <a:latin typeface="Calibri" panose="020F0502020204030204" pitchFamily="34" charset="0"/>
-                      </a:endParaRPr>
-                    </a:p>
-                  </a:txBody>
-                  <a:tcPr marL="98405" marR="59043" marT="59043" marB="59043" anchor="b">
-                    <a:lnL w="38100" cap="flat" cmpd="sng" algn="ctr">
-                      <a:solidFill>
-                        <a:srgbClr val="FFFFFF"/>
-                      </a:solidFill>
-                      <a:prstDash val="solid"/>
-                    </a:lnL>
-                    <a:lnR w="38100" cap="flat" cmpd="sng" algn="ctr">
-                      <a:solidFill>
-                        <a:srgbClr val="FFFFFF"/>
-                      </a:solidFill>
-                      <a:prstDash val="solid"/>
-                      <a:round/>
-                      <a:headEnd type="none" w="med" len="med"/>
-                      <a:tailEnd type="none" w="med" len="med"/>
-                    </a:lnR>
-                    <a:lnT w="38100" cap="flat" cmpd="sng" algn="ctr">
-                      <a:solidFill>
-                        <a:srgbClr val="FFFFFF"/>
-                      </a:solidFill>
-                      <a:prstDash val="solid"/>
-                    </a:lnT>
-                    <a:lnB w="38100" cap="flat" cmpd="sng" algn="ctr">
-                      <a:solidFill>
-                        <a:srgbClr val="FFFFFF"/>
-                      </a:solidFill>
-                      <a:prstDash val="solid"/>
-                    </a:lnB>
-                    <a:solidFill>
-                      <a:srgbClr val="878E8B">
-                        <a:alpha val="14902"/>
-                      </a:srgbClr>
-                    </a:solidFill>
-                  </a:tcPr>
-                </a:tc>
-                <a:tc>
-                  <a:txBody>
-                    <a:bodyPr/>
-                    <a:lstStyle/>
-                    <a:p>
-                      <a:pPr algn="l" fontAlgn="b"/>
-                      <a:r>
-                        <a:rPr lang="en-US" sz="1200" b="0" i="0" u="none" strike="noStrike" dirty="0">
-                          <a:solidFill>
-                            <a:schemeClr val="accent6">
-                              <a:lumMod val="75000"/>
-                            </a:schemeClr>
-                          </a:solidFill>
-                          <a:effectLst/>
-                          <a:latin typeface="+mn-lt"/>
-                        </a:rPr>
-                        <a:t>DNP</a:t>
-                      </a:r>
-                    </a:p>
-                  </a:txBody>
-                  <a:tcPr marL="9525" marR="9525" marT="9525" marB="0" anchor="b">
-                    <a:lnL w="38100" cap="flat" cmpd="sng" algn="ctr">
-                      <a:solidFill>
-                        <a:srgbClr val="FFFFFF"/>
-                      </a:solidFill>
-                      <a:prstDash val="solid"/>
-                    </a:lnL>
-                    <a:lnR w="38100" cap="flat" cmpd="sng" algn="ctr">
-                      <a:solidFill>
-                        <a:srgbClr val="FFFFFF"/>
-                      </a:solidFill>
-                      <a:prstDash val="solid"/>
-                    </a:lnR>
-                    <a:lnT w="38100" cap="flat" cmpd="sng" algn="ctr">
-                      <a:solidFill>
-                        <a:srgbClr val="FFFFFF"/>
-                      </a:solidFill>
-                      <a:prstDash val="solid"/>
-                    </a:lnT>
-                    <a:lnB w="38100" cap="flat" cmpd="sng" algn="ctr">
-                      <a:solidFill>
-                        <a:srgbClr val="FFFFFF"/>
-                      </a:solidFill>
-                      <a:prstDash val="solid"/>
-                    </a:lnB>
-                    <a:solidFill>
-                      <a:srgbClr val="878E8B">
-                        <a:alpha val="14902"/>
-                      </a:srgbClr>
-                    </a:solidFill>
-                  </a:tcPr>
-                </a:tc>
-                <a:tc>
-                  <a:txBody>
-                    <a:bodyPr/>
-                    <a:lstStyle/>
-                    <a:p>
-                      <a:pPr algn="l" fontAlgn="b"/>
-                      <a:r>
-                        <a:rPr lang="en-US" sz="1200" b="0" i="0" u="none" strike="noStrike">
-                          <a:solidFill>
-                            <a:schemeClr val="accent6">
-                              <a:lumMod val="75000"/>
-                            </a:schemeClr>
-                          </a:solidFill>
-                          <a:effectLst/>
-                          <a:latin typeface="+mn-lt"/>
-                        </a:rPr>
-                        <a:t>DNP</a:t>
-                      </a:r>
-                    </a:p>
-                  </a:txBody>
-                  <a:tcPr marL="9525" marR="9525" marT="9525" marB="0" anchor="b">
-                    <a:lnL w="38100" cap="flat" cmpd="sng" algn="ctr">
-                      <a:solidFill>
-                        <a:srgbClr val="FFFFFF"/>
-                      </a:solidFill>
-                      <a:prstDash val="solid"/>
-                    </a:lnL>
-                    <a:lnR w="38100" cap="flat" cmpd="sng" algn="ctr">
-                      <a:solidFill>
-                        <a:srgbClr val="FFFFFF"/>
-                      </a:solidFill>
-                      <a:prstDash val="solid"/>
-                    </a:lnR>
-                    <a:lnT w="38100" cap="flat" cmpd="sng" algn="ctr">
-                      <a:solidFill>
-                        <a:srgbClr val="FFFFFF"/>
-                      </a:solidFill>
-                      <a:prstDash val="solid"/>
-                    </a:lnT>
-                    <a:lnB w="38100" cap="flat" cmpd="sng" algn="ctr">
-                      <a:solidFill>
-                        <a:srgbClr val="FFFFFF"/>
-                      </a:solidFill>
-                      <a:prstDash val="solid"/>
-                    </a:lnB>
-                    <a:solidFill>
-                      <a:srgbClr val="878E8B">
-                        <a:alpha val="14902"/>
-                      </a:srgbClr>
-                    </a:solidFill>
-                  </a:tcPr>
-                </a:tc>
-                <a:tc>
-                  <a:txBody>
-                    <a:bodyPr/>
-                    <a:lstStyle/>
-                    <a:p>
-                      <a:pPr algn="ctr" fontAlgn="b"/>
-                      <a:r>
-                        <a:rPr lang="en-US" sz="1200" b="0" i="0" u="none" strike="noStrike" dirty="0">
-                          <a:solidFill>
-                            <a:srgbClr val="000000"/>
-                          </a:solidFill>
-                          <a:effectLst/>
-                          <a:latin typeface="+mn-lt"/>
-                        </a:rPr>
-                        <a:t>2:38:59</a:t>
-                      </a:r>
-                    </a:p>
-                  </a:txBody>
-                  <a:tcPr marL="9525" marR="9525" marT="9525" marB="0" anchor="b">
-                    <a:lnL w="38100" cap="flat" cmpd="sng" algn="ctr">
-                      <a:solidFill>
-                        <a:srgbClr val="FFFFFF"/>
-                      </a:solidFill>
-                      <a:prstDash val="solid"/>
-                    </a:lnL>
-                    <a:lnR w="38100" cap="flat" cmpd="sng" algn="ctr">
-                      <a:solidFill>
-                        <a:srgbClr val="FFFFFF"/>
-                      </a:solidFill>
-                      <a:prstDash val="solid"/>
-                    </a:lnR>
-                    <a:lnT w="38100" cap="flat" cmpd="sng" algn="ctr">
-                      <a:solidFill>
-                        <a:srgbClr val="FFFFFF"/>
-                      </a:solidFill>
-                      <a:prstDash val="solid"/>
-                    </a:lnT>
-                    <a:lnB w="38100" cap="flat" cmpd="sng" algn="ctr">
-                      <a:solidFill>
-                        <a:srgbClr val="FFFFFF"/>
-                      </a:solidFill>
-                      <a:prstDash val="solid"/>
-                    </a:lnB>
-                    <a:solidFill>
-                      <a:srgbClr val="878E8B">
-                        <a:alpha val="14902"/>
-                      </a:srgbClr>
-                    </a:solidFill>
-                  </a:tcPr>
-                </a:tc>
-                <a:tc>
-                  <a:txBody>
-                    <a:bodyPr/>
-                    <a:lstStyle/>
-                    <a:p>
-                      <a:pPr algn="l" fontAlgn="b"/>
-                      <a:r>
-                        <a:rPr lang="en-US" sz="1200" b="0" i="0" u="none" strike="noStrike" dirty="0">
-                          <a:solidFill>
-                            <a:schemeClr val="accent6">
-                              <a:lumMod val="75000"/>
-                            </a:schemeClr>
-                          </a:solidFill>
-                          <a:effectLst/>
-                          <a:latin typeface="+mn-lt"/>
-                        </a:rPr>
-                        <a:t>DNP</a:t>
-                      </a:r>
-                    </a:p>
-                  </a:txBody>
-                  <a:tcPr marL="9525" marR="9525" marT="9525" marB="0" anchor="b">
-                    <a:lnL w="38100" cap="flat" cmpd="sng" algn="ctr">
-                      <a:solidFill>
-                        <a:srgbClr val="FFFFFF"/>
-                      </a:solidFill>
-                      <a:prstDash val="solid"/>
-                    </a:lnL>
-                    <a:lnR w="12700" cap="flat" cmpd="sng" algn="ctr">
-                      <a:solidFill>
-                        <a:schemeClr val="tx1"/>
-                      </a:solidFill>
-                      <a:prstDash val="solid"/>
-                      <a:round/>
-                      <a:headEnd type="none" w="med" len="med"/>
-                      <a:tailEnd type="none" w="med" len="med"/>
-                    </a:lnR>
-                    <a:lnT w="38100" cap="flat" cmpd="sng" algn="ctr">
-                      <a:solidFill>
-                        <a:srgbClr val="FFFFFF"/>
-                      </a:solidFill>
-                      <a:prstDash val="solid"/>
-                    </a:lnT>
-                    <a:lnB w="38100" cap="flat" cmpd="sng" algn="ctr">
-                      <a:solidFill>
-                        <a:srgbClr val="FFFFFF"/>
-                      </a:solidFill>
-                      <a:prstDash val="solid"/>
-                    </a:lnB>
-                    <a:solidFill>
-                      <a:srgbClr val="878E8B">
-                        <a:alpha val="14902"/>
-                      </a:srgbClr>
-                    </a:solidFill>
-                  </a:tcPr>
-                </a:tc>
-                <a:extLst>
-                  <a:ext uri="{0D108BD9-81ED-4DB2-BD59-A6C34878D82A}">
-                    <a16:rowId xmlns:a16="http://schemas.microsoft.com/office/drawing/2014/main" val="3948448911"/>
-                  </a:ext>
-                </a:extLst>
-              </a:tr>
-              <a:tr h="513309">
-                <a:tc>
-                  <a:txBody>
-                    <a:bodyPr/>
-                    <a:lstStyle/>
-                    <a:p>
-                      <a:pPr algn="l" fontAlgn="b"/>
-                      <a:endParaRPr lang="en-US" sz="1200" b="1" i="0" u="none" strike="noStrike">
-                        <a:solidFill>
-                          <a:schemeClr val="tx1">
-                            <a:lumMod val="85000"/>
-                            <a:lumOff val="15000"/>
-                          </a:schemeClr>
-                        </a:solidFill>
-                        <a:effectLst/>
-                        <a:latin typeface="Calibri" panose="020F0502020204030204" pitchFamily="34" charset="0"/>
-                      </a:endParaRPr>
-                    </a:p>
-                  </a:txBody>
-                  <a:tcPr marL="98405" marR="59043" marT="59043" marB="59043" anchor="b">
-                    <a:lnL w="12700" cmpd="sng">
-                      <a:noFill/>
-                      <a:prstDash val="solid"/>
-                    </a:lnL>
-                    <a:lnR w="12700" cap="flat" cmpd="sng" algn="ctr">
-                      <a:solidFill>
-                        <a:schemeClr val="tx1"/>
-                      </a:solidFill>
-                      <a:prstDash val="solid"/>
-                      <a:round/>
-                      <a:headEnd type="none" w="med" len="med"/>
-                      <a:tailEnd type="none" w="med" len="med"/>
-                    </a:lnR>
-                    <a:lnT w="38100" cap="flat" cmpd="sng" algn="ctr">
-                      <a:solidFill>
-                        <a:srgbClr val="FFFFFF"/>
-                      </a:solidFill>
-                      <a:prstDash val="solid"/>
-                    </a:lnT>
-                    <a:lnB w="38100" cap="flat" cmpd="sng" algn="ctr">
-                      <a:solidFill>
-                        <a:srgbClr val="FFFFFF"/>
-                      </a:solidFill>
-                      <a:prstDash val="solid"/>
-                    </a:lnB>
-                    <a:solidFill>
-                      <a:srgbClr val="878E8B">
-                        <a:alpha val="30196"/>
-                      </a:srgbClr>
-                    </a:solidFill>
-                  </a:tcPr>
-                </a:tc>
-                <a:tc>
-                  <a:txBody>
-                    <a:bodyPr/>
-                    <a:lstStyle/>
-                    <a:p>
-                      <a:pPr algn="l" fontAlgn="b"/>
-                      <a:r>
-                        <a:rPr lang="en-US" sz="1200" u="none" strike="noStrike" dirty="0" err="1">
-                          <a:solidFill>
-                            <a:schemeClr val="tx1">
-                              <a:lumMod val="85000"/>
-                              <a:lumOff val="15000"/>
-                            </a:schemeClr>
-                          </a:solidFill>
-                          <a:effectLst/>
-                        </a:rPr>
-                        <a:t>Garang</a:t>
-                      </a:r>
-                      <a:r>
-                        <a:rPr lang="en-US" sz="1200" u="none" strike="noStrike" dirty="0">
-                          <a:solidFill>
-                            <a:schemeClr val="tx1">
-                              <a:lumMod val="85000"/>
-                              <a:lumOff val="15000"/>
-                            </a:schemeClr>
-                          </a:solidFill>
-                          <a:effectLst/>
-                        </a:rPr>
-                        <a:t> Madut</a:t>
-                      </a:r>
-                      <a:endParaRPr lang="en-US" sz="1200" b="0" i="0" u="none" strike="noStrike" dirty="0">
-                        <a:solidFill>
-                          <a:schemeClr val="tx1">
-                            <a:lumMod val="85000"/>
-                            <a:lumOff val="15000"/>
-                          </a:schemeClr>
-                        </a:solidFill>
-                        <a:effectLst/>
-                        <a:latin typeface="Calibri" panose="020F0502020204030204" pitchFamily="34" charset="0"/>
-                      </a:endParaRPr>
-                    </a:p>
-                  </a:txBody>
-                  <a:tcPr marL="98405" marR="59043" marT="59043" marB="59043" anchor="b">
-                    <a:lnL w="12700" cap="flat" cmpd="sng" algn="ctr">
-                      <a:solidFill>
-                        <a:schemeClr val="tx1"/>
-                      </a:solidFill>
-                      <a:prstDash val="solid"/>
-                      <a:round/>
-                      <a:headEnd type="none" w="med" len="med"/>
-                      <a:tailEnd type="none" w="med" len="med"/>
-                    </a:lnL>
-                    <a:lnR w="12700" cap="flat" cmpd="sng" algn="ctr">
-                      <a:solidFill>
-                        <a:schemeClr val="tx1"/>
-                      </a:solidFill>
-                      <a:prstDash val="solid"/>
-                      <a:round/>
-                      <a:headEnd type="none" w="med" len="med"/>
-                      <a:tailEnd type="none" w="med" len="med"/>
-                    </a:lnR>
-                    <a:lnT w="38100" cap="flat" cmpd="sng" algn="ctr">
-                      <a:solidFill>
-                        <a:srgbClr val="FFFFFF"/>
-                      </a:solidFill>
-                      <a:prstDash val="solid"/>
-                    </a:lnT>
-                    <a:lnB w="38100" cap="flat" cmpd="sng" algn="ctr">
-                      <a:solidFill>
-                        <a:srgbClr val="FFFFFF"/>
-                      </a:solidFill>
-                      <a:prstDash val="solid"/>
-                    </a:lnB>
-                    <a:solidFill>
-                      <a:srgbClr val="878E8B">
-                        <a:alpha val="30196"/>
-                      </a:srgbClr>
-                    </a:solidFill>
-                  </a:tcPr>
-                </a:tc>
-                <a:tc>
-                  <a:txBody>
-                    <a:bodyPr/>
-                    <a:lstStyle/>
-                    <a:p>
-                      <a:pPr algn="l" fontAlgn="b"/>
-                      <a:endParaRPr lang="en-US" sz="1200" b="0" i="0" u="none" strike="noStrike">
-                        <a:solidFill>
-                          <a:schemeClr val="tx1">
-                            <a:lumMod val="85000"/>
-                            <a:lumOff val="15000"/>
-                          </a:schemeClr>
-                        </a:solidFill>
-                        <a:effectLst/>
-                        <a:latin typeface="Calibri" panose="020F0502020204030204" pitchFamily="34" charset="0"/>
-                      </a:endParaRPr>
-                    </a:p>
-                  </a:txBody>
-                  <a:tcPr marL="98405" marR="59043" marT="59043" marB="59043" anchor="b">
-                    <a:lnL w="12700" cap="flat" cmpd="sng" algn="ctr">
-                      <a:solidFill>
-                        <a:schemeClr val="tx1"/>
-                      </a:solidFill>
-                      <a:prstDash val="solid"/>
-                      <a:round/>
-                      <a:headEnd type="none" w="med" len="med"/>
-                      <a:tailEnd type="none" w="med" len="med"/>
-                    </a:lnL>
-                    <a:lnR w="12700" cap="flat" cmpd="sng" algn="ctr">
-                      <a:solidFill>
-                        <a:schemeClr val="tx1"/>
-                      </a:solidFill>
-                      <a:prstDash val="solid"/>
-                      <a:round/>
-                      <a:headEnd type="none" w="med" len="med"/>
-                      <a:tailEnd type="none" w="med" len="med"/>
-                    </a:lnR>
-                    <a:lnT w="38100" cap="flat" cmpd="sng" algn="ctr">
-                      <a:solidFill>
-                        <a:srgbClr val="FFFFFF"/>
-                      </a:solidFill>
-                      <a:prstDash val="solid"/>
-                    </a:lnT>
-                    <a:lnB w="38100" cap="flat" cmpd="sng" algn="ctr">
-                      <a:solidFill>
-                        <a:srgbClr val="FFFFFF"/>
-                      </a:solidFill>
-                      <a:prstDash val="solid"/>
-                    </a:lnB>
-                    <a:solidFill>
-                      <a:srgbClr val="878E8B">
-                        <a:alpha val="30196"/>
-                      </a:srgbClr>
-                    </a:solidFill>
-                  </a:tcPr>
-                </a:tc>
-                <a:tc>
-                  <a:txBody>
-                    <a:bodyPr/>
-                    <a:lstStyle/>
-                    <a:p>
-                      <a:pPr algn="l" fontAlgn="b"/>
-                      <a:r>
-                        <a:rPr lang="en-US" sz="1200" u="none" strike="noStrike" dirty="0">
-                          <a:solidFill>
-                            <a:schemeClr val="tx1">
-                              <a:lumMod val="85000"/>
-                              <a:lumOff val="15000"/>
-                            </a:schemeClr>
-                          </a:solidFill>
-                          <a:effectLst/>
-                        </a:rPr>
-                        <a:t>Jordan Wilson</a:t>
-                      </a:r>
-                      <a:endParaRPr lang="en-US" sz="1200" b="0" i="0" u="none" strike="noStrike" dirty="0">
-                        <a:solidFill>
-                          <a:schemeClr val="tx1">
-                            <a:lumMod val="85000"/>
-                            <a:lumOff val="15000"/>
-                          </a:schemeClr>
-                        </a:solidFill>
-                        <a:effectLst/>
-                        <a:latin typeface="Calibri" panose="020F0502020204030204" pitchFamily="34" charset="0"/>
-                      </a:endParaRPr>
-                    </a:p>
-                  </a:txBody>
-                  <a:tcPr marL="98405" marR="59043" marT="59043" marB="59043" anchor="b">
-                    <a:lnL w="12700" cap="flat" cmpd="sng" algn="ctr">
-                      <a:solidFill>
-                        <a:schemeClr val="tx1"/>
-                      </a:solidFill>
-                      <a:prstDash val="solid"/>
-                      <a:round/>
-                      <a:headEnd type="none" w="med" len="med"/>
-                      <a:tailEnd type="none" w="med" len="med"/>
-                    </a:lnL>
-                    <a:lnR w="38100" cap="flat" cmpd="sng" algn="ctr">
-                      <a:solidFill>
-                        <a:srgbClr val="FFFFFF"/>
-                      </a:solidFill>
-                      <a:prstDash val="solid"/>
-                    </a:lnR>
-                    <a:lnT w="38100" cap="flat" cmpd="sng" algn="ctr">
-                      <a:solidFill>
-                        <a:srgbClr val="FFFFFF"/>
-                      </a:solidFill>
-                      <a:prstDash val="solid"/>
-                    </a:lnT>
-                    <a:lnB w="38100" cap="flat" cmpd="sng" algn="ctr">
-                      <a:solidFill>
-                        <a:srgbClr val="FFFFFF"/>
-                      </a:solidFill>
-                      <a:prstDash val="solid"/>
-                    </a:lnB>
-                    <a:solidFill>
-                      <a:srgbClr val="878E8B">
-                        <a:alpha val="30196"/>
-                      </a:srgbClr>
-                    </a:solidFill>
-                  </a:tcPr>
-                </a:tc>
-                <a:tc>
-                  <a:txBody>
-                    <a:bodyPr/>
-                    <a:lstStyle/>
-                    <a:p>
-                      <a:pPr algn="ctr" fontAlgn="b"/>
-                      <a:r>
-                        <a:rPr lang="en-US" sz="1200" u="none" strike="noStrike" dirty="0">
-                          <a:solidFill>
-                            <a:schemeClr val="tx1">
-                              <a:lumMod val="85000"/>
-                              <a:lumOff val="15000"/>
-                            </a:schemeClr>
-                          </a:solidFill>
-                          <a:effectLst/>
-                        </a:rPr>
-                        <a:t>1</a:t>
-                      </a:r>
-                      <a:endParaRPr lang="en-US" sz="1200" b="0" i="0" u="none" strike="noStrike" dirty="0">
-                        <a:solidFill>
-                          <a:schemeClr val="tx1">
-                            <a:lumMod val="85000"/>
-                            <a:lumOff val="15000"/>
-                          </a:schemeClr>
-                        </a:solidFill>
-                        <a:effectLst/>
-                        <a:latin typeface="Calibri" panose="020F0502020204030204" pitchFamily="34" charset="0"/>
-                      </a:endParaRPr>
-                    </a:p>
-                  </a:txBody>
-                  <a:tcPr marL="98405" marR="59043" marT="59043" marB="59043" anchor="b">
-                    <a:lnL w="38100" cap="flat" cmpd="sng" algn="ctr">
-                      <a:solidFill>
-                        <a:srgbClr val="FFFFFF"/>
-                      </a:solidFill>
-                      <a:prstDash val="solid"/>
-                    </a:lnL>
-                    <a:lnR w="38100" cap="flat" cmpd="sng" algn="ctr">
-                      <a:solidFill>
-                        <a:srgbClr val="FFFFFF"/>
-                      </a:solidFill>
-                      <a:prstDash val="solid"/>
-                    </a:lnR>
-                    <a:lnT w="38100" cap="flat" cmpd="sng" algn="ctr">
-                      <a:solidFill>
-                        <a:srgbClr val="FFFFFF"/>
-                      </a:solidFill>
-                      <a:prstDash val="solid"/>
-                    </a:lnT>
-                    <a:lnB w="38100" cap="flat" cmpd="sng" algn="ctr">
-                      <a:solidFill>
-                        <a:srgbClr val="FFFFFF"/>
-                      </a:solidFill>
-                      <a:prstDash val="solid"/>
-                    </a:lnB>
-                    <a:solidFill>
-                      <a:srgbClr val="878E8B">
-                        <a:alpha val="30196"/>
-                      </a:srgbClr>
-                    </a:solidFill>
-                  </a:tcPr>
-                </a:tc>
-                <a:tc>
-                  <a:txBody>
-                    <a:bodyPr/>
-                    <a:lstStyle/>
-                    <a:p>
-                      <a:pPr algn="l" fontAlgn="b"/>
-                      <a:endParaRPr lang="en-US" sz="1200" b="0" i="0" u="none" strike="noStrike">
-                        <a:solidFill>
-                          <a:schemeClr val="tx1">
-                            <a:lumMod val="85000"/>
-                            <a:lumOff val="15000"/>
-                          </a:schemeClr>
-                        </a:solidFill>
-                        <a:effectLst/>
-                        <a:latin typeface="Calibri" panose="020F0502020204030204" pitchFamily="34" charset="0"/>
-                      </a:endParaRPr>
-                    </a:p>
-                  </a:txBody>
-                  <a:tcPr marL="98405" marR="59043" marT="59043" marB="59043" anchor="b">
-                    <a:lnL w="38100" cap="flat" cmpd="sng" algn="ctr">
-                      <a:solidFill>
-                        <a:srgbClr val="FFFFFF"/>
-                      </a:solidFill>
-                      <a:prstDash val="solid"/>
-                    </a:lnL>
-                    <a:lnR w="38100" cap="flat" cmpd="sng" algn="ctr">
-                      <a:solidFill>
-                        <a:srgbClr val="FFFFFF"/>
-                      </a:solidFill>
-                      <a:prstDash val="solid"/>
-                      <a:round/>
-                      <a:headEnd type="none" w="med" len="med"/>
-                      <a:tailEnd type="none" w="med" len="med"/>
-                    </a:lnR>
-                    <a:lnT w="38100" cap="flat" cmpd="sng" algn="ctr">
-                      <a:solidFill>
-                        <a:srgbClr val="FFFFFF"/>
-                      </a:solidFill>
-                      <a:prstDash val="solid"/>
-                    </a:lnT>
-                    <a:lnB w="38100" cap="flat" cmpd="sng" algn="ctr">
-                      <a:solidFill>
-                        <a:srgbClr val="FFFFFF"/>
-                      </a:solidFill>
-                      <a:prstDash val="solid"/>
-                    </a:lnB>
-                    <a:solidFill>
-                      <a:srgbClr val="878E8B">
-                        <a:alpha val="30196"/>
-                      </a:srgbClr>
-                    </a:solidFill>
-                  </a:tcPr>
-                </a:tc>
-                <a:tc>
-                  <a:txBody>
-                    <a:bodyPr/>
-                    <a:lstStyle/>
-                    <a:p>
-                      <a:pPr algn="l" fontAlgn="b"/>
-                      <a:r>
-                        <a:rPr lang="en-US" sz="1200" b="0" i="0" u="none" strike="noStrike" dirty="0">
-                          <a:solidFill>
-                            <a:schemeClr val="accent6">
-                              <a:lumMod val="75000"/>
-                            </a:schemeClr>
-                          </a:solidFill>
-                          <a:effectLst/>
-                          <a:latin typeface="+mn-lt"/>
-                        </a:rPr>
-                        <a:t>DNP</a:t>
-                      </a:r>
-                    </a:p>
-                  </a:txBody>
-                  <a:tcPr marL="9525" marR="9525" marT="9525" marB="0" anchor="b">
-                    <a:lnL w="38100" cap="flat" cmpd="sng" algn="ctr">
-                      <a:solidFill>
-                        <a:srgbClr val="FFFFFF"/>
-                      </a:solidFill>
-                      <a:prstDash val="solid"/>
-                    </a:lnL>
-                    <a:lnR w="38100" cap="flat" cmpd="sng" algn="ctr">
-                      <a:solidFill>
-                        <a:srgbClr val="FFFFFF"/>
-                      </a:solidFill>
-                      <a:prstDash val="solid"/>
-                    </a:lnR>
-                    <a:lnT w="38100" cap="flat" cmpd="sng" algn="ctr">
-                      <a:solidFill>
-                        <a:srgbClr val="FFFFFF"/>
-                      </a:solidFill>
-                      <a:prstDash val="solid"/>
-                    </a:lnT>
-                    <a:lnB w="38100" cap="flat" cmpd="sng" algn="ctr">
-                      <a:solidFill>
-                        <a:srgbClr val="FFFFFF"/>
-                      </a:solidFill>
-                      <a:prstDash val="solid"/>
-                    </a:lnB>
-                    <a:solidFill>
-                      <a:srgbClr val="878E8B">
-                        <a:alpha val="30196"/>
-                      </a:srgbClr>
-                    </a:solidFill>
-                  </a:tcPr>
-                </a:tc>
-                <a:tc>
-                  <a:txBody>
-                    <a:bodyPr/>
-                    <a:lstStyle/>
-                    <a:p>
-                      <a:pPr algn="l" fontAlgn="b"/>
-                      <a:r>
-                        <a:rPr lang="en-US" sz="1200" b="0" i="0" u="none" strike="noStrike" dirty="0">
-                          <a:solidFill>
-                            <a:schemeClr val="accent6">
-                              <a:lumMod val="75000"/>
-                            </a:schemeClr>
-                          </a:solidFill>
-                          <a:effectLst/>
-                          <a:latin typeface="+mn-lt"/>
-                        </a:rPr>
-                        <a:t>DNP</a:t>
-                      </a:r>
-                    </a:p>
-                  </a:txBody>
-                  <a:tcPr marL="9525" marR="9525" marT="9525" marB="0" anchor="b">
-                    <a:lnL w="38100" cap="flat" cmpd="sng" algn="ctr">
-                      <a:solidFill>
-                        <a:srgbClr val="FFFFFF"/>
-                      </a:solidFill>
-                      <a:prstDash val="solid"/>
-                    </a:lnL>
-                    <a:lnR w="38100" cap="flat" cmpd="sng" algn="ctr">
-                      <a:solidFill>
-                        <a:srgbClr val="FFFFFF"/>
-                      </a:solidFill>
-                      <a:prstDash val="solid"/>
-                    </a:lnR>
-                    <a:lnT w="38100" cap="flat" cmpd="sng" algn="ctr">
-                      <a:solidFill>
-                        <a:srgbClr val="FFFFFF"/>
-                      </a:solidFill>
-                      <a:prstDash val="solid"/>
-                    </a:lnT>
-                    <a:lnB w="38100" cap="flat" cmpd="sng" algn="ctr">
-                      <a:solidFill>
-                        <a:srgbClr val="FFFFFF"/>
-                      </a:solidFill>
-                      <a:prstDash val="solid"/>
-                    </a:lnB>
-                    <a:solidFill>
-                      <a:srgbClr val="878E8B">
-                        <a:alpha val="30196"/>
-                      </a:srgbClr>
-                    </a:solidFill>
-                  </a:tcPr>
-                </a:tc>
-                <a:tc>
-                  <a:txBody>
-                    <a:bodyPr/>
-                    <a:lstStyle/>
-                    <a:p>
-                      <a:pPr algn="l" fontAlgn="b"/>
-                      <a:r>
-                        <a:rPr lang="en-US" sz="1200" b="0" i="0" u="none" strike="noStrike" dirty="0">
-                          <a:solidFill>
-                            <a:schemeClr val="accent6">
-                              <a:lumMod val="75000"/>
-                            </a:schemeClr>
-                          </a:solidFill>
-                          <a:effectLst/>
-                          <a:latin typeface="+mn-lt"/>
-                        </a:rPr>
-                        <a:t>DNP</a:t>
-                      </a:r>
-                    </a:p>
-                  </a:txBody>
-                  <a:tcPr marL="9525" marR="9525" marT="9525" marB="0" anchor="b">
-                    <a:lnL w="38100" cap="flat" cmpd="sng" algn="ctr">
-                      <a:solidFill>
-                        <a:srgbClr val="FFFFFF"/>
-                      </a:solidFill>
-                      <a:prstDash val="solid"/>
-                    </a:lnL>
-                    <a:lnR w="38100" cap="flat" cmpd="sng" algn="ctr">
-                      <a:solidFill>
-                        <a:srgbClr val="FFFFFF"/>
-                      </a:solidFill>
-                      <a:prstDash val="solid"/>
-                    </a:lnR>
-                    <a:lnT w="38100" cap="flat" cmpd="sng" algn="ctr">
-                      <a:solidFill>
-                        <a:srgbClr val="FFFFFF"/>
-                      </a:solidFill>
-                      <a:prstDash val="solid"/>
-                    </a:lnT>
-                    <a:lnB w="38100" cap="flat" cmpd="sng" algn="ctr">
-                      <a:solidFill>
-                        <a:srgbClr val="FFFFFF"/>
-                      </a:solidFill>
-                      <a:prstDash val="solid"/>
-                    </a:lnB>
-                    <a:solidFill>
-                      <a:srgbClr val="878E8B">
-                        <a:alpha val="30196"/>
-                      </a:srgbClr>
-                    </a:solidFill>
-                  </a:tcPr>
-                </a:tc>
-                <a:tc>
-                  <a:txBody>
-                    <a:bodyPr/>
-                    <a:lstStyle/>
-                    <a:p>
-                      <a:pPr algn="ctr" fontAlgn="b"/>
-                      <a:r>
-                        <a:rPr lang="en-US" sz="1200" b="0" i="0" u="none" strike="noStrike" dirty="0">
-                          <a:solidFill>
-                            <a:srgbClr val="000000"/>
-                          </a:solidFill>
-                          <a:effectLst/>
-                          <a:latin typeface="+mn-lt"/>
-                        </a:rPr>
-                        <a:t>2:35:24</a:t>
-                      </a:r>
-                    </a:p>
-                  </a:txBody>
-                  <a:tcPr marL="9525" marR="9525" marT="9525" marB="0" anchor="b">
-                    <a:lnL w="38100" cap="flat" cmpd="sng" algn="ctr">
-                      <a:solidFill>
-                        <a:srgbClr val="FFFFFF"/>
-                      </a:solidFill>
-                      <a:prstDash val="solid"/>
-                    </a:lnL>
-                    <a:lnR w="12700" cap="flat" cmpd="sng" algn="ctr">
-                      <a:solidFill>
-                        <a:schemeClr val="tx1"/>
-                      </a:solidFill>
-                      <a:prstDash val="solid"/>
-                      <a:round/>
-                      <a:headEnd type="none" w="med" len="med"/>
-                      <a:tailEnd type="none" w="med" len="med"/>
-                    </a:lnR>
-                    <a:lnT w="38100" cap="flat" cmpd="sng" algn="ctr">
-                      <a:solidFill>
-                        <a:srgbClr val="FFFFFF"/>
-                      </a:solidFill>
-                      <a:prstDash val="solid"/>
-                    </a:lnT>
-                    <a:lnB w="38100" cap="flat" cmpd="sng" algn="ctr">
-                      <a:solidFill>
-                        <a:srgbClr val="FFFFFF"/>
-                      </a:solidFill>
-                      <a:prstDash val="solid"/>
-                    </a:lnB>
-                    <a:solidFill>
-                      <a:srgbClr val="878E8B">
-                        <a:alpha val="30196"/>
-                      </a:srgbClr>
-                    </a:solidFill>
-                  </a:tcPr>
-                </a:tc>
-                <a:extLst>
-                  <a:ext uri="{0D108BD9-81ED-4DB2-BD59-A6C34878D82A}">
-                    <a16:rowId xmlns:a16="http://schemas.microsoft.com/office/drawing/2014/main" val="2373498349"/>
-                  </a:ext>
-                </a:extLst>
-              </a:tr>
-              <a:tr h="513309">
-                <a:tc>
-                  <a:txBody>
-                    <a:bodyPr/>
-                    <a:lstStyle/>
-                    <a:p>
-                      <a:pPr algn="l" fontAlgn="b"/>
-                      <a:endParaRPr lang="en-US" sz="1200" b="1" i="0" u="none" strike="noStrike">
-                        <a:solidFill>
-                          <a:schemeClr val="tx1">
-                            <a:lumMod val="85000"/>
-                            <a:lumOff val="15000"/>
-                          </a:schemeClr>
-                        </a:solidFill>
-                        <a:effectLst/>
-                        <a:latin typeface="Calibri" panose="020F0502020204030204" pitchFamily="34" charset="0"/>
-                      </a:endParaRPr>
-                    </a:p>
-                  </a:txBody>
-                  <a:tcPr marL="98405" marR="59043" marT="59043" marB="59043" anchor="b">
-                    <a:lnL w="38100" cap="flat" cmpd="sng" algn="ctr">
-                      <a:noFill/>
-                      <a:prstDash val="solid"/>
-                    </a:lnL>
-                    <a:lnR w="12700" cap="flat" cmpd="sng" algn="ctr">
-                      <a:solidFill>
-                        <a:schemeClr val="tx1"/>
-                      </a:solidFill>
-                      <a:prstDash val="solid"/>
-                      <a:round/>
-                      <a:headEnd type="none" w="med" len="med"/>
-                      <a:tailEnd type="none" w="med" len="med"/>
-                    </a:lnR>
-                    <a:lnT w="38100" cap="flat" cmpd="sng" algn="ctr">
-                      <a:solidFill>
-                        <a:srgbClr val="FFFFFF"/>
-                      </a:solidFill>
-                      <a:prstDash val="solid"/>
-                    </a:lnT>
-                    <a:lnB w="38100" cap="flat" cmpd="sng" algn="ctr">
-                      <a:solidFill>
-                        <a:srgbClr val="FFFFFF"/>
-                      </a:solidFill>
-                      <a:prstDash val="solid"/>
-                    </a:lnB>
-                    <a:solidFill>
-                      <a:srgbClr val="878E8B">
-                        <a:alpha val="14902"/>
-                      </a:srgbClr>
-                    </a:solidFill>
-                  </a:tcPr>
-                </a:tc>
-                <a:tc>
-                  <a:txBody>
-                    <a:bodyPr/>
-                    <a:lstStyle/>
-                    <a:p>
-                      <a:pPr algn="l" fontAlgn="b"/>
-                      <a:r>
-                        <a:rPr lang="en-US" sz="1200" u="none" strike="noStrike" dirty="0">
-                          <a:solidFill>
-                            <a:schemeClr val="tx1">
-                              <a:lumMod val="85000"/>
-                              <a:lumOff val="15000"/>
-                            </a:schemeClr>
-                          </a:solidFill>
-                          <a:effectLst/>
-                        </a:rPr>
-                        <a:t>Kevin Fink</a:t>
-                      </a:r>
-                      <a:endParaRPr lang="en-US" sz="1200" b="0" i="0" u="none" strike="noStrike" dirty="0">
-                        <a:solidFill>
-                          <a:schemeClr val="tx1">
-                            <a:lumMod val="85000"/>
-                            <a:lumOff val="15000"/>
-                          </a:schemeClr>
-                        </a:solidFill>
-                        <a:effectLst/>
-                        <a:latin typeface="Calibri" panose="020F0502020204030204" pitchFamily="34" charset="0"/>
-                      </a:endParaRPr>
-                    </a:p>
-                  </a:txBody>
-                  <a:tcPr marL="98405" marR="59043" marT="59043" marB="59043" anchor="b">
-                    <a:lnL w="12700" cap="flat" cmpd="sng" algn="ctr">
-                      <a:solidFill>
-                        <a:schemeClr val="tx1"/>
-                      </a:solidFill>
-                      <a:prstDash val="solid"/>
-                      <a:round/>
-                      <a:headEnd type="none" w="med" len="med"/>
-                      <a:tailEnd type="none" w="med" len="med"/>
-                    </a:lnL>
-                    <a:lnR w="12700" cap="flat" cmpd="sng" algn="ctr">
-                      <a:solidFill>
-                        <a:schemeClr val="tx1"/>
-                      </a:solidFill>
-                      <a:prstDash val="solid"/>
-                      <a:round/>
-                      <a:headEnd type="none" w="med" len="med"/>
-                      <a:tailEnd type="none" w="med" len="med"/>
-                    </a:lnR>
-                    <a:lnT w="38100" cap="flat" cmpd="sng" algn="ctr">
-                      <a:solidFill>
-                        <a:srgbClr val="FFFFFF"/>
-                      </a:solidFill>
-                      <a:prstDash val="solid"/>
-                    </a:lnT>
-                    <a:lnB w="12700" cap="flat" cmpd="sng" algn="ctr">
-                      <a:solidFill>
-                        <a:schemeClr val="tx1"/>
-                      </a:solidFill>
-                      <a:prstDash val="solid"/>
-                      <a:round/>
-                      <a:headEnd type="none" w="med" len="med"/>
-                      <a:tailEnd type="none" w="med" len="med"/>
-                    </a:lnB>
-                    <a:solidFill>
-                      <a:srgbClr val="878E8B">
-                        <a:alpha val="14902"/>
-                      </a:srgbClr>
-                    </a:solidFill>
-                  </a:tcPr>
-                </a:tc>
-                <a:tc>
-                  <a:txBody>
-                    <a:bodyPr/>
-                    <a:lstStyle/>
-                    <a:p>
-                      <a:pPr algn="l" fontAlgn="b"/>
-                      <a:endParaRPr lang="en-US" sz="1200" b="0" i="0" u="none" strike="noStrike">
-                        <a:solidFill>
-                          <a:schemeClr val="tx1">
-                            <a:lumMod val="85000"/>
-                            <a:lumOff val="15000"/>
-                          </a:schemeClr>
-                        </a:solidFill>
-                        <a:effectLst/>
-                        <a:latin typeface="Calibri" panose="020F0502020204030204" pitchFamily="34" charset="0"/>
-                      </a:endParaRPr>
-                    </a:p>
-                  </a:txBody>
-                  <a:tcPr marL="98405" marR="59043" marT="59043" marB="59043" anchor="b">
-                    <a:lnL w="12700" cap="flat" cmpd="sng" algn="ctr">
-                      <a:solidFill>
-                        <a:schemeClr val="tx1"/>
-                      </a:solidFill>
-                      <a:prstDash val="solid"/>
-                      <a:round/>
-                      <a:headEnd type="none" w="med" len="med"/>
-                      <a:tailEnd type="none" w="med" len="med"/>
-                    </a:lnL>
-                    <a:lnR w="12700" cap="flat" cmpd="sng" algn="ctr">
-                      <a:solidFill>
-                        <a:schemeClr val="tx1"/>
-                      </a:solidFill>
-                      <a:prstDash val="solid"/>
-                      <a:round/>
-                      <a:headEnd type="none" w="med" len="med"/>
-                      <a:tailEnd type="none" w="med" len="med"/>
-                    </a:lnR>
-                    <a:lnT w="38100" cap="flat" cmpd="sng" algn="ctr">
-                      <a:solidFill>
-                        <a:srgbClr val="FFFFFF"/>
-                      </a:solidFill>
-                      <a:prstDash val="solid"/>
-                    </a:lnT>
-                    <a:lnB w="38100" cap="flat" cmpd="sng" algn="ctr">
-                      <a:solidFill>
-                        <a:srgbClr val="FFFFFF"/>
-                      </a:solidFill>
-                      <a:prstDash val="solid"/>
-                    </a:lnB>
-                    <a:solidFill>
-                      <a:srgbClr val="878E8B">
-                        <a:alpha val="14902"/>
-                      </a:srgbClr>
-                    </a:solidFill>
-                  </a:tcPr>
-                </a:tc>
-                <a:tc>
-                  <a:txBody>
-                    <a:bodyPr/>
-                    <a:lstStyle/>
-                    <a:p>
-                      <a:pPr algn="l" fontAlgn="b"/>
-                      <a:r>
-                        <a:rPr lang="en-US" sz="1200" u="none" strike="noStrike">
-                          <a:solidFill>
-                            <a:schemeClr val="tx1">
-                              <a:lumMod val="85000"/>
-                              <a:lumOff val="15000"/>
-                            </a:schemeClr>
-                          </a:solidFill>
-                          <a:effectLst/>
-                        </a:rPr>
-                        <a:t>Steelton Flynn</a:t>
-                      </a:r>
-                      <a:endParaRPr lang="en-US" sz="1200" b="0" i="0" u="none" strike="noStrike">
-                        <a:solidFill>
-                          <a:schemeClr val="tx1">
-                            <a:lumMod val="85000"/>
-                            <a:lumOff val="15000"/>
-                          </a:schemeClr>
-                        </a:solidFill>
-                        <a:effectLst/>
-                        <a:latin typeface="Calibri" panose="020F0502020204030204" pitchFamily="34" charset="0"/>
-                      </a:endParaRPr>
-                    </a:p>
-                  </a:txBody>
-                  <a:tcPr marL="98405" marR="59043" marT="59043" marB="59043" anchor="b">
-                    <a:lnL w="12700" cap="flat" cmpd="sng" algn="ctr">
-                      <a:solidFill>
-                        <a:schemeClr val="tx1"/>
-                      </a:solidFill>
-                      <a:prstDash val="solid"/>
-                      <a:round/>
-                      <a:headEnd type="none" w="med" len="med"/>
-                      <a:tailEnd type="none" w="med" len="med"/>
-                    </a:lnL>
-                    <a:lnR w="38100" cap="flat" cmpd="sng" algn="ctr">
-                      <a:solidFill>
-                        <a:srgbClr val="FFFFFF"/>
-                      </a:solidFill>
-                      <a:prstDash val="solid"/>
-                    </a:lnR>
-                    <a:lnT w="38100" cap="flat" cmpd="sng" algn="ctr">
-                      <a:solidFill>
-                        <a:srgbClr val="FFFFFF"/>
-                      </a:solidFill>
-                      <a:prstDash val="solid"/>
-                    </a:lnT>
-                    <a:lnB w="12700" cap="flat" cmpd="sng" algn="ctr">
-                      <a:solidFill>
-                        <a:schemeClr val="tx1"/>
-                      </a:solidFill>
-                      <a:prstDash val="solid"/>
-                      <a:round/>
-                      <a:headEnd type="none" w="med" len="med"/>
-                      <a:tailEnd type="none" w="med" len="med"/>
-                    </a:lnB>
-                    <a:solidFill>
-                      <a:srgbClr val="878E8B">
-                        <a:alpha val="14902"/>
-                      </a:srgbClr>
-                    </a:solidFill>
-                  </a:tcPr>
-                </a:tc>
-                <a:tc>
-                  <a:txBody>
-                    <a:bodyPr/>
-                    <a:lstStyle/>
-                    <a:p>
-                      <a:pPr algn="ctr" fontAlgn="b"/>
-                      <a:r>
-                        <a:rPr lang="en-US" sz="1200" u="none" strike="noStrike" dirty="0">
-                          <a:solidFill>
-                            <a:schemeClr val="tx1">
-                              <a:lumMod val="85000"/>
-                              <a:lumOff val="15000"/>
-                            </a:schemeClr>
-                          </a:solidFill>
-                          <a:effectLst/>
-                        </a:rPr>
-                        <a:t>1</a:t>
-                      </a:r>
-                      <a:endParaRPr lang="en-US" sz="1200" b="0" i="0" u="none" strike="noStrike" dirty="0">
-                        <a:solidFill>
-                          <a:schemeClr val="tx1">
-                            <a:lumMod val="85000"/>
-                            <a:lumOff val="15000"/>
-                          </a:schemeClr>
-                        </a:solidFill>
-                        <a:effectLst/>
-                        <a:latin typeface="Calibri" panose="020F0502020204030204" pitchFamily="34" charset="0"/>
-                      </a:endParaRPr>
-                    </a:p>
-                  </a:txBody>
-                  <a:tcPr marL="98405" marR="59043" marT="59043" marB="59043" anchor="b">
-                    <a:lnL w="38100" cap="flat" cmpd="sng" algn="ctr">
-                      <a:solidFill>
-                        <a:srgbClr val="FFFFFF"/>
-                      </a:solidFill>
-                      <a:prstDash val="solid"/>
-                    </a:lnL>
-                    <a:lnR w="38100" cap="flat" cmpd="sng" algn="ctr">
-                      <a:solidFill>
-                        <a:srgbClr val="FFFFFF"/>
-                      </a:solidFill>
-                      <a:prstDash val="solid"/>
-                    </a:lnR>
-                    <a:lnT w="38100" cap="flat" cmpd="sng" algn="ctr">
-                      <a:solidFill>
-                        <a:srgbClr val="FFFFFF"/>
-                      </a:solidFill>
-                      <a:prstDash val="solid"/>
-                    </a:lnT>
-                    <a:lnB w="12700" cap="flat" cmpd="sng" algn="ctr">
-                      <a:solidFill>
-                        <a:schemeClr val="tx1"/>
-                      </a:solidFill>
-                      <a:prstDash val="solid"/>
-                      <a:round/>
-                      <a:headEnd type="none" w="med" len="med"/>
-                      <a:tailEnd type="none" w="med" len="med"/>
-                    </a:lnB>
-                    <a:solidFill>
-                      <a:srgbClr val="878E8B">
-                        <a:alpha val="14902"/>
-                      </a:srgbClr>
-                    </a:solidFill>
-                  </a:tcPr>
-                </a:tc>
-                <a:tc>
-                  <a:txBody>
-                    <a:bodyPr/>
-                    <a:lstStyle/>
-                    <a:p>
-                      <a:pPr algn="l" fontAlgn="b"/>
-                      <a:endParaRPr lang="en-US" sz="1200" b="0" i="0" u="none" strike="noStrike" dirty="0">
-                        <a:solidFill>
-                          <a:schemeClr val="tx1">
-                            <a:lumMod val="85000"/>
-                            <a:lumOff val="15000"/>
-                          </a:schemeClr>
-                        </a:solidFill>
-                        <a:effectLst/>
-                        <a:latin typeface="Calibri" panose="020F0502020204030204" pitchFamily="34" charset="0"/>
-                      </a:endParaRPr>
-                    </a:p>
-                  </a:txBody>
-                  <a:tcPr marL="98405" marR="59043" marT="59043" marB="59043" anchor="b">
-                    <a:lnL w="38100" cap="flat" cmpd="sng" algn="ctr">
-                      <a:solidFill>
-                        <a:srgbClr val="FFFFFF"/>
-                      </a:solidFill>
-                      <a:prstDash val="solid"/>
-                    </a:lnL>
-                    <a:lnR w="38100" cap="flat" cmpd="sng" algn="ctr">
-                      <a:solidFill>
-                        <a:srgbClr val="FFFFFF"/>
-                      </a:solidFill>
-                      <a:prstDash val="solid"/>
-                      <a:round/>
-                      <a:headEnd type="none" w="med" len="med"/>
-                      <a:tailEnd type="none" w="med" len="med"/>
-                    </a:lnR>
-                    <a:lnT w="38100" cap="flat" cmpd="sng" algn="ctr">
-                      <a:solidFill>
-                        <a:srgbClr val="FFFFFF"/>
-                      </a:solidFill>
-                      <a:prstDash val="solid"/>
-                    </a:lnT>
-                    <a:lnB w="12700" cap="flat" cmpd="sng" algn="ctr">
-                      <a:solidFill>
-                        <a:schemeClr val="tx1"/>
-                      </a:solidFill>
-                      <a:prstDash val="solid"/>
-                      <a:round/>
-                      <a:headEnd type="none" w="med" len="med"/>
-                      <a:tailEnd type="none" w="med" len="med"/>
-                    </a:lnB>
-                    <a:solidFill>
-                      <a:srgbClr val="878E8B">
-                        <a:alpha val="14902"/>
-                      </a:srgbClr>
-                    </a:solidFill>
-                  </a:tcPr>
-                </a:tc>
-                <a:tc>
-                  <a:txBody>
-                    <a:bodyPr/>
-                    <a:lstStyle/>
-                    <a:p>
-                      <a:pPr algn="l" fontAlgn="b"/>
-                      <a:r>
-                        <a:rPr lang="en-US" sz="1200" b="0" i="0" u="none" strike="noStrike" dirty="0">
-                          <a:solidFill>
-                            <a:schemeClr val="accent6">
-                              <a:lumMod val="75000"/>
-                            </a:schemeClr>
-                          </a:solidFill>
-                          <a:effectLst/>
-                          <a:latin typeface="+mn-lt"/>
-                        </a:rPr>
-                        <a:t>DNP</a:t>
-                      </a:r>
-                    </a:p>
-                  </a:txBody>
-                  <a:tcPr marL="9525" marR="9525" marT="9525" marB="0" anchor="b">
-                    <a:lnL w="38100" cap="flat" cmpd="sng" algn="ctr">
-                      <a:solidFill>
-                        <a:srgbClr val="FFFFFF"/>
-                      </a:solidFill>
-                      <a:prstDash val="solid"/>
-                    </a:lnL>
-                    <a:lnR w="38100" cap="flat" cmpd="sng" algn="ctr">
-                      <a:solidFill>
-                        <a:srgbClr val="FFFFFF"/>
-                      </a:solidFill>
-                      <a:prstDash val="solid"/>
-                    </a:lnR>
-                    <a:lnT w="38100" cap="flat" cmpd="sng" algn="ctr">
-                      <a:solidFill>
-                        <a:srgbClr val="FFFFFF"/>
-                      </a:solidFill>
-                      <a:prstDash val="solid"/>
-                    </a:lnT>
-                    <a:lnB w="12700" cap="flat" cmpd="sng" algn="ctr">
-                      <a:solidFill>
-                        <a:schemeClr val="tx1"/>
-                      </a:solidFill>
-                      <a:prstDash val="solid"/>
-                      <a:round/>
-                      <a:headEnd type="none" w="med" len="med"/>
-                      <a:tailEnd type="none" w="med" len="med"/>
-                    </a:lnB>
-                    <a:solidFill>
-                      <a:srgbClr val="878E8B">
-                        <a:alpha val="14902"/>
-                      </a:srgbClr>
-                    </a:solidFill>
-                  </a:tcPr>
-                </a:tc>
-                <a:tc>
-                  <a:txBody>
-                    <a:bodyPr/>
-                    <a:lstStyle/>
-                    <a:p>
-                      <a:pPr algn="l" fontAlgn="b"/>
-                      <a:r>
-                        <a:rPr lang="en-US" sz="1200" b="0" i="0" u="none" strike="noStrike" dirty="0">
-                          <a:solidFill>
-                            <a:schemeClr val="accent6">
-                              <a:lumMod val="75000"/>
-                            </a:schemeClr>
-                          </a:solidFill>
-                          <a:effectLst/>
-                          <a:latin typeface="+mn-lt"/>
-                        </a:rPr>
-                        <a:t>DNP</a:t>
-                      </a:r>
-                    </a:p>
-                  </a:txBody>
-                  <a:tcPr marL="9525" marR="9525" marT="9525" marB="0" anchor="b">
-                    <a:lnL w="38100" cap="flat" cmpd="sng" algn="ctr">
-                      <a:solidFill>
-                        <a:srgbClr val="FFFFFF"/>
-                      </a:solidFill>
-                      <a:prstDash val="solid"/>
-                    </a:lnL>
-                    <a:lnR w="38100" cap="flat" cmpd="sng" algn="ctr">
-                      <a:solidFill>
-                        <a:srgbClr val="FFFFFF"/>
-                      </a:solidFill>
-                      <a:prstDash val="solid"/>
-                    </a:lnR>
-                    <a:lnT w="38100" cap="flat" cmpd="sng" algn="ctr">
-                      <a:solidFill>
-                        <a:srgbClr val="FFFFFF"/>
-                      </a:solidFill>
-                      <a:prstDash val="solid"/>
-                    </a:lnT>
-                    <a:lnB w="12700" cap="flat" cmpd="sng" algn="ctr">
-                      <a:solidFill>
-                        <a:schemeClr val="tx1"/>
-                      </a:solidFill>
-                      <a:prstDash val="solid"/>
-                      <a:round/>
-                      <a:headEnd type="none" w="med" len="med"/>
-                      <a:tailEnd type="none" w="med" len="med"/>
-                    </a:lnB>
-                    <a:solidFill>
-                      <a:srgbClr val="878E8B">
-                        <a:alpha val="14902"/>
-                      </a:srgbClr>
-                    </a:solidFill>
-                  </a:tcPr>
-                </a:tc>
-                <a:tc>
-                  <a:txBody>
-                    <a:bodyPr/>
-                    <a:lstStyle/>
-                    <a:p>
-                      <a:pPr algn="l" fontAlgn="b"/>
-                      <a:r>
-                        <a:rPr lang="en-US" sz="1200" b="0" i="0" u="none" strike="noStrike" dirty="0">
-                          <a:solidFill>
-                            <a:schemeClr val="accent6">
-                              <a:lumMod val="75000"/>
-                            </a:schemeClr>
-                          </a:solidFill>
-                          <a:effectLst/>
-                          <a:latin typeface="+mn-lt"/>
-                        </a:rPr>
-                        <a:t>DNP</a:t>
-                      </a:r>
-                    </a:p>
-                  </a:txBody>
-                  <a:tcPr marL="9525" marR="9525" marT="9525" marB="0" anchor="b">
-                    <a:lnL w="38100" cap="flat" cmpd="sng" algn="ctr">
-                      <a:solidFill>
-                        <a:srgbClr val="FFFFFF"/>
-                      </a:solidFill>
-                      <a:prstDash val="solid"/>
-                    </a:lnL>
-                    <a:lnR w="38100" cap="flat" cmpd="sng" algn="ctr">
-                      <a:solidFill>
-                        <a:srgbClr val="FFFFFF"/>
-                      </a:solidFill>
-                      <a:prstDash val="solid"/>
-                    </a:lnR>
-                    <a:lnT w="38100" cap="flat" cmpd="sng" algn="ctr">
-                      <a:solidFill>
-                        <a:srgbClr val="FFFFFF"/>
-                      </a:solidFill>
-                      <a:prstDash val="solid"/>
-                    </a:lnT>
-                    <a:lnB w="12700" cap="flat" cmpd="sng" algn="ctr">
-                      <a:solidFill>
-                        <a:schemeClr val="tx1"/>
-                      </a:solidFill>
-                      <a:prstDash val="solid"/>
-                      <a:round/>
-                      <a:headEnd type="none" w="med" len="med"/>
-                      <a:tailEnd type="none" w="med" len="med"/>
-                    </a:lnB>
-                    <a:solidFill>
-                      <a:srgbClr val="878E8B">
-                        <a:alpha val="14902"/>
-                      </a:srgbClr>
-                    </a:solidFill>
-                  </a:tcPr>
-                </a:tc>
-                <a:tc>
-                  <a:txBody>
-                    <a:bodyPr/>
-                    <a:lstStyle/>
-                    <a:p>
-                      <a:pPr algn="ctr" fontAlgn="b"/>
-                      <a:r>
-                        <a:rPr lang="en-US" sz="1200" b="0" i="0" u="none" strike="noStrike" dirty="0">
-                          <a:solidFill>
-                            <a:srgbClr val="000000"/>
-                          </a:solidFill>
-                          <a:effectLst/>
-                          <a:latin typeface="+mn-lt"/>
-                        </a:rPr>
-                        <a:t>2:39:59</a:t>
-                      </a:r>
-                    </a:p>
-                  </a:txBody>
-                  <a:tcPr marL="9525" marR="9525" marT="9525" marB="0" anchor="b">
-                    <a:lnL w="38100" cap="flat" cmpd="sng" algn="ctr">
-                      <a:solidFill>
-                        <a:srgbClr val="FFFFFF"/>
-                      </a:solidFill>
-                      <a:prstDash val="solid"/>
-                    </a:lnL>
-                    <a:lnR w="12700" cap="flat" cmpd="sng" algn="ctr">
-                      <a:solidFill>
-                        <a:schemeClr val="tx1"/>
-                      </a:solidFill>
-                      <a:prstDash val="solid"/>
-                      <a:round/>
-                      <a:headEnd type="none" w="med" len="med"/>
-                      <a:tailEnd type="none" w="med" len="med"/>
-                    </a:lnR>
-                    <a:lnT w="38100" cap="flat" cmpd="sng" algn="ctr">
-                      <a:solidFill>
-                        <a:srgbClr val="FFFFFF"/>
-                      </a:solidFill>
-                      <a:prstDash val="solid"/>
-                    </a:lnT>
-                    <a:lnB w="12700" cap="flat" cmpd="sng" algn="ctr">
-                      <a:solidFill>
-                        <a:schemeClr val="tx1"/>
-                      </a:solidFill>
-                      <a:prstDash val="solid"/>
-                      <a:round/>
-                      <a:headEnd type="none" w="med" len="med"/>
-                      <a:tailEnd type="none" w="med" len="med"/>
-                    </a:lnB>
-                    <a:solidFill>
-                      <a:srgbClr val="878E8B">
-                        <a:alpha val="14902"/>
-                      </a:srgbClr>
-                    </a:solidFill>
-                  </a:tcPr>
-                </a:tc>
-                <a:extLst>
-                  <a:ext uri="{0D108BD9-81ED-4DB2-BD59-A6C34878D82A}">
-                    <a16:rowId xmlns:a16="http://schemas.microsoft.com/office/drawing/2014/main" val="88953798"/>
-                  </a:ext>
-                </a:extLst>
-              </a:tr>
-              <a:tr h="513309">
-                <a:tc>
-                  <a:txBody>
-                    <a:bodyPr/>
-                    <a:lstStyle/>
-                    <a:p>
-                      <a:pPr algn="r" fontAlgn="b"/>
-                      <a:r>
-                        <a:rPr lang="en-US" sz="1200" b="1" u="none" strike="noStrike" dirty="0">
-                          <a:solidFill>
-                            <a:schemeClr val="tx1">
-                              <a:lumMod val="85000"/>
-                              <a:lumOff val="15000"/>
-                            </a:schemeClr>
-                          </a:solidFill>
-                          <a:effectLst/>
-                        </a:rPr>
-                        <a:t>2019</a:t>
-                      </a:r>
-                      <a:endParaRPr lang="en-US" sz="1200" b="1" i="0" u="none" strike="noStrike" dirty="0">
-                        <a:solidFill>
-                          <a:schemeClr val="tx1">
-                            <a:lumMod val="85000"/>
-                            <a:lumOff val="15000"/>
-                          </a:schemeClr>
-                        </a:solidFill>
-                        <a:effectLst/>
-                        <a:latin typeface="Calibri" panose="020F0502020204030204" pitchFamily="34" charset="0"/>
-                      </a:endParaRPr>
-                    </a:p>
-                  </a:txBody>
-                  <a:tcPr marL="98405" marR="59043" marT="59043" marB="59043" anchor="b">
-                    <a:lnL w="12700" cmpd="sng">
-                      <a:noFill/>
-                      <a:prstDash val="solid"/>
-                    </a:lnL>
-                    <a:lnR w="12700" cap="flat" cmpd="sng" algn="ctr">
-                      <a:solidFill>
-                        <a:schemeClr val="tx1"/>
-                      </a:solidFill>
-                      <a:prstDash val="solid"/>
-                      <a:round/>
-                      <a:headEnd type="none" w="med" len="med"/>
-                      <a:tailEnd type="none" w="med" len="med"/>
-                    </a:lnR>
-                    <a:lnT w="38100" cap="flat" cmpd="sng" algn="ctr">
-                      <a:solidFill>
-                        <a:srgbClr val="FFFFFF"/>
-                      </a:solidFill>
-                      <a:prstDash val="solid"/>
-                    </a:lnT>
-                    <a:lnB w="38100" cap="flat" cmpd="sng" algn="ctr">
-                      <a:solidFill>
-                        <a:srgbClr val="FFFFFF"/>
-                      </a:solidFill>
-                      <a:prstDash val="solid"/>
-                    </a:lnB>
-                    <a:solidFill>
-                      <a:srgbClr val="878E8B">
-                        <a:alpha val="30196"/>
-                      </a:srgbClr>
-                    </a:solidFill>
-                  </a:tcPr>
-                </a:tc>
-                <a:tc>
-                  <a:txBody>
-                    <a:bodyPr/>
-                    <a:lstStyle/>
-                    <a:p>
-                      <a:pPr algn="l" fontAlgn="b"/>
-                      <a:r>
-                        <a:rPr lang="en-US" sz="1200" u="none" strike="noStrike" dirty="0">
-                          <a:solidFill>
-                            <a:schemeClr val="tx1">
-                              <a:lumMod val="85000"/>
-                              <a:lumOff val="15000"/>
-                            </a:schemeClr>
-                          </a:solidFill>
-                          <a:effectLst/>
-                        </a:rPr>
-                        <a:t>Scott </a:t>
-                      </a:r>
-                      <a:r>
-                        <a:rPr lang="en-US" sz="1200" u="none" strike="noStrike" dirty="0" err="1">
-                          <a:solidFill>
-                            <a:schemeClr val="tx1">
-                              <a:lumMod val="85000"/>
-                              <a:lumOff val="15000"/>
-                            </a:schemeClr>
-                          </a:solidFill>
-                          <a:effectLst/>
-                        </a:rPr>
-                        <a:t>Wietecha</a:t>
-                      </a:r>
-                      <a:endParaRPr lang="en-US" sz="1200" b="0" i="0" u="none" strike="noStrike" dirty="0">
-                        <a:solidFill>
-                          <a:schemeClr val="tx1">
-                            <a:lumMod val="85000"/>
-                            <a:lumOff val="15000"/>
-                          </a:schemeClr>
-                        </a:solidFill>
-                        <a:effectLst/>
-                        <a:latin typeface="Calibri" panose="020F0502020204030204" pitchFamily="34" charset="0"/>
-                      </a:endParaRPr>
-                    </a:p>
-                  </a:txBody>
-                  <a:tcPr marL="98405" marR="59043" marT="59043" marB="59043" anchor="b">
-                    <a:lnL w="12700" cap="flat" cmpd="sng" algn="ctr">
-                      <a:solidFill>
-                        <a:schemeClr val="tx1"/>
-                      </a:solidFill>
-                      <a:prstDash val="solid"/>
-                      <a:round/>
-                      <a:headEnd type="none" w="med" len="med"/>
-                      <a:tailEnd type="none" w="med" len="med"/>
-                    </a:lnL>
-                    <a:lnR w="12700" cap="flat" cmpd="sng" algn="ctr">
-                      <a:solidFill>
-                        <a:schemeClr val="tx1"/>
-                      </a:solidFill>
-                      <a:prstDash val="solid"/>
-                      <a:round/>
-                      <a:headEnd type="none" w="med" len="med"/>
-                      <a:tailEnd type="none" w="med" len="med"/>
-                    </a:lnR>
-                    <a:lnT w="12700" cap="flat" cmpd="sng" algn="ctr">
-                      <a:solidFill>
-                        <a:schemeClr val="tx1"/>
-                      </a:solidFill>
-                      <a:prstDash val="solid"/>
-                      <a:round/>
-                      <a:headEnd type="none" w="med" len="med"/>
-                      <a:tailEnd type="none" w="med" len="med"/>
-                    </a:lnT>
-                    <a:lnB w="38100" cap="flat" cmpd="sng" algn="ctr">
-                      <a:solidFill>
-                        <a:srgbClr val="FFFFFF"/>
-                      </a:solidFill>
-                      <a:prstDash val="solid"/>
-                    </a:lnB>
-                    <a:solidFill>
-                      <a:srgbClr val="878E8B">
-                        <a:alpha val="30196"/>
-                      </a:srgbClr>
-                    </a:solidFill>
-                  </a:tcPr>
-                </a:tc>
-                <a:tc>
-                  <a:txBody>
-                    <a:bodyPr/>
-                    <a:lstStyle/>
-                    <a:p>
-                      <a:pPr algn="l" fontAlgn="b"/>
-                      <a:endParaRPr lang="en-US" sz="1200" b="0" i="0" u="none" strike="noStrike">
-                        <a:solidFill>
-                          <a:schemeClr val="tx1">
-                            <a:lumMod val="85000"/>
-                            <a:lumOff val="15000"/>
-                          </a:schemeClr>
-                        </a:solidFill>
-                        <a:effectLst/>
-                        <a:latin typeface="Calibri" panose="020F0502020204030204" pitchFamily="34" charset="0"/>
-                      </a:endParaRPr>
-                    </a:p>
-                  </a:txBody>
-                  <a:tcPr marL="98405" marR="59043" marT="59043" marB="59043" anchor="b">
-                    <a:lnL w="12700" cap="flat" cmpd="sng" algn="ctr">
-                      <a:solidFill>
-                        <a:schemeClr val="tx1"/>
-                      </a:solidFill>
-                      <a:prstDash val="solid"/>
-                      <a:round/>
-                      <a:headEnd type="none" w="med" len="med"/>
-                      <a:tailEnd type="none" w="med" len="med"/>
-                    </a:lnL>
-                    <a:lnR w="38100" cap="flat" cmpd="sng" algn="ctr">
-                      <a:solidFill>
-                        <a:srgbClr val="FFFFFF"/>
-                      </a:solidFill>
-                      <a:prstDash val="solid"/>
-                    </a:lnR>
-                    <a:lnT w="38100" cap="flat" cmpd="sng" algn="ctr">
-                      <a:solidFill>
-                        <a:srgbClr val="FFFFFF"/>
-                      </a:solidFill>
-                      <a:prstDash val="solid"/>
-                    </a:lnT>
-                    <a:lnB w="38100" cap="flat" cmpd="sng" algn="ctr">
-                      <a:solidFill>
-                        <a:srgbClr val="FFFFFF"/>
-                      </a:solidFill>
-                      <a:prstDash val="solid"/>
-                    </a:lnB>
-                    <a:solidFill>
-                      <a:srgbClr val="878E8B">
-                        <a:alpha val="30196"/>
-                      </a:srgbClr>
-                    </a:solidFill>
-                  </a:tcPr>
-                </a:tc>
-                <a:tc>
-                  <a:txBody>
-                    <a:bodyPr/>
-                    <a:lstStyle/>
-                    <a:p>
-                      <a:pPr algn="l" fontAlgn="b"/>
-                      <a:endParaRPr lang="en-US" sz="1200" b="0" i="0" u="none" strike="noStrike">
-                        <a:solidFill>
-                          <a:schemeClr val="tx1">
-                            <a:lumMod val="85000"/>
-                            <a:lumOff val="15000"/>
-                          </a:schemeClr>
-                        </a:solidFill>
-                        <a:effectLst/>
-                        <a:latin typeface="Calibri" panose="020F0502020204030204" pitchFamily="34" charset="0"/>
-                      </a:endParaRPr>
-                    </a:p>
-                  </a:txBody>
-                  <a:tcPr marL="98405" marR="59043" marT="59043" marB="59043" anchor="b">
-                    <a:lnL w="38100" cap="flat" cmpd="sng" algn="ctr">
-                      <a:solidFill>
-                        <a:srgbClr val="FFFFFF"/>
-                      </a:solidFill>
-                      <a:prstDash val="solid"/>
                     </a:lnL>
                     <a:lnR w="38100" cap="flat" cmpd="sng" algn="ctr">
                       <a:solidFill>
@@ -21814,7 +21838,7 @@
                     <a:lstStyle/>
                     <a:p>
                       <a:pPr algn="l" fontAlgn="b"/>
-                      <a:endParaRPr lang="en-US" sz="1200" b="0" i="0" u="none" strike="noStrike">
+                      <a:endParaRPr lang="en-US" sz="1200" b="0" i="0" u="none" strike="noStrike" dirty="0">
                         <a:solidFill>
                           <a:schemeClr val="tx1">
                             <a:lumMod val="85000"/>
@@ -21836,11 +21860,14 @@
                       <a:headEnd type="none" w="med" len="med"/>
                       <a:tailEnd type="none" w="med" len="med"/>
                     </a:lnL>
-                    <a:lnR w="38100" cap="flat" cmpd="sng" algn="ctr">
-                      <a:solidFill>
-                        <a:srgbClr val="FFFFFF"/>
-                      </a:solidFill>
-                      <a:prstDash val="solid"/>
+                    <a:lnR w="12700" cap="flat" cmpd="sng" algn="ctr">
+                      <a:solidFill>
+                        <a:schemeClr val="tx1"/>
+                      </a:solidFill>
+                      <a:prstDash val="solid"/>
+                      <a:round/>
+                      <a:headEnd type="none" w="med" len="med"/>
+                      <a:tailEnd type="none" w="med" len="med"/>
                     </a:lnR>
                     <a:lnT w="38100" cap="flat" cmpd="sng" algn="ctr">
                       <a:solidFill>
@@ -21855,9 +21882,9 @@
                       <a:prstDash val="solid"/>
                     </a:lnB>
                     <a:solidFill>
-                      <a:srgbClr val="878E8B">
-                        <a:alpha val="14902"/>
-                      </a:srgbClr>
+                      <a:schemeClr val="bg2">
+                        <a:lumMod val="10000"/>
+                      </a:schemeClr>
                     </a:solidFill>
                   </a:tcPr>
                 </a:tc>
@@ -21880,11 +21907,14 @@
                     </a:p>
                   </a:txBody>
                   <a:tcPr marL="98405" marR="59043" marT="59043" marB="59043" anchor="b">
-                    <a:lnL w="38100" cap="flat" cmpd="sng" algn="ctr">
-                      <a:solidFill>
-                        <a:srgbClr val="FFFFFF"/>
-                      </a:solidFill>
-                      <a:prstDash val="solid"/>
+                    <a:lnL w="12700" cap="flat" cmpd="sng" algn="ctr">
+                      <a:solidFill>
+                        <a:schemeClr val="tx1"/>
+                      </a:solidFill>
+                      <a:prstDash val="solid"/>
+                      <a:round/>
+                      <a:headEnd type="none" w="med" len="med"/>
+                      <a:tailEnd type="none" w="med" len="med"/>
                     </a:lnL>
                     <a:lnR w="38100" cap="flat" cmpd="sng" algn="ctr">
                       <a:solidFill>
@@ -22342,7 +22372,61 @@
                     <a:lstStyle/>
                     <a:p>
                       <a:pPr algn="l" fontAlgn="b"/>
-                      <a:endParaRPr lang="en-US" sz="1200" b="0" i="0" u="none" strike="noStrike">
+                      <a:endParaRPr lang="en-US" sz="1200" b="0" i="0" u="none" strike="noStrike" dirty="0">
+                        <a:solidFill>
+                          <a:schemeClr val="tx1">
+                            <a:lumMod val="85000"/>
+                            <a:lumOff val="15000"/>
+                          </a:schemeClr>
+                        </a:solidFill>
+                        <a:effectLst/>
+                        <a:latin typeface="Calibri" panose="020F0502020204030204" pitchFamily="34" charset="0"/>
+                      </a:endParaRPr>
+                    </a:p>
+                  </a:txBody>
+                  <a:tcPr marL="98405" marR="59043" marT="59043" marB="59043" anchor="b">
+                    <a:lnL w="12700" cap="flat" cmpd="sng" algn="ctr">
+                      <a:solidFill>
+                        <a:schemeClr val="tx1"/>
+                      </a:solidFill>
+                      <a:prstDash val="solid"/>
+                      <a:round/>
+                      <a:headEnd type="none" w="med" len="med"/>
+                      <a:tailEnd type="none" w="med" len="med"/>
+                    </a:lnL>
+                    <a:lnR w="12700" cap="flat" cmpd="sng" algn="ctr">
+                      <a:solidFill>
+                        <a:schemeClr val="tx1"/>
+                      </a:solidFill>
+                      <a:prstDash val="solid"/>
+                      <a:round/>
+                      <a:headEnd type="none" w="med" len="med"/>
+                      <a:tailEnd type="none" w="med" len="med"/>
+                    </a:lnR>
+                    <a:lnT w="38100" cap="flat" cmpd="sng" algn="ctr">
+                      <a:solidFill>
+                        <a:srgbClr val="FFFFFF"/>
+                      </a:solidFill>
+                      <a:prstDash val="solid"/>
+                    </a:lnT>
+                    <a:lnB w="12700" cmpd="sng">
+                      <a:noFill/>
+                      <a:prstDash val="solid"/>
+                    </a:lnB>
+                    <a:solidFill>
+                      <a:schemeClr val="bg2">
+                        <a:lumMod val="10000"/>
+                      </a:schemeClr>
+                    </a:solidFill>
+                  </a:tcPr>
+                </a:tc>
+                <a:tc>
+                  <a:txBody>
+                    <a:bodyPr/>
+                    <a:lstStyle/>
+                    <a:p>
+                      <a:pPr algn="l" fontAlgn="b"/>
+                      <a:endParaRPr lang="en-US" sz="1200" b="0" i="0" u="none" strike="noStrike" dirty="0">
                         <a:solidFill>
                           <a:schemeClr val="tx1">
                             <a:lumMod val="85000"/>
@@ -22393,55 +22477,7 @@
                     <a:lstStyle/>
                     <a:p>
                       <a:pPr algn="l" fontAlgn="b"/>
-                      <a:endParaRPr lang="en-US" sz="1200" b="0" i="0" u="none" strike="noStrike">
-                        <a:solidFill>
-                          <a:schemeClr val="tx1">
-                            <a:lumMod val="85000"/>
-                            <a:lumOff val="15000"/>
-                          </a:schemeClr>
-                        </a:solidFill>
-                        <a:effectLst/>
-                        <a:latin typeface="Calibri" panose="020F0502020204030204" pitchFamily="34" charset="0"/>
-                      </a:endParaRPr>
-                    </a:p>
-                  </a:txBody>
-                  <a:tcPr marL="98405" marR="59043" marT="59043" marB="59043" anchor="b">
-                    <a:lnL w="38100" cap="flat" cmpd="sng" algn="ctr">
-                      <a:solidFill>
-                        <a:srgbClr val="FFFFFF"/>
-                      </a:solidFill>
-                      <a:prstDash val="solid"/>
-                    </a:lnL>
-                    <a:lnR w="38100" cap="flat" cmpd="sng" algn="ctr">
-                      <a:solidFill>
-                        <a:srgbClr val="FFFFFF"/>
-                      </a:solidFill>
-                      <a:prstDash val="solid"/>
-                    </a:lnR>
-                    <a:lnT w="38100" cap="flat" cmpd="sng" algn="ctr">
-                      <a:solidFill>
-                        <a:srgbClr val="FFFFFF"/>
-                      </a:solidFill>
-                      <a:prstDash val="solid"/>
-                    </a:lnT>
-                    <a:lnB w="12700" cmpd="sng">
-                      <a:noFill/>
-                      <a:prstDash val="solid"/>
-                    </a:lnB>
-                    <a:solidFill>
-                      <a:srgbClr val="878E8B">
-                        <a:alpha val="30196"/>
-                      </a:srgbClr>
-                    </a:solidFill>
-                  </a:tcPr>
-                </a:tc>
-                <a:tc>
-                  <a:txBody>
-                    <a:bodyPr/>
-                    <a:lstStyle/>
-                    <a:p>
-                      <a:pPr algn="l" fontAlgn="b"/>
-                      <a:endParaRPr lang="en-US" sz="1200" b="0" i="0" u="none" strike="noStrike">
+                      <a:endParaRPr lang="en-US" sz="1200" b="0" i="0" u="none" strike="noStrike" dirty="0">
                         <a:solidFill>
                           <a:schemeClr val="tx1">
                             <a:lumMod val="85000"/>
@@ -22745,7 +22781,7 @@
         </p:nvSpPr>
         <p:spPr>
           <a:xfrm>
-            <a:off x="101655" y="4700745"/>
+            <a:off x="101656" y="5008523"/>
             <a:ext cx="1447832" cy="307777"/>
           </a:xfrm>
           <a:prstGeom prst="rect">
@@ -22786,7 +22822,7 @@
         </p:nvSpPr>
         <p:spPr>
           <a:xfrm>
-            <a:off x="363038" y="5008522"/>
+            <a:off x="363039" y="5316300"/>
             <a:ext cx="4214143" cy="1384995"/>
           </a:xfrm>
           <a:prstGeom prst="rect">
@@ -23070,7 +23106,9 @@
           </a:xfrm>
         </p:spPr>
         <p:txBody>
-          <a:bodyPr/>
+          <a:bodyPr>
+            <a:normAutofit fontScale="92500" lnSpcReduction="10000"/>
+          </a:bodyPr>
           <a:lstStyle/>
           <a:p>
             <a:r>
@@ -23097,6 +23135,10 @@
               <a:rPr lang="en-US" dirty="0"/>
               <a:t>2017 race was 10 degrees hotter than any time in the past decade</a:t>
             </a:r>
+            <a:r>
+              <a:rPr lang="en-US" baseline="30000" dirty="0"/>
+              <a:t>1</a:t>
+            </a:r>
           </a:p>
           <a:p>
             <a:r>
@@ -23119,11 +23161,127 @@
             <a:pPr lvl="1"/>
             <a:r>
               <a:rPr lang="en-US" dirty="0"/>
+              <a:t>50% of Chicago Marathon runners finishing &lt;180 minutes are repeating the race</a:t>
+            </a:r>
+            <a:r>
+              <a:rPr lang="en-US" baseline="30000" dirty="0"/>
+              <a:t>2</a:t>
+            </a:r>
+          </a:p>
+          <a:p>
+            <a:pPr lvl="1"/>
+            <a:r>
+              <a:rPr lang="en-US" dirty="0"/>
               <a:t>Perhaps ask top finishers for feedback</a:t>
             </a:r>
           </a:p>
           <a:p>
             <a:endParaRPr lang="en-US" dirty="0"/>
+          </a:p>
+        </p:txBody>
+      </p:sp>
+      <p:sp>
+        <p:nvSpPr>
+          <p:cNvPr id="6" name="TextBox 5">
+            <a:extLst>
+              <a:ext uri="{FF2B5EF4-FFF2-40B4-BE49-F238E27FC236}">
+                <a16:creationId xmlns:a16="http://schemas.microsoft.com/office/drawing/2014/main" id="{740EA423-3A15-4BE7-B305-E8E606EDECCD}"/>
+              </a:ext>
+            </a:extLst>
+          </p:cNvPr>
+          <p:cNvSpPr txBox="1"/>
+          <p:nvPr/>
+        </p:nvSpPr>
+        <p:spPr>
+          <a:xfrm>
+            <a:off x="2611808" y="5846745"/>
+            <a:ext cx="891591" cy="307777"/>
+          </a:xfrm>
+          <a:prstGeom prst="rect">
+            <a:avLst/>
+          </a:prstGeom>
+          <a:noFill/>
+        </p:spPr>
+        <p:txBody>
+          <a:bodyPr wrap="none" rtlCol="0">
+            <a:spAutoFit/>
+          </a:bodyPr>
+          <a:lstStyle/>
+          <a:p>
+            <a:r>
+              <a:rPr lang="en-US" sz="1400" dirty="0">
+                <a:solidFill>
+                  <a:schemeClr val="bg1">
+                    <a:lumMod val="50000"/>
+                    <a:lumOff val="50000"/>
+                  </a:schemeClr>
+                </a:solidFill>
+              </a:rPr>
+              <a:t>Sources:</a:t>
+            </a:r>
+          </a:p>
+        </p:txBody>
+      </p:sp>
+      <p:sp>
+        <p:nvSpPr>
+          <p:cNvPr id="8" name="TextBox 7">
+            <a:extLst>
+              <a:ext uri="{FF2B5EF4-FFF2-40B4-BE49-F238E27FC236}">
+                <a16:creationId xmlns:a16="http://schemas.microsoft.com/office/drawing/2014/main" id="{2E24A75D-55AC-4B10-AEA9-D246A4F8A4CE}"/>
+              </a:ext>
+            </a:extLst>
+          </p:cNvPr>
+          <p:cNvSpPr txBox="1"/>
+          <p:nvPr/>
+        </p:nvSpPr>
+        <p:spPr>
+          <a:xfrm>
+            <a:off x="2873191" y="6154522"/>
+            <a:ext cx="7879080" cy="461665"/>
+          </a:xfrm>
+          <a:prstGeom prst="rect">
+            <a:avLst/>
+          </a:prstGeom>
+          <a:noFill/>
+        </p:spPr>
+        <p:txBody>
+          <a:bodyPr wrap="none" rtlCol="0">
+            <a:spAutoFit/>
+          </a:bodyPr>
+          <a:lstStyle/>
+          <a:p>
+            <a:r>
+              <a:rPr lang="en-US" sz="1200" dirty="0">
+                <a:solidFill>
+                  <a:schemeClr val="bg1">
+                    <a:lumMod val="50000"/>
+                    <a:lumOff val="50000"/>
+                  </a:schemeClr>
+                </a:solidFill>
+              </a:rPr>
+              <a:t>1) https://findmymarathon.com/weather-detail.php?zname=Rock%20n%20Roll%20Nashville%20Marathon&amp;year=</a:t>
+            </a:r>
+            <a:br>
+              <a:rPr lang="en-US" sz="1200" dirty="0">
+                <a:solidFill>
+                  <a:schemeClr val="bg1">
+                    <a:lumMod val="50000"/>
+                    <a:lumOff val="50000"/>
+                  </a:schemeClr>
+                </a:solidFill>
+              </a:rPr>
+            </a:br>
+            <a:r>
+              <a:rPr lang="en-US" sz="1200" dirty="0">
+                <a:solidFill>
+                  <a:schemeClr val="bg1">
+                    <a:lumMod val="50000"/>
+                    <a:lumOff val="50000"/>
+                  </a:schemeClr>
+                </a:solidFill>
+              </a:rPr>
+              <a:t>2) https://medium.com/running-with-data/the-data-of-the-chicago-marathon-cd216a3601aa</a:t>
+            </a:r>
           </a:p>
         </p:txBody>
       </p:sp>
